--- a/再探MongoDB_解晓伟.pptx
+++ b/再探MongoDB_解晓伟.pptx
@@ -5,7 +5,7 @@
     <p:sldMasterId id="2147483648" r:id="rId1"/>
   </p:sldMasterIdLst>
   <p:notesMasterIdLst>
-    <p:notesMasterId r:id="rId19"/>
+    <p:notesMasterId r:id="rId21"/>
   </p:notesMasterIdLst>
   <p:sldIdLst>
     <p:sldId id="256" r:id="rId2"/>
@@ -16,15 +16,17 @@
     <p:sldId id="321" r:id="rId7"/>
     <p:sldId id="326" r:id="rId8"/>
     <p:sldId id="325" r:id="rId9"/>
-    <p:sldId id="322" r:id="rId10"/>
-    <p:sldId id="327" r:id="rId11"/>
-    <p:sldId id="328" r:id="rId12"/>
-    <p:sldId id="324" r:id="rId13"/>
-    <p:sldId id="330" r:id="rId14"/>
-    <p:sldId id="329" r:id="rId15"/>
-    <p:sldId id="331" r:id="rId16"/>
-    <p:sldId id="308" r:id="rId17"/>
-    <p:sldId id="289" r:id="rId18"/>
+    <p:sldId id="332" r:id="rId10"/>
+    <p:sldId id="322" r:id="rId11"/>
+    <p:sldId id="327" r:id="rId12"/>
+    <p:sldId id="328" r:id="rId13"/>
+    <p:sldId id="333" r:id="rId14"/>
+    <p:sldId id="324" r:id="rId15"/>
+    <p:sldId id="330" r:id="rId16"/>
+    <p:sldId id="329" r:id="rId17"/>
+    <p:sldId id="331" r:id="rId18"/>
+    <p:sldId id="308" r:id="rId19"/>
+    <p:sldId id="289" r:id="rId20"/>
   </p:sldIdLst>
   <p:sldSz cx="12192000" cy="6858000"/>
   <p:notesSz cx="6858000" cy="9144000"/>
@@ -224,7 +226,7 @@
           <a:p>
             <a:fld id="{23FE1587-51BB-4154-8F96-DB3D3A1369DA}" type="datetimeFigureOut">
               <a:rPr lang="zh-CN" altLang="en-US" smtClean="0"/>
-              <a:t>2018/10/29</a:t>
+              <a:t>2018/10/30</a:t>
             </a:fld>
             <a:endParaRPr lang="zh-CN" altLang="en-US"/>
           </a:p>
@@ -3334,6 +3336,547 @@
       </p:grpSpPr>
       <p:sp>
         <p:nvSpPr>
+          <p:cNvPr id="23" name="文本框 22"/>
+          <p:cNvSpPr txBox="1"/>
+          <p:nvPr/>
+        </p:nvSpPr>
+        <p:spPr>
+          <a:xfrm>
+            <a:off x="5695891" y="273790"/>
+            <a:ext cx="800219" cy="461665"/>
+          </a:xfrm>
+          <a:prstGeom prst="rect">
+            <a:avLst/>
+          </a:prstGeom>
+          <a:noFill/>
+        </p:spPr>
+        <p:txBody>
+          <a:bodyPr wrap="none" rtlCol="0" anchor="ctr">
+            <a:spAutoFit/>
+          </a:bodyPr>
+          <a:lstStyle/>
+          <a:p>
+            <a:pPr algn="ctr"/>
+            <a:r>
+              <a:rPr lang="zh-CN" altLang="en-US" sz="2400" b="1" dirty="0" smtClean="0">
+                <a:solidFill>
+                  <a:schemeClr val="bg1"/>
+                </a:solidFill>
+                <a:cs typeface="+mn-ea"/>
+              </a:rPr>
+              <a:t>索引</a:t>
+            </a:r>
+            <a:endParaRPr lang="zh-CN" altLang="en-US" sz="2400" b="1" dirty="0">
+              <a:solidFill>
+                <a:schemeClr val="bg1"/>
+              </a:solidFill>
+              <a:cs typeface="+mn-ea"/>
+            </a:endParaRPr>
+          </a:p>
+        </p:txBody>
+      </p:sp>
+      <p:grpSp>
+        <p:nvGrpSpPr>
+          <p:cNvPr id="37" name="组合 36"/>
+          <p:cNvGrpSpPr/>
+          <p:nvPr/>
+        </p:nvGrpSpPr>
+        <p:grpSpPr>
+          <a:xfrm>
+            <a:off x="1811524" y="468618"/>
+            <a:ext cx="8568952" cy="80062"/>
+            <a:chOff x="1811524" y="468618"/>
+            <a:chExt cx="8568952" cy="80062"/>
+          </a:xfrm>
+        </p:grpSpPr>
+        <p:cxnSp>
+          <p:nvCxnSpPr>
+            <p:cNvPr id="25" name="直接连接符 24"/>
+            <p:cNvCxnSpPr/>
+            <p:nvPr/>
+          </p:nvCxnSpPr>
+          <p:spPr>
+            <a:xfrm flipH="1">
+              <a:off x="1811524" y="468618"/>
+              <a:ext cx="2664296" cy="0"/>
+            </a:xfrm>
+            <a:prstGeom prst="line">
+              <a:avLst/>
+            </a:prstGeom>
+            <a:ln>
+              <a:solidFill>
+                <a:srgbClr val="39BDED">
+                  <a:alpha val="50000"/>
+                </a:srgbClr>
+              </a:solidFill>
+            </a:ln>
+          </p:spPr>
+          <p:style>
+            <a:lnRef idx="1">
+              <a:schemeClr val="accent1"/>
+            </a:lnRef>
+            <a:fillRef idx="0">
+              <a:schemeClr val="accent1"/>
+            </a:fillRef>
+            <a:effectRef idx="0">
+              <a:schemeClr val="accent1"/>
+            </a:effectRef>
+            <a:fontRef idx="minor">
+              <a:schemeClr val="tx1"/>
+            </a:fontRef>
+          </p:style>
+        </p:cxnSp>
+        <p:cxnSp>
+          <p:nvCxnSpPr>
+            <p:cNvPr id="26" name="直接连接符 25"/>
+            <p:cNvCxnSpPr/>
+            <p:nvPr/>
+          </p:nvCxnSpPr>
+          <p:spPr>
+            <a:xfrm flipH="1">
+              <a:off x="1811524" y="548680"/>
+              <a:ext cx="2664296" cy="0"/>
+            </a:xfrm>
+            <a:prstGeom prst="line">
+              <a:avLst/>
+            </a:prstGeom>
+            <a:ln>
+              <a:solidFill>
+                <a:srgbClr val="39BDED">
+                  <a:alpha val="50000"/>
+                </a:srgbClr>
+              </a:solidFill>
+            </a:ln>
+          </p:spPr>
+          <p:style>
+            <a:lnRef idx="1">
+              <a:schemeClr val="accent1"/>
+            </a:lnRef>
+            <a:fillRef idx="0">
+              <a:schemeClr val="accent1"/>
+            </a:fillRef>
+            <a:effectRef idx="0">
+              <a:schemeClr val="accent1"/>
+            </a:effectRef>
+            <a:fontRef idx="minor">
+              <a:schemeClr val="tx1"/>
+            </a:fontRef>
+          </p:style>
+        </p:cxnSp>
+        <p:cxnSp>
+          <p:nvCxnSpPr>
+            <p:cNvPr id="33" name="直接连接符 32"/>
+            <p:cNvCxnSpPr/>
+            <p:nvPr/>
+          </p:nvCxnSpPr>
+          <p:spPr>
+            <a:xfrm flipH="1">
+              <a:off x="7716180" y="468618"/>
+              <a:ext cx="2664296" cy="0"/>
+            </a:xfrm>
+            <a:prstGeom prst="line">
+              <a:avLst/>
+            </a:prstGeom>
+            <a:ln>
+              <a:solidFill>
+                <a:srgbClr val="39BDED">
+                  <a:alpha val="50000"/>
+                </a:srgbClr>
+              </a:solidFill>
+            </a:ln>
+          </p:spPr>
+          <p:style>
+            <a:lnRef idx="1">
+              <a:schemeClr val="accent1"/>
+            </a:lnRef>
+            <a:fillRef idx="0">
+              <a:schemeClr val="accent1"/>
+            </a:fillRef>
+            <a:effectRef idx="0">
+              <a:schemeClr val="accent1"/>
+            </a:effectRef>
+            <a:fontRef idx="minor">
+              <a:schemeClr val="tx1"/>
+            </a:fontRef>
+          </p:style>
+        </p:cxnSp>
+        <p:cxnSp>
+          <p:nvCxnSpPr>
+            <p:cNvPr id="34" name="直接连接符 33"/>
+            <p:cNvCxnSpPr/>
+            <p:nvPr/>
+          </p:nvCxnSpPr>
+          <p:spPr>
+            <a:xfrm flipH="1">
+              <a:off x="7716180" y="548680"/>
+              <a:ext cx="2664296" cy="0"/>
+            </a:xfrm>
+            <a:prstGeom prst="line">
+              <a:avLst/>
+            </a:prstGeom>
+            <a:ln>
+              <a:solidFill>
+                <a:srgbClr val="39BDED">
+                  <a:alpha val="50000"/>
+                </a:srgbClr>
+              </a:solidFill>
+            </a:ln>
+          </p:spPr>
+          <p:style>
+            <a:lnRef idx="1">
+              <a:schemeClr val="accent1"/>
+            </a:lnRef>
+            <a:fillRef idx="0">
+              <a:schemeClr val="accent1"/>
+            </a:fillRef>
+            <a:effectRef idx="0">
+              <a:schemeClr val="accent1"/>
+            </a:effectRef>
+            <a:fontRef idx="minor">
+              <a:schemeClr val="tx1"/>
+            </a:fontRef>
+          </p:style>
+        </p:cxnSp>
+      </p:grpSp>
+      <p:sp>
+        <p:nvSpPr>
+          <p:cNvPr id="7" name="文本框 6"/>
+          <p:cNvSpPr txBox="1"/>
+          <p:nvPr/>
+        </p:nvSpPr>
+        <p:spPr>
+          <a:xfrm>
+            <a:off x="407368" y="1797783"/>
+            <a:ext cx="4896544" cy="2031325"/>
+          </a:xfrm>
+          <a:prstGeom prst="rect">
+            <a:avLst/>
+          </a:prstGeom>
+          <a:noFill/>
+        </p:spPr>
+        <p:txBody>
+          <a:bodyPr wrap="square" rtlCol="0">
+            <a:spAutoFit/>
+          </a:bodyPr>
+          <a:lstStyle/>
+          <a:p>
+            <a:r>
+              <a:rPr lang="zh-CN" altLang="en-US" dirty="0" smtClean="0"/>
+              <a:t>存在的价值：</a:t>
+            </a:r>
+            <a:endParaRPr lang="en-US" altLang="zh-CN" dirty="0" smtClean="0"/>
+          </a:p>
+          <a:p>
+            <a:endParaRPr lang="en-US" altLang="zh-CN" dirty="0"/>
+          </a:p>
+          <a:p>
+            <a:r>
+              <a:rPr lang="zh-CN" altLang="en-US" dirty="0"/>
+              <a:t>避</a:t>
+            </a:r>
+            <a:r>
+              <a:rPr lang="zh-CN" altLang="en-US" dirty="0" smtClean="0"/>
+              <a:t>免遍历整个数据库，加快查询速度</a:t>
+            </a:r>
+            <a:endParaRPr lang="en-US" altLang="zh-CN" dirty="0" smtClean="0"/>
+          </a:p>
+          <a:p>
+            <a:endParaRPr lang="en-US" altLang="zh-CN" dirty="0"/>
+          </a:p>
+          <a:p>
+            <a:r>
+              <a:rPr lang="zh-CN" altLang="en-US" dirty="0" smtClean="0"/>
+              <a:t>付出的代价：</a:t>
+            </a:r>
+            <a:endParaRPr lang="en-US" altLang="zh-CN" dirty="0" smtClean="0"/>
+          </a:p>
+          <a:p>
+            <a:endParaRPr lang="en-US" altLang="zh-CN" dirty="0"/>
+          </a:p>
+          <a:p>
+            <a:r>
+              <a:rPr lang="zh-CN" altLang="en-US" dirty="0" smtClean="0"/>
+              <a:t>复杂的索引的建立过程是非常消耗系统资源的</a:t>
+            </a:r>
+            <a:endParaRPr lang="zh-CN" altLang="en-US" dirty="0"/>
+          </a:p>
+        </p:txBody>
+      </p:sp>
+      <p:pic>
+        <p:nvPicPr>
+          <p:cNvPr id="8" name="图片 7"/>
+          <p:cNvPicPr>
+            <a:picLocks noChangeAspect="1"/>
+          </p:cNvPicPr>
+          <p:nvPr/>
+        </p:nvPicPr>
+        <p:blipFill>
+          <a:blip r:embed="rId2"/>
+          <a:stretch>
+            <a:fillRect/>
+          </a:stretch>
+        </p:blipFill>
+        <p:spPr>
+          <a:xfrm>
+            <a:off x="5303912" y="1796426"/>
+            <a:ext cx="6696744" cy="3495150"/>
+          </a:xfrm>
+          <a:prstGeom prst="rect">
+            <a:avLst/>
+          </a:prstGeom>
+        </p:spPr>
+      </p:pic>
+    </p:spTree>
+    <p:extLst>
+      <p:ext uri="{BB962C8B-B14F-4D97-AF65-F5344CB8AC3E}">
+        <p14:creationId xmlns:p14="http://schemas.microsoft.com/office/powerpoint/2010/main" val="1294411085"/>
+      </p:ext>
+    </p:extLst>
+  </p:cSld>
+  <p:clrMapOvr>
+    <a:masterClrMapping/>
+  </p:clrMapOvr>
+  <p:transition spd="slow">
+    <p:push/>
+  </p:transition>
+  <p:timing>
+    <p:tnLst>
+      <p:par>
+        <p:cTn id="1" dur="indefinite" restart="never" nodeType="tmRoot">
+          <p:childTnLst>
+            <p:seq concurrent="1" nextAc="seek">
+              <p:cTn id="2" dur="indefinite" nodeType="mainSeq">
+                <p:childTnLst>
+                  <p:par>
+                    <p:cTn id="3" fill="hold">
+                      <p:stCondLst>
+                        <p:cond delay="indefinite"/>
+                        <p:cond evt="onBegin" delay="0">
+                          <p:tn val="2"/>
+                        </p:cond>
+                      </p:stCondLst>
+                      <p:childTnLst>
+                        <p:par>
+                          <p:cTn id="4" fill="hold">
+                            <p:stCondLst>
+                              <p:cond delay="0"/>
+                            </p:stCondLst>
+                            <p:childTnLst>
+                              <p:par>
+                                <p:cTn id="5" presetID="50" presetClass="entr" presetSubtype="0" decel="100000" fill="hold" grpId="0" nodeType="afterEffect">
+                                  <p:stCondLst>
+                                    <p:cond delay="0"/>
+                                  </p:stCondLst>
+                                  <p:childTnLst>
+                                    <p:set>
+                                      <p:cBhvr>
+                                        <p:cTn id="6" dur="1" fill="hold">
+                                          <p:stCondLst>
+                                            <p:cond delay="0"/>
+                                          </p:stCondLst>
+                                        </p:cTn>
+                                        <p:tgtEl>
+                                          <p:spTgt spid="23"/>
+                                        </p:tgtEl>
+                                        <p:attrNameLst>
+                                          <p:attrName>style.visibility</p:attrName>
+                                        </p:attrNameLst>
+                                      </p:cBhvr>
+                                      <p:to>
+                                        <p:strVal val="visible"/>
+                                      </p:to>
+                                    </p:set>
+                                    <p:anim calcmode="lin" valueType="num">
+                                      <p:cBhvr>
+                                        <p:cTn id="7" dur="1000" fill="hold"/>
+                                        <p:tgtEl>
+                                          <p:spTgt spid="23"/>
+                                        </p:tgtEl>
+                                        <p:attrNameLst>
+                                          <p:attrName>ppt_w</p:attrName>
+                                        </p:attrNameLst>
+                                      </p:cBhvr>
+                                      <p:tavLst>
+                                        <p:tav tm="0">
+                                          <p:val>
+                                            <p:strVal val="#ppt_w+.3"/>
+                                          </p:val>
+                                        </p:tav>
+                                        <p:tav tm="100000">
+                                          <p:val>
+                                            <p:strVal val="#ppt_w"/>
+                                          </p:val>
+                                        </p:tav>
+                                      </p:tavLst>
+                                    </p:anim>
+                                    <p:anim calcmode="lin" valueType="num">
+                                      <p:cBhvr>
+                                        <p:cTn id="8" dur="1000" fill="hold"/>
+                                        <p:tgtEl>
+                                          <p:spTgt spid="23"/>
+                                        </p:tgtEl>
+                                        <p:attrNameLst>
+                                          <p:attrName>ppt_h</p:attrName>
+                                        </p:attrNameLst>
+                                      </p:cBhvr>
+                                      <p:tavLst>
+                                        <p:tav tm="0">
+                                          <p:val>
+                                            <p:strVal val="#ppt_h"/>
+                                          </p:val>
+                                        </p:tav>
+                                        <p:tav tm="100000">
+                                          <p:val>
+                                            <p:strVal val="#ppt_h"/>
+                                          </p:val>
+                                        </p:tav>
+                                      </p:tavLst>
+                                    </p:anim>
+                                    <p:animEffect transition="in" filter="fade">
+                                      <p:cBhvr>
+                                        <p:cTn id="9" dur="1000"/>
+                                        <p:tgtEl>
+                                          <p:spTgt spid="23"/>
+                                        </p:tgtEl>
+                                      </p:cBhvr>
+                                    </p:animEffect>
+                                  </p:childTnLst>
+                                </p:cTn>
+                              </p:par>
+                              <p:par>
+                                <p:cTn id="10" presetID="50" presetClass="entr" presetSubtype="0" decel="100000" fill="hold" nodeType="withEffect">
+                                  <p:stCondLst>
+                                    <p:cond delay="0"/>
+                                  </p:stCondLst>
+                                  <p:childTnLst>
+                                    <p:set>
+                                      <p:cBhvr>
+                                        <p:cTn id="11" dur="1" fill="hold">
+                                          <p:stCondLst>
+                                            <p:cond delay="0"/>
+                                          </p:stCondLst>
+                                        </p:cTn>
+                                        <p:tgtEl>
+                                          <p:spTgt spid="37"/>
+                                        </p:tgtEl>
+                                        <p:attrNameLst>
+                                          <p:attrName>style.visibility</p:attrName>
+                                        </p:attrNameLst>
+                                      </p:cBhvr>
+                                      <p:to>
+                                        <p:strVal val="visible"/>
+                                      </p:to>
+                                    </p:set>
+                                    <p:anim calcmode="lin" valueType="num">
+                                      <p:cBhvr>
+                                        <p:cTn id="12" dur="1000" fill="hold"/>
+                                        <p:tgtEl>
+                                          <p:spTgt spid="37"/>
+                                        </p:tgtEl>
+                                        <p:attrNameLst>
+                                          <p:attrName>ppt_w</p:attrName>
+                                        </p:attrNameLst>
+                                      </p:cBhvr>
+                                      <p:tavLst>
+                                        <p:tav tm="0">
+                                          <p:val>
+                                            <p:strVal val="#ppt_w+.3"/>
+                                          </p:val>
+                                        </p:tav>
+                                        <p:tav tm="100000">
+                                          <p:val>
+                                            <p:strVal val="#ppt_w"/>
+                                          </p:val>
+                                        </p:tav>
+                                      </p:tavLst>
+                                    </p:anim>
+                                    <p:anim calcmode="lin" valueType="num">
+                                      <p:cBhvr>
+                                        <p:cTn id="13" dur="1000" fill="hold"/>
+                                        <p:tgtEl>
+                                          <p:spTgt spid="37"/>
+                                        </p:tgtEl>
+                                        <p:attrNameLst>
+                                          <p:attrName>ppt_h</p:attrName>
+                                        </p:attrNameLst>
+                                      </p:cBhvr>
+                                      <p:tavLst>
+                                        <p:tav tm="0">
+                                          <p:val>
+                                            <p:strVal val="#ppt_h"/>
+                                          </p:val>
+                                        </p:tav>
+                                        <p:tav tm="100000">
+                                          <p:val>
+                                            <p:strVal val="#ppt_h"/>
+                                          </p:val>
+                                        </p:tav>
+                                      </p:tavLst>
+                                    </p:anim>
+                                    <p:animEffect transition="in" filter="fade">
+                                      <p:cBhvr>
+                                        <p:cTn id="14" dur="1000"/>
+                                        <p:tgtEl>
+                                          <p:spTgt spid="37"/>
+                                        </p:tgtEl>
+                                      </p:cBhvr>
+                                    </p:animEffect>
+                                  </p:childTnLst>
+                                </p:cTn>
+                              </p:par>
+                            </p:childTnLst>
+                          </p:cTn>
+                        </p:par>
+                      </p:childTnLst>
+                    </p:cTn>
+                  </p:par>
+                </p:childTnLst>
+              </p:cTn>
+              <p:prevCondLst>
+                <p:cond evt="onPrev" delay="0">
+                  <p:tgtEl>
+                    <p:sldTgt/>
+                  </p:tgtEl>
+                </p:cond>
+              </p:prevCondLst>
+              <p:nextCondLst>
+                <p:cond evt="onNext" delay="0">
+                  <p:tgtEl>
+                    <p:sldTgt/>
+                  </p:tgtEl>
+                </p:cond>
+              </p:nextCondLst>
+            </p:seq>
+          </p:childTnLst>
+        </p:cTn>
+      </p:par>
+    </p:tnLst>
+    <p:bldLst>
+      <p:bldP spid="23" grpId="0"/>
+    </p:bldLst>
+  </p:timing>
+</p:sld>
+</file>
+
+<file path=ppt/slides/slide11.xml><?xml version="1.0" encoding="utf-8"?>
+<p:sld xmlns:a="http://schemas.openxmlformats.org/drawingml/2006/main" xmlns:r="http://schemas.openxmlformats.org/officeDocument/2006/relationships" xmlns:p="http://schemas.openxmlformats.org/presentationml/2006/main">
+  <p:cSld>
+    <p:spTree>
+      <p:nvGrpSpPr>
+        <p:cNvPr id="1" name=""/>
+        <p:cNvGrpSpPr/>
+        <p:nvPr/>
+      </p:nvGrpSpPr>
+      <p:grpSpPr>
+        <a:xfrm>
+          <a:off x="0" y="0"/>
+          <a:ext cx="0" cy="0"/>
+          <a:chOff x="0" y="0"/>
+          <a:chExt cx="0" cy="0"/>
+        </a:xfrm>
+      </p:grpSpPr>
+      <p:sp>
+        <p:nvSpPr>
           <p:cNvPr id="2" name="文本框 1"/>
           <p:cNvSpPr txBox="1"/>
           <p:nvPr/>
@@ -3479,10 +4022,17 @@
   <p:clrMapOvr>
     <a:masterClrMapping/>
   </p:clrMapOvr>
+  <p:timing>
+    <p:tnLst>
+      <p:par>
+        <p:cTn id="1" dur="indefinite" restart="never" nodeType="tmRoot"/>
+      </p:par>
+    </p:tnLst>
+  </p:timing>
 </p:sld>
 </file>
 
-<file path=ppt/slides/slide11.xml><?xml version="1.0" encoding="utf-8"?>
+<file path=ppt/slides/slide12.xml><?xml version="1.0" encoding="utf-8"?>
 <p:sld xmlns:a="http://schemas.openxmlformats.org/drawingml/2006/main" xmlns:r="http://schemas.openxmlformats.org/officeDocument/2006/relationships" xmlns:p="http://schemas.openxmlformats.org/presentationml/2006/main">
   <p:cSld>
     <p:spTree>
@@ -3691,10 +4241,1097 @@
   <p:clrMapOvr>
     <a:masterClrMapping/>
   </p:clrMapOvr>
+  <p:timing>
+    <p:tnLst>
+      <p:par>
+        <p:cTn id="1" dur="indefinite" restart="never" nodeType="tmRoot"/>
+      </p:par>
+    </p:tnLst>
+  </p:timing>
 </p:sld>
 </file>
 
-<file path=ppt/slides/slide12.xml><?xml version="1.0" encoding="utf-8"?>
+<file path=ppt/slides/slide13.xml><?xml version="1.0" encoding="utf-8"?>
+<p:sld xmlns:a="http://schemas.openxmlformats.org/drawingml/2006/main" xmlns:r="http://schemas.openxmlformats.org/officeDocument/2006/relationships" xmlns:p="http://schemas.openxmlformats.org/presentationml/2006/main">
+  <p:cSld>
+    <p:spTree>
+      <p:nvGrpSpPr>
+        <p:cNvPr id="1" name=""/>
+        <p:cNvGrpSpPr/>
+        <p:nvPr/>
+      </p:nvGrpSpPr>
+      <p:grpSpPr>
+        <a:xfrm>
+          <a:off x="0" y="0"/>
+          <a:ext cx="0" cy="0"/>
+          <a:chOff x="0" y="0"/>
+          <a:chExt cx="0" cy="0"/>
+        </a:xfrm>
+      </p:grpSpPr>
+      <p:sp>
+        <p:nvSpPr>
+          <p:cNvPr id="9" name="圆角矩形 8"/>
+          <p:cNvSpPr/>
+          <p:nvPr/>
+        </p:nvSpPr>
+        <p:spPr bwMode="auto">
+          <a:xfrm rot="18784635">
+            <a:off x="1817615" y="1905815"/>
+            <a:ext cx="3095768" cy="3103526"/>
+          </a:xfrm>
+          <a:prstGeom prst="roundRect">
+            <a:avLst>
+              <a:gd name="adj" fmla="val 6182"/>
+            </a:avLst>
+          </a:prstGeom>
+          <a:solidFill>
+            <a:srgbClr val="37DFEA">
+              <a:alpha val="30000"/>
+            </a:srgbClr>
+          </a:solidFill>
+          <a:ln>
+            <a:noFill/>
+          </a:ln>
+        </p:spPr>
+        <p:style>
+          <a:lnRef idx="2">
+            <a:schemeClr val="accent1">
+              <a:shade val="50000"/>
+            </a:schemeClr>
+          </a:lnRef>
+          <a:fillRef idx="1">
+            <a:schemeClr val="accent1"/>
+          </a:fillRef>
+          <a:effectRef idx="0">
+            <a:schemeClr val="accent1"/>
+          </a:effectRef>
+          <a:fontRef idx="minor">
+            <a:schemeClr val="lt1"/>
+          </a:fontRef>
+        </p:style>
+        <p:txBody>
+          <a:bodyPr anchor="ctr"/>
+          <a:lstStyle/>
+          <a:p>
+            <a:pPr algn="ctr">
+              <a:defRPr/>
+            </a:pPr>
+            <a:endParaRPr lang="zh-CN" altLang="en-US" sz="2400">
+              <a:cs typeface="+mn-ea"/>
+              <a:sym typeface="+mn-lt"/>
+            </a:endParaRPr>
+          </a:p>
+        </p:txBody>
+      </p:sp>
+      <p:sp>
+        <p:nvSpPr>
+          <p:cNvPr id="3" name="圆角矩形 2"/>
+          <p:cNvSpPr/>
+          <p:nvPr/>
+        </p:nvSpPr>
+        <p:spPr bwMode="auto">
+          <a:xfrm rot="18784635">
+            <a:off x="4586818" y="2815167"/>
+            <a:ext cx="1136651" cy="1119715"/>
+          </a:xfrm>
+          <a:prstGeom prst="roundRect">
+            <a:avLst>
+              <a:gd name="adj" fmla="val 10833"/>
+            </a:avLst>
+          </a:prstGeom>
+          <a:solidFill>
+            <a:srgbClr val="1EF6DF">
+              <a:alpha val="50000"/>
+            </a:srgbClr>
+          </a:solidFill>
+          <a:ln>
+            <a:noFill/>
+          </a:ln>
+        </p:spPr>
+        <p:style>
+          <a:lnRef idx="2">
+            <a:schemeClr val="accent1">
+              <a:shade val="50000"/>
+            </a:schemeClr>
+          </a:lnRef>
+          <a:fillRef idx="1">
+            <a:schemeClr val="accent1"/>
+          </a:fillRef>
+          <a:effectRef idx="0">
+            <a:schemeClr val="accent1"/>
+          </a:effectRef>
+          <a:fontRef idx="minor">
+            <a:schemeClr val="lt1"/>
+          </a:fontRef>
+        </p:style>
+        <p:txBody>
+          <a:bodyPr anchor="ctr"/>
+          <a:lstStyle/>
+          <a:p>
+            <a:pPr algn="ctr">
+              <a:defRPr/>
+            </a:pPr>
+            <a:endParaRPr lang="zh-CN" altLang="en-US" sz="2400">
+              <a:cs typeface="+mn-ea"/>
+              <a:sym typeface="+mn-lt"/>
+            </a:endParaRPr>
+          </a:p>
+        </p:txBody>
+      </p:sp>
+      <p:sp>
+        <p:nvSpPr>
+          <p:cNvPr id="4" name="圆角矩形 3"/>
+          <p:cNvSpPr/>
+          <p:nvPr/>
+        </p:nvSpPr>
+        <p:spPr bwMode="auto">
+          <a:xfrm rot="18784635">
+            <a:off x="2098676" y="2187577"/>
+            <a:ext cx="2533649" cy="2540000"/>
+          </a:xfrm>
+          <a:prstGeom prst="roundRect">
+            <a:avLst>
+              <a:gd name="adj" fmla="val 6182"/>
+            </a:avLst>
+          </a:prstGeom>
+          <a:solidFill>
+            <a:srgbClr val="37DFEA">
+              <a:alpha val="80000"/>
+            </a:srgbClr>
+          </a:solidFill>
+          <a:ln>
+            <a:noFill/>
+          </a:ln>
+        </p:spPr>
+        <p:style>
+          <a:lnRef idx="2">
+            <a:schemeClr val="accent1">
+              <a:shade val="50000"/>
+            </a:schemeClr>
+          </a:lnRef>
+          <a:fillRef idx="1">
+            <a:schemeClr val="accent1"/>
+          </a:fillRef>
+          <a:effectRef idx="0">
+            <a:schemeClr val="accent1"/>
+          </a:effectRef>
+          <a:fontRef idx="minor">
+            <a:schemeClr val="lt1"/>
+          </a:fontRef>
+        </p:style>
+        <p:txBody>
+          <a:bodyPr anchor="ctr"/>
+          <a:lstStyle/>
+          <a:p>
+            <a:pPr algn="ctr">
+              <a:defRPr/>
+            </a:pPr>
+            <a:endParaRPr lang="zh-CN" altLang="en-US" sz="2400">
+              <a:cs typeface="+mn-ea"/>
+              <a:sym typeface="+mn-lt"/>
+            </a:endParaRPr>
+          </a:p>
+        </p:txBody>
+      </p:sp>
+      <p:sp>
+        <p:nvSpPr>
+          <p:cNvPr id="5" name="圆角矩形 4"/>
+          <p:cNvSpPr/>
+          <p:nvPr/>
+        </p:nvSpPr>
+        <p:spPr bwMode="auto">
+          <a:xfrm rot="18784635">
+            <a:off x="4548718" y="4123267"/>
+            <a:ext cx="510116" cy="531284"/>
+          </a:xfrm>
+          <a:prstGeom prst="roundRect">
+            <a:avLst/>
+          </a:prstGeom>
+          <a:solidFill>
+            <a:srgbClr val="32AAE6">
+              <a:alpha val="80000"/>
+            </a:srgbClr>
+          </a:solidFill>
+          <a:ln>
+            <a:noFill/>
+          </a:ln>
+        </p:spPr>
+        <p:style>
+          <a:lnRef idx="2">
+            <a:schemeClr val="accent1">
+              <a:shade val="50000"/>
+            </a:schemeClr>
+          </a:lnRef>
+          <a:fillRef idx="1">
+            <a:schemeClr val="accent1"/>
+          </a:fillRef>
+          <a:effectRef idx="0">
+            <a:schemeClr val="accent1"/>
+          </a:effectRef>
+          <a:fontRef idx="minor">
+            <a:schemeClr val="lt1"/>
+          </a:fontRef>
+        </p:style>
+        <p:txBody>
+          <a:bodyPr anchor="ctr"/>
+          <a:lstStyle/>
+          <a:p>
+            <a:pPr algn="ctr">
+              <a:defRPr/>
+            </a:pPr>
+            <a:endParaRPr lang="zh-CN" altLang="en-US" sz="2400">
+              <a:cs typeface="+mn-ea"/>
+              <a:sym typeface="+mn-lt"/>
+            </a:endParaRPr>
+          </a:p>
+        </p:txBody>
+      </p:sp>
+      <p:sp>
+        <p:nvSpPr>
+          <p:cNvPr id="6" name="TextBox 7"/>
+          <p:cNvSpPr txBox="1">
+            <a:spLocks noChangeArrowheads="1"/>
+          </p:cNvSpPr>
+          <p:nvPr/>
+        </p:nvSpPr>
+        <p:spPr bwMode="auto">
+          <a:xfrm>
+            <a:off x="2381251" y="2476500"/>
+            <a:ext cx="1701107" cy="1898212"/>
+          </a:xfrm>
+          <a:prstGeom prst="rect">
+            <a:avLst/>
+          </a:prstGeom>
+          <a:noFill/>
+          <a:ln>
+            <a:noFill/>
+          </a:ln>
+          <a:extLst>
+            <a:ext uri="{909E8E84-426E-40DD-AFC4-6F175D3DCCD1}">
+              <a14:hiddenFill xmlns:a14="http://schemas.microsoft.com/office/drawing/2010/main">
+                <a:solidFill>
+                  <a:srgbClr val="FFFFFF"/>
+                </a:solidFill>
+              </a14:hiddenFill>
+            </a:ext>
+            <a:ext uri="{91240B29-F687-4F45-9708-019B960494DF}">
+              <a14:hiddenLine xmlns:a14="http://schemas.microsoft.com/office/drawing/2010/main" w="9525">
+                <a:solidFill>
+                  <a:srgbClr val="000000"/>
+                </a:solidFill>
+                <a:miter lim="800000"/>
+                <a:headEnd/>
+                <a:tailEnd/>
+              </a14:hiddenLine>
+            </a:ext>
+          </a:extLst>
+        </p:spPr>
+        <p:txBody>
+          <a:bodyPr wrap="none">
+            <a:spAutoFit/>
+          </a:bodyPr>
+          <a:lstStyle>
+            <a:lvl1pPr>
+              <a:defRPr>
+                <a:solidFill>
+                  <a:schemeClr val="tx1"/>
+                </a:solidFill>
+                <a:latin typeface="Calibri" panose="020F0502020204030204" pitchFamily="34" charset="0"/>
+                <a:ea typeface="宋体" panose="02010600030101010101" pitchFamily="2" charset="-122"/>
+              </a:defRPr>
+            </a:lvl1pPr>
+            <a:lvl2pPr marL="742950" indent="-285750">
+              <a:defRPr>
+                <a:solidFill>
+                  <a:schemeClr val="tx1"/>
+                </a:solidFill>
+                <a:latin typeface="Calibri" panose="020F0502020204030204" pitchFamily="34" charset="0"/>
+                <a:ea typeface="宋体" panose="02010600030101010101" pitchFamily="2" charset="-122"/>
+              </a:defRPr>
+            </a:lvl2pPr>
+            <a:lvl3pPr marL="1143000" indent="-228600">
+              <a:defRPr>
+                <a:solidFill>
+                  <a:schemeClr val="tx1"/>
+                </a:solidFill>
+                <a:latin typeface="Calibri" panose="020F0502020204030204" pitchFamily="34" charset="0"/>
+                <a:ea typeface="宋体" panose="02010600030101010101" pitchFamily="2" charset="-122"/>
+              </a:defRPr>
+            </a:lvl3pPr>
+            <a:lvl4pPr marL="1600200" indent="-228600">
+              <a:defRPr>
+                <a:solidFill>
+                  <a:schemeClr val="tx1"/>
+                </a:solidFill>
+                <a:latin typeface="Calibri" panose="020F0502020204030204" pitchFamily="34" charset="0"/>
+                <a:ea typeface="宋体" panose="02010600030101010101" pitchFamily="2" charset="-122"/>
+              </a:defRPr>
+            </a:lvl4pPr>
+            <a:lvl5pPr marL="2057400" indent="-228600">
+              <a:defRPr>
+                <a:solidFill>
+                  <a:schemeClr val="tx1"/>
+                </a:solidFill>
+                <a:latin typeface="Calibri" panose="020F0502020204030204" pitchFamily="34" charset="0"/>
+                <a:ea typeface="宋体" panose="02010600030101010101" pitchFamily="2" charset="-122"/>
+              </a:defRPr>
+            </a:lvl5pPr>
+            <a:lvl6pPr marL="2514600" indent="-228600" fontAlgn="base">
+              <a:spcBef>
+                <a:spcPct val="0"/>
+              </a:spcBef>
+              <a:spcAft>
+                <a:spcPct val="0"/>
+              </a:spcAft>
+              <a:defRPr>
+                <a:solidFill>
+                  <a:schemeClr val="tx1"/>
+                </a:solidFill>
+                <a:latin typeface="Calibri" panose="020F0502020204030204" pitchFamily="34" charset="0"/>
+                <a:ea typeface="宋体" panose="02010600030101010101" pitchFamily="2" charset="-122"/>
+              </a:defRPr>
+            </a:lvl6pPr>
+            <a:lvl7pPr marL="2971800" indent="-228600" fontAlgn="base">
+              <a:spcBef>
+                <a:spcPct val="0"/>
+              </a:spcBef>
+              <a:spcAft>
+                <a:spcPct val="0"/>
+              </a:spcAft>
+              <a:defRPr>
+                <a:solidFill>
+                  <a:schemeClr val="tx1"/>
+                </a:solidFill>
+                <a:latin typeface="Calibri" panose="020F0502020204030204" pitchFamily="34" charset="0"/>
+                <a:ea typeface="宋体" panose="02010600030101010101" pitchFamily="2" charset="-122"/>
+              </a:defRPr>
+            </a:lvl7pPr>
+            <a:lvl8pPr marL="3429000" indent="-228600" fontAlgn="base">
+              <a:spcBef>
+                <a:spcPct val="0"/>
+              </a:spcBef>
+              <a:spcAft>
+                <a:spcPct val="0"/>
+              </a:spcAft>
+              <a:defRPr>
+                <a:solidFill>
+                  <a:schemeClr val="tx1"/>
+                </a:solidFill>
+                <a:latin typeface="Calibri" panose="020F0502020204030204" pitchFamily="34" charset="0"/>
+                <a:ea typeface="宋体" panose="02010600030101010101" pitchFamily="2" charset="-122"/>
+              </a:defRPr>
+            </a:lvl8pPr>
+            <a:lvl9pPr marL="3886200" indent="-228600" fontAlgn="base">
+              <a:spcBef>
+                <a:spcPct val="0"/>
+              </a:spcBef>
+              <a:spcAft>
+                <a:spcPct val="0"/>
+              </a:spcAft>
+              <a:defRPr>
+                <a:solidFill>
+                  <a:schemeClr val="tx1"/>
+                </a:solidFill>
+                <a:latin typeface="Calibri" panose="020F0502020204030204" pitchFamily="34" charset="0"/>
+                <a:ea typeface="宋体" panose="02010600030101010101" pitchFamily="2" charset="-122"/>
+              </a:defRPr>
+            </a:lvl9pPr>
+          </a:lstStyle>
+          <a:p>
+            <a:pPr eaLnBrk="1" hangingPunct="1"/>
+            <a:r>
+              <a:rPr lang="en-US" altLang="zh-CN" sz="11735" b="1" dirty="0" smtClean="0">
+                <a:solidFill>
+                  <a:schemeClr val="bg1"/>
+                </a:solidFill>
+                <a:latin typeface="+mn-lt"/>
+                <a:ea typeface="+mn-ea"/>
+                <a:cs typeface="+mn-ea"/>
+                <a:sym typeface="+mn-lt"/>
+              </a:rPr>
+              <a:t>03</a:t>
+            </a:r>
+            <a:endParaRPr lang="zh-CN" altLang="en-US" sz="11735" b="1" dirty="0">
+              <a:solidFill>
+                <a:schemeClr val="bg1"/>
+              </a:solidFill>
+              <a:latin typeface="+mn-lt"/>
+              <a:ea typeface="+mn-ea"/>
+              <a:cs typeface="+mn-ea"/>
+              <a:sym typeface="+mn-lt"/>
+            </a:endParaRPr>
+          </a:p>
+        </p:txBody>
+      </p:sp>
+      <p:grpSp>
+        <p:nvGrpSpPr>
+          <p:cNvPr id="8" name="组合 7"/>
+          <p:cNvGrpSpPr/>
+          <p:nvPr/>
+        </p:nvGrpSpPr>
+        <p:grpSpPr>
+          <a:xfrm>
+            <a:off x="6312024" y="2476500"/>
+            <a:ext cx="5879976" cy="1897892"/>
+            <a:chOff x="6312024" y="2476500"/>
+            <a:chExt cx="5879976" cy="1897892"/>
+          </a:xfrm>
+        </p:grpSpPr>
+        <p:sp>
+          <p:nvSpPr>
+            <p:cNvPr id="2" name="同侧圆角矩形 1"/>
+            <p:cNvSpPr/>
+            <p:nvPr/>
+          </p:nvSpPr>
+          <p:spPr>
+            <a:xfrm rot="16200000">
+              <a:off x="8303066" y="485458"/>
+              <a:ext cx="1897892" cy="5879976"/>
+            </a:xfrm>
+            <a:prstGeom prst="round2SameRect">
+              <a:avLst/>
+            </a:prstGeom>
+            <a:solidFill>
+              <a:srgbClr val="384656">
+                <a:alpha val="69804"/>
+              </a:srgbClr>
+            </a:solidFill>
+            <a:ln>
+              <a:noFill/>
+            </a:ln>
+          </p:spPr>
+          <p:style>
+            <a:lnRef idx="2">
+              <a:schemeClr val="accent1">
+                <a:shade val="50000"/>
+              </a:schemeClr>
+            </a:lnRef>
+            <a:fillRef idx="1">
+              <a:schemeClr val="accent1"/>
+            </a:fillRef>
+            <a:effectRef idx="0">
+              <a:schemeClr val="accent1"/>
+            </a:effectRef>
+            <a:fontRef idx="minor">
+              <a:schemeClr val="lt1"/>
+            </a:fontRef>
+          </p:style>
+          <p:txBody>
+            <a:bodyPr anchor="ctr"/>
+            <a:lstStyle/>
+            <a:p>
+              <a:pPr algn="ctr"/>
+              <a:endParaRPr lang="zh-CN" altLang="en-US" sz="2400">
+                <a:cs typeface="+mn-ea"/>
+              </a:endParaRPr>
+            </a:p>
+          </p:txBody>
+        </p:sp>
+        <p:sp>
+          <p:nvSpPr>
+            <p:cNvPr id="10" name="TextBox 20"/>
+            <p:cNvSpPr txBox="1"/>
+            <p:nvPr/>
+          </p:nvSpPr>
+          <p:spPr>
+            <a:xfrm>
+              <a:off x="6708125" y="2959525"/>
+              <a:ext cx="1415772" cy="830997"/>
+            </a:xfrm>
+            <a:prstGeom prst="rect">
+              <a:avLst/>
+            </a:prstGeom>
+            <a:noFill/>
+          </p:spPr>
+          <p:txBody>
+            <a:bodyPr wrap="none" rtlCol="0">
+              <a:spAutoFit/>
+            </a:bodyPr>
+            <a:lstStyle/>
+            <a:p>
+              <a:r>
+                <a:rPr lang="zh-CN" altLang="en-US" sz="4800" smtClean="0">
+                  <a:solidFill>
+                    <a:srgbClr val="1EF6DF"/>
+                  </a:solidFill>
+                  <a:latin typeface="+mj-ea"/>
+                  <a:ea typeface="+mj-ea"/>
+                </a:rPr>
+                <a:t>事务</a:t>
+              </a:r>
+              <a:endParaRPr lang="zh-CN" altLang="en-US" sz="4800" dirty="0">
+                <a:solidFill>
+                  <a:srgbClr val="1EF6DF"/>
+                </a:solidFill>
+                <a:latin typeface="+mj-ea"/>
+                <a:ea typeface="+mj-ea"/>
+              </a:endParaRPr>
+            </a:p>
+          </p:txBody>
+        </p:sp>
+      </p:grpSp>
+    </p:spTree>
+    <p:extLst>
+      <p:ext uri="{BB962C8B-B14F-4D97-AF65-F5344CB8AC3E}">
+        <p14:creationId xmlns:p14="http://schemas.microsoft.com/office/powerpoint/2010/main" val="2374413912"/>
+      </p:ext>
+    </p:extLst>
+  </p:cSld>
+  <p:clrMapOvr>
+    <a:masterClrMapping/>
+  </p:clrMapOvr>
+  <mc:AlternateContent xmlns:mc="http://schemas.openxmlformats.org/markup-compatibility/2006" xmlns:p14="http://schemas.microsoft.com/office/powerpoint/2010/main">
+    <mc:Choice Requires="p14">
+      <p:transition spd="slow" p14:dur="1200">
+        <p14:prism dir="d"/>
+      </p:transition>
+    </mc:Choice>
+    <mc:Fallback xmlns="">
+      <p:transition spd="slow">
+        <p:fade/>
+      </p:transition>
+    </mc:Fallback>
+  </mc:AlternateContent>
+  <p:timing>
+    <p:tnLst>
+      <p:par>
+        <p:cTn id="1" dur="indefinite" restart="never" nodeType="tmRoot">
+          <p:childTnLst>
+            <p:seq concurrent="1" nextAc="seek">
+              <p:cTn id="2" dur="indefinite" nodeType="mainSeq">
+                <p:childTnLst>
+                  <p:par>
+                    <p:cTn id="3" fill="hold">
+                      <p:stCondLst>
+                        <p:cond delay="indefinite"/>
+                        <p:cond evt="onBegin" delay="0">
+                          <p:tn val="2"/>
+                        </p:cond>
+                      </p:stCondLst>
+                      <p:childTnLst>
+                        <p:par>
+                          <p:cTn id="4" fill="hold">
+                            <p:stCondLst>
+                              <p:cond delay="0"/>
+                            </p:stCondLst>
+                            <p:childTnLst>
+                              <p:par>
+                                <p:cTn id="5" presetID="45" presetClass="entr" presetSubtype="0" fill="hold" grpId="0" nodeType="afterEffect">
+                                  <p:stCondLst>
+                                    <p:cond delay="0"/>
+                                  </p:stCondLst>
+                                  <p:childTnLst>
+                                    <p:set>
+                                      <p:cBhvr>
+                                        <p:cTn id="6" dur="1" fill="hold">
+                                          <p:stCondLst>
+                                            <p:cond delay="0"/>
+                                          </p:stCondLst>
+                                        </p:cTn>
+                                        <p:tgtEl>
+                                          <p:spTgt spid="9"/>
+                                        </p:tgtEl>
+                                        <p:attrNameLst>
+                                          <p:attrName>style.visibility</p:attrName>
+                                        </p:attrNameLst>
+                                      </p:cBhvr>
+                                      <p:to>
+                                        <p:strVal val="visible"/>
+                                      </p:to>
+                                    </p:set>
+                                    <p:animEffect transition="in" filter="fade">
+                                      <p:cBhvr>
+                                        <p:cTn id="7" dur="2000"/>
+                                        <p:tgtEl>
+                                          <p:spTgt spid="9"/>
+                                        </p:tgtEl>
+                                      </p:cBhvr>
+                                    </p:animEffect>
+                                    <p:anim calcmode="lin" valueType="num">
+                                      <p:cBhvr>
+                                        <p:cTn id="8" dur="2000" fill="hold"/>
+                                        <p:tgtEl>
+                                          <p:spTgt spid="9"/>
+                                        </p:tgtEl>
+                                        <p:attrNameLst>
+                                          <p:attrName>ppt_w</p:attrName>
+                                        </p:attrNameLst>
+                                      </p:cBhvr>
+                                      <p:tavLst>
+                                        <p:tav tm="0" fmla="#ppt_w*sin(2.5*pi*$)">
+                                          <p:val>
+                                            <p:fltVal val="0"/>
+                                          </p:val>
+                                        </p:tav>
+                                        <p:tav tm="100000">
+                                          <p:val>
+                                            <p:fltVal val="1"/>
+                                          </p:val>
+                                        </p:tav>
+                                      </p:tavLst>
+                                    </p:anim>
+                                    <p:anim calcmode="lin" valueType="num">
+                                      <p:cBhvr>
+                                        <p:cTn id="9" dur="2000" fill="hold"/>
+                                        <p:tgtEl>
+                                          <p:spTgt spid="9"/>
+                                        </p:tgtEl>
+                                        <p:attrNameLst>
+                                          <p:attrName>ppt_h</p:attrName>
+                                        </p:attrNameLst>
+                                      </p:cBhvr>
+                                      <p:tavLst>
+                                        <p:tav tm="0">
+                                          <p:val>
+                                            <p:strVal val="#ppt_h"/>
+                                          </p:val>
+                                        </p:tav>
+                                        <p:tav tm="100000">
+                                          <p:val>
+                                            <p:strVal val="#ppt_h"/>
+                                          </p:val>
+                                        </p:tav>
+                                      </p:tavLst>
+                                    </p:anim>
+                                  </p:childTnLst>
+                                </p:cTn>
+                              </p:par>
+                              <p:par>
+                                <p:cTn id="10" presetID="45" presetClass="entr" presetSubtype="0" fill="hold" grpId="0" nodeType="withEffect">
+                                  <p:stCondLst>
+                                    <p:cond delay="0"/>
+                                  </p:stCondLst>
+                                  <p:childTnLst>
+                                    <p:set>
+                                      <p:cBhvr>
+                                        <p:cTn id="11" dur="1" fill="hold">
+                                          <p:stCondLst>
+                                            <p:cond delay="0"/>
+                                          </p:stCondLst>
+                                        </p:cTn>
+                                        <p:tgtEl>
+                                          <p:spTgt spid="3"/>
+                                        </p:tgtEl>
+                                        <p:attrNameLst>
+                                          <p:attrName>style.visibility</p:attrName>
+                                        </p:attrNameLst>
+                                      </p:cBhvr>
+                                      <p:to>
+                                        <p:strVal val="visible"/>
+                                      </p:to>
+                                    </p:set>
+                                    <p:animEffect transition="in" filter="fade">
+                                      <p:cBhvr>
+                                        <p:cTn id="12" dur="2000"/>
+                                        <p:tgtEl>
+                                          <p:spTgt spid="3"/>
+                                        </p:tgtEl>
+                                      </p:cBhvr>
+                                    </p:animEffect>
+                                    <p:anim calcmode="lin" valueType="num">
+                                      <p:cBhvr>
+                                        <p:cTn id="13" dur="2000" fill="hold"/>
+                                        <p:tgtEl>
+                                          <p:spTgt spid="3"/>
+                                        </p:tgtEl>
+                                        <p:attrNameLst>
+                                          <p:attrName>ppt_w</p:attrName>
+                                        </p:attrNameLst>
+                                      </p:cBhvr>
+                                      <p:tavLst>
+                                        <p:tav tm="0" fmla="#ppt_w*sin(2.5*pi*$)">
+                                          <p:val>
+                                            <p:fltVal val="0"/>
+                                          </p:val>
+                                        </p:tav>
+                                        <p:tav tm="100000">
+                                          <p:val>
+                                            <p:fltVal val="1"/>
+                                          </p:val>
+                                        </p:tav>
+                                      </p:tavLst>
+                                    </p:anim>
+                                    <p:anim calcmode="lin" valueType="num">
+                                      <p:cBhvr>
+                                        <p:cTn id="14" dur="2000" fill="hold"/>
+                                        <p:tgtEl>
+                                          <p:spTgt spid="3"/>
+                                        </p:tgtEl>
+                                        <p:attrNameLst>
+                                          <p:attrName>ppt_h</p:attrName>
+                                        </p:attrNameLst>
+                                      </p:cBhvr>
+                                      <p:tavLst>
+                                        <p:tav tm="0">
+                                          <p:val>
+                                            <p:strVal val="#ppt_h"/>
+                                          </p:val>
+                                        </p:tav>
+                                        <p:tav tm="100000">
+                                          <p:val>
+                                            <p:strVal val="#ppt_h"/>
+                                          </p:val>
+                                        </p:tav>
+                                      </p:tavLst>
+                                    </p:anim>
+                                  </p:childTnLst>
+                                </p:cTn>
+                              </p:par>
+                              <p:par>
+                                <p:cTn id="15" presetID="45" presetClass="entr" presetSubtype="0" fill="hold" grpId="0" nodeType="withEffect">
+                                  <p:stCondLst>
+                                    <p:cond delay="0"/>
+                                  </p:stCondLst>
+                                  <p:childTnLst>
+                                    <p:set>
+                                      <p:cBhvr>
+                                        <p:cTn id="16" dur="1" fill="hold">
+                                          <p:stCondLst>
+                                            <p:cond delay="0"/>
+                                          </p:stCondLst>
+                                        </p:cTn>
+                                        <p:tgtEl>
+                                          <p:spTgt spid="4"/>
+                                        </p:tgtEl>
+                                        <p:attrNameLst>
+                                          <p:attrName>style.visibility</p:attrName>
+                                        </p:attrNameLst>
+                                      </p:cBhvr>
+                                      <p:to>
+                                        <p:strVal val="visible"/>
+                                      </p:to>
+                                    </p:set>
+                                    <p:animEffect transition="in" filter="fade">
+                                      <p:cBhvr>
+                                        <p:cTn id="17" dur="2000"/>
+                                        <p:tgtEl>
+                                          <p:spTgt spid="4"/>
+                                        </p:tgtEl>
+                                      </p:cBhvr>
+                                    </p:animEffect>
+                                    <p:anim calcmode="lin" valueType="num">
+                                      <p:cBhvr>
+                                        <p:cTn id="18" dur="2000" fill="hold"/>
+                                        <p:tgtEl>
+                                          <p:spTgt spid="4"/>
+                                        </p:tgtEl>
+                                        <p:attrNameLst>
+                                          <p:attrName>ppt_w</p:attrName>
+                                        </p:attrNameLst>
+                                      </p:cBhvr>
+                                      <p:tavLst>
+                                        <p:tav tm="0" fmla="#ppt_w*sin(2.5*pi*$)">
+                                          <p:val>
+                                            <p:fltVal val="0"/>
+                                          </p:val>
+                                        </p:tav>
+                                        <p:tav tm="100000">
+                                          <p:val>
+                                            <p:fltVal val="1"/>
+                                          </p:val>
+                                        </p:tav>
+                                      </p:tavLst>
+                                    </p:anim>
+                                    <p:anim calcmode="lin" valueType="num">
+                                      <p:cBhvr>
+                                        <p:cTn id="19" dur="2000" fill="hold"/>
+                                        <p:tgtEl>
+                                          <p:spTgt spid="4"/>
+                                        </p:tgtEl>
+                                        <p:attrNameLst>
+                                          <p:attrName>ppt_h</p:attrName>
+                                        </p:attrNameLst>
+                                      </p:cBhvr>
+                                      <p:tavLst>
+                                        <p:tav tm="0">
+                                          <p:val>
+                                            <p:strVal val="#ppt_h"/>
+                                          </p:val>
+                                        </p:tav>
+                                        <p:tav tm="100000">
+                                          <p:val>
+                                            <p:strVal val="#ppt_h"/>
+                                          </p:val>
+                                        </p:tav>
+                                      </p:tavLst>
+                                    </p:anim>
+                                  </p:childTnLst>
+                                </p:cTn>
+                              </p:par>
+                              <p:par>
+                                <p:cTn id="20" presetID="45" presetClass="entr" presetSubtype="0" fill="hold" grpId="0" nodeType="withEffect">
+                                  <p:stCondLst>
+                                    <p:cond delay="0"/>
+                                  </p:stCondLst>
+                                  <p:childTnLst>
+                                    <p:set>
+                                      <p:cBhvr>
+                                        <p:cTn id="21" dur="1" fill="hold">
+                                          <p:stCondLst>
+                                            <p:cond delay="0"/>
+                                          </p:stCondLst>
+                                        </p:cTn>
+                                        <p:tgtEl>
+                                          <p:spTgt spid="5"/>
+                                        </p:tgtEl>
+                                        <p:attrNameLst>
+                                          <p:attrName>style.visibility</p:attrName>
+                                        </p:attrNameLst>
+                                      </p:cBhvr>
+                                      <p:to>
+                                        <p:strVal val="visible"/>
+                                      </p:to>
+                                    </p:set>
+                                    <p:animEffect transition="in" filter="fade">
+                                      <p:cBhvr>
+                                        <p:cTn id="22" dur="2000"/>
+                                        <p:tgtEl>
+                                          <p:spTgt spid="5"/>
+                                        </p:tgtEl>
+                                      </p:cBhvr>
+                                    </p:animEffect>
+                                    <p:anim calcmode="lin" valueType="num">
+                                      <p:cBhvr>
+                                        <p:cTn id="23" dur="2000" fill="hold"/>
+                                        <p:tgtEl>
+                                          <p:spTgt spid="5"/>
+                                        </p:tgtEl>
+                                        <p:attrNameLst>
+                                          <p:attrName>ppt_w</p:attrName>
+                                        </p:attrNameLst>
+                                      </p:cBhvr>
+                                      <p:tavLst>
+                                        <p:tav tm="0" fmla="#ppt_w*sin(2.5*pi*$)">
+                                          <p:val>
+                                            <p:fltVal val="0"/>
+                                          </p:val>
+                                        </p:tav>
+                                        <p:tav tm="100000">
+                                          <p:val>
+                                            <p:fltVal val="1"/>
+                                          </p:val>
+                                        </p:tav>
+                                      </p:tavLst>
+                                    </p:anim>
+                                    <p:anim calcmode="lin" valueType="num">
+                                      <p:cBhvr>
+                                        <p:cTn id="24" dur="2000" fill="hold"/>
+                                        <p:tgtEl>
+                                          <p:spTgt spid="5"/>
+                                        </p:tgtEl>
+                                        <p:attrNameLst>
+                                          <p:attrName>ppt_h</p:attrName>
+                                        </p:attrNameLst>
+                                      </p:cBhvr>
+                                      <p:tavLst>
+                                        <p:tav tm="0">
+                                          <p:val>
+                                            <p:strVal val="#ppt_h"/>
+                                          </p:val>
+                                        </p:tav>
+                                        <p:tav tm="100000">
+                                          <p:val>
+                                            <p:strVal val="#ppt_h"/>
+                                          </p:val>
+                                        </p:tav>
+                                      </p:tavLst>
+                                    </p:anim>
+                                  </p:childTnLst>
+                                </p:cTn>
+                              </p:par>
+                              <p:par>
+                                <p:cTn id="25" presetID="45" presetClass="entr" presetSubtype="0" fill="hold" grpId="0" nodeType="withEffect">
+                                  <p:stCondLst>
+                                    <p:cond delay="0"/>
+                                  </p:stCondLst>
+                                  <p:childTnLst>
+                                    <p:set>
+                                      <p:cBhvr>
+                                        <p:cTn id="26" dur="1" fill="hold">
+                                          <p:stCondLst>
+                                            <p:cond delay="0"/>
+                                          </p:stCondLst>
+                                        </p:cTn>
+                                        <p:tgtEl>
+                                          <p:spTgt spid="6"/>
+                                        </p:tgtEl>
+                                        <p:attrNameLst>
+                                          <p:attrName>style.visibility</p:attrName>
+                                        </p:attrNameLst>
+                                      </p:cBhvr>
+                                      <p:to>
+                                        <p:strVal val="visible"/>
+                                      </p:to>
+                                    </p:set>
+                                    <p:animEffect transition="in" filter="fade">
+                                      <p:cBhvr>
+                                        <p:cTn id="27" dur="2000"/>
+                                        <p:tgtEl>
+                                          <p:spTgt spid="6"/>
+                                        </p:tgtEl>
+                                      </p:cBhvr>
+                                    </p:animEffect>
+                                    <p:anim calcmode="lin" valueType="num">
+                                      <p:cBhvr>
+                                        <p:cTn id="28" dur="2000" fill="hold"/>
+                                        <p:tgtEl>
+                                          <p:spTgt spid="6"/>
+                                        </p:tgtEl>
+                                        <p:attrNameLst>
+                                          <p:attrName>ppt_w</p:attrName>
+                                        </p:attrNameLst>
+                                      </p:cBhvr>
+                                      <p:tavLst>
+                                        <p:tav tm="0" fmla="#ppt_w*sin(2.5*pi*$)">
+                                          <p:val>
+                                            <p:fltVal val="0"/>
+                                          </p:val>
+                                        </p:tav>
+                                        <p:tav tm="100000">
+                                          <p:val>
+                                            <p:fltVal val="1"/>
+                                          </p:val>
+                                        </p:tav>
+                                      </p:tavLst>
+                                    </p:anim>
+                                    <p:anim calcmode="lin" valueType="num">
+                                      <p:cBhvr>
+                                        <p:cTn id="29" dur="2000" fill="hold"/>
+                                        <p:tgtEl>
+                                          <p:spTgt spid="6"/>
+                                        </p:tgtEl>
+                                        <p:attrNameLst>
+                                          <p:attrName>ppt_h</p:attrName>
+                                        </p:attrNameLst>
+                                      </p:cBhvr>
+                                      <p:tavLst>
+                                        <p:tav tm="0">
+                                          <p:val>
+                                            <p:strVal val="#ppt_h"/>
+                                          </p:val>
+                                        </p:tav>
+                                        <p:tav tm="100000">
+                                          <p:val>
+                                            <p:strVal val="#ppt_h"/>
+                                          </p:val>
+                                        </p:tav>
+                                      </p:tavLst>
+                                    </p:anim>
+                                  </p:childTnLst>
+                                </p:cTn>
+                              </p:par>
+                              <p:par>
+                                <p:cTn id="30" presetID="2" presetClass="entr" presetSubtype="2" accel="50000" decel="50000" fill="hold" nodeType="withEffect">
+                                  <p:stCondLst>
+                                    <p:cond delay="0"/>
+                                  </p:stCondLst>
+                                  <p:childTnLst>
+                                    <p:set>
+                                      <p:cBhvr>
+                                        <p:cTn id="31" dur="1" fill="hold">
+                                          <p:stCondLst>
+                                            <p:cond delay="0"/>
+                                          </p:stCondLst>
+                                        </p:cTn>
+                                        <p:tgtEl>
+                                          <p:spTgt spid="8"/>
+                                        </p:tgtEl>
+                                        <p:attrNameLst>
+                                          <p:attrName>style.visibility</p:attrName>
+                                        </p:attrNameLst>
+                                      </p:cBhvr>
+                                      <p:to>
+                                        <p:strVal val="visible"/>
+                                      </p:to>
+                                    </p:set>
+                                    <p:anim calcmode="lin" valueType="num">
+                                      <p:cBhvr additive="base">
+                                        <p:cTn id="32" dur="1500" fill="hold"/>
+                                        <p:tgtEl>
+                                          <p:spTgt spid="8"/>
+                                        </p:tgtEl>
+                                        <p:attrNameLst>
+                                          <p:attrName>ppt_x</p:attrName>
+                                        </p:attrNameLst>
+                                      </p:cBhvr>
+                                      <p:tavLst>
+                                        <p:tav tm="0">
+                                          <p:val>
+                                            <p:strVal val="1+#ppt_w/2"/>
+                                          </p:val>
+                                        </p:tav>
+                                        <p:tav tm="100000">
+                                          <p:val>
+                                            <p:strVal val="#ppt_x"/>
+                                          </p:val>
+                                        </p:tav>
+                                      </p:tavLst>
+                                    </p:anim>
+                                    <p:anim calcmode="lin" valueType="num">
+                                      <p:cBhvr additive="base">
+                                        <p:cTn id="33" dur="1500" fill="hold"/>
+                                        <p:tgtEl>
+                                          <p:spTgt spid="8"/>
+                                        </p:tgtEl>
+                                        <p:attrNameLst>
+                                          <p:attrName>ppt_y</p:attrName>
+                                        </p:attrNameLst>
+                                      </p:cBhvr>
+                                      <p:tavLst>
+                                        <p:tav tm="0">
+                                          <p:val>
+                                            <p:strVal val="#ppt_y"/>
+                                          </p:val>
+                                        </p:tav>
+                                        <p:tav tm="100000">
+                                          <p:val>
+                                            <p:strVal val="#ppt_y"/>
+                                          </p:val>
+                                        </p:tav>
+                                      </p:tavLst>
+                                    </p:anim>
+                                  </p:childTnLst>
+                                </p:cTn>
+                              </p:par>
+                            </p:childTnLst>
+                          </p:cTn>
+                        </p:par>
+                      </p:childTnLst>
+                    </p:cTn>
+                  </p:par>
+                </p:childTnLst>
+              </p:cTn>
+              <p:prevCondLst>
+                <p:cond evt="onPrev" delay="0">
+                  <p:tgtEl>
+                    <p:sldTgt/>
+                  </p:tgtEl>
+                </p:cond>
+              </p:prevCondLst>
+              <p:nextCondLst>
+                <p:cond evt="onNext" delay="0">
+                  <p:tgtEl>
+                    <p:sldTgt/>
+                  </p:tgtEl>
+                </p:cond>
+              </p:nextCondLst>
+            </p:seq>
+          </p:childTnLst>
+        </p:cTn>
+      </p:par>
+    </p:tnLst>
+    <p:bldLst>
+      <p:bldP spid="9" grpId="0" animBg="1"/>
+      <p:bldP spid="3" grpId="0" animBg="1"/>
+      <p:bldP spid="4" grpId="0" animBg="1"/>
+      <p:bldP spid="5" grpId="0" animBg="1"/>
+      <p:bldP spid="6" grpId="0"/>
+    </p:bldLst>
+  </p:timing>
+</p:sld>
+</file>
+
+<file path=ppt/slides/slide14.xml><?xml version="1.0" encoding="utf-8"?>
 <p:sld xmlns:a="http://schemas.openxmlformats.org/drawingml/2006/main" xmlns:r="http://schemas.openxmlformats.org/officeDocument/2006/relationships" xmlns:p="http://schemas.openxmlformats.org/presentationml/2006/main">
   <p:cSld>
     <p:spTree>
@@ -4434,7 +6071,7 @@
 </p:sld>
 </file>
 
-<file path=ppt/slides/slide13.xml><?xml version="1.0" encoding="utf-8"?>
+<file path=ppt/slides/slide15.xml><?xml version="1.0" encoding="utf-8"?>
 <p:sld xmlns:a="http://schemas.openxmlformats.org/drawingml/2006/main" xmlns:r="http://schemas.openxmlformats.org/officeDocument/2006/relationships" xmlns:p="http://schemas.openxmlformats.org/presentationml/2006/main">
   <p:cSld>
     <p:spTree>
@@ -5196,7 +6833,7 @@
 </p:sld>
 </file>
 
-<file path=ppt/slides/slide14.xml><?xml version="1.0" encoding="utf-8"?>
+<file path=ppt/slides/slide16.xml><?xml version="1.0" encoding="utf-8"?>
 <p:sld xmlns:a="http://schemas.openxmlformats.org/drawingml/2006/main" xmlns:r="http://schemas.openxmlformats.org/officeDocument/2006/relationships" xmlns:p="http://schemas.openxmlformats.org/presentationml/2006/main">
   <p:cSld>
     <p:spTree>
@@ -5697,7 +7334,7 @@
 </p:sld>
 </file>
 
-<file path=ppt/slides/slide15.xml><?xml version="1.0" encoding="utf-8"?>
+<file path=ppt/slides/slide17.xml><?xml version="1.0" encoding="utf-8"?>
 <p:sld xmlns:a="http://schemas.openxmlformats.org/drawingml/2006/main" xmlns:r="http://schemas.openxmlformats.org/officeDocument/2006/relationships" xmlns:p="http://schemas.openxmlformats.org/presentationml/2006/main">
   <p:cSld>
     <p:spTree>
@@ -6190,10 +7827,17 @@
   <p:clrMapOvr>
     <a:masterClrMapping/>
   </p:clrMapOvr>
+  <p:timing>
+    <p:tnLst>
+      <p:par>
+        <p:cTn id="1" dur="indefinite" restart="never" nodeType="tmRoot"/>
+      </p:par>
+    </p:tnLst>
+  </p:timing>
 </p:sld>
 </file>
 
-<file path=ppt/slides/slide16.xml><?xml version="1.0" encoding="utf-8"?>
+<file path=ppt/slides/slide18.xml><?xml version="1.0" encoding="utf-8"?>
 <p:sld xmlns:a="http://schemas.openxmlformats.org/drawingml/2006/main" xmlns:r="http://schemas.openxmlformats.org/officeDocument/2006/relationships" xmlns:p="http://schemas.openxmlformats.org/presentationml/2006/main">
   <p:cSld>
     <p:spTree>
@@ -7273,7 +8917,7 @@
 </p:sld>
 </file>
 
-<file path=ppt/slides/slide17.xml><?xml version="1.0" encoding="utf-8"?>
+<file path=ppt/slides/slide19.xml><?xml version="1.0" encoding="utf-8"?>
 <p:sld xmlns:a="http://schemas.openxmlformats.org/drawingml/2006/main" xmlns:r="http://schemas.openxmlformats.org/officeDocument/2006/relationships" xmlns:p="http://schemas.openxmlformats.org/presentationml/2006/main">
   <p:cSld>
     <p:spTree>
@@ -8017,1468 +9661,13 @@
       </p:transition>
     </mc:Fallback>
   </mc:AlternateContent>
-  <mc:AlternateContent xmlns:mc="http://schemas.openxmlformats.org/markup-compatibility/2006" xmlns:p14="http://schemas.microsoft.com/office/powerpoint/2010/main">
-    <mc:Choice Requires="p14">
-      <p:timing>
-        <p:tnLst>
-          <p:par>
-            <p:cTn id="1" dur="indefinite" restart="never" nodeType="tmRoot">
-              <p:childTnLst>
-                <p:seq concurrent="1" nextAc="seek">
-                  <p:cTn id="2" dur="indefinite" nodeType="mainSeq">
-                    <p:childTnLst>
-                      <p:par>
-                        <p:cTn id="3" fill="hold">
-                          <p:stCondLst>
-                            <p:cond delay="indefinite"/>
-                            <p:cond evt="onBegin" delay="0">
-                              <p:tn val="2"/>
-                            </p:cond>
-                          </p:stCondLst>
-                          <p:childTnLst>
-                            <p:par>
-                              <p:cTn id="4" fill="hold">
-                                <p:stCondLst>
-                                  <p:cond delay="0"/>
-                                </p:stCondLst>
-                                <p:childTnLst>
-                                  <p:par>
-                                    <p:cTn id="5" presetID="10" presetClass="entr" presetSubtype="0" fill="hold" nodeType="afterEffect">
-                                      <p:stCondLst>
-                                        <p:cond delay="0"/>
-                                      </p:stCondLst>
-                                      <p:childTnLst>
-                                        <p:set>
-                                          <p:cBhvr>
-                                            <p:cTn id="6" dur="1" fill="hold">
-                                              <p:stCondLst>
-                                                <p:cond delay="0"/>
-                                              </p:stCondLst>
-                                            </p:cTn>
-                                            <p:tgtEl>
-                                              <p:spTgt spid="18"/>
-                                            </p:tgtEl>
-                                            <p:attrNameLst>
-                                              <p:attrName>style.visibility</p:attrName>
-                                            </p:attrNameLst>
-                                          </p:cBhvr>
-                                          <p:to>
-                                            <p:strVal val="visible"/>
-                                          </p:to>
-                                        </p:set>
-                                        <p:animEffect transition="in" filter="fade">
-                                          <p:cBhvr>
-                                            <p:cTn id="7" dur="500"/>
-                                            <p:tgtEl>
-                                              <p:spTgt spid="18"/>
-                                            </p:tgtEl>
-                                          </p:cBhvr>
-                                        </p:animEffect>
-                                      </p:childTnLst>
-                                    </p:cTn>
-                                  </p:par>
-                                </p:childTnLst>
-                              </p:cTn>
-                            </p:par>
-                            <p:par>
-                              <p:cTn id="8" fill="hold">
-                                <p:stCondLst>
-                                  <p:cond delay="500"/>
-                                </p:stCondLst>
-                                <p:childTnLst>
-                                  <p:par>
-                                    <p:cTn id="9" presetID="2" presetClass="entr" presetSubtype="4" fill="hold" grpId="0" nodeType="afterEffect" p14:presetBounceEnd="62000">
-                                      <p:stCondLst>
-                                        <p:cond delay="0"/>
-                                      </p:stCondLst>
-                                      <p:childTnLst>
-                                        <p:set>
-                                          <p:cBhvr>
-                                            <p:cTn id="10" dur="1" fill="hold">
-                                              <p:stCondLst>
-                                                <p:cond delay="0"/>
-                                              </p:stCondLst>
-                                            </p:cTn>
-                                            <p:tgtEl>
-                                              <p:spTgt spid="13"/>
-                                            </p:tgtEl>
-                                            <p:attrNameLst>
-                                              <p:attrName>style.visibility</p:attrName>
-                                            </p:attrNameLst>
-                                          </p:cBhvr>
-                                          <p:to>
-                                            <p:strVal val="visible"/>
-                                          </p:to>
-                                        </p:set>
-                                        <p:anim calcmode="lin" valueType="num" p14:bounceEnd="62000">
-                                          <p:cBhvr additive="base">
-                                            <p:cTn id="11" dur="1250" fill="hold"/>
-                                            <p:tgtEl>
-                                              <p:spTgt spid="13"/>
-                                            </p:tgtEl>
-                                            <p:attrNameLst>
-                                              <p:attrName>ppt_x</p:attrName>
-                                            </p:attrNameLst>
-                                          </p:cBhvr>
-                                          <p:tavLst>
-                                            <p:tav tm="0">
-                                              <p:val>
-                                                <p:strVal val="#ppt_x"/>
-                                              </p:val>
-                                            </p:tav>
-                                            <p:tav tm="100000">
-                                              <p:val>
-                                                <p:strVal val="#ppt_x"/>
-                                              </p:val>
-                                            </p:tav>
-                                          </p:tavLst>
-                                        </p:anim>
-                                        <p:anim calcmode="lin" valueType="num" p14:bounceEnd="62000">
-                                          <p:cBhvr additive="base">
-                                            <p:cTn id="12" dur="1250" fill="hold"/>
-                                            <p:tgtEl>
-                                              <p:spTgt spid="13"/>
-                                            </p:tgtEl>
-                                            <p:attrNameLst>
-                                              <p:attrName>ppt_y</p:attrName>
-                                            </p:attrNameLst>
-                                          </p:cBhvr>
-                                          <p:tavLst>
-                                            <p:tav tm="0">
-                                              <p:val>
-                                                <p:strVal val="1+#ppt_h/2"/>
-                                              </p:val>
-                                            </p:tav>
-                                            <p:tav tm="100000">
-                                              <p:val>
-                                                <p:strVal val="#ppt_y"/>
-                                              </p:val>
-                                            </p:tav>
-                                          </p:tavLst>
-                                        </p:anim>
-                                      </p:childTnLst>
-                                    </p:cTn>
-                                  </p:par>
-                                  <p:par>
-                                    <p:cTn id="13" presetID="2" presetClass="entr" presetSubtype="1" decel="100000" fill="hold" grpId="0" nodeType="withEffect">
-                                      <p:stCondLst>
-                                        <p:cond delay="0"/>
-                                      </p:stCondLst>
-                                      <p:iterate type="lt">
-                                        <p:tmPct val="10000"/>
-                                      </p:iterate>
-                                      <p:childTnLst>
-                                        <p:set>
-                                          <p:cBhvr>
-                                            <p:cTn id="14" dur="1" fill="hold">
-                                              <p:stCondLst>
-                                                <p:cond delay="0"/>
-                                              </p:stCondLst>
-                                            </p:cTn>
-                                            <p:tgtEl>
-                                              <p:spTgt spid="3"/>
-                                            </p:tgtEl>
-                                            <p:attrNameLst>
-                                              <p:attrName>style.visibility</p:attrName>
-                                            </p:attrNameLst>
-                                          </p:cBhvr>
-                                          <p:to>
-                                            <p:strVal val="visible"/>
-                                          </p:to>
-                                        </p:set>
-                                        <p:anim calcmode="lin" valueType="num">
-                                          <p:cBhvr additive="base">
-                                            <p:cTn id="15" dur="1000" fill="hold"/>
-                                            <p:tgtEl>
-                                              <p:spTgt spid="3"/>
-                                            </p:tgtEl>
-                                            <p:attrNameLst>
-                                              <p:attrName>ppt_x</p:attrName>
-                                            </p:attrNameLst>
-                                          </p:cBhvr>
-                                          <p:tavLst>
-                                            <p:tav tm="0">
-                                              <p:val>
-                                                <p:strVal val="#ppt_x"/>
-                                              </p:val>
-                                            </p:tav>
-                                            <p:tav tm="100000">
-                                              <p:val>
-                                                <p:strVal val="#ppt_x"/>
-                                              </p:val>
-                                            </p:tav>
-                                          </p:tavLst>
-                                        </p:anim>
-                                        <p:anim calcmode="lin" valueType="num">
-                                          <p:cBhvr additive="base">
-                                            <p:cTn id="16" dur="1000" fill="hold"/>
-                                            <p:tgtEl>
-                                              <p:spTgt spid="3"/>
-                                            </p:tgtEl>
-                                            <p:attrNameLst>
-                                              <p:attrName>ppt_y</p:attrName>
-                                            </p:attrNameLst>
-                                          </p:cBhvr>
-                                          <p:tavLst>
-                                            <p:tav tm="0">
-                                              <p:val>
-                                                <p:strVal val="0-#ppt_h/2"/>
-                                              </p:val>
-                                            </p:tav>
-                                            <p:tav tm="100000">
-                                              <p:val>
-                                                <p:strVal val="#ppt_y"/>
-                                              </p:val>
-                                            </p:tav>
-                                          </p:tavLst>
-                                        </p:anim>
-                                      </p:childTnLst>
-                                    </p:cTn>
-                                  </p:par>
-                                </p:childTnLst>
-                              </p:cTn>
-                            </p:par>
-                            <p:par>
-                              <p:cTn id="17" fill="hold">
-                                <p:stCondLst>
-                                  <p:cond delay="2200"/>
-                                </p:stCondLst>
-                                <p:childTnLst>
-                                  <p:par>
-                                    <p:cTn id="18" presetID="2" presetClass="entr" presetSubtype="4" fill="hold" grpId="0" nodeType="afterEffect" p14:presetBounceEnd="62000">
-                                      <p:stCondLst>
-                                        <p:cond delay="0"/>
-                                      </p:stCondLst>
-                                      <p:childTnLst>
-                                        <p:set>
-                                          <p:cBhvr>
-                                            <p:cTn id="19" dur="1" fill="hold">
-                                              <p:stCondLst>
-                                                <p:cond delay="0"/>
-                                              </p:stCondLst>
-                                            </p:cTn>
-                                            <p:tgtEl>
-                                              <p:spTgt spid="15"/>
-                                            </p:tgtEl>
-                                            <p:attrNameLst>
-                                              <p:attrName>style.visibility</p:attrName>
-                                            </p:attrNameLst>
-                                          </p:cBhvr>
-                                          <p:to>
-                                            <p:strVal val="visible"/>
-                                          </p:to>
-                                        </p:set>
-                                        <p:anim calcmode="lin" valueType="num" p14:bounceEnd="62000">
-                                          <p:cBhvr additive="base">
-                                            <p:cTn id="20" dur="1250" fill="hold"/>
-                                            <p:tgtEl>
-                                              <p:spTgt spid="15"/>
-                                            </p:tgtEl>
-                                            <p:attrNameLst>
-                                              <p:attrName>ppt_x</p:attrName>
-                                            </p:attrNameLst>
-                                          </p:cBhvr>
-                                          <p:tavLst>
-                                            <p:tav tm="0">
-                                              <p:val>
-                                                <p:strVal val="#ppt_x"/>
-                                              </p:val>
-                                            </p:tav>
-                                            <p:tav tm="100000">
-                                              <p:val>
-                                                <p:strVal val="#ppt_x"/>
-                                              </p:val>
-                                            </p:tav>
-                                          </p:tavLst>
-                                        </p:anim>
-                                        <p:anim calcmode="lin" valueType="num" p14:bounceEnd="62000">
-                                          <p:cBhvr additive="base">
-                                            <p:cTn id="21" dur="1250" fill="hold"/>
-                                            <p:tgtEl>
-                                              <p:spTgt spid="15"/>
-                                            </p:tgtEl>
-                                            <p:attrNameLst>
-                                              <p:attrName>ppt_y</p:attrName>
-                                            </p:attrNameLst>
-                                          </p:cBhvr>
-                                          <p:tavLst>
-                                            <p:tav tm="0">
-                                              <p:val>
-                                                <p:strVal val="1+#ppt_h/2"/>
-                                              </p:val>
-                                            </p:tav>
-                                            <p:tav tm="100000">
-                                              <p:val>
-                                                <p:strVal val="#ppt_y"/>
-                                              </p:val>
-                                            </p:tav>
-                                          </p:tavLst>
-                                        </p:anim>
-                                      </p:childTnLst>
-                                    </p:cTn>
-                                  </p:par>
-                                </p:childTnLst>
-                              </p:cTn>
-                            </p:par>
-                            <p:par>
-                              <p:cTn id="22" fill="hold">
-                                <p:stCondLst>
-                                  <p:cond delay="3450"/>
-                                </p:stCondLst>
-                                <p:childTnLst>
-                                  <p:par>
-                                    <p:cTn id="23" presetID="2" presetClass="entr" presetSubtype="4" fill="hold" grpId="0" nodeType="afterEffect" p14:presetBounceEnd="62000">
-                                      <p:stCondLst>
-                                        <p:cond delay="0"/>
-                                      </p:stCondLst>
-                                      <p:childTnLst>
-                                        <p:set>
-                                          <p:cBhvr>
-                                            <p:cTn id="24" dur="1" fill="hold">
-                                              <p:stCondLst>
-                                                <p:cond delay="0"/>
-                                              </p:stCondLst>
-                                            </p:cTn>
-                                            <p:tgtEl>
-                                              <p:spTgt spid="16"/>
-                                            </p:tgtEl>
-                                            <p:attrNameLst>
-                                              <p:attrName>style.visibility</p:attrName>
-                                            </p:attrNameLst>
-                                          </p:cBhvr>
-                                          <p:to>
-                                            <p:strVal val="visible"/>
-                                          </p:to>
-                                        </p:set>
-                                        <p:anim calcmode="lin" valueType="num" p14:bounceEnd="62000">
-                                          <p:cBhvr additive="base">
-                                            <p:cTn id="25" dur="1250" fill="hold"/>
-                                            <p:tgtEl>
-                                              <p:spTgt spid="16"/>
-                                            </p:tgtEl>
-                                            <p:attrNameLst>
-                                              <p:attrName>ppt_x</p:attrName>
-                                            </p:attrNameLst>
-                                          </p:cBhvr>
-                                          <p:tavLst>
-                                            <p:tav tm="0">
-                                              <p:val>
-                                                <p:strVal val="#ppt_x"/>
-                                              </p:val>
-                                            </p:tav>
-                                            <p:tav tm="100000">
-                                              <p:val>
-                                                <p:strVal val="#ppt_x"/>
-                                              </p:val>
-                                            </p:tav>
-                                          </p:tavLst>
-                                        </p:anim>
-                                        <p:anim calcmode="lin" valueType="num" p14:bounceEnd="62000">
-                                          <p:cBhvr additive="base">
-                                            <p:cTn id="26" dur="1250" fill="hold"/>
-                                            <p:tgtEl>
-                                              <p:spTgt spid="16"/>
-                                            </p:tgtEl>
-                                            <p:attrNameLst>
-                                              <p:attrName>ppt_y</p:attrName>
-                                            </p:attrNameLst>
-                                          </p:cBhvr>
-                                          <p:tavLst>
-                                            <p:tav tm="0">
-                                              <p:val>
-                                                <p:strVal val="1+#ppt_h/2"/>
-                                              </p:val>
-                                            </p:tav>
-                                            <p:tav tm="100000">
-                                              <p:val>
-                                                <p:strVal val="#ppt_y"/>
-                                              </p:val>
-                                            </p:tav>
-                                          </p:tavLst>
-                                        </p:anim>
-                                      </p:childTnLst>
-                                    </p:cTn>
-                                  </p:par>
-                                  <p:par>
-                                    <p:cTn id="27" presetID="2" presetClass="entr" presetSubtype="1" decel="100000" fill="hold" grpId="0" nodeType="withEffect">
-                                      <p:stCondLst>
-                                        <p:cond delay="0"/>
-                                      </p:stCondLst>
-                                      <p:iterate type="lt">
-                                        <p:tmPct val="10000"/>
-                                      </p:iterate>
-                                      <p:childTnLst>
-                                        <p:set>
-                                          <p:cBhvr>
-                                            <p:cTn id="28" dur="1" fill="hold">
-                                              <p:stCondLst>
-                                                <p:cond delay="0"/>
-                                              </p:stCondLst>
-                                            </p:cTn>
-                                            <p:tgtEl>
-                                              <p:spTgt spid="9"/>
-                                            </p:tgtEl>
-                                            <p:attrNameLst>
-                                              <p:attrName>style.visibility</p:attrName>
-                                            </p:attrNameLst>
-                                          </p:cBhvr>
-                                          <p:to>
-                                            <p:strVal val="visible"/>
-                                          </p:to>
-                                        </p:set>
-                                        <p:anim calcmode="lin" valueType="num">
-                                          <p:cBhvr additive="base">
-                                            <p:cTn id="29" dur="1000" fill="hold"/>
-                                            <p:tgtEl>
-                                              <p:spTgt spid="9"/>
-                                            </p:tgtEl>
-                                            <p:attrNameLst>
-                                              <p:attrName>ppt_x</p:attrName>
-                                            </p:attrNameLst>
-                                          </p:cBhvr>
-                                          <p:tavLst>
-                                            <p:tav tm="0">
-                                              <p:val>
-                                                <p:strVal val="#ppt_x"/>
-                                              </p:val>
-                                            </p:tav>
-                                            <p:tav tm="100000">
-                                              <p:val>
-                                                <p:strVal val="#ppt_x"/>
-                                              </p:val>
-                                            </p:tav>
-                                          </p:tavLst>
-                                        </p:anim>
-                                        <p:anim calcmode="lin" valueType="num">
-                                          <p:cBhvr additive="base">
-                                            <p:cTn id="30" dur="1000" fill="hold"/>
-                                            <p:tgtEl>
-                                              <p:spTgt spid="9"/>
-                                            </p:tgtEl>
-                                            <p:attrNameLst>
-                                              <p:attrName>ppt_y</p:attrName>
-                                            </p:attrNameLst>
-                                          </p:cBhvr>
-                                          <p:tavLst>
-                                            <p:tav tm="0">
-                                              <p:val>
-                                                <p:strVal val="0-#ppt_h/2"/>
-                                              </p:val>
-                                            </p:tav>
-                                            <p:tav tm="100000">
-                                              <p:val>
-                                                <p:strVal val="#ppt_y"/>
-                                              </p:val>
-                                            </p:tav>
-                                          </p:tavLst>
-                                        </p:anim>
-                                      </p:childTnLst>
-                                    </p:cTn>
-                                  </p:par>
-                                  <p:par>
-                                    <p:cTn id="31" presetID="2" presetClass="entr" presetSubtype="1" decel="100000" fill="hold" grpId="0" nodeType="withEffect">
-                                      <p:stCondLst>
-                                        <p:cond delay="0"/>
-                                      </p:stCondLst>
-                                      <p:iterate type="lt">
-                                        <p:tmPct val="10000"/>
-                                      </p:iterate>
-                                      <p:childTnLst>
-                                        <p:set>
-                                          <p:cBhvr>
-                                            <p:cTn id="32" dur="1" fill="hold">
-                                              <p:stCondLst>
-                                                <p:cond delay="0"/>
-                                              </p:stCondLst>
-                                            </p:cTn>
-                                            <p:tgtEl>
-                                              <p:spTgt spid="11"/>
-                                            </p:tgtEl>
-                                            <p:attrNameLst>
-                                              <p:attrName>style.visibility</p:attrName>
-                                            </p:attrNameLst>
-                                          </p:cBhvr>
-                                          <p:to>
-                                            <p:strVal val="visible"/>
-                                          </p:to>
-                                        </p:set>
-                                        <p:anim calcmode="lin" valueType="num">
-                                          <p:cBhvr additive="base">
-                                            <p:cTn id="33" dur="1000" fill="hold"/>
-                                            <p:tgtEl>
-                                              <p:spTgt spid="11"/>
-                                            </p:tgtEl>
-                                            <p:attrNameLst>
-                                              <p:attrName>ppt_x</p:attrName>
-                                            </p:attrNameLst>
-                                          </p:cBhvr>
-                                          <p:tavLst>
-                                            <p:tav tm="0">
-                                              <p:val>
-                                                <p:strVal val="#ppt_x"/>
-                                              </p:val>
-                                            </p:tav>
-                                            <p:tav tm="100000">
-                                              <p:val>
-                                                <p:strVal val="#ppt_x"/>
-                                              </p:val>
-                                            </p:tav>
-                                          </p:tavLst>
-                                        </p:anim>
-                                        <p:anim calcmode="lin" valueType="num">
-                                          <p:cBhvr additive="base">
-                                            <p:cTn id="34" dur="1000" fill="hold"/>
-                                            <p:tgtEl>
-                                              <p:spTgt spid="11"/>
-                                            </p:tgtEl>
-                                            <p:attrNameLst>
-                                              <p:attrName>ppt_y</p:attrName>
-                                            </p:attrNameLst>
-                                          </p:cBhvr>
-                                          <p:tavLst>
-                                            <p:tav tm="0">
-                                              <p:val>
-                                                <p:strVal val="0-#ppt_h/2"/>
-                                              </p:val>
-                                            </p:tav>
-                                            <p:tav tm="100000">
-                                              <p:val>
-                                                <p:strVal val="#ppt_y"/>
-                                              </p:val>
-                                            </p:tav>
-                                          </p:tavLst>
-                                        </p:anim>
-                                      </p:childTnLst>
-                                    </p:cTn>
-                                  </p:par>
-                                </p:childTnLst>
-                              </p:cTn>
-                            </p:par>
-                            <p:par>
-                              <p:cTn id="35" fill="hold">
-                                <p:stCondLst>
-                                  <p:cond delay="4700"/>
-                                </p:stCondLst>
-                                <p:childTnLst>
-                                  <p:par>
-                                    <p:cTn id="36" presetID="2" presetClass="entr" presetSubtype="4" fill="hold" grpId="0" nodeType="afterEffect" p14:presetBounceEnd="62000">
-                                      <p:stCondLst>
-                                        <p:cond delay="0"/>
-                                      </p:stCondLst>
-                                      <p:childTnLst>
-                                        <p:set>
-                                          <p:cBhvr>
-                                            <p:cTn id="37" dur="1" fill="hold">
-                                              <p:stCondLst>
-                                                <p:cond delay="0"/>
-                                              </p:stCondLst>
-                                            </p:cTn>
-                                            <p:tgtEl>
-                                              <p:spTgt spid="14"/>
-                                            </p:tgtEl>
-                                            <p:attrNameLst>
-                                              <p:attrName>style.visibility</p:attrName>
-                                            </p:attrNameLst>
-                                          </p:cBhvr>
-                                          <p:to>
-                                            <p:strVal val="visible"/>
-                                          </p:to>
-                                        </p:set>
-                                        <p:anim calcmode="lin" valueType="num" p14:bounceEnd="62000">
-                                          <p:cBhvr additive="base">
-                                            <p:cTn id="38" dur="1250" fill="hold"/>
-                                            <p:tgtEl>
-                                              <p:spTgt spid="14"/>
-                                            </p:tgtEl>
-                                            <p:attrNameLst>
-                                              <p:attrName>ppt_x</p:attrName>
-                                            </p:attrNameLst>
-                                          </p:cBhvr>
-                                          <p:tavLst>
-                                            <p:tav tm="0">
-                                              <p:val>
-                                                <p:strVal val="#ppt_x"/>
-                                              </p:val>
-                                            </p:tav>
-                                            <p:tav tm="100000">
-                                              <p:val>
-                                                <p:strVal val="#ppt_x"/>
-                                              </p:val>
-                                            </p:tav>
-                                          </p:tavLst>
-                                        </p:anim>
-                                        <p:anim calcmode="lin" valueType="num" p14:bounceEnd="62000">
-                                          <p:cBhvr additive="base">
-                                            <p:cTn id="39" dur="1250" fill="hold"/>
-                                            <p:tgtEl>
-                                              <p:spTgt spid="14"/>
-                                            </p:tgtEl>
-                                            <p:attrNameLst>
-                                              <p:attrName>ppt_y</p:attrName>
-                                            </p:attrNameLst>
-                                          </p:cBhvr>
-                                          <p:tavLst>
-                                            <p:tav tm="0">
-                                              <p:val>
-                                                <p:strVal val="1+#ppt_h/2"/>
-                                              </p:val>
-                                            </p:tav>
-                                            <p:tav tm="100000">
-                                              <p:val>
-                                                <p:strVal val="#ppt_y"/>
-                                              </p:val>
-                                            </p:tav>
-                                          </p:tavLst>
-                                        </p:anim>
-                                      </p:childTnLst>
-                                    </p:cTn>
-                                  </p:par>
-                                  <p:par>
-                                    <p:cTn id="40" presetID="2" presetClass="entr" presetSubtype="1" decel="100000" fill="hold" grpId="0" nodeType="withEffect">
-                                      <p:stCondLst>
-                                        <p:cond delay="0"/>
-                                      </p:stCondLst>
-                                      <p:iterate type="lt">
-                                        <p:tmPct val="10000"/>
-                                      </p:iterate>
-                                      <p:childTnLst>
-                                        <p:set>
-                                          <p:cBhvr>
-                                            <p:cTn id="41" dur="1" fill="hold">
-                                              <p:stCondLst>
-                                                <p:cond delay="0"/>
-                                              </p:stCondLst>
-                                            </p:cTn>
-                                            <p:tgtEl>
-                                              <p:spTgt spid="17"/>
-                                            </p:tgtEl>
-                                            <p:attrNameLst>
-                                              <p:attrName>style.visibility</p:attrName>
-                                            </p:attrNameLst>
-                                          </p:cBhvr>
-                                          <p:to>
-                                            <p:strVal val="visible"/>
-                                          </p:to>
-                                        </p:set>
-                                        <p:anim calcmode="lin" valueType="num">
-                                          <p:cBhvr additive="base">
-                                            <p:cTn id="42" dur="1000" fill="hold"/>
-                                            <p:tgtEl>
-                                              <p:spTgt spid="17"/>
-                                            </p:tgtEl>
-                                            <p:attrNameLst>
-                                              <p:attrName>ppt_x</p:attrName>
-                                            </p:attrNameLst>
-                                          </p:cBhvr>
-                                          <p:tavLst>
-                                            <p:tav tm="0">
-                                              <p:val>
-                                                <p:strVal val="#ppt_x"/>
-                                              </p:val>
-                                            </p:tav>
-                                            <p:tav tm="100000">
-                                              <p:val>
-                                                <p:strVal val="#ppt_x"/>
-                                              </p:val>
-                                            </p:tav>
-                                          </p:tavLst>
-                                        </p:anim>
-                                        <p:anim calcmode="lin" valueType="num">
-                                          <p:cBhvr additive="base">
-                                            <p:cTn id="43" dur="1000" fill="hold"/>
-                                            <p:tgtEl>
-                                              <p:spTgt spid="17"/>
-                                            </p:tgtEl>
-                                            <p:attrNameLst>
-                                              <p:attrName>ppt_y</p:attrName>
-                                            </p:attrNameLst>
-                                          </p:cBhvr>
-                                          <p:tavLst>
-                                            <p:tav tm="0">
-                                              <p:val>
-                                                <p:strVal val="0-#ppt_h/2"/>
-                                              </p:val>
-                                            </p:tav>
-                                            <p:tav tm="100000">
-                                              <p:val>
-                                                <p:strVal val="#ppt_y"/>
-                                              </p:val>
-                                            </p:tav>
-                                          </p:tavLst>
-                                        </p:anim>
-                                      </p:childTnLst>
-                                    </p:cTn>
-                                  </p:par>
-                                </p:childTnLst>
-                              </p:cTn>
-                            </p:par>
-                          </p:childTnLst>
-                        </p:cTn>
-                      </p:par>
-                    </p:childTnLst>
-                  </p:cTn>
-                  <p:prevCondLst>
-                    <p:cond evt="onPrev" delay="0">
-                      <p:tgtEl>
-                        <p:sldTgt/>
-                      </p:tgtEl>
-                    </p:cond>
-                  </p:prevCondLst>
-                  <p:nextCondLst>
-                    <p:cond evt="onNext" delay="0">
-                      <p:tgtEl>
-                        <p:sldTgt/>
-                      </p:tgtEl>
-                    </p:cond>
-                  </p:nextCondLst>
-                </p:seq>
-              </p:childTnLst>
-            </p:cTn>
-          </p:par>
-        </p:tnLst>
-        <p:bldLst>
-          <p:bldP spid="3" grpId="0"/>
-          <p:bldP spid="9" grpId="0"/>
-          <p:bldP spid="13" grpId="0"/>
-          <p:bldP spid="15" grpId="0"/>
-          <p:bldP spid="16" grpId="0"/>
-          <p:bldP spid="11" grpId="0"/>
-          <p:bldP spid="14" grpId="0"/>
-          <p:bldP spid="17" grpId="0"/>
-        </p:bldLst>
-      </p:timing>
-    </mc:Choice>
-    <mc:Fallback xmlns="">
-      <p:timing>
-        <p:tnLst>
-          <p:par>
-            <p:cTn id="1" dur="indefinite" restart="never" nodeType="tmRoot">
-              <p:childTnLst>
-                <p:seq concurrent="1" nextAc="seek">
-                  <p:cTn id="2" dur="indefinite" nodeType="mainSeq">
-                    <p:childTnLst>
-                      <p:par>
-                        <p:cTn id="3" fill="hold">
-                          <p:stCondLst>
-                            <p:cond delay="indefinite"/>
-                            <p:cond evt="onBegin" delay="0">
-                              <p:tn val="2"/>
-                            </p:cond>
-                          </p:stCondLst>
-                          <p:childTnLst>
-                            <p:par>
-                              <p:cTn id="4" fill="hold">
-                                <p:stCondLst>
-                                  <p:cond delay="0"/>
-                                </p:stCondLst>
-                                <p:childTnLst>
-                                  <p:par>
-                                    <p:cTn id="5" presetID="10" presetClass="entr" presetSubtype="0" fill="hold" nodeType="afterEffect">
-                                      <p:stCondLst>
-                                        <p:cond delay="0"/>
-                                      </p:stCondLst>
-                                      <p:childTnLst>
-                                        <p:set>
-                                          <p:cBhvr>
-                                            <p:cTn id="6" dur="1" fill="hold">
-                                              <p:stCondLst>
-                                                <p:cond delay="0"/>
-                                              </p:stCondLst>
-                                            </p:cTn>
-                                            <p:tgtEl>
-                                              <p:spTgt spid="18"/>
-                                            </p:tgtEl>
-                                            <p:attrNameLst>
-                                              <p:attrName>style.visibility</p:attrName>
-                                            </p:attrNameLst>
-                                          </p:cBhvr>
-                                          <p:to>
-                                            <p:strVal val="visible"/>
-                                          </p:to>
-                                        </p:set>
-                                        <p:animEffect transition="in" filter="fade">
-                                          <p:cBhvr>
-                                            <p:cTn id="7" dur="500"/>
-                                            <p:tgtEl>
-                                              <p:spTgt spid="18"/>
-                                            </p:tgtEl>
-                                          </p:cBhvr>
-                                        </p:animEffect>
-                                      </p:childTnLst>
-                                    </p:cTn>
-                                  </p:par>
-                                </p:childTnLst>
-                              </p:cTn>
-                            </p:par>
-                            <p:par>
-                              <p:cTn id="8" fill="hold">
-                                <p:stCondLst>
-                                  <p:cond delay="500"/>
-                                </p:stCondLst>
-                                <p:childTnLst>
-                                  <p:par>
-                                    <p:cTn id="9" presetID="2" presetClass="entr" presetSubtype="4" fill="hold" grpId="0" nodeType="afterEffect">
-                                      <p:stCondLst>
-                                        <p:cond delay="0"/>
-                                      </p:stCondLst>
-                                      <p:childTnLst>
-                                        <p:set>
-                                          <p:cBhvr>
-                                            <p:cTn id="10" dur="1" fill="hold">
-                                              <p:stCondLst>
-                                                <p:cond delay="0"/>
-                                              </p:stCondLst>
-                                            </p:cTn>
-                                            <p:tgtEl>
-                                              <p:spTgt spid="13"/>
-                                            </p:tgtEl>
-                                            <p:attrNameLst>
-                                              <p:attrName>style.visibility</p:attrName>
-                                            </p:attrNameLst>
-                                          </p:cBhvr>
-                                          <p:to>
-                                            <p:strVal val="visible"/>
-                                          </p:to>
-                                        </p:set>
-                                        <p:anim calcmode="lin" valueType="num">
-                                          <p:cBhvr additive="base">
-                                            <p:cTn id="11" dur="1250" fill="hold"/>
-                                            <p:tgtEl>
-                                              <p:spTgt spid="13"/>
-                                            </p:tgtEl>
-                                            <p:attrNameLst>
-                                              <p:attrName>ppt_x</p:attrName>
-                                            </p:attrNameLst>
-                                          </p:cBhvr>
-                                          <p:tavLst>
-                                            <p:tav tm="0">
-                                              <p:val>
-                                                <p:strVal val="#ppt_x"/>
-                                              </p:val>
-                                            </p:tav>
-                                            <p:tav tm="100000">
-                                              <p:val>
-                                                <p:strVal val="#ppt_x"/>
-                                              </p:val>
-                                            </p:tav>
-                                          </p:tavLst>
-                                        </p:anim>
-                                        <p:anim calcmode="lin" valueType="num">
-                                          <p:cBhvr additive="base">
-                                            <p:cTn id="12" dur="1250" fill="hold"/>
-                                            <p:tgtEl>
-                                              <p:spTgt spid="13"/>
-                                            </p:tgtEl>
-                                            <p:attrNameLst>
-                                              <p:attrName>ppt_y</p:attrName>
-                                            </p:attrNameLst>
-                                          </p:cBhvr>
-                                          <p:tavLst>
-                                            <p:tav tm="0">
-                                              <p:val>
-                                                <p:strVal val="1+#ppt_h/2"/>
-                                              </p:val>
-                                            </p:tav>
-                                            <p:tav tm="100000">
-                                              <p:val>
-                                                <p:strVal val="#ppt_y"/>
-                                              </p:val>
-                                            </p:tav>
-                                          </p:tavLst>
-                                        </p:anim>
-                                      </p:childTnLst>
-                                    </p:cTn>
-                                  </p:par>
-                                  <p:par>
-                                    <p:cTn id="13" presetID="2" presetClass="entr" presetSubtype="1" decel="100000" fill="hold" grpId="0" nodeType="withEffect">
-                                      <p:stCondLst>
-                                        <p:cond delay="0"/>
-                                      </p:stCondLst>
-                                      <p:iterate type="lt">
-                                        <p:tmPct val="10000"/>
-                                      </p:iterate>
-                                      <p:childTnLst>
-                                        <p:set>
-                                          <p:cBhvr>
-                                            <p:cTn id="14" dur="1" fill="hold">
-                                              <p:stCondLst>
-                                                <p:cond delay="0"/>
-                                              </p:stCondLst>
-                                            </p:cTn>
-                                            <p:tgtEl>
-                                              <p:spTgt spid="3"/>
-                                            </p:tgtEl>
-                                            <p:attrNameLst>
-                                              <p:attrName>style.visibility</p:attrName>
-                                            </p:attrNameLst>
-                                          </p:cBhvr>
-                                          <p:to>
-                                            <p:strVal val="visible"/>
-                                          </p:to>
-                                        </p:set>
-                                        <p:anim calcmode="lin" valueType="num">
-                                          <p:cBhvr additive="base">
-                                            <p:cTn id="15" dur="1000" fill="hold"/>
-                                            <p:tgtEl>
-                                              <p:spTgt spid="3"/>
-                                            </p:tgtEl>
-                                            <p:attrNameLst>
-                                              <p:attrName>ppt_x</p:attrName>
-                                            </p:attrNameLst>
-                                          </p:cBhvr>
-                                          <p:tavLst>
-                                            <p:tav tm="0">
-                                              <p:val>
-                                                <p:strVal val="#ppt_x"/>
-                                              </p:val>
-                                            </p:tav>
-                                            <p:tav tm="100000">
-                                              <p:val>
-                                                <p:strVal val="#ppt_x"/>
-                                              </p:val>
-                                            </p:tav>
-                                          </p:tavLst>
-                                        </p:anim>
-                                        <p:anim calcmode="lin" valueType="num">
-                                          <p:cBhvr additive="base">
-                                            <p:cTn id="16" dur="1000" fill="hold"/>
-                                            <p:tgtEl>
-                                              <p:spTgt spid="3"/>
-                                            </p:tgtEl>
-                                            <p:attrNameLst>
-                                              <p:attrName>ppt_y</p:attrName>
-                                            </p:attrNameLst>
-                                          </p:cBhvr>
-                                          <p:tavLst>
-                                            <p:tav tm="0">
-                                              <p:val>
-                                                <p:strVal val="0-#ppt_h/2"/>
-                                              </p:val>
-                                            </p:tav>
-                                            <p:tav tm="100000">
-                                              <p:val>
-                                                <p:strVal val="#ppt_y"/>
-                                              </p:val>
-                                            </p:tav>
-                                          </p:tavLst>
-                                        </p:anim>
-                                      </p:childTnLst>
-                                    </p:cTn>
-                                  </p:par>
-                                </p:childTnLst>
-                              </p:cTn>
-                            </p:par>
-                            <p:par>
-                              <p:cTn id="17" fill="hold">
-                                <p:stCondLst>
-                                  <p:cond delay="2200"/>
-                                </p:stCondLst>
-                                <p:childTnLst>
-                                  <p:par>
-                                    <p:cTn id="18" presetID="2" presetClass="entr" presetSubtype="4" fill="hold" grpId="0" nodeType="afterEffect">
-                                      <p:stCondLst>
-                                        <p:cond delay="0"/>
-                                      </p:stCondLst>
-                                      <p:childTnLst>
-                                        <p:set>
-                                          <p:cBhvr>
-                                            <p:cTn id="19" dur="1" fill="hold">
-                                              <p:stCondLst>
-                                                <p:cond delay="0"/>
-                                              </p:stCondLst>
-                                            </p:cTn>
-                                            <p:tgtEl>
-                                              <p:spTgt spid="15"/>
-                                            </p:tgtEl>
-                                            <p:attrNameLst>
-                                              <p:attrName>style.visibility</p:attrName>
-                                            </p:attrNameLst>
-                                          </p:cBhvr>
-                                          <p:to>
-                                            <p:strVal val="visible"/>
-                                          </p:to>
-                                        </p:set>
-                                        <p:anim calcmode="lin" valueType="num">
-                                          <p:cBhvr additive="base">
-                                            <p:cTn id="20" dur="1250" fill="hold"/>
-                                            <p:tgtEl>
-                                              <p:spTgt spid="15"/>
-                                            </p:tgtEl>
-                                            <p:attrNameLst>
-                                              <p:attrName>ppt_x</p:attrName>
-                                            </p:attrNameLst>
-                                          </p:cBhvr>
-                                          <p:tavLst>
-                                            <p:tav tm="0">
-                                              <p:val>
-                                                <p:strVal val="#ppt_x"/>
-                                              </p:val>
-                                            </p:tav>
-                                            <p:tav tm="100000">
-                                              <p:val>
-                                                <p:strVal val="#ppt_x"/>
-                                              </p:val>
-                                            </p:tav>
-                                          </p:tavLst>
-                                        </p:anim>
-                                        <p:anim calcmode="lin" valueType="num">
-                                          <p:cBhvr additive="base">
-                                            <p:cTn id="21" dur="1250" fill="hold"/>
-                                            <p:tgtEl>
-                                              <p:spTgt spid="15"/>
-                                            </p:tgtEl>
-                                            <p:attrNameLst>
-                                              <p:attrName>ppt_y</p:attrName>
-                                            </p:attrNameLst>
-                                          </p:cBhvr>
-                                          <p:tavLst>
-                                            <p:tav tm="0">
-                                              <p:val>
-                                                <p:strVal val="1+#ppt_h/2"/>
-                                              </p:val>
-                                            </p:tav>
-                                            <p:tav tm="100000">
-                                              <p:val>
-                                                <p:strVal val="#ppt_y"/>
-                                              </p:val>
-                                            </p:tav>
-                                          </p:tavLst>
-                                        </p:anim>
-                                      </p:childTnLst>
-                                    </p:cTn>
-                                  </p:par>
-                                </p:childTnLst>
-                              </p:cTn>
-                            </p:par>
-                            <p:par>
-                              <p:cTn id="22" fill="hold">
-                                <p:stCondLst>
-                                  <p:cond delay="3450"/>
-                                </p:stCondLst>
-                                <p:childTnLst>
-                                  <p:par>
-                                    <p:cTn id="23" presetID="2" presetClass="entr" presetSubtype="4" fill="hold" grpId="0" nodeType="afterEffect">
-                                      <p:stCondLst>
-                                        <p:cond delay="0"/>
-                                      </p:stCondLst>
-                                      <p:childTnLst>
-                                        <p:set>
-                                          <p:cBhvr>
-                                            <p:cTn id="24" dur="1" fill="hold">
-                                              <p:stCondLst>
-                                                <p:cond delay="0"/>
-                                              </p:stCondLst>
-                                            </p:cTn>
-                                            <p:tgtEl>
-                                              <p:spTgt spid="16"/>
-                                            </p:tgtEl>
-                                            <p:attrNameLst>
-                                              <p:attrName>style.visibility</p:attrName>
-                                            </p:attrNameLst>
-                                          </p:cBhvr>
-                                          <p:to>
-                                            <p:strVal val="visible"/>
-                                          </p:to>
-                                        </p:set>
-                                        <p:anim calcmode="lin" valueType="num">
-                                          <p:cBhvr additive="base">
-                                            <p:cTn id="25" dur="1250" fill="hold"/>
-                                            <p:tgtEl>
-                                              <p:spTgt spid="16"/>
-                                            </p:tgtEl>
-                                            <p:attrNameLst>
-                                              <p:attrName>ppt_x</p:attrName>
-                                            </p:attrNameLst>
-                                          </p:cBhvr>
-                                          <p:tavLst>
-                                            <p:tav tm="0">
-                                              <p:val>
-                                                <p:strVal val="#ppt_x"/>
-                                              </p:val>
-                                            </p:tav>
-                                            <p:tav tm="100000">
-                                              <p:val>
-                                                <p:strVal val="#ppt_x"/>
-                                              </p:val>
-                                            </p:tav>
-                                          </p:tavLst>
-                                        </p:anim>
-                                        <p:anim calcmode="lin" valueType="num">
-                                          <p:cBhvr additive="base">
-                                            <p:cTn id="26" dur="1250" fill="hold"/>
-                                            <p:tgtEl>
-                                              <p:spTgt spid="16"/>
-                                            </p:tgtEl>
-                                            <p:attrNameLst>
-                                              <p:attrName>ppt_y</p:attrName>
-                                            </p:attrNameLst>
-                                          </p:cBhvr>
-                                          <p:tavLst>
-                                            <p:tav tm="0">
-                                              <p:val>
-                                                <p:strVal val="1+#ppt_h/2"/>
-                                              </p:val>
-                                            </p:tav>
-                                            <p:tav tm="100000">
-                                              <p:val>
-                                                <p:strVal val="#ppt_y"/>
-                                              </p:val>
-                                            </p:tav>
-                                          </p:tavLst>
-                                        </p:anim>
-                                      </p:childTnLst>
-                                    </p:cTn>
-                                  </p:par>
-                                  <p:par>
-                                    <p:cTn id="27" presetID="2" presetClass="entr" presetSubtype="1" decel="100000" fill="hold" grpId="0" nodeType="withEffect">
-                                      <p:stCondLst>
-                                        <p:cond delay="0"/>
-                                      </p:stCondLst>
-                                      <p:iterate type="lt">
-                                        <p:tmPct val="10000"/>
-                                      </p:iterate>
-                                      <p:childTnLst>
-                                        <p:set>
-                                          <p:cBhvr>
-                                            <p:cTn id="28" dur="1" fill="hold">
-                                              <p:stCondLst>
-                                                <p:cond delay="0"/>
-                                              </p:stCondLst>
-                                            </p:cTn>
-                                            <p:tgtEl>
-                                              <p:spTgt spid="9"/>
-                                            </p:tgtEl>
-                                            <p:attrNameLst>
-                                              <p:attrName>style.visibility</p:attrName>
-                                            </p:attrNameLst>
-                                          </p:cBhvr>
-                                          <p:to>
-                                            <p:strVal val="visible"/>
-                                          </p:to>
-                                        </p:set>
-                                        <p:anim calcmode="lin" valueType="num">
-                                          <p:cBhvr additive="base">
-                                            <p:cTn id="29" dur="1000" fill="hold"/>
-                                            <p:tgtEl>
-                                              <p:spTgt spid="9"/>
-                                            </p:tgtEl>
-                                            <p:attrNameLst>
-                                              <p:attrName>ppt_x</p:attrName>
-                                            </p:attrNameLst>
-                                          </p:cBhvr>
-                                          <p:tavLst>
-                                            <p:tav tm="0">
-                                              <p:val>
-                                                <p:strVal val="#ppt_x"/>
-                                              </p:val>
-                                            </p:tav>
-                                            <p:tav tm="100000">
-                                              <p:val>
-                                                <p:strVal val="#ppt_x"/>
-                                              </p:val>
-                                            </p:tav>
-                                          </p:tavLst>
-                                        </p:anim>
-                                        <p:anim calcmode="lin" valueType="num">
-                                          <p:cBhvr additive="base">
-                                            <p:cTn id="30" dur="1000" fill="hold"/>
-                                            <p:tgtEl>
-                                              <p:spTgt spid="9"/>
-                                            </p:tgtEl>
-                                            <p:attrNameLst>
-                                              <p:attrName>ppt_y</p:attrName>
-                                            </p:attrNameLst>
-                                          </p:cBhvr>
-                                          <p:tavLst>
-                                            <p:tav tm="0">
-                                              <p:val>
-                                                <p:strVal val="0-#ppt_h/2"/>
-                                              </p:val>
-                                            </p:tav>
-                                            <p:tav tm="100000">
-                                              <p:val>
-                                                <p:strVal val="#ppt_y"/>
-                                              </p:val>
-                                            </p:tav>
-                                          </p:tavLst>
-                                        </p:anim>
-                                      </p:childTnLst>
-                                    </p:cTn>
-                                  </p:par>
-                                  <p:par>
-                                    <p:cTn id="31" presetID="2" presetClass="entr" presetSubtype="1" decel="100000" fill="hold" grpId="0" nodeType="withEffect">
-                                      <p:stCondLst>
-                                        <p:cond delay="0"/>
-                                      </p:stCondLst>
-                                      <p:iterate type="lt">
-                                        <p:tmPct val="10000"/>
-                                      </p:iterate>
-                                      <p:childTnLst>
-                                        <p:set>
-                                          <p:cBhvr>
-                                            <p:cTn id="32" dur="1" fill="hold">
-                                              <p:stCondLst>
-                                                <p:cond delay="0"/>
-                                              </p:stCondLst>
-                                            </p:cTn>
-                                            <p:tgtEl>
-                                              <p:spTgt spid="11"/>
-                                            </p:tgtEl>
-                                            <p:attrNameLst>
-                                              <p:attrName>style.visibility</p:attrName>
-                                            </p:attrNameLst>
-                                          </p:cBhvr>
-                                          <p:to>
-                                            <p:strVal val="visible"/>
-                                          </p:to>
-                                        </p:set>
-                                        <p:anim calcmode="lin" valueType="num">
-                                          <p:cBhvr additive="base">
-                                            <p:cTn id="33" dur="1000" fill="hold"/>
-                                            <p:tgtEl>
-                                              <p:spTgt spid="11"/>
-                                            </p:tgtEl>
-                                            <p:attrNameLst>
-                                              <p:attrName>ppt_x</p:attrName>
-                                            </p:attrNameLst>
-                                          </p:cBhvr>
-                                          <p:tavLst>
-                                            <p:tav tm="0">
-                                              <p:val>
-                                                <p:strVal val="#ppt_x"/>
-                                              </p:val>
-                                            </p:tav>
-                                            <p:tav tm="100000">
-                                              <p:val>
-                                                <p:strVal val="#ppt_x"/>
-                                              </p:val>
-                                            </p:tav>
-                                          </p:tavLst>
-                                        </p:anim>
-                                        <p:anim calcmode="lin" valueType="num">
-                                          <p:cBhvr additive="base">
-                                            <p:cTn id="34" dur="1000" fill="hold"/>
-                                            <p:tgtEl>
-                                              <p:spTgt spid="11"/>
-                                            </p:tgtEl>
-                                            <p:attrNameLst>
-                                              <p:attrName>ppt_y</p:attrName>
-                                            </p:attrNameLst>
-                                          </p:cBhvr>
-                                          <p:tavLst>
-                                            <p:tav tm="0">
-                                              <p:val>
-                                                <p:strVal val="0-#ppt_h/2"/>
-                                              </p:val>
-                                            </p:tav>
-                                            <p:tav tm="100000">
-                                              <p:val>
-                                                <p:strVal val="#ppt_y"/>
-                                              </p:val>
-                                            </p:tav>
-                                          </p:tavLst>
-                                        </p:anim>
-                                      </p:childTnLst>
-                                    </p:cTn>
-                                  </p:par>
-                                </p:childTnLst>
-                              </p:cTn>
-                            </p:par>
-                            <p:par>
-                              <p:cTn id="35" fill="hold">
-                                <p:stCondLst>
-                                  <p:cond delay="4700"/>
-                                </p:stCondLst>
-                                <p:childTnLst>
-                                  <p:par>
-                                    <p:cTn id="36" presetID="2" presetClass="entr" presetSubtype="4" fill="hold" grpId="0" nodeType="afterEffect">
-                                      <p:stCondLst>
-                                        <p:cond delay="0"/>
-                                      </p:stCondLst>
-                                      <p:childTnLst>
-                                        <p:set>
-                                          <p:cBhvr>
-                                            <p:cTn id="37" dur="1" fill="hold">
-                                              <p:stCondLst>
-                                                <p:cond delay="0"/>
-                                              </p:stCondLst>
-                                            </p:cTn>
-                                            <p:tgtEl>
-                                              <p:spTgt spid="14"/>
-                                            </p:tgtEl>
-                                            <p:attrNameLst>
-                                              <p:attrName>style.visibility</p:attrName>
-                                            </p:attrNameLst>
-                                          </p:cBhvr>
-                                          <p:to>
-                                            <p:strVal val="visible"/>
-                                          </p:to>
-                                        </p:set>
-                                        <p:anim calcmode="lin" valueType="num">
-                                          <p:cBhvr additive="base">
-                                            <p:cTn id="38" dur="1250" fill="hold"/>
-                                            <p:tgtEl>
-                                              <p:spTgt spid="14"/>
-                                            </p:tgtEl>
-                                            <p:attrNameLst>
-                                              <p:attrName>ppt_x</p:attrName>
-                                            </p:attrNameLst>
-                                          </p:cBhvr>
-                                          <p:tavLst>
-                                            <p:tav tm="0">
-                                              <p:val>
-                                                <p:strVal val="#ppt_x"/>
-                                              </p:val>
-                                            </p:tav>
-                                            <p:tav tm="100000">
-                                              <p:val>
-                                                <p:strVal val="#ppt_x"/>
-                                              </p:val>
-                                            </p:tav>
-                                          </p:tavLst>
-                                        </p:anim>
-                                        <p:anim calcmode="lin" valueType="num">
-                                          <p:cBhvr additive="base">
-                                            <p:cTn id="39" dur="1250" fill="hold"/>
-                                            <p:tgtEl>
-                                              <p:spTgt spid="14"/>
-                                            </p:tgtEl>
-                                            <p:attrNameLst>
-                                              <p:attrName>ppt_y</p:attrName>
-                                            </p:attrNameLst>
-                                          </p:cBhvr>
-                                          <p:tavLst>
-                                            <p:tav tm="0">
-                                              <p:val>
-                                                <p:strVal val="1+#ppt_h/2"/>
-                                              </p:val>
-                                            </p:tav>
-                                            <p:tav tm="100000">
-                                              <p:val>
-                                                <p:strVal val="#ppt_y"/>
-                                              </p:val>
-                                            </p:tav>
-                                          </p:tavLst>
-                                        </p:anim>
-                                      </p:childTnLst>
-                                    </p:cTn>
-                                  </p:par>
-                                  <p:par>
-                                    <p:cTn id="40" presetID="2" presetClass="entr" presetSubtype="1" decel="100000" fill="hold" grpId="0" nodeType="withEffect">
-                                      <p:stCondLst>
-                                        <p:cond delay="0"/>
-                                      </p:stCondLst>
-                                      <p:iterate type="lt">
-                                        <p:tmPct val="10000"/>
-                                      </p:iterate>
-                                      <p:childTnLst>
-                                        <p:set>
-                                          <p:cBhvr>
-                                            <p:cTn id="41" dur="1" fill="hold">
-                                              <p:stCondLst>
-                                                <p:cond delay="0"/>
-                                              </p:stCondLst>
-                                            </p:cTn>
-                                            <p:tgtEl>
-                                              <p:spTgt spid="17"/>
-                                            </p:tgtEl>
-                                            <p:attrNameLst>
-                                              <p:attrName>style.visibility</p:attrName>
-                                            </p:attrNameLst>
-                                          </p:cBhvr>
-                                          <p:to>
-                                            <p:strVal val="visible"/>
-                                          </p:to>
-                                        </p:set>
-                                        <p:anim calcmode="lin" valueType="num">
-                                          <p:cBhvr additive="base">
-                                            <p:cTn id="42" dur="1000" fill="hold"/>
-                                            <p:tgtEl>
-                                              <p:spTgt spid="17"/>
-                                            </p:tgtEl>
-                                            <p:attrNameLst>
-                                              <p:attrName>ppt_x</p:attrName>
-                                            </p:attrNameLst>
-                                          </p:cBhvr>
-                                          <p:tavLst>
-                                            <p:tav tm="0">
-                                              <p:val>
-                                                <p:strVal val="#ppt_x"/>
-                                              </p:val>
-                                            </p:tav>
-                                            <p:tav tm="100000">
-                                              <p:val>
-                                                <p:strVal val="#ppt_x"/>
-                                              </p:val>
-                                            </p:tav>
-                                          </p:tavLst>
-                                        </p:anim>
-                                        <p:anim calcmode="lin" valueType="num">
-                                          <p:cBhvr additive="base">
-                                            <p:cTn id="43" dur="1000" fill="hold"/>
-                                            <p:tgtEl>
-                                              <p:spTgt spid="17"/>
-                                            </p:tgtEl>
-                                            <p:attrNameLst>
-                                              <p:attrName>ppt_y</p:attrName>
-                                            </p:attrNameLst>
-                                          </p:cBhvr>
-                                          <p:tavLst>
-                                            <p:tav tm="0">
-                                              <p:val>
-                                                <p:strVal val="0-#ppt_h/2"/>
-                                              </p:val>
-                                            </p:tav>
-                                            <p:tav tm="100000">
-                                              <p:val>
-                                                <p:strVal val="#ppt_y"/>
-                                              </p:val>
-                                            </p:tav>
-                                          </p:tavLst>
-                                        </p:anim>
-                                      </p:childTnLst>
-                                    </p:cTn>
-                                  </p:par>
-                                </p:childTnLst>
-                              </p:cTn>
-                            </p:par>
-                          </p:childTnLst>
-                        </p:cTn>
-                      </p:par>
-                    </p:childTnLst>
-                  </p:cTn>
-                  <p:prevCondLst>
-                    <p:cond evt="onPrev" delay="0">
-                      <p:tgtEl>
-                        <p:sldTgt/>
-                      </p:tgtEl>
-                    </p:cond>
-                  </p:prevCondLst>
-                  <p:nextCondLst>
-                    <p:cond evt="onNext" delay="0">
-                      <p:tgtEl>
-                        <p:sldTgt/>
-                      </p:tgtEl>
-                    </p:cond>
-                  </p:nextCondLst>
-                </p:seq>
-              </p:childTnLst>
-            </p:cTn>
-          </p:par>
-        </p:tnLst>
-        <p:bldLst>
-          <p:bldP spid="3" grpId="0"/>
-          <p:bldP spid="9" grpId="0"/>
-          <p:bldP spid="13" grpId="0"/>
-          <p:bldP spid="15" grpId="0"/>
-          <p:bldP spid="16" grpId="0"/>
-          <p:bldP spid="11" grpId="0"/>
-          <p:bldP spid="14" grpId="0"/>
-          <p:bldP spid="17" grpId="0"/>
-        </p:bldLst>
-      </p:timing>
-    </mc:Fallback>
-  </mc:AlternateContent>
+  <p:timing>
+    <p:tnLst>
+      <p:par>
+        <p:cTn id="1" dur="indefinite" restart="never" nodeType="tmRoot"/>
+      </p:par>
+    </p:tnLst>
+  </p:timing>
 </p:sld>
 </file>
 
@@ -11998,7 +12187,7 @@
               <a:rPr lang="zh-CN" altLang="en-US" sz="1400" dirty="0" smtClean="0">
                 <a:sym typeface="+mn-lt"/>
               </a:rPr>
-              <a:t>义表结构。</a:t>
+              <a:t>义表结构</a:t>
             </a:r>
             <a:endParaRPr lang="en-US" altLang="zh-CN" sz="1400" dirty="0" smtClean="0">
               <a:sym typeface="+mn-lt"/>
@@ -15715,6 +15904,411 @@
                       </p:childTnLst>
                     </p:cTn>
                   </p:par>
+                  <p:par>
+                    <p:cTn id="75" fill="hold">
+                      <p:stCondLst>
+                        <p:cond delay="indefinite"/>
+                      </p:stCondLst>
+                      <p:childTnLst>
+                        <p:par>
+                          <p:cTn id="76" fill="hold">
+                            <p:stCondLst>
+                              <p:cond delay="0"/>
+                            </p:stCondLst>
+                            <p:childTnLst>
+                              <p:par>
+                                <p:cTn id="77" presetID="10" presetClass="entr" presetSubtype="0" fill="hold" nodeType="clickEffect">
+                                  <p:stCondLst>
+                                    <p:cond delay="0"/>
+                                  </p:stCondLst>
+                                  <p:childTnLst>
+                                    <p:set>
+                                      <p:cBhvr>
+                                        <p:cTn id="78" dur="1" fill="hold">
+                                          <p:stCondLst>
+                                            <p:cond delay="0"/>
+                                          </p:stCondLst>
+                                        </p:cTn>
+                                        <p:tgtEl>
+                                          <p:spTgt spid="2">
+                                            <p:txEl>
+                                              <p:pRg st="0" end="0"/>
+                                            </p:txEl>
+                                          </p:spTgt>
+                                        </p:tgtEl>
+                                        <p:attrNameLst>
+                                          <p:attrName>style.visibility</p:attrName>
+                                        </p:attrNameLst>
+                                      </p:cBhvr>
+                                      <p:to>
+                                        <p:strVal val="visible"/>
+                                      </p:to>
+                                    </p:set>
+                                    <p:animEffect transition="in" filter="fade">
+                                      <p:cBhvr>
+                                        <p:cTn id="79" dur="500"/>
+                                        <p:tgtEl>
+                                          <p:spTgt spid="2">
+                                            <p:txEl>
+                                              <p:pRg st="0" end="0"/>
+                                            </p:txEl>
+                                          </p:spTgt>
+                                        </p:tgtEl>
+                                      </p:cBhvr>
+                                    </p:animEffect>
+                                  </p:childTnLst>
+                                </p:cTn>
+                              </p:par>
+                              <p:par>
+                                <p:cTn id="80" presetID="10" presetClass="entr" presetSubtype="0" fill="hold" nodeType="withEffect">
+                                  <p:stCondLst>
+                                    <p:cond delay="0"/>
+                                  </p:stCondLst>
+                                  <p:childTnLst>
+                                    <p:set>
+                                      <p:cBhvr>
+                                        <p:cTn id="81" dur="1" fill="hold">
+                                          <p:stCondLst>
+                                            <p:cond delay="0"/>
+                                          </p:stCondLst>
+                                        </p:cTn>
+                                        <p:tgtEl>
+                                          <p:spTgt spid="2">
+                                            <p:txEl>
+                                              <p:pRg st="1" end="1"/>
+                                            </p:txEl>
+                                          </p:spTgt>
+                                        </p:tgtEl>
+                                        <p:attrNameLst>
+                                          <p:attrName>style.visibility</p:attrName>
+                                        </p:attrNameLst>
+                                      </p:cBhvr>
+                                      <p:to>
+                                        <p:strVal val="visible"/>
+                                      </p:to>
+                                    </p:set>
+                                    <p:animEffect transition="in" filter="fade">
+                                      <p:cBhvr>
+                                        <p:cTn id="82" dur="500"/>
+                                        <p:tgtEl>
+                                          <p:spTgt spid="2">
+                                            <p:txEl>
+                                              <p:pRg st="1" end="1"/>
+                                            </p:txEl>
+                                          </p:spTgt>
+                                        </p:tgtEl>
+                                      </p:cBhvr>
+                                    </p:animEffect>
+                                  </p:childTnLst>
+                                </p:cTn>
+                              </p:par>
+                              <p:par>
+                                <p:cTn id="83" presetID="10" presetClass="entr" presetSubtype="0" fill="hold" nodeType="withEffect">
+                                  <p:stCondLst>
+                                    <p:cond delay="0"/>
+                                  </p:stCondLst>
+                                  <p:childTnLst>
+                                    <p:set>
+                                      <p:cBhvr>
+                                        <p:cTn id="84" dur="1" fill="hold">
+                                          <p:stCondLst>
+                                            <p:cond delay="0"/>
+                                          </p:stCondLst>
+                                        </p:cTn>
+                                        <p:tgtEl>
+                                          <p:spTgt spid="2">
+                                            <p:txEl>
+                                              <p:pRg st="2" end="2"/>
+                                            </p:txEl>
+                                          </p:spTgt>
+                                        </p:tgtEl>
+                                        <p:attrNameLst>
+                                          <p:attrName>style.visibility</p:attrName>
+                                        </p:attrNameLst>
+                                      </p:cBhvr>
+                                      <p:to>
+                                        <p:strVal val="visible"/>
+                                      </p:to>
+                                    </p:set>
+                                    <p:animEffect transition="in" filter="fade">
+                                      <p:cBhvr>
+                                        <p:cTn id="85" dur="500"/>
+                                        <p:tgtEl>
+                                          <p:spTgt spid="2">
+                                            <p:txEl>
+                                              <p:pRg st="2" end="2"/>
+                                            </p:txEl>
+                                          </p:spTgt>
+                                        </p:tgtEl>
+                                      </p:cBhvr>
+                                    </p:animEffect>
+                                  </p:childTnLst>
+                                </p:cTn>
+                              </p:par>
+                              <p:par>
+                                <p:cTn id="86" presetID="10" presetClass="entr" presetSubtype="0" fill="hold" nodeType="withEffect">
+                                  <p:stCondLst>
+                                    <p:cond delay="0"/>
+                                  </p:stCondLst>
+                                  <p:childTnLst>
+                                    <p:set>
+                                      <p:cBhvr>
+                                        <p:cTn id="87" dur="1" fill="hold">
+                                          <p:stCondLst>
+                                            <p:cond delay="0"/>
+                                          </p:stCondLst>
+                                        </p:cTn>
+                                        <p:tgtEl>
+                                          <p:spTgt spid="2">
+                                            <p:txEl>
+                                              <p:pRg st="3" end="3"/>
+                                            </p:txEl>
+                                          </p:spTgt>
+                                        </p:tgtEl>
+                                        <p:attrNameLst>
+                                          <p:attrName>style.visibility</p:attrName>
+                                        </p:attrNameLst>
+                                      </p:cBhvr>
+                                      <p:to>
+                                        <p:strVal val="visible"/>
+                                      </p:to>
+                                    </p:set>
+                                    <p:animEffect transition="in" filter="fade">
+                                      <p:cBhvr>
+                                        <p:cTn id="88" dur="500"/>
+                                        <p:tgtEl>
+                                          <p:spTgt spid="2">
+                                            <p:txEl>
+                                              <p:pRg st="3" end="3"/>
+                                            </p:txEl>
+                                          </p:spTgt>
+                                        </p:tgtEl>
+                                      </p:cBhvr>
+                                    </p:animEffect>
+                                  </p:childTnLst>
+                                </p:cTn>
+                              </p:par>
+                              <p:par>
+                                <p:cTn id="89" presetID="10" presetClass="entr" presetSubtype="0" fill="hold" nodeType="withEffect">
+                                  <p:stCondLst>
+                                    <p:cond delay="0"/>
+                                  </p:stCondLst>
+                                  <p:childTnLst>
+                                    <p:set>
+                                      <p:cBhvr>
+                                        <p:cTn id="90" dur="1" fill="hold">
+                                          <p:stCondLst>
+                                            <p:cond delay="0"/>
+                                          </p:stCondLst>
+                                        </p:cTn>
+                                        <p:tgtEl>
+                                          <p:spTgt spid="2">
+                                            <p:txEl>
+                                              <p:pRg st="4" end="4"/>
+                                            </p:txEl>
+                                          </p:spTgt>
+                                        </p:tgtEl>
+                                        <p:attrNameLst>
+                                          <p:attrName>style.visibility</p:attrName>
+                                        </p:attrNameLst>
+                                      </p:cBhvr>
+                                      <p:to>
+                                        <p:strVal val="visible"/>
+                                      </p:to>
+                                    </p:set>
+                                    <p:animEffect transition="in" filter="fade">
+                                      <p:cBhvr>
+                                        <p:cTn id="91" dur="500"/>
+                                        <p:tgtEl>
+                                          <p:spTgt spid="2">
+                                            <p:txEl>
+                                              <p:pRg st="4" end="4"/>
+                                            </p:txEl>
+                                          </p:spTgt>
+                                        </p:tgtEl>
+                                      </p:cBhvr>
+                                    </p:animEffect>
+                                  </p:childTnLst>
+                                </p:cTn>
+                              </p:par>
+                              <p:par>
+                                <p:cTn id="92" presetID="10" presetClass="entr" presetSubtype="0" fill="hold" nodeType="withEffect">
+                                  <p:stCondLst>
+                                    <p:cond delay="0"/>
+                                  </p:stCondLst>
+                                  <p:childTnLst>
+                                    <p:set>
+                                      <p:cBhvr>
+                                        <p:cTn id="93" dur="1" fill="hold">
+                                          <p:stCondLst>
+                                            <p:cond delay="0"/>
+                                          </p:stCondLst>
+                                        </p:cTn>
+                                        <p:tgtEl>
+                                          <p:spTgt spid="2">
+                                            <p:txEl>
+                                              <p:pRg st="5" end="5"/>
+                                            </p:txEl>
+                                          </p:spTgt>
+                                        </p:tgtEl>
+                                        <p:attrNameLst>
+                                          <p:attrName>style.visibility</p:attrName>
+                                        </p:attrNameLst>
+                                      </p:cBhvr>
+                                      <p:to>
+                                        <p:strVal val="visible"/>
+                                      </p:to>
+                                    </p:set>
+                                    <p:animEffect transition="in" filter="fade">
+                                      <p:cBhvr>
+                                        <p:cTn id="94" dur="500"/>
+                                        <p:tgtEl>
+                                          <p:spTgt spid="2">
+                                            <p:txEl>
+                                              <p:pRg st="5" end="5"/>
+                                            </p:txEl>
+                                          </p:spTgt>
+                                        </p:tgtEl>
+                                      </p:cBhvr>
+                                    </p:animEffect>
+                                  </p:childTnLst>
+                                </p:cTn>
+                              </p:par>
+                              <p:par>
+                                <p:cTn id="95" presetID="10" presetClass="entr" presetSubtype="0" fill="hold" nodeType="withEffect">
+                                  <p:stCondLst>
+                                    <p:cond delay="0"/>
+                                  </p:stCondLst>
+                                  <p:childTnLst>
+                                    <p:set>
+                                      <p:cBhvr>
+                                        <p:cTn id="96" dur="1" fill="hold">
+                                          <p:stCondLst>
+                                            <p:cond delay="0"/>
+                                          </p:stCondLst>
+                                        </p:cTn>
+                                        <p:tgtEl>
+                                          <p:spTgt spid="2">
+                                            <p:txEl>
+                                              <p:pRg st="6" end="6"/>
+                                            </p:txEl>
+                                          </p:spTgt>
+                                        </p:tgtEl>
+                                        <p:attrNameLst>
+                                          <p:attrName>style.visibility</p:attrName>
+                                        </p:attrNameLst>
+                                      </p:cBhvr>
+                                      <p:to>
+                                        <p:strVal val="visible"/>
+                                      </p:to>
+                                    </p:set>
+                                    <p:animEffect transition="in" filter="fade">
+                                      <p:cBhvr>
+                                        <p:cTn id="97" dur="500"/>
+                                        <p:tgtEl>
+                                          <p:spTgt spid="2">
+                                            <p:txEl>
+                                              <p:pRg st="6" end="6"/>
+                                            </p:txEl>
+                                          </p:spTgt>
+                                        </p:tgtEl>
+                                      </p:cBhvr>
+                                    </p:animEffect>
+                                  </p:childTnLst>
+                                </p:cTn>
+                              </p:par>
+                              <p:par>
+                                <p:cTn id="98" presetID="10" presetClass="entr" presetSubtype="0" fill="hold" nodeType="withEffect">
+                                  <p:stCondLst>
+                                    <p:cond delay="0"/>
+                                  </p:stCondLst>
+                                  <p:childTnLst>
+                                    <p:set>
+                                      <p:cBhvr>
+                                        <p:cTn id="99" dur="1" fill="hold">
+                                          <p:stCondLst>
+                                            <p:cond delay="0"/>
+                                          </p:stCondLst>
+                                        </p:cTn>
+                                        <p:tgtEl>
+                                          <p:spTgt spid="2">
+                                            <p:txEl>
+                                              <p:pRg st="7" end="7"/>
+                                            </p:txEl>
+                                          </p:spTgt>
+                                        </p:tgtEl>
+                                        <p:attrNameLst>
+                                          <p:attrName>style.visibility</p:attrName>
+                                        </p:attrNameLst>
+                                      </p:cBhvr>
+                                      <p:to>
+                                        <p:strVal val="visible"/>
+                                      </p:to>
+                                    </p:set>
+                                    <p:animEffect transition="in" filter="fade">
+                                      <p:cBhvr>
+                                        <p:cTn id="100" dur="500"/>
+                                        <p:tgtEl>
+                                          <p:spTgt spid="2">
+                                            <p:txEl>
+                                              <p:pRg st="7" end="7"/>
+                                            </p:txEl>
+                                          </p:spTgt>
+                                        </p:tgtEl>
+                                      </p:cBhvr>
+                                    </p:animEffect>
+                                  </p:childTnLst>
+                                </p:cTn>
+                              </p:par>
+                              <p:par>
+                                <p:cTn id="101" presetID="10" presetClass="entr" presetSubtype="0" fill="hold" nodeType="withEffect">
+                                  <p:stCondLst>
+                                    <p:cond delay="0"/>
+                                  </p:stCondLst>
+                                  <p:childTnLst>
+                                    <p:set>
+                                      <p:cBhvr>
+                                        <p:cTn id="102" dur="1" fill="hold">
+                                          <p:stCondLst>
+                                            <p:cond delay="0"/>
+                                          </p:stCondLst>
+                                        </p:cTn>
+                                        <p:tgtEl>
+                                          <p:spTgt spid="2">
+                                            <p:txEl>
+                                              <p:pRg st="8" end="8"/>
+                                            </p:txEl>
+                                          </p:spTgt>
+                                        </p:tgtEl>
+                                        <p:attrNameLst>
+                                          <p:attrName>style.visibility</p:attrName>
+                                        </p:attrNameLst>
+                                      </p:cBhvr>
+                                      <p:to>
+                                        <p:strVal val="visible"/>
+                                      </p:to>
+                                    </p:set>
+                                    <p:animEffect transition="in" filter="fade">
+                                      <p:cBhvr>
+                                        <p:cTn id="103" dur="500"/>
+                                        <p:tgtEl>
+                                          <p:spTgt spid="2">
+                                            <p:txEl>
+                                              <p:pRg st="8" end="8"/>
+                                            </p:txEl>
+                                          </p:spTgt>
+                                        </p:tgtEl>
+                                      </p:cBhvr>
+                                    </p:animEffect>
+                                  </p:childTnLst>
+                                </p:cTn>
+                              </p:par>
+                            </p:childTnLst>
+                          </p:cTn>
+                        </p:par>
+                      </p:childTnLst>
+                    </p:cTn>
+                  </p:par>
                 </p:childTnLst>
               </p:cTn>
               <p:prevCondLst>
@@ -16188,7 +16782,7 @@
             </a:r>
             <a:r>
               <a:rPr lang="en-US" altLang="zh-CN" dirty="0"/>
-              <a:t>6</a:t>
+              <a:t>7</a:t>
             </a:r>
             <a:r>
               <a:rPr lang="zh-CN" altLang="en-US" dirty="0" smtClean="0"/>
@@ -17752,7 +18346,11 @@
             </a:r>
             <a:r>
               <a:rPr lang="en-US" altLang="zh-CN" dirty="0" err="1"/>
-              <a:t>in,$ne.$or</a:t>
+              <a:t>in,$</a:t>
+            </a:r>
+            <a:r>
+              <a:rPr lang="en-US" altLang="zh-CN" dirty="0" err="1" smtClean="0"/>
+              <a:t>ne,$or</a:t>
             </a:r>
             <a:r>
               <a:rPr lang="zh-CN" altLang="en-US" dirty="0"/>
@@ -18605,309 +19203,528 @@
       </p:grpSpPr>
       <p:sp>
         <p:nvSpPr>
-          <p:cNvPr id="23" name="文本框 22"/>
-          <p:cNvSpPr txBox="1"/>
+          <p:cNvPr id="9" name="圆角矩形 8"/>
+          <p:cNvSpPr/>
           <p:nvPr/>
         </p:nvSpPr>
-        <p:spPr>
+        <p:spPr bwMode="auto">
+          <a:xfrm rot="18784635">
+            <a:off x="1817615" y="1905815"/>
+            <a:ext cx="3095768" cy="3103526"/>
+          </a:xfrm>
+          <a:prstGeom prst="roundRect">
+            <a:avLst>
+              <a:gd name="adj" fmla="val 6182"/>
+            </a:avLst>
+          </a:prstGeom>
+          <a:solidFill>
+            <a:srgbClr val="37DFEA">
+              <a:alpha val="30000"/>
+            </a:srgbClr>
+          </a:solidFill>
+          <a:ln>
+            <a:noFill/>
+          </a:ln>
+        </p:spPr>
+        <p:style>
+          <a:lnRef idx="2">
+            <a:schemeClr val="accent1">
+              <a:shade val="50000"/>
+            </a:schemeClr>
+          </a:lnRef>
+          <a:fillRef idx="1">
+            <a:schemeClr val="accent1"/>
+          </a:fillRef>
+          <a:effectRef idx="0">
+            <a:schemeClr val="accent1"/>
+          </a:effectRef>
+          <a:fontRef idx="minor">
+            <a:schemeClr val="lt1"/>
+          </a:fontRef>
+        </p:style>
+        <p:txBody>
+          <a:bodyPr anchor="ctr"/>
+          <a:lstStyle/>
+          <a:p>
+            <a:pPr algn="ctr">
+              <a:defRPr/>
+            </a:pPr>
+            <a:endParaRPr lang="zh-CN" altLang="en-US" sz="2400">
+              <a:cs typeface="+mn-ea"/>
+              <a:sym typeface="+mn-lt"/>
+            </a:endParaRPr>
+          </a:p>
+        </p:txBody>
+      </p:sp>
+      <p:sp>
+        <p:nvSpPr>
+          <p:cNvPr id="3" name="圆角矩形 2"/>
+          <p:cNvSpPr/>
+          <p:nvPr/>
+        </p:nvSpPr>
+        <p:spPr bwMode="auto">
+          <a:xfrm rot="18784635">
+            <a:off x="4586818" y="2815167"/>
+            <a:ext cx="1136651" cy="1119715"/>
+          </a:xfrm>
+          <a:prstGeom prst="roundRect">
+            <a:avLst>
+              <a:gd name="adj" fmla="val 10833"/>
+            </a:avLst>
+          </a:prstGeom>
+          <a:solidFill>
+            <a:srgbClr val="1EF6DF">
+              <a:alpha val="50000"/>
+            </a:srgbClr>
+          </a:solidFill>
+          <a:ln>
+            <a:noFill/>
+          </a:ln>
+        </p:spPr>
+        <p:style>
+          <a:lnRef idx="2">
+            <a:schemeClr val="accent1">
+              <a:shade val="50000"/>
+            </a:schemeClr>
+          </a:lnRef>
+          <a:fillRef idx="1">
+            <a:schemeClr val="accent1"/>
+          </a:fillRef>
+          <a:effectRef idx="0">
+            <a:schemeClr val="accent1"/>
+          </a:effectRef>
+          <a:fontRef idx="minor">
+            <a:schemeClr val="lt1"/>
+          </a:fontRef>
+        </p:style>
+        <p:txBody>
+          <a:bodyPr anchor="ctr"/>
+          <a:lstStyle/>
+          <a:p>
+            <a:pPr algn="ctr">
+              <a:defRPr/>
+            </a:pPr>
+            <a:endParaRPr lang="zh-CN" altLang="en-US" sz="2400">
+              <a:cs typeface="+mn-ea"/>
+              <a:sym typeface="+mn-lt"/>
+            </a:endParaRPr>
+          </a:p>
+        </p:txBody>
+      </p:sp>
+      <p:sp>
+        <p:nvSpPr>
+          <p:cNvPr id="4" name="圆角矩形 3"/>
+          <p:cNvSpPr/>
+          <p:nvPr/>
+        </p:nvSpPr>
+        <p:spPr bwMode="auto">
+          <a:xfrm rot="18784635">
+            <a:off x="2098676" y="2187577"/>
+            <a:ext cx="2533649" cy="2540000"/>
+          </a:xfrm>
+          <a:prstGeom prst="roundRect">
+            <a:avLst>
+              <a:gd name="adj" fmla="val 6182"/>
+            </a:avLst>
+          </a:prstGeom>
+          <a:solidFill>
+            <a:srgbClr val="37DFEA">
+              <a:alpha val="80000"/>
+            </a:srgbClr>
+          </a:solidFill>
+          <a:ln>
+            <a:noFill/>
+          </a:ln>
+        </p:spPr>
+        <p:style>
+          <a:lnRef idx="2">
+            <a:schemeClr val="accent1">
+              <a:shade val="50000"/>
+            </a:schemeClr>
+          </a:lnRef>
+          <a:fillRef idx="1">
+            <a:schemeClr val="accent1"/>
+          </a:fillRef>
+          <a:effectRef idx="0">
+            <a:schemeClr val="accent1"/>
+          </a:effectRef>
+          <a:fontRef idx="minor">
+            <a:schemeClr val="lt1"/>
+          </a:fontRef>
+        </p:style>
+        <p:txBody>
+          <a:bodyPr anchor="ctr"/>
+          <a:lstStyle/>
+          <a:p>
+            <a:pPr algn="ctr">
+              <a:defRPr/>
+            </a:pPr>
+            <a:endParaRPr lang="zh-CN" altLang="en-US" sz="2400">
+              <a:cs typeface="+mn-ea"/>
+              <a:sym typeface="+mn-lt"/>
+            </a:endParaRPr>
+          </a:p>
+        </p:txBody>
+      </p:sp>
+      <p:sp>
+        <p:nvSpPr>
+          <p:cNvPr id="5" name="圆角矩形 4"/>
+          <p:cNvSpPr/>
+          <p:nvPr/>
+        </p:nvSpPr>
+        <p:spPr bwMode="auto">
+          <a:xfrm rot="18784635">
+            <a:off x="4548718" y="4123267"/>
+            <a:ext cx="510116" cy="531284"/>
+          </a:xfrm>
+          <a:prstGeom prst="roundRect">
+            <a:avLst/>
+          </a:prstGeom>
+          <a:solidFill>
+            <a:srgbClr val="32AAE6">
+              <a:alpha val="80000"/>
+            </a:srgbClr>
+          </a:solidFill>
+          <a:ln>
+            <a:noFill/>
+          </a:ln>
+        </p:spPr>
+        <p:style>
+          <a:lnRef idx="2">
+            <a:schemeClr val="accent1">
+              <a:shade val="50000"/>
+            </a:schemeClr>
+          </a:lnRef>
+          <a:fillRef idx="1">
+            <a:schemeClr val="accent1"/>
+          </a:fillRef>
+          <a:effectRef idx="0">
+            <a:schemeClr val="accent1"/>
+          </a:effectRef>
+          <a:fontRef idx="minor">
+            <a:schemeClr val="lt1"/>
+          </a:fontRef>
+        </p:style>
+        <p:txBody>
+          <a:bodyPr anchor="ctr"/>
+          <a:lstStyle/>
+          <a:p>
+            <a:pPr algn="ctr">
+              <a:defRPr/>
+            </a:pPr>
+            <a:endParaRPr lang="zh-CN" altLang="en-US" sz="2400">
+              <a:cs typeface="+mn-ea"/>
+              <a:sym typeface="+mn-lt"/>
+            </a:endParaRPr>
+          </a:p>
+        </p:txBody>
+      </p:sp>
+      <p:sp>
+        <p:nvSpPr>
+          <p:cNvPr id="6" name="TextBox 7"/>
+          <p:cNvSpPr txBox="1">
+            <a:spLocks noChangeArrowheads="1"/>
+          </p:cNvSpPr>
+          <p:nvPr/>
+        </p:nvSpPr>
+        <p:spPr bwMode="auto">
           <a:xfrm>
-            <a:off x="5695891" y="273790"/>
-            <a:ext cx="800219" cy="461665"/>
+            <a:off x="2381251" y="2476500"/>
+            <a:ext cx="1701107" cy="1898212"/>
           </a:xfrm>
           <a:prstGeom prst="rect">
             <a:avLst/>
           </a:prstGeom>
           <a:noFill/>
+          <a:ln>
+            <a:noFill/>
+          </a:ln>
+          <a:extLst>
+            <a:ext uri="{909E8E84-426E-40DD-AFC4-6F175D3DCCD1}">
+              <a14:hiddenFill xmlns:a14="http://schemas.microsoft.com/office/drawing/2010/main">
+                <a:solidFill>
+                  <a:srgbClr val="FFFFFF"/>
+                </a:solidFill>
+              </a14:hiddenFill>
+            </a:ext>
+            <a:ext uri="{91240B29-F687-4F45-9708-019B960494DF}">
+              <a14:hiddenLine xmlns:a14="http://schemas.microsoft.com/office/drawing/2010/main" w="9525">
+                <a:solidFill>
+                  <a:srgbClr val="000000"/>
+                </a:solidFill>
+                <a:miter lim="800000"/>
+                <a:headEnd/>
+                <a:tailEnd/>
+              </a14:hiddenLine>
+            </a:ext>
+          </a:extLst>
         </p:spPr>
         <p:txBody>
-          <a:bodyPr wrap="none" rtlCol="0" anchor="ctr">
+          <a:bodyPr wrap="none">
             <a:spAutoFit/>
           </a:bodyPr>
-          <a:lstStyle/>
-          <a:p>
-            <a:pPr algn="ctr"/>
-            <a:r>
-              <a:rPr lang="zh-CN" altLang="en-US" sz="2400" b="1" dirty="0" smtClean="0">
+          <a:lstStyle>
+            <a:lvl1pPr>
+              <a:defRPr>
+                <a:solidFill>
+                  <a:schemeClr val="tx1"/>
+                </a:solidFill>
+                <a:latin typeface="Calibri" panose="020F0502020204030204" pitchFamily="34" charset="0"/>
+                <a:ea typeface="宋体" panose="02010600030101010101" pitchFamily="2" charset="-122"/>
+              </a:defRPr>
+            </a:lvl1pPr>
+            <a:lvl2pPr marL="742950" indent="-285750">
+              <a:defRPr>
+                <a:solidFill>
+                  <a:schemeClr val="tx1"/>
+                </a:solidFill>
+                <a:latin typeface="Calibri" panose="020F0502020204030204" pitchFamily="34" charset="0"/>
+                <a:ea typeface="宋体" panose="02010600030101010101" pitchFamily="2" charset="-122"/>
+              </a:defRPr>
+            </a:lvl2pPr>
+            <a:lvl3pPr marL="1143000" indent="-228600">
+              <a:defRPr>
+                <a:solidFill>
+                  <a:schemeClr val="tx1"/>
+                </a:solidFill>
+                <a:latin typeface="Calibri" panose="020F0502020204030204" pitchFamily="34" charset="0"/>
+                <a:ea typeface="宋体" panose="02010600030101010101" pitchFamily="2" charset="-122"/>
+              </a:defRPr>
+            </a:lvl3pPr>
+            <a:lvl4pPr marL="1600200" indent="-228600">
+              <a:defRPr>
+                <a:solidFill>
+                  <a:schemeClr val="tx1"/>
+                </a:solidFill>
+                <a:latin typeface="Calibri" panose="020F0502020204030204" pitchFamily="34" charset="0"/>
+                <a:ea typeface="宋体" panose="02010600030101010101" pitchFamily="2" charset="-122"/>
+              </a:defRPr>
+            </a:lvl4pPr>
+            <a:lvl5pPr marL="2057400" indent="-228600">
+              <a:defRPr>
+                <a:solidFill>
+                  <a:schemeClr val="tx1"/>
+                </a:solidFill>
+                <a:latin typeface="Calibri" panose="020F0502020204030204" pitchFamily="34" charset="0"/>
+                <a:ea typeface="宋体" panose="02010600030101010101" pitchFamily="2" charset="-122"/>
+              </a:defRPr>
+            </a:lvl5pPr>
+            <a:lvl6pPr marL="2514600" indent="-228600" fontAlgn="base">
+              <a:spcBef>
+                <a:spcPct val="0"/>
+              </a:spcBef>
+              <a:spcAft>
+                <a:spcPct val="0"/>
+              </a:spcAft>
+              <a:defRPr>
+                <a:solidFill>
+                  <a:schemeClr val="tx1"/>
+                </a:solidFill>
+                <a:latin typeface="Calibri" panose="020F0502020204030204" pitchFamily="34" charset="0"/>
+                <a:ea typeface="宋体" panose="02010600030101010101" pitchFamily="2" charset="-122"/>
+              </a:defRPr>
+            </a:lvl6pPr>
+            <a:lvl7pPr marL="2971800" indent="-228600" fontAlgn="base">
+              <a:spcBef>
+                <a:spcPct val="0"/>
+              </a:spcBef>
+              <a:spcAft>
+                <a:spcPct val="0"/>
+              </a:spcAft>
+              <a:defRPr>
+                <a:solidFill>
+                  <a:schemeClr val="tx1"/>
+                </a:solidFill>
+                <a:latin typeface="Calibri" panose="020F0502020204030204" pitchFamily="34" charset="0"/>
+                <a:ea typeface="宋体" panose="02010600030101010101" pitchFamily="2" charset="-122"/>
+              </a:defRPr>
+            </a:lvl7pPr>
+            <a:lvl8pPr marL="3429000" indent="-228600" fontAlgn="base">
+              <a:spcBef>
+                <a:spcPct val="0"/>
+              </a:spcBef>
+              <a:spcAft>
+                <a:spcPct val="0"/>
+              </a:spcAft>
+              <a:defRPr>
+                <a:solidFill>
+                  <a:schemeClr val="tx1"/>
+                </a:solidFill>
+                <a:latin typeface="Calibri" panose="020F0502020204030204" pitchFamily="34" charset="0"/>
+                <a:ea typeface="宋体" panose="02010600030101010101" pitchFamily="2" charset="-122"/>
+              </a:defRPr>
+            </a:lvl8pPr>
+            <a:lvl9pPr marL="3886200" indent="-228600" fontAlgn="base">
+              <a:spcBef>
+                <a:spcPct val="0"/>
+              </a:spcBef>
+              <a:spcAft>
+                <a:spcPct val="0"/>
+              </a:spcAft>
+              <a:defRPr>
+                <a:solidFill>
+                  <a:schemeClr val="tx1"/>
+                </a:solidFill>
+                <a:latin typeface="Calibri" panose="020F0502020204030204" pitchFamily="34" charset="0"/>
+                <a:ea typeface="宋体" panose="02010600030101010101" pitchFamily="2" charset="-122"/>
+              </a:defRPr>
+            </a:lvl9pPr>
+          </a:lstStyle>
+          <a:p>
+            <a:pPr eaLnBrk="1" hangingPunct="1"/>
+            <a:r>
+              <a:rPr lang="en-US" altLang="zh-CN" sz="11735" b="1" dirty="0" smtClean="0">
                 <a:solidFill>
                   <a:schemeClr val="bg1"/>
                 </a:solidFill>
+                <a:latin typeface="+mn-lt"/>
+                <a:ea typeface="+mn-ea"/>
                 <a:cs typeface="+mn-ea"/>
-              </a:rPr>
-              <a:t>索引</a:t>
-            </a:r>
-            <a:endParaRPr lang="zh-CN" altLang="en-US" sz="2400" b="1" dirty="0">
+                <a:sym typeface="+mn-lt"/>
+              </a:rPr>
+              <a:t>02</a:t>
+            </a:r>
+            <a:endParaRPr lang="zh-CN" altLang="en-US" sz="11735" b="1" dirty="0">
               <a:solidFill>
                 <a:schemeClr val="bg1"/>
               </a:solidFill>
+              <a:latin typeface="+mn-lt"/>
+              <a:ea typeface="+mn-ea"/>
               <a:cs typeface="+mn-ea"/>
+              <a:sym typeface="+mn-lt"/>
             </a:endParaRPr>
           </a:p>
         </p:txBody>
       </p:sp>
       <p:grpSp>
         <p:nvGrpSpPr>
-          <p:cNvPr id="37" name="组合 36"/>
+          <p:cNvPr id="8" name="组合 7"/>
           <p:cNvGrpSpPr/>
           <p:nvPr/>
         </p:nvGrpSpPr>
         <p:grpSpPr>
           <a:xfrm>
-            <a:off x="1811524" y="468618"/>
-            <a:ext cx="8568952" cy="80062"/>
-            <a:chOff x="1811524" y="468618"/>
-            <a:chExt cx="8568952" cy="80062"/>
+            <a:off x="6312024" y="2476500"/>
+            <a:ext cx="5879976" cy="1897892"/>
+            <a:chOff x="6312024" y="2476500"/>
+            <a:chExt cx="5879976" cy="1897892"/>
           </a:xfrm>
         </p:grpSpPr>
-        <p:cxnSp>
-          <p:nvCxnSpPr>
-            <p:cNvPr id="25" name="直接连接符 24"/>
-            <p:cNvCxnSpPr/>
+        <p:sp>
+          <p:nvSpPr>
+            <p:cNvPr id="2" name="同侧圆角矩形 1"/>
+            <p:cNvSpPr/>
             <p:nvPr/>
-          </p:nvCxnSpPr>
+          </p:nvSpPr>
           <p:spPr>
-            <a:xfrm flipH="1">
-              <a:off x="1811524" y="468618"/>
-              <a:ext cx="2664296" cy="0"/>
+            <a:xfrm rot="16200000">
+              <a:off x="8303066" y="485458"/>
+              <a:ext cx="1897892" cy="5879976"/>
             </a:xfrm>
-            <a:prstGeom prst="line">
+            <a:prstGeom prst="round2SameRect">
               <a:avLst/>
             </a:prstGeom>
+            <a:solidFill>
+              <a:srgbClr val="384656">
+                <a:alpha val="69804"/>
+              </a:srgbClr>
+            </a:solidFill>
             <a:ln>
-              <a:solidFill>
-                <a:srgbClr val="39BDED">
-                  <a:alpha val="50000"/>
-                </a:srgbClr>
-              </a:solidFill>
+              <a:noFill/>
             </a:ln>
           </p:spPr>
           <p:style>
-            <a:lnRef idx="1">
-              <a:schemeClr val="accent1"/>
+            <a:lnRef idx="2">
+              <a:schemeClr val="accent1">
+                <a:shade val="50000"/>
+              </a:schemeClr>
             </a:lnRef>
-            <a:fillRef idx="0">
+            <a:fillRef idx="1">
               <a:schemeClr val="accent1"/>
             </a:fillRef>
             <a:effectRef idx="0">
               <a:schemeClr val="accent1"/>
             </a:effectRef>
             <a:fontRef idx="minor">
-              <a:schemeClr val="tx1"/>
+              <a:schemeClr val="lt1"/>
             </a:fontRef>
           </p:style>
-        </p:cxnSp>
-        <p:cxnSp>
-          <p:nvCxnSpPr>
-            <p:cNvPr id="26" name="直接连接符 25"/>
-            <p:cNvCxnSpPr/>
+          <p:txBody>
+            <a:bodyPr anchor="ctr"/>
+            <a:lstStyle/>
+            <a:p>
+              <a:pPr algn="ctr"/>
+              <a:endParaRPr lang="zh-CN" altLang="en-US" sz="2400">
+                <a:cs typeface="+mn-ea"/>
+              </a:endParaRPr>
+            </a:p>
+          </p:txBody>
+        </p:sp>
+        <p:sp>
+          <p:nvSpPr>
+            <p:cNvPr id="10" name="TextBox 20"/>
+            <p:cNvSpPr txBox="1"/>
             <p:nvPr/>
-          </p:nvCxnSpPr>
+          </p:nvSpPr>
           <p:spPr>
-            <a:xfrm flipH="1">
-              <a:off x="1811524" y="548680"/>
-              <a:ext cx="2664296" cy="0"/>
+            <a:xfrm>
+              <a:off x="6708125" y="2959525"/>
+              <a:ext cx="1415772" cy="830997"/>
             </a:xfrm>
-            <a:prstGeom prst="line">
+            <a:prstGeom prst="rect">
               <a:avLst/>
             </a:prstGeom>
-            <a:ln>
-              <a:solidFill>
-                <a:srgbClr val="39BDED">
-                  <a:alpha val="50000"/>
-                </a:srgbClr>
-              </a:solidFill>
-            </a:ln>
+            <a:noFill/>
           </p:spPr>
-          <p:style>
-            <a:lnRef idx="1">
-              <a:schemeClr val="accent1"/>
-            </a:lnRef>
-            <a:fillRef idx="0">
-              <a:schemeClr val="accent1"/>
-            </a:fillRef>
-            <a:effectRef idx="0">
-              <a:schemeClr val="accent1"/>
-            </a:effectRef>
-            <a:fontRef idx="minor">
-              <a:schemeClr val="tx1"/>
-            </a:fontRef>
-          </p:style>
-        </p:cxnSp>
-        <p:cxnSp>
-          <p:nvCxnSpPr>
-            <p:cNvPr id="33" name="直接连接符 32"/>
-            <p:cNvCxnSpPr/>
-            <p:nvPr/>
-          </p:nvCxnSpPr>
-          <p:spPr>
-            <a:xfrm flipH="1">
-              <a:off x="7716180" y="468618"/>
-              <a:ext cx="2664296" cy="0"/>
-            </a:xfrm>
-            <a:prstGeom prst="line">
-              <a:avLst/>
-            </a:prstGeom>
-            <a:ln>
-              <a:solidFill>
-                <a:srgbClr val="39BDED">
-                  <a:alpha val="50000"/>
-                </a:srgbClr>
-              </a:solidFill>
-            </a:ln>
-          </p:spPr>
-          <p:style>
-            <a:lnRef idx="1">
-              <a:schemeClr val="accent1"/>
-            </a:lnRef>
-            <a:fillRef idx="0">
-              <a:schemeClr val="accent1"/>
-            </a:fillRef>
-            <a:effectRef idx="0">
-              <a:schemeClr val="accent1"/>
-            </a:effectRef>
-            <a:fontRef idx="minor">
-              <a:schemeClr val="tx1"/>
-            </a:fontRef>
-          </p:style>
-        </p:cxnSp>
-        <p:cxnSp>
-          <p:nvCxnSpPr>
-            <p:cNvPr id="34" name="直接连接符 33"/>
-            <p:cNvCxnSpPr/>
-            <p:nvPr/>
-          </p:nvCxnSpPr>
-          <p:spPr>
-            <a:xfrm flipH="1">
-              <a:off x="7716180" y="548680"/>
-              <a:ext cx="2664296" cy="0"/>
-            </a:xfrm>
-            <a:prstGeom prst="line">
-              <a:avLst/>
-            </a:prstGeom>
-            <a:ln>
-              <a:solidFill>
-                <a:srgbClr val="39BDED">
-                  <a:alpha val="50000"/>
-                </a:srgbClr>
-              </a:solidFill>
-            </a:ln>
-          </p:spPr>
-          <p:style>
-            <a:lnRef idx="1">
-              <a:schemeClr val="accent1"/>
-            </a:lnRef>
-            <a:fillRef idx="0">
-              <a:schemeClr val="accent1"/>
-            </a:fillRef>
-            <a:effectRef idx="0">
-              <a:schemeClr val="accent1"/>
-            </a:effectRef>
-            <a:fontRef idx="minor">
-              <a:schemeClr val="tx1"/>
-            </a:fontRef>
-          </p:style>
-        </p:cxnSp>
+          <p:txBody>
+            <a:bodyPr wrap="none" rtlCol="0">
+              <a:spAutoFit/>
+            </a:bodyPr>
+            <a:lstStyle/>
+            <a:p>
+              <a:r>
+                <a:rPr lang="zh-CN" altLang="en-US" sz="4800" dirty="0" smtClean="0">
+                  <a:solidFill>
+                    <a:srgbClr val="1EF6DF"/>
+                  </a:solidFill>
+                  <a:latin typeface="+mj-ea"/>
+                  <a:ea typeface="+mj-ea"/>
+                </a:rPr>
+                <a:t>索引</a:t>
+              </a:r>
+              <a:endParaRPr lang="zh-CN" altLang="en-US" sz="4800" dirty="0">
+                <a:solidFill>
+                  <a:srgbClr val="1EF6DF"/>
+                </a:solidFill>
+                <a:latin typeface="+mj-ea"/>
+                <a:ea typeface="+mj-ea"/>
+              </a:endParaRPr>
+            </a:p>
+          </p:txBody>
+        </p:sp>
       </p:grpSp>
-      <p:sp>
-        <p:nvSpPr>
-          <p:cNvPr id="7" name="文本框 6"/>
-          <p:cNvSpPr txBox="1"/>
-          <p:nvPr/>
-        </p:nvSpPr>
-        <p:spPr>
-          <a:xfrm>
-            <a:off x="407368" y="1797783"/>
-            <a:ext cx="4896544" cy="2031325"/>
-          </a:xfrm>
-          <a:prstGeom prst="rect">
-            <a:avLst/>
-          </a:prstGeom>
-          <a:noFill/>
-        </p:spPr>
-        <p:txBody>
-          <a:bodyPr wrap="square" rtlCol="0">
-            <a:spAutoFit/>
-          </a:bodyPr>
-          <a:lstStyle/>
-          <a:p>
-            <a:r>
-              <a:rPr lang="zh-CN" altLang="en-US" dirty="0" smtClean="0"/>
-              <a:t>存在的价值：</a:t>
-            </a:r>
-            <a:endParaRPr lang="en-US" altLang="zh-CN" dirty="0" smtClean="0"/>
-          </a:p>
-          <a:p>
-            <a:endParaRPr lang="en-US" altLang="zh-CN" dirty="0"/>
-          </a:p>
-          <a:p>
-            <a:r>
-              <a:rPr lang="zh-CN" altLang="en-US" dirty="0"/>
-              <a:t>避</a:t>
-            </a:r>
-            <a:r>
-              <a:rPr lang="zh-CN" altLang="en-US" dirty="0" smtClean="0"/>
-              <a:t>免遍历整个数据库，加快查询速度</a:t>
-            </a:r>
-            <a:endParaRPr lang="en-US" altLang="zh-CN" dirty="0" smtClean="0"/>
-          </a:p>
-          <a:p>
-            <a:endParaRPr lang="en-US" altLang="zh-CN" dirty="0"/>
-          </a:p>
-          <a:p>
-            <a:r>
-              <a:rPr lang="zh-CN" altLang="en-US" dirty="0" smtClean="0"/>
-              <a:t>付出的代价：</a:t>
-            </a:r>
-            <a:endParaRPr lang="en-US" altLang="zh-CN" dirty="0" smtClean="0"/>
-          </a:p>
-          <a:p>
-            <a:endParaRPr lang="en-US" altLang="zh-CN" dirty="0"/>
-          </a:p>
-          <a:p>
-            <a:r>
-              <a:rPr lang="zh-CN" altLang="en-US" dirty="0" smtClean="0"/>
-              <a:t>复杂的索引的建立过程是非常消耗系统资源的</a:t>
-            </a:r>
-            <a:endParaRPr lang="zh-CN" altLang="en-US" dirty="0"/>
-          </a:p>
-        </p:txBody>
-      </p:sp>
-      <p:pic>
-        <p:nvPicPr>
-          <p:cNvPr id="8" name="图片 7"/>
-          <p:cNvPicPr>
-            <a:picLocks noChangeAspect="1"/>
-          </p:cNvPicPr>
-          <p:nvPr/>
-        </p:nvPicPr>
-        <p:blipFill>
-          <a:blip r:embed="rId2"/>
-          <a:stretch>
-            <a:fillRect/>
-          </a:stretch>
-        </p:blipFill>
-        <p:spPr>
-          <a:xfrm>
-            <a:off x="5303912" y="1796426"/>
-            <a:ext cx="6696744" cy="3495150"/>
-          </a:xfrm>
-          <a:prstGeom prst="rect">
-            <a:avLst/>
-          </a:prstGeom>
-        </p:spPr>
-      </p:pic>
     </p:spTree>
     <p:extLst>
       <p:ext uri="{BB962C8B-B14F-4D97-AF65-F5344CB8AC3E}">
-        <p14:creationId xmlns:p14="http://schemas.microsoft.com/office/powerpoint/2010/main" val="1294411085"/>
+        <p14:creationId xmlns:p14="http://schemas.microsoft.com/office/powerpoint/2010/main" val="490465369"/>
       </p:ext>
     </p:extLst>
   </p:cSld>
   <p:clrMapOvr>
     <a:masterClrMapping/>
   </p:clrMapOvr>
-  <p:transition spd="slow">
-    <p:push/>
-  </p:transition>
+  <mc:AlternateContent xmlns:mc="http://schemas.openxmlformats.org/markup-compatibility/2006" xmlns:p14="http://schemas.microsoft.com/office/powerpoint/2010/main">
+    <mc:Choice Requires="p14">
+      <p:transition spd="slow" p14:dur="1200">
+        <p14:prism dir="d"/>
+      </p:transition>
+    </mc:Choice>
+    <mc:Fallback xmlns="">
+      <p:transition spd="slow">
+        <p:fade/>
+      </p:transition>
+    </mc:Fallback>
+  </mc:AlternateContent>
   <p:timing>
     <p:tnLst>
       <p:par>
@@ -18932,7 +19749,7 @@
                             </p:stCondLst>
                             <p:childTnLst>
                               <p:par>
-                                <p:cTn id="5" presetID="50" presetClass="entr" presetSubtype="0" decel="100000" fill="hold" grpId="0" nodeType="afterEffect">
+                                <p:cTn id="5" presetID="45" presetClass="entr" presetSubtype="0" fill="hold" grpId="0" nodeType="afterEffect">
                                   <p:stCondLst>
                                     <p:cond delay="0"/>
                                   </p:stCondLst>
@@ -18945,7 +19762,7 @@
                                           </p:stCondLst>
                                         </p:cTn>
                                         <p:tgtEl>
-                                          <p:spTgt spid="23"/>
+                                          <p:spTgt spid="9"/>
                                         </p:tgtEl>
                                         <p:attrNameLst>
                                           <p:attrName>style.visibility</p:attrName>
@@ -18955,34 +19772,42 @@
                                         <p:strVal val="visible"/>
                                       </p:to>
                                     </p:set>
+                                    <p:animEffect transition="in" filter="fade">
+                                      <p:cBhvr>
+                                        <p:cTn id="7" dur="2000"/>
+                                        <p:tgtEl>
+                                          <p:spTgt spid="9"/>
+                                        </p:tgtEl>
+                                      </p:cBhvr>
+                                    </p:animEffect>
                                     <p:anim calcmode="lin" valueType="num">
                                       <p:cBhvr>
-                                        <p:cTn id="7" dur="1000" fill="hold"/>
-                                        <p:tgtEl>
-                                          <p:spTgt spid="23"/>
+                                        <p:cTn id="8" dur="2000" fill="hold"/>
+                                        <p:tgtEl>
+                                          <p:spTgt spid="9"/>
                                         </p:tgtEl>
                                         <p:attrNameLst>
                                           <p:attrName>ppt_w</p:attrName>
                                         </p:attrNameLst>
                                       </p:cBhvr>
                                       <p:tavLst>
-                                        <p:tav tm="0">
-                                          <p:val>
-                                            <p:strVal val="#ppt_w+.3"/>
+                                        <p:tav tm="0" fmla="#ppt_w*sin(2.5*pi*$)">
+                                          <p:val>
+                                            <p:fltVal val="0"/>
                                           </p:val>
                                         </p:tav>
                                         <p:tav tm="100000">
                                           <p:val>
-                                            <p:strVal val="#ppt_w"/>
+                                            <p:fltVal val="1"/>
                                           </p:val>
                                         </p:tav>
                                       </p:tavLst>
                                     </p:anim>
                                     <p:anim calcmode="lin" valueType="num">
                                       <p:cBhvr>
-                                        <p:cTn id="8" dur="1000" fill="hold"/>
-                                        <p:tgtEl>
-                                          <p:spTgt spid="23"/>
+                                        <p:cTn id="9" dur="2000" fill="hold"/>
+                                        <p:tgtEl>
+                                          <p:spTgt spid="9"/>
                                         </p:tgtEl>
                                         <p:attrNameLst>
                                           <p:attrName>ppt_h</p:attrName>
@@ -19001,19 +19826,11 @@
                                         </p:tav>
                                       </p:tavLst>
                                     </p:anim>
-                                    <p:animEffect transition="in" filter="fade">
-                                      <p:cBhvr>
-                                        <p:cTn id="9" dur="1000"/>
-                                        <p:tgtEl>
-                                          <p:spTgt spid="23"/>
-                                        </p:tgtEl>
-                                      </p:cBhvr>
-                                    </p:animEffect>
                                   </p:childTnLst>
                                 </p:cTn>
                               </p:par>
                               <p:par>
-                                <p:cTn id="10" presetID="50" presetClass="entr" presetSubtype="0" decel="100000" fill="hold" nodeType="withEffect">
+                                <p:cTn id="10" presetID="45" presetClass="entr" presetSubtype="0" fill="hold" grpId="0" nodeType="withEffect">
                                   <p:stCondLst>
                                     <p:cond delay="0"/>
                                   </p:stCondLst>
@@ -19026,7 +19843,331 @@
                                           </p:stCondLst>
                                         </p:cTn>
                                         <p:tgtEl>
-                                          <p:spTgt spid="37"/>
+                                          <p:spTgt spid="3"/>
+                                        </p:tgtEl>
+                                        <p:attrNameLst>
+                                          <p:attrName>style.visibility</p:attrName>
+                                        </p:attrNameLst>
+                                      </p:cBhvr>
+                                      <p:to>
+                                        <p:strVal val="visible"/>
+                                      </p:to>
+                                    </p:set>
+                                    <p:animEffect transition="in" filter="fade">
+                                      <p:cBhvr>
+                                        <p:cTn id="12" dur="2000"/>
+                                        <p:tgtEl>
+                                          <p:spTgt spid="3"/>
+                                        </p:tgtEl>
+                                      </p:cBhvr>
+                                    </p:animEffect>
+                                    <p:anim calcmode="lin" valueType="num">
+                                      <p:cBhvr>
+                                        <p:cTn id="13" dur="2000" fill="hold"/>
+                                        <p:tgtEl>
+                                          <p:spTgt spid="3"/>
+                                        </p:tgtEl>
+                                        <p:attrNameLst>
+                                          <p:attrName>ppt_w</p:attrName>
+                                        </p:attrNameLst>
+                                      </p:cBhvr>
+                                      <p:tavLst>
+                                        <p:tav tm="0" fmla="#ppt_w*sin(2.5*pi*$)">
+                                          <p:val>
+                                            <p:fltVal val="0"/>
+                                          </p:val>
+                                        </p:tav>
+                                        <p:tav tm="100000">
+                                          <p:val>
+                                            <p:fltVal val="1"/>
+                                          </p:val>
+                                        </p:tav>
+                                      </p:tavLst>
+                                    </p:anim>
+                                    <p:anim calcmode="lin" valueType="num">
+                                      <p:cBhvr>
+                                        <p:cTn id="14" dur="2000" fill="hold"/>
+                                        <p:tgtEl>
+                                          <p:spTgt spid="3"/>
+                                        </p:tgtEl>
+                                        <p:attrNameLst>
+                                          <p:attrName>ppt_h</p:attrName>
+                                        </p:attrNameLst>
+                                      </p:cBhvr>
+                                      <p:tavLst>
+                                        <p:tav tm="0">
+                                          <p:val>
+                                            <p:strVal val="#ppt_h"/>
+                                          </p:val>
+                                        </p:tav>
+                                        <p:tav tm="100000">
+                                          <p:val>
+                                            <p:strVal val="#ppt_h"/>
+                                          </p:val>
+                                        </p:tav>
+                                      </p:tavLst>
+                                    </p:anim>
+                                  </p:childTnLst>
+                                </p:cTn>
+                              </p:par>
+                              <p:par>
+                                <p:cTn id="15" presetID="45" presetClass="entr" presetSubtype="0" fill="hold" grpId="0" nodeType="withEffect">
+                                  <p:stCondLst>
+                                    <p:cond delay="0"/>
+                                  </p:stCondLst>
+                                  <p:childTnLst>
+                                    <p:set>
+                                      <p:cBhvr>
+                                        <p:cTn id="16" dur="1" fill="hold">
+                                          <p:stCondLst>
+                                            <p:cond delay="0"/>
+                                          </p:stCondLst>
+                                        </p:cTn>
+                                        <p:tgtEl>
+                                          <p:spTgt spid="4"/>
+                                        </p:tgtEl>
+                                        <p:attrNameLst>
+                                          <p:attrName>style.visibility</p:attrName>
+                                        </p:attrNameLst>
+                                      </p:cBhvr>
+                                      <p:to>
+                                        <p:strVal val="visible"/>
+                                      </p:to>
+                                    </p:set>
+                                    <p:animEffect transition="in" filter="fade">
+                                      <p:cBhvr>
+                                        <p:cTn id="17" dur="2000"/>
+                                        <p:tgtEl>
+                                          <p:spTgt spid="4"/>
+                                        </p:tgtEl>
+                                      </p:cBhvr>
+                                    </p:animEffect>
+                                    <p:anim calcmode="lin" valueType="num">
+                                      <p:cBhvr>
+                                        <p:cTn id="18" dur="2000" fill="hold"/>
+                                        <p:tgtEl>
+                                          <p:spTgt spid="4"/>
+                                        </p:tgtEl>
+                                        <p:attrNameLst>
+                                          <p:attrName>ppt_w</p:attrName>
+                                        </p:attrNameLst>
+                                      </p:cBhvr>
+                                      <p:tavLst>
+                                        <p:tav tm="0" fmla="#ppt_w*sin(2.5*pi*$)">
+                                          <p:val>
+                                            <p:fltVal val="0"/>
+                                          </p:val>
+                                        </p:tav>
+                                        <p:tav tm="100000">
+                                          <p:val>
+                                            <p:fltVal val="1"/>
+                                          </p:val>
+                                        </p:tav>
+                                      </p:tavLst>
+                                    </p:anim>
+                                    <p:anim calcmode="lin" valueType="num">
+                                      <p:cBhvr>
+                                        <p:cTn id="19" dur="2000" fill="hold"/>
+                                        <p:tgtEl>
+                                          <p:spTgt spid="4"/>
+                                        </p:tgtEl>
+                                        <p:attrNameLst>
+                                          <p:attrName>ppt_h</p:attrName>
+                                        </p:attrNameLst>
+                                      </p:cBhvr>
+                                      <p:tavLst>
+                                        <p:tav tm="0">
+                                          <p:val>
+                                            <p:strVal val="#ppt_h"/>
+                                          </p:val>
+                                        </p:tav>
+                                        <p:tav tm="100000">
+                                          <p:val>
+                                            <p:strVal val="#ppt_h"/>
+                                          </p:val>
+                                        </p:tav>
+                                      </p:tavLst>
+                                    </p:anim>
+                                  </p:childTnLst>
+                                </p:cTn>
+                              </p:par>
+                              <p:par>
+                                <p:cTn id="20" presetID="45" presetClass="entr" presetSubtype="0" fill="hold" grpId="0" nodeType="withEffect">
+                                  <p:stCondLst>
+                                    <p:cond delay="0"/>
+                                  </p:stCondLst>
+                                  <p:childTnLst>
+                                    <p:set>
+                                      <p:cBhvr>
+                                        <p:cTn id="21" dur="1" fill="hold">
+                                          <p:stCondLst>
+                                            <p:cond delay="0"/>
+                                          </p:stCondLst>
+                                        </p:cTn>
+                                        <p:tgtEl>
+                                          <p:spTgt spid="5"/>
+                                        </p:tgtEl>
+                                        <p:attrNameLst>
+                                          <p:attrName>style.visibility</p:attrName>
+                                        </p:attrNameLst>
+                                      </p:cBhvr>
+                                      <p:to>
+                                        <p:strVal val="visible"/>
+                                      </p:to>
+                                    </p:set>
+                                    <p:animEffect transition="in" filter="fade">
+                                      <p:cBhvr>
+                                        <p:cTn id="22" dur="2000"/>
+                                        <p:tgtEl>
+                                          <p:spTgt spid="5"/>
+                                        </p:tgtEl>
+                                      </p:cBhvr>
+                                    </p:animEffect>
+                                    <p:anim calcmode="lin" valueType="num">
+                                      <p:cBhvr>
+                                        <p:cTn id="23" dur="2000" fill="hold"/>
+                                        <p:tgtEl>
+                                          <p:spTgt spid="5"/>
+                                        </p:tgtEl>
+                                        <p:attrNameLst>
+                                          <p:attrName>ppt_w</p:attrName>
+                                        </p:attrNameLst>
+                                      </p:cBhvr>
+                                      <p:tavLst>
+                                        <p:tav tm="0" fmla="#ppt_w*sin(2.5*pi*$)">
+                                          <p:val>
+                                            <p:fltVal val="0"/>
+                                          </p:val>
+                                        </p:tav>
+                                        <p:tav tm="100000">
+                                          <p:val>
+                                            <p:fltVal val="1"/>
+                                          </p:val>
+                                        </p:tav>
+                                      </p:tavLst>
+                                    </p:anim>
+                                    <p:anim calcmode="lin" valueType="num">
+                                      <p:cBhvr>
+                                        <p:cTn id="24" dur="2000" fill="hold"/>
+                                        <p:tgtEl>
+                                          <p:spTgt spid="5"/>
+                                        </p:tgtEl>
+                                        <p:attrNameLst>
+                                          <p:attrName>ppt_h</p:attrName>
+                                        </p:attrNameLst>
+                                      </p:cBhvr>
+                                      <p:tavLst>
+                                        <p:tav tm="0">
+                                          <p:val>
+                                            <p:strVal val="#ppt_h"/>
+                                          </p:val>
+                                        </p:tav>
+                                        <p:tav tm="100000">
+                                          <p:val>
+                                            <p:strVal val="#ppt_h"/>
+                                          </p:val>
+                                        </p:tav>
+                                      </p:tavLst>
+                                    </p:anim>
+                                  </p:childTnLst>
+                                </p:cTn>
+                              </p:par>
+                              <p:par>
+                                <p:cTn id="25" presetID="45" presetClass="entr" presetSubtype="0" fill="hold" grpId="0" nodeType="withEffect">
+                                  <p:stCondLst>
+                                    <p:cond delay="0"/>
+                                  </p:stCondLst>
+                                  <p:childTnLst>
+                                    <p:set>
+                                      <p:cBhvr>
+                                        <p:cTn id="26" dur="1" fill="hold">
+                                          <p:stCondLst>
+                                            <p:cond delay="0"/>
+                                          </p:stCondLst>
+                                        </p:cTn>
+                                        <p:tgtEl>
+                                          <p:spTgt spid="6"/>
+                                        </p:tgtEl>
+                                        <p:attrNameLst>
+                                          <p:attrName>style.visibility</p:attrName>
+                                        </p:attrNameLst>
+                                      </p:cBhvr>
+                                      <p:to>
+                                        <p:strVal val="visible"/>
+                                      </p:to>
+                                    </p:set>
+                                    <p:animEffect transition="in" filter="fade">
+                                      <p:cBhvr>
+                                        <p:cTn id="27" dur="2000"/>
+                                        <p:tgtEl>
+                                          <p:spTgt spid="6"/>
+                                        </p:tgtEl>
+                                      </p:cBhvr>
+                                    </p:animEffect>
+                                    <p:anim calcmode="lin" valueType="num">
+                                      <p:cBhvr>
+                                        <p:cTn id="28" dur="2000" fill="hold"/>
+                                        <p:tgtEl>
+                                          <p:spTgt spid="6"/>
+                                        </p:tgtEl>
+                                        <p:attrNameLst>
+                                          <p:attrName>ppt_w</p:attrName>
+                                        </p:attrNameLst>
+                                      </p:cBhvr>
+                                      <p:tavLst>
+                                        <p:tav tm="0" fmla="#ppt_w*sin(2.5*pi*$)">
+                                          <p:val>
+                                            <p:fltVal val="0"/>
+                                          </p:val>
+                                        </p:tav>
+                                        <p:tav tm="100000">
+                                          <p:val>
+                                            <p:fltVal val="1"/>
+                                          </p:val>
+                                        </p:tav>
+                                      </p:tavLst>
+                                    </p:anim>
+                                    <p:anim calcmode="lin" valueType="num">
+                                      <p:cBhvr>
+                                        <p:cTn id="29" dur="2000" fill="hold"/>
+                                        <p:tgtEl>
+                                          <p:spTgt spid="6"/>
+                                        </p:tgtEl>
+                                        <p:attrNameLst>
+                                          <p:attrName>ppt_h</p:attrName>
+                                        </p:attrNameLst>
+                                      </p:cBhvr>
+                                      <p:tavLst>
+                                        <p:tav tm="0">
+                                          <p:val>
+                                            <p:strVal val="#ppt_h"/>
+                                          </p:val>
+                                        </p:tav>
+                                        <p:tav tm="100000">
+                                          <p:val>
+                                            <p:strVal val="#ppt_h"/>
+                                          </p:val>
+                                        </p:tav>
+                                      </p:tavLst>
+                                    </p:anim>
+                                  </p:childTnLst>
+                                </p:cTn>
+                              </p:par>
+                              <p:par>
+                                <p:cTn id="30" presetID="2" presetClass="entr" presetSubtype="2" accel="50000" decel="50000" fill="hold" nodeType="withEffect">
+                                  <p:stCondLst>
+                                    <p:cond delay="0"/>
+                                  </p:stCondLst>
+                                  <p:childTnLst>
+                                    <p:set>
+                                      <p:cBhvr>
+                                        <p:cTn id="31" dur="1" fill="hold">
+                                          <p:stCondLst>
+                                            <p:cond delay="0"/>
+                                          </p:stCondLst>
+                                        </p:cTn>
+                                        <p:tgtEl>
+                                          <p:spTgt spid="8"/>
                                         </p:tgtEl>
                                         <p:attrNameLst>
                                           <p:attrName>style.visibility</p:attrName>
@@ -19037,59 +20178,51 @@
                                       </p:to>
                                     </p:set>
                                     <p:anim calcmode="lin" valueType="num">
-                                      <p:cBhvr>
-                                        <p:cTn id="12" dur="1000" fill="hold"/>
-                                        <p:tgtEl>
-                                          <p:spTgt spid="37"/>
+                                      <p:cBhvr additive="base">
+                                        <p:cTn id="32" dur="1500" fill="hold"/>
+                                        <p:tgtEl>
+                                          <p:spTgt spid="8"/>
                                         </p:tgtEl>
                                         <p:attrNameLst>
-                                          <p:attrName>ppt_w</p:attrName>
+                                          <p:attrName>ppt_x</p:attrName>
                                         </p:attrNameLst>
                                       </p:cBhvr>
                                       <p:tavLst>
                                         <p:tav tm="0">
                                           <p:val>
-                                            <p:strVal val="#ppt_w+.3"/>
+                                            <p:strVal val="1+#ppt_w/2"/>
                                           </p:val>
                                         </p:tav>
                                         <p:tav tm="100000">
                                           <p:val>
-                                            <p:strVal val="#ppt_w"/>
+                                            <p:strVal val="#ppt_x"/>
                                           </p:val>
                                         </p:tav>
                                       </p:tavLst>
                                     </p:anim>
                                     <p:anim calcmode="lin" valueType="num">
-                                      <p:cBhvr>
-                                        <p:cTn id="13" dur="1000" fill="hold"/>
-                                        <p:tgtEl>
-                                          <p:spTgt spid="37"/>
+                                      <p:cBhvr additive="base">
+                                        <p:cTn id="33" dur="1500" fill="hold"/>
+                                        <p:tgtEl>
+                                          <p:spTgt spid="8"/>
                                         </p:tgtEl>
                                         <p:attrNameLst>
-                                          <p:attrName>ppt_h</p:attrName>
+                                          <p:attrName>ppt_y</p:attrName>
                                         </p:attrNameLst>
                                       </p:cBhvr>
                                       <p:tavLst>
                                         <p:tav tm="0">
                                           <p:val>
-                                            <p:strVal val="#ppt_h"/>
+                                            <p:strVal val="#ppt_y"/>
                                           </p:val>
                                         </p:tav>
                                         <p:tav tm="100000">
                                           <p:val>
-                                            <p:strVal val="#ppt_h"/>
+                                            <p:strVal val="#ppt_y"/>
                                           </p:val>
                                         </p:tav>
                                       </p:tavLst>
                                     </p:anim>
-                                    <p:animEffect transition="in" filter="fade">
-                                      <p:cBhvr>
-                                        <p:cTn id="14" dur="1000"/>
-                                        <p:tgtEl>
-                                          <p:spTgt spid="37"/>
-                                        </p:tgtEl>
-                                      </p:cBhvr>
-                                    </p:animEffect>
                                   </p:childTnLst>
                                 </p:cTn>
                               </p:par>
@@ -19121,7 +20254,11 @@
       </p:par>
     </p:tnLst>
     <p:bldLst>
-      <p:bldP spid="23" grpId="0"/>
+      <p:bldP spid="9" grpId="0" animBg="1"/>
+      <p:bldP spid="3" grpId="0" animBg="1"/>
+      <p:bldP spid="4" grpId="0" animBg="1"/>
+      <p:bldP spid="5" grpId="0" animBg="1"/>
+      <p:bldP spid="6" grpId="0"/>
     </p:bldLst>
   </p:timing>
 </p:sld>

--- a/再探MongoDB_解晓伟.pptx
+++ b/再探MongoDB_解晓伟.pptx
@@ -5,28 +5,27 @@
     <p:sldMasterId id="2147483648" r:id="rId1"/>
   </p:sldMasterIdLst>
   <p:notesMasterIdLst>
-    <p:notesMasterId r:id="rId21"/>
+    <p:notesMasterId r:id="rId20"/>
   </p:notesMasterIdLst>
   <p:sldIdLst>
     <p:sldId id="256" r:id="rId2"/>
     <p:sldId id="257" r:id="rId3"/>
     <p:sldId id="258" r:id="rId4"/>
-    <p:sldId id="264" r:id="rId5"/>
-    <p:sldId id="276" r:id="rId6"/>
-    <p:sldId id="321" r:id="rId7"/>
-    <p:sldId id="326" r:id="rId8"/>
-    <p:sldId id="325" r:id="rId9"/>
-    <p:sldId id="332" r:id="rId10"/>
+    <p:sldId id="332" r:id="rId5"/>
+    <p:sldId id="264" r:id="rId6"/>
+    <p:sldId id="276" r:id="rId7"/>
+    <p:sldId id="321" r:id="rId8"/>
+    <p:sldId id="326" r:id="rId9"/>
+    <p:sldId id="325" r:id="rId10"/>
     <p:sldId id="322" r:id="rId11"/>
     <p:sldId id="327" r:id="rId12"/>
     <p:sldId id="328" r:id="rId13"/>
-    <p:sldId id="333" r:id="rId14"/>
-    <p:sldId id="324" r:id="rId15"/>
-    <p:sldId id="330" r:id="rId16"/>
-    <p:sldId id="329" r:id="rId17"/>
-    <p:sldId id="331" r:id="rId18"/>
-    <p:sldId id="308" r:id="rId19"/>
-    <p:sldId id="289" r:id="rId20"/>
+    <p:sldId id="324" r:id="rId14"/>
+    <p:sldId id="330" r:id="rId15"/>
+    <p:sldId id="329" r:id="rId16"/>
+    <p:sldId id="331" r:id="rId17"/>
+    <p:sldId id="308" r:id="rId18"/>
+    <p:sldId id="289" r:id="rId19"/>
   </p:sldIdLst>
   <p:sldSz cx="12192000" cy="6858000"/>
   <p:notesSz cx="6858000" cy="9144000"/>
@@ -226,7 +225,7 @@
           <a:p>
             <a:fld id="{23FE1587-51BB-4154-8F96-DB3D3A1369DA}" type="datetimeFigureOut">
               <a:rPr lang="zh-CN" altLang="en-US" smtClean="0"/>
-              <a:t>2018/10/30</a:t>
+              <a:t>2018/10/31</a:t>
             </a:fld>
             <a:endParaRPr lang="zh-CN" altLang="en-US"/>
           </a:p>
@@ -1499,7 +1498,7 @@
     </p:spTree>
     <p:extLst>
       <p:ext uri="{BB962C8B-B14F-4D97-AF65-F5344CB8AC3E}">
-        <p14:creationId xmlns:p14="http://schemas.microsoft.com/office/powerpoint/2010/main" val="667355857"/>
+        <p14:creationId xmlns:p14="http://schemas.microsoft.com/office/powerpoint/2010/main" val="1402978480"/>
       </p:ext>
     </p:extLst>
   </p:cSld>
@@ -1553,6 +1552,937 @@
           <a:bodyPr/>
           <a:lstStyle/>
           <a:p>
+            <a:pPr marL="0" marR="0" lvl="0" indent="0" algn="l" defTabSz="914400" rtl="0" eaLnBrk="0" fontAlgn="base" latinLnBrk="0" hangingPunct="0">
+              <a:lnSpc>
+                <a:spcPct val="100000"/>
+              </a:lnSpc>
+              <a:spcBef>
+                <a:spcPct val="0"/>
+              </a:spcBef>
+              <a:spcAft>
+                <a:spcPct val="0"/>
+              </a:spcAft>
+              <a:buClrTx/>
+              <a:buSzTx/>
+              <a:buFontTx/>
+              <a:buNone/>
+              <a:tabLst/>
+            </a:pPr>
+            <a:r>
+              <a:rPr kumimoji="0" lang="zh-CN" altLang="zh-CN" sz="1000" b="0" i="0" u="none" strike="noStrike" cap="none" normalizeH="0" baseline="0" dirty="0" smtClean="0">
+                <a:ln>
+                  <a:noFill/>
+                </a:ln>
+                <a:solidFill>
+                  <a:srgbClr val="444444"/>
+                </a:solidFill>
+                <a:effectLst/>
+                <a:latin typeface="Tahoma" panose="020B0604030504040204" pitchFamily="34" charset="0"/>
+                <a:cs typeface="Tahoma" panose="020B0604030504040204" pitchFamily="34" charset="0"/>
+              </a:rPr>
+              <a:t>　Mongooose中，有三个比较重要的概念，分别是Schema、Model、Entity。它们的关系是：Schema生成Model，Model创造Document，Model和Document都可对数据库操作造成影响，但Model比Document更具操作性</a:t>
+            </a:r>
+            <a:endParaRPr kumimoji="0" lang="zh-CN" altLang="zh-CN" sz="1000" b="0" i="0" u="none" strike="noStrike" cap="none" normalizeH="0" baseline="0" dirty="0" smtClean="0">
+              <a:ln>
+                <a:noFill/>
+              </a:ln>
+              <a:solidFill>
+                <a:schemeClr val="tx1"/>
+              </a:solidFill>
+              <a:effectLst/>
+            </a:endParaRPr>
+          </a:p>
+          <a:p>
+            <a:pPr marL="0" marR="0" lvl="0" indent="0" algn="l" defTabSz="914400" rtl="0" eaLnBrk="0" fontAlgn="base" latinLnBrk="0" hangingPunct="0">
+              <a:lnSpc>
+                <a:spcPct val="100000"/>
+              </a:lnSpc>
+              <a:spcBef>
+                <a:spcPct val="0"/>
+              </a:spcBef>
+              <a:spcAft>
+                <a:spcPct val="0"/>
+              </a:spcAft>
+              <a:buClrTx/>
+              <a:buSzTx/>
+              <a:buFontTx/>
+              <a:buNone/>
+              <a:tabLst/>
+            </a:pPr>
+            <a:r>
+              <a:rPr kumimoji="0" lang="zh-CN" altLang="zh-CN" sz="1000" b="0" i="0" u="none" strike="noStrike" cap="none" normalizeH="0" baseline="0" dirty="0" smtClean="0">
+                <a:ln>
+                  <a:noFill/>
+                </a:ln>
+                <a:solidFill>
+                  <a:srgbClr val="444444"/>
+                </a:solidFill>
+                <a:effectLst/>
+                <a:latin typeface="Courier New" panose="02070309020205020404" pitchFamily="49" charset="0"/>
+                <a:cs typeface="Courier New" panose="02070309020205020404" pitchFamily="49" charset="0"/>
+              </a:rPr>
+              <a:t>　　Schema</a:t>
+            </a:r>
+            <a:r>
+              <a:rPr kumimoji="0" lang="zh-CN" altLang="zh-CN" sz="1000" b="0" i="0" u="none" strike="noStrike" cap="none" normalizeH="0" baseline="0" dirty="0" smtClean="0">
+                <a:ln>
+                  <a:noFill/>
+                </a:ln>
+                <a:solidFill>
+                  <a:srgbClr val="444444"/>
+                </a:solidFill>
+                <a:effectLst/>
+                <a:latin typeface="Tahoma" panose="020B0604030504040204" pitchFamily="34" charset="0"/>
+                <a:cs typeface="Tahoma" panose="020B0604030504040204" pitchFamily="34" charset="0"/>
+              </a:rPr>
+              <a:t>用于定义数据库的结构。类似创建表时的数据定义(不仅仅可以定义文档的结构和属性，还可以定义文档的实例方法、静态模型方法、复合索引等)，每个</a:t>
+            </a:r>
+            <a:r>
+              <a:rPr kumimoji="0" lang="zh-CN" altLang="zh-CN" sz="1000" b="0" i="0" u="none" strike="noStrike" cap="none" normalizeH="0" baseline="0" dirty="0" smtClean="0">
+                <a:ln>
+                  <a:noFill/>
+                </a:ln>
+                <a:solidFill>
+                  <a:srgbClr val="444444"/>
+                </a:solidFill>
+                <a:effectLst/>
+                <a:latin typeface="Courier New" panose="02070309020205020404" pitchFamily="49" charset="0"/>
+                <a:cs typeface="Courier New" panose="02070309020205020404" pitchFamily="49" charset="0"/>
+              </a:rPr>
+              <a:t>Schema</a:t>
+            </a:r>
+            <a:r>
+              <a:rPr kumimoji="0" lang="zh-CN" altLang="zh-CN" sz="1000" b="0" i="0" u="none" strike="noStrike" cap="none" normalizeH="0" baseline="0" dirty="0" smtClean="0">
+                <a:ln>
+                  <a:noFill/>
+                </a:ln>
+                <a:solidFill>
+                  <a:srgbClr val="444444"/>
+                </a:solidFill>
+                <a:effectLst/>
+                <a:latin typeface="Tahoma" panose="020B0604030504040204" pitchFamily="34" charset="0"/>
+                <a:cs typeface="Tahoma" panose="020B0604030504040204" pitchFamily="34" charset="0"/>
+              </a:rPr>
+              <a:t>会映射到mongodb中的一个collection，</a:t>
+            </a:r>
+            <a:r>
+              <a:rPr kumimoji="0" lang="zh-CN" altLang="zh-CN" sz="1000" b="0" i="0" u="none" strike="noStrike" cap="none" normalizeH="0" baseline="0" dirty="0" smtClean="0">
+                <a:ln>
+                  <a:noFill/>
+                </a:ln>
+                <a:solidFill>
+                  <a:srgbClr val="444444"/>
+                </a:solidFill>
+                <a:effectLst/>
+                <a:latin typeface="Courier New" panose="02070309020205020404" pitchFamily="49" charset="0"/>
+                <a:cs typeface="Courier New" panose="02070309020205020404" pitchFamily="49" charset="0"/>
+              </a:rPr>
+              <a:t>Schema</a:t>
+            </a:r>
+            <a:r>
+              <a:rPr kumimoji="0" lang="zh-CN" altLang="zh-CN" sz="1000" b="0" i="0" u="none" strike="noStrike" cap="none" normalizeH="0" baseline="0" dirty="0" smtClean="0">
+                <a:ln>
+                  <a:noFill/>
+                </a:ln>
+                <a:solidFill>
+                  <a:srgbClr val="444444"/>
+                </a:solidFill>
+                <a:effectLst/>
+                <a:latin typeface="Tahoma" panose="020B0604030504040204" pitchFamily="34" charset="0"/>
+                <a:cs typeface="Tahoma" panose="020B0604030504040204" pitchFamily="34" charset="0"/>
+              </a:rPr>
+              <a:t>不具备操作数据库的能力</a:t>
+            </a:r>
+            <a:endParaRPr kumimoji="0" lang="zh-CN" altLang="zh-CN" sz="1000" b="0" i="0" u="none" strike="noStrike" cap="none" normalizeH="0" baseline="0" dirty="0" smtClean="0">
+              <a:ln>
+                <a:noFill/>
+              </a:ln>
+              <a:solidFill>
+                <a:schemeClr val="tx1"/>
+              </a:solidFill>
+              <a:effectLst/>
+            </a:endParaRPr>
+          </a:p>
+          <a:p>
+            <a:pPr marL="0" marR="0" lvl="0" indent="0" algn="l" defTabSz="914400" rtl="0" eaLnBrk="0" fontAlgn="base" latinLnBrk="0" hangingPunct="0">
+              <a:lnSpc>
+                <a:spcPct val="100000"/>
+              </a:lnSpc>
+              <a:spcBef>
+                <a:spcPct val="0"/>
+              </a:spcBef>
+              <a:spcAft>
+                <a:spcPct val="0"/>
+              </a:spcAft>
+              <a:buClrTx/>
+              <a:buSzTx/>
+              <a:buFontTx/>
+              <a:buNone/>
+              <a:tabLst/>
+            </a:pPr>
+            <a:r>
+              <a:rPr kumimoji="0" lang="zh-CN" altLang="zh-CN" sz="1000" b="0" i="0" u="none" strike="noStrike" cap="none" normalizeH="0" baseline="0" dirty="0" smtClean="0">
+                <a:ln>
+                  <a:noFill/>
+                </a:ln>
+                <a:solidFill>
+                  <a:srgbClr val="444444"/>
+                </a:solidFill>
+                <a:effectLst/>
+                <a:latin typeface="Tahoma" panose="020B0604030504040204" pitchFamily="34" charset="0"/>
+                <a:cs typeface="Tahoma" panose="020B0604030504040204" pitchFamily="34" charset="0"/>
+              </a:rPr>
+              <a:t>　　Model是由Schema编译而成的构造器，具有抽象属性和行为，可以对数据库进行增删查改。Model的每一个实例（instance）就是一个文档document</a:t>
+            </a:r>
+            <a:endParaRPr kumimoji="0" lang="zh-CN" altLang="zh-CN" sz="1000" b="0" i="0" u="none" strike="noStrike" cap="none" normalizeH="0" baseline="0" dirty="0" smtClean="0">
+              <a:ln>
+                <a:noFill/>
+              </a:ln>
+              <a:solidFill>
+                <a:schemeClr val="tx1"/>
+              </a:solidFill>
+              <a:effectLst/>
+            </a:endParaRPr>
+          </a:p>
+          <a:p>
+            <a:pPr marL="0" marR="0" lvl="0" indent="0" algn="l" defTabSz="914400" rtl="0" eaLnBrk="0" fontAlgn="base" latinLnBrk="0" hangingPunct="0">
+              <a:lnSpc>
+                <a:spcPct val="100000"/>
+              </a:lnSpc>
+              <a:spcBef>
+                <a:spcPct val="0"/>
+              </a:spcBef>
+              <a:spcAft>
+                <a:spcPct val="0"/>
+              </a:spcAft>
+              <a:buClrTx/>
+              <a:buSzTx/>
+              <a:buFontTx/>
+              <a:buNone/>
+              <a:tabLst/>
+            </a:pPr>
+            <a:r>
+              <a:rPr kumimoji="0" lang="zh-CN" altLang="zh-CN" sz="1000" b="0" i="0" u="none" strike="noStrike" cap="none" normalizeH="0" baseline="0" dirty="0" smtClean="0">
+                <a:ln>
+                  <a:noFill/>
+                </a:ln>
+                <a:solidFill>
+                  <a:srgbClr val="444444"/>
+                </a:solidFill>
+                <a:effectLst/>
+                <a:latin typeface="Tahoma" panose="020B0604030504040204" pitchFamily="34" charset="0"/>
+                <a:cs typeface="Tahoma" panose="020B0604030504040204" pitchFamily="34" charset="0"/>
+              </a:rPr>
+              <a:t>　　Document是由Model创建的实体，它的操作也会影响数据库</a:t>
+            </a:r>
+            <a:endParaRPr kumimoji="0" lang="zh-CN" altLang="zh-CN" sz="1000" b="0" i="0" u="none" strike="noStrike" cap="none" normalizeH="0" baseline="0" dirty="0" smtClean="0">
+              <a:ln>
+                <a:noFill/>
+              </a:ln>
+              <a:solidFill>
+                <a:schemeClr val="tx1"/>
+              </a:solidFill>
+              <a:effectLst/>
+              <a:latin typeface="Arial" panose="020B0604020202020204" pitchFamily="34" charset="0"/>
+            </a:endParaRPr>
+          </a:p>
+          <a:p>
+            <a:r>
+              <a:rPr lang="en-US" altLang="zh-CN" sz="1000" b="0" i="0" kern="1200" dirty="0" smtClean="0">
+                <a:solidFill>
+                  <a:schemeClr val="tx1"/>
+                </a:solidFill>
+                <a:effectLst/>
+                <a:latin typeface="+mn-lt"/>
+                <a:ea typeface="+mn-ea"/>
+                <a:cs typeface="+mn-cs"/>
+              </a:rPr>
+              <a:t>Schema: </a:t>
+            </a:r>
+            <a:r>
+              <a:rPr lang="zh-CN" altLang="en-US" sz="1000" b="0" i="0" kern="1200" dirty="0" smtClean="0">
+                <a:solidFill>
+                  <a:schemeClr val="tx1"/>
+                </a:solidFill>
+                <a:effectLst/>
+                <a:latin typeface="+mn-lt"/>
+                <a:ea typeface="+mn-ea"/>
+                <a:cs typeface="+mn-cs"/>
+              </a:rPr>
+              <a:t>相当于一个数据库的模板</a:t>
+            </a:r>
+            <a:r>
+              <a:rPr lang="en-US" altLang="zh-CN" sz="1000" b="0" i="0" kern="1200" dirty="0" smtClean="0">
+                <a:solidFill>
+                  <a:schemeClr val="tx1"/>
+                </a:solidFill>
+                <a:effectLst/>
+                <a:latin typeface="+mn-lt"/>
+                <a:ea typeface="+mn-ea"/>
+                <a:cs typeface="+mn-cs"/>
+              </a:rPr>
+              <a:t>. Model</a:t>
+            </a:r>
+            <a:r>
+              <a:rPr lang="zh-CN" altLang="en-US" sz="1000" b="0" i="0" kern="1200" dirty="0" smtClean="0">
+                <a:solidFill>
+                  <a:schemeClr val="tx1"/>
+                </a:solidFill>
+                <a:effectLst/>
+                <a:latin typeface="+mn-lt"/>
+                <a:ea typeface="+mn-ea"/>
+                <a:cs typeface="+mn-cs"/>
+              </a:rPr>
+              <a:t>可以通过</a:t>
+            </a:r>
+            <a:r>
+              <a:rPr lang="en-US" altLang="zh-CN" sz="1000" b="0" i="0" kern="1200" dirty="0" err="1" smtClean="0">
+                <a:solidFill>
+                  <a:schemeClr val="tx1"/>
+                </a:solidFill>
+                <a:effectLst/>
+                <a:latin typeface="+mn-lt"/>
+                <a:ea typeface="+mn-ea"/>
+                <a:cs typeface="+mn-cs"/>
+              </a:rPr>
+              <a:t>mongoose.model</a:t>
+            </a:r>
+            <a:r>
+              <a:rPr lang="en-US" altLang="zh-CN" sz="1000" b="0" i="0" kern="1200" dirty="0" smtClean="0">
+                <a:solidFill>
+                  <a:schemeClr val="tx1"/>
+                </a:solidFill>
+                <a:effectLst/>
+                <a:latin typeface="+mn-lt"/>
+                <a:ea typeface="+mn-ea"/>
+                <a:cs typeface="+mn-cs"/>
+              </a:rPr>
+              <a:t> </a:t>
+            </a:r>
+            <a:r>
+              <a:rPr lang="zh-CN" altLang="en-US" sz="1000" b="0" i="0" kern="1200" dirty="0" smtClean="0">
+                <a:solidFill>
+                  <a:schemeClr val="tx1"/>
+                </a:solidFill>
+                <a:effectLst/>
+                <a:latin typeface="+mn-lt"/>
+                <a:ea typeface="+mn-ea"/>
+                <a:cs typeface="+mn-cs"/>
+              </a:rPr>
+              <a:t>集成其基本属性内容</a:t>
+            </a:r>
+            <a:r>
+              <a:rPr lang="en-US" altLang="zh-CN" sz="1000" b="0" i="0" kern="1200" dirty="0" smtClean="0">
+                <a:solidFill>
+                  <a:schemeClr val="tx1"/>
+                </a:solidFill>
+                <a:effectLst/>
+                <a:latin typeface="+mn-lt"/>
+                <a:ea typeface="+mn-ea"/>
+                <a:cs typeface="+mn-cs"/>
+              </a:rPr>
+              <a:t>. </a:t>
+            </a:r>
+            <a:r>
+              <a:rPr lang="zh-CN" altLang="en-US" sz="1000" b="0" i="0" kern="1200" dirty="0" smtClean="0">
+                <a:solidFill>
+                  <a:schemeClr val="tx1"/>
+                </a:solidFill>
+                <a:effectLst/>
+                <a:latin typeface="+mn-lt"/>
+                <a:ea typeface="+mn-ea"/>
+                <a:cs typeface="+mn-cs"/>
+              </a:rPr>
+              <a:t>当然也可以选择不继承</a:t>
+            </a:r>
+            <a:r>
+              <a:rPr lang="en-US" altLang="zh-CN" sz="1000" b="0" i="0" kern="1200" dirty="0" smtClean="0">
+                <a:solidFill>
+                  <a:schemeClr val="tx1"/>
+                </a:solidFill>
+                <a:effectLst/>
+                <a:latin typeface="+mn-lt"/>
+                <a:ea typeface="+mn-ea"/>
+                <a:cs typeface="+mn-cs"/>
+              </a:rPr>
+              <a:t>.</a:t>
+            </a:r>
+          </a:p>
+          <a:p>
+            <a:r>
+              <a:rPr lang="en-US" altLang="zh-CN" sz="1000" b="0" i="0" kern="1200" dirty="0" smtClean="0">
+                <a:solidFill>
+                  <a:schemeClr val="tx1"/>
+                </a:solidFill>
+                <a:effectLst/>
+                <a:latin typeface="+mn-lt"/>
+                <a:ea typeface="+mn-ea"/>
+                <a:cs typeface="+mn-cs"/>
+              </a:rPr>
+              <a:t>Model: </a:t>
+            </a:r>
+            <a:r>
+              <a:rPr lang="zh-CN" altLang="en-US" sz="1000" b="0" i="0" kern="1200" dirty="0" smtClean="0">
+                <a:solidFill>
+                  <a:schemeClr val="tx1"/>
+                </a:solidFill>
+                <a:effectLst/>
+                <a:latin typeface="+mn-lt"/>
+                <a:ea typeface="+mn-ea"/>
+                <a:cs typeface="+mn-cs"/>
+              </a:rPr>
+              <a:t>基本文档数据的父类</a:t>
+            </a:r>
+            <a:r>
+              <a:rPr lang="en-US" altLang="zh-CN" sz="1000" b="0" i="0" kern="1200" dirty="0" smtClean="0">
+                <a:solidFill>
+                  <a:schemeClr val="tx1"/>
+                </a:solidFill>
+                <a:effectLst/>
+                <a:latin typeface="+mn-lt"/>
+                <a:ea typeface="+mn-ea"/>
+                <a:cs typeface="+mn-cs"/>
+              </a:rPr>
+              <a:t>,</a:t>
+            </a:r>
+            <a:r>
+              <a:rPr lang="zh-CN" altLang="en-US" sz="1000" b="0" i="0" kern="1200" dirty="0" smtClean="0">
+                <a:solidFill>
+                  <a:schemeClr val="tx1"/>
+                </a:solidFill>
+                <a:effectLst/>
+                <a:latin typeface="+mn-lt"/>
+                <a:ea typeface="+mn-ea"/>
+                <a:cs typeface="+mn-cs"/>
+              </a:rPr>
+              <a:t>通过集成</a:t>
+            </a:r>
+            <a:r>
+              <a:rPr lang="en-US" altLang="zh-CN" sz="1000" b="0" i="0" kern="1200" dirty="0" smtClean="0">
+                <a:solidFill>
+                  <a:schemeClr val="tx1"/>
+                </a:solidFill>
+                <a:effectLst/>
+                <a:latin typeface="+mn-lt"/>
+                <a:ea typeface="+mn-ea"/>
+                <a:cs typeface="+mn-cs"/>
+              </a:rPr>
+              <a:t>Schema</a:t>
+            </a:r>
+            <a:r>
+              <a:rPr lang="zh-CN" altLang="en-US" sz="1000" b="0" i="0" kern="1200" dirty="0" smtClean="0">
+                <a:solidFill>
+                  <a:schemeClr val="tx1"/>
+                </a:solidFill>
+                <a:effectLst/>
+                <a:latin typeface="+mn-lt"/>
+                <a:ea typeface="+mn-ea"/>
+                <a:cs typeface="+mn-cs"/>
+              </a:rPr>
+              <a:t>定义的基本方法和属性得到相关的内容</a:t>
+            </a:r>
+            <a:r>
+              <a:rPr lang="en-US" altLang="zh-CN" sz="1000" b="0" i="0" kern="1200" dirty="0" smtClean="0">
+                <a:solidFill>
+                  <a:schemeClr val="tx1"/>
+                </a:solidFill>
+                <a:effectLst/>
+                <a:latin typeface="+mn-lt"/>
+                <a:ea typeface="+mn-ea"/>
+                <a:cs typeface="+mn-cs"/>
+              </a:rPr>
+              <a:t>.</a:t>
+            </a:r>
+          </a:p>
+          <a:p>
+            <a:r>
+              <a:rPr lang="en-US" altLang="zh-CN" sz="1000" b="0" i="0" kern="1200" dirty="0" smtClean="0">
+                <a:solidFill>
+                  <a:schemeClr val="tx1"/>
+                </a:solidFill>
+                <a:effectLst/>
+                <a:latin typeface="+mn-lt"/>
+                <a:ea typeface="+mn-ea"/>
+                <a:cs typeface="+mn-cs"/>
+              </a:rPr>
+              <a:t>instance: </a:t>
+            </a:r>
+            <a:r>
+              <a:rPr lang="zh-CN" altLang="en-US" sz="1000" b="0" i="0" kern="1200" dirty="0" smtClean="0">
+                <a:solidFill>
+                  <a:schemeClr val="tx1"/>
+                </a:solidFill>
+                <a:effectLst/>
+                <a:latin typeface="+mn-lt"/>
+                <a:ea typeface="+mn-ea"/>
+                <a:cs typeface="+mn-cs"/>
+              </a:rPr>
+              <a:t>这就是实实在在的数据了</a:t>
+            </a:r>
+            <a:r>
+              <a:rPr lang="en-US" altLang="zh-CN" sz="1000" b="0" i="0" kern="1200" dirty="0" smtClean="0">
+                <a:solidFill>
+                  <a:schemeClr val="tx1"/>
+                </a:solidFill>
+                <a:effectLst/>
+                <a:latin typeface="+mn-lt"/>
+                <a:ea typeface="+mn-ea"/>
+                <a:cs typeface="+mn-cs"/>
+              </a:rPr>
+              <a:t>. </a:t>
+            </a:r>
+            <a:r>
+              <a:rPr lang="zh-CN" altLang="en-US" sz="1000" b="0" i="0" kern="1200" dirty="0" smtClean="0">
+                <a:solidFill>
+                  <a:schemeClr val="tx1"/>
+                </a:solidFill>
+                <a:effectLst/>
+                <a:latin typeface="+mn-lt"/>
+                <a:ea typeface="+mn-ea"/>
+                <a:cs typeface="+mn-cs"/>
+              </a:rPr>
+              <a:t>通过 </a:t>
+            </a:r>
+            <a:r>
+              <a:rPr lang="en-US" altLang="zh-CN" sz="1000" b="0" i="0" kern="1200" dirty="0" smtClean="0">
+                <a:solidFill>
+                  <a:schemeClr val="tx1"/>
+                </a:solidFill>
+                <a:effectLst/>
+                <a:latin typeface="+mn-lt"/>
+                <a:ea typeface="+mn-ea"/>
+                <a:cs typeface="+mn-cs"/>
+              </a:rPr>
+              <a:t>new Model()</a:t>
+            </a:r>
+            <a:r>
+              <a:rPr lang="zh-CN" altLang="en-US" sz="1000" b="0" i="0" kern="1200" dirty="0" smtClean="0">
+                <a:solidFill>
+                  <a:schemeClr val="tx1"/>
+                </a:solidFill>
+                <a:effectLst/>
+                <a:latin typeface="+mn-lt"/>
+                <a:ea typeface="+mn-ea"/>
+                <a:cs typeface="+mn-cs"/>
+              </a:rPr>
+              <a:t>初始化得到</a:t>
+            </a:r>
+            <a:r>
+              <a:rPr lang="en-US" altLang="zh-CN" sz="1000" b="0" i="0" kern="1200" dirty="0" smtClean="0">
+                <a:solidFill>
+                  <a:schemeClr val="tx1"/>
+                </a:solidFill>
+                <a:effectLst/>
+                <a:latin typeface="+mn-lt"/>
+                <a:ea typeface="+mn-ea"/>
+                <a:cs typeface="+mn-cs"/>
+              </a:rPr>
+              <a:t>.</a:t>
+            </a:r>
+          </a:p>
+          <a:p>
+            <a:pPr marL="0" marR="0" lvl="0" indent="0" algn="l" defTabSz="914400" rtl="0" eaLnBrk="0" fontAlgn="base" latinLnBrk="0" hangingPunct="0">
+              <a:lnSpc>
+                <a:spcPct val="100000"/>
+              </a:lnSpc>
+              <a:spcBef>
+                <a:spcPct val="0"/>
+              </a:spcBef>
+              <a:spcAft>
+                <a:spcPct val="0"/>
+              </a:spcAft>
+              <a:buClrTx/>
+              <a:buSzTx/>
+              <a:buFontTx/>
+              <a:buNone/>
+              <a:tabLst/>
+            </a:pPr>
+            <a:r>
+              <a:rPr kumimoji="0" lang="zh-CN" altLang="zh-CN" sz="1000" b="0" i="0" u="none" strike="noStrike" cap="none" normalizeH="0" baseline="0" dirty="0" smtClean="0">
+                <a:ln>
+                  <a:noFill/>
+                </a:ln>
+                <a:solidFill>
+                  <a:srgbClr val="444444"/>
+                </a:solidFill>
+                <a:effectLst/>
+                <a:latin typeface="Tahoma" panose="020B0604030504040204" pitchFamily="34" charset="0"/>
+                <a:cs typeface="Tahoma" panose="020B0604030504040204" pitchFamily="34" charset="0"/>
+              </a:rPr>
+              <a:t>　Mongooose中，有三个比较重要的概念，分别是Schema、Model、Entity。它们的关系是：Schema生成Model，Model创造Document，Model和Document都可对数据库操作造成影响，但Model比Document更具操作性</a:t>
+            </a:r>
+            <a:endParaRPr kumimoji="0" lang="zh-CN" altLang="zh-CN" sz="800" b="0" i="0" u="none" strike="noStrike" cap="none" normalizeH="0" baseline="0" dirty="0" smtClean="0">
+              <a:ln>
+                <a:noFill/>
+              </a:ln>
+              <a:solidFill>
+                <a:schemeClr val="tx1"/>
+              </a:solidFill>
+              <a:effectLst/>
+            </a:endParaRPr>
+          </a:p>
+          <a:p>
+            <a:pPr marL="0" marR="0" lvl="0" indent="0" algn="l" defTabSz="914400" rtl="0" eaLnBrk="0" fontAlgn="base" latinLnBrk="0" hangingPunct="0">
+              <a:lnSpc>
+                <a:spcPct val="100000"/>
+              </a:lnSpc>
+              <a:spcBef>
+                <a:spcPct val="0"/>
+              </a:spcBef>
+              <a:spcAft>
+                <a:spcPct val="0"/>
+              </a:spcAft>
+              <a:buClrTx/>
+              <a:buSzTx/>
+              <a:buFontTx/>
+              <a:buNone/>
+              <a:tabLst/>
+            </a:pPr>
+            <a:r>
+              <a:rPr kumimoji="0" lang="zh-CN" altLang="zh-CN" sz="1000" b="0" i="0" u="none" strike="noStrike" cap="none" normalizeH="0" baseline="0" dirty="0" smtClean="0">
+                <a:ln>
+                  <a:noFill/>
+                </a:ln>
+                <a:solidFill>
+                  <a:srgbClr val="444444"/>
+                </a:solidFill>
+                <a:effectLst/>
+                <a:latin typeface="Courier New" panose="02070309020205020404" pitchFamily="49" charset="0"/>
+                <a:cs typeface="Courier New" panose="02070309020205020404" pitchFamily="49" charset="0"/>
+              </a:rPr>
+              <a:t>　　Schema</a:t>
+            </a:r>
+            <a:r>
+              <a:rPr kumimoji="0" lang="zh-CN" altLang="zh-CN" sz="1000" b="0" i="0" u="none" strike="noStrike" cap="none" normalizeH="0" baseline="0" dirty="0" smtClean="0">
+                <a:ln>
+                  <a:noFill/>
+                </a:ln>
+                <a:solidFill>
+                  <a:srgbClr val="444444"/>
+                </a:solidFill>
+                <a:effectLst/>
+                <a:latin typeface="Tahoma" panose="020B0604030504040204" pitchFamily="34" charset="0"/>
+                <a:cs typeface="Tahoma" panose="020B0604030504040204" pitchFamily="34" charset="0"/>
+              </a:rPr>
+              <a:t>用于定义数据库的结构。类似创建表时的数据定义(不仅仅可以定义文档的结构和属性，还可以定义文档的实例方法、静态模型方法、复合索引等)，每个</a:t>
+            </a:r>
+            <a:r>
+              <a:rPr kumimoji="0" lang="zh-CN" altLang="zh-CN" sz="1000" b="0" i="0" u="none" strike="noStrike" cap="none" normalizeH="0" baseline="0" dirty="0" smtClean="0">
+                <a:ln>
+                  <a:noFill/>
+                </a:ln>
+                <a:solidFill>
+                  <a:srgbClr val="444444"/>
+                </a:solidFill>
+                <a:effectLst/>
+                <a:latin typeface="Courier New" panose="02070309020205020404" pitchFamily="49" charset="0"/>
+                <a:cs typeface="Courier New" panose="02070309020205020404" pitchFamily="49" charset="0"/>
+              </a:rPr>
+              <a:t>Schema</a:t>
+            </a:r>
+            <a:r>
+              <a:rPr kumimoji="0" lang="zh-CN" altLang="zh-CN" sz="1000" b="0" i="0" u="none" strike="noStrike" cap="none" normalizeH="0" baseline="0" dirty="0" smtClean="0">
+                <a:ln>
+                  <a:noFill/>
+                </a:ln>
+                <a:solidFill>
+                  <a:srgbClr val="444444"/>
+                </a:solidFill>
+                <a:effectLst/>
+                <a:latin typeface="Tahoma" panose="020B0604030504040204" pitchFamily="34" charset="0"/>
+                <a:cs typeface="Tahoma" panose="020B0604030504040204" pitchFamily="34" charset="0"/>
+              </a:rPr>
+              <a:t>会映射到mongodb中的一个collection，</a:t>
+            </a:r>
+            <a:r>
+              <a:rPr kumimoji="0" lang="zh-CN" altLang="zh-CN" sz="1000" b="0" i="0" u="none" strike="noStrike" cap="none" normalizeH="0" baseline="0" dirty="0" smtClean="0">
+                <a:ln>
+                  <a:noFill/>
+                </a:ln>
+                <a:solidFill>
+                  <a:srgbClr val="444444"/>
+                </a:solidFill>
+                <a:effectLst/>
+                <a:latin typeface="Courier New" panose="02070309020205020404" pitchFamily="49" charset="0"/>
+                <a:cs typeface="Courier New" panose="02070309020205020404" pitchFamily="49" charset="0"/>
+              </a:rPr>
+              <a:t>Schema</a:t>
+            </a:r>
+            <a:r>
+              <a:rPr kumimoji="0" lang="zh-CN" altLang="zh-CN" sz="1000" b="0" i="0" u="none" strike="noStrike" cap="none" normalizeH="0" baseline="0" dirty="0" smtClean="0">
+                <a:ln>
+                  <a:noFill/>
+                </a:ln>
+                <a:solidFill>
+                  <a:srgbClr val="444444"/>
+                </a:solidFill>
+                <a:effectLst/>
+                <a:latin typeface="Tahoma" panose="020B0604030504040204" pitchFamily="34" charset="0"/>
+                <a:cs typeface="Tahoma" panose="020B0604030504040204" pitchFamily="34" charset="0"/>
+              </a:rPr>
+              <a:t>不具备操作数据库的能力</a:t>
+            </a:r>
+            <a:endParaRPr kumimoji="0" lang="zh-CN" altLang="zh-CN" sz="800" b="0" i="0" u="none" strike="noStrike" cap="none" normalizeH="0" baseline="0" dirty="0" smtClean="0">
+              <a:ln>
+                <a:noFill/>
+              </a:ln>
+              <a:solidFill>
+                <a:schemeClr val="tx1"/>
+              </a:solidFill>
+              <a:effectLst/>
+            </a:endParaRPr>
+          </a:p>
+          <a:p>
+            <a:pPr marL="0" marR="0" lvl="0" indent="0" algn="l" defTabSz="914400" rtl="0" eaLnBrk="0" fontAlgn="base" latinLnBrk="0" hangingPunct="0">
+              <a:lnSpc>
+                <a:spcPct val="100000"/>
+              </a:lnSpc>
+              <a:spcBef>
+                <a:spcPct val="0"/>
+              </a:spcBef>
+              <a:spcAft>
+                <a:spcPct val="0"/>
+              </a:spcAft>
+              <a:buClrTx/>
+              <a:buSzTx/>
+              <a:buFontTx/>
+              <a:buNone/>
+              <a:tabLst/>
+            </a:pPr>
+            <a:r>
+              <a:rPr kumimoji="0" lang="zh-CN" altLang="zh-CN" sz="1000" b="0" i="0" u="none" strike="noStrike" cap="none" normalizeH="0" baseline="0" dirty="0" smtClean="0">
+                <a:ln>
+                  <a:noFill/>
+                </a:ln>
+                <a:solidFill>
+                  <a:srgbClr val="444444"/>
+                </a:solidFill>
+                <a:effectLst/>
+                <a:latin typeface="Tahoma" panose="020B0604030504040204" pitchFamily="34" charset="0"/>
+                <a:cs typeface="Tahoma" panose="020B0604030504040204" pitchFamily="34" charset="0"/>
+              </a:rPr>
+              <a:t>　　Model是由Schema编译而成的构造器，具有抽象属性和行为，可以对数据库进行增删查改。Model的每一个实例（instance）就是一个文档document</a:t>
+            </a:r>
+            <a:endParaRPr kumimoji="0" lang="zh-CN" altLang="zh-CN" sz="800" b="0" i="0" u="none" strike="noStrike" cap="none" normalizeH="0" baseline="0" dirty="0" smtClean="0">
+              <a:ln>
+                <a:noFill/>
+              </a:ln>
+              <a:solidFill>
+                <a:schemeClr val="tx1"/>
+              </a:solidFill>
+              <a:effectLst/>
+            </a:endParaRPr>
+          </a:p>
+          <a:p>
+            <a:pPr marL="0" marR="0" lvl="0" indent="0" algn="l" defTabSz="914400" rtl="0" eaLnBrk="0" fontAlgn="base" latinLnBrk="0" hangingPunct="0">
+              <a:lnSpc>
+                <a:spcPct val="100000"/>
+              </a:lnSpc>
+              <a:spcBef>
+                <a:spcPct val="0"/>
+              </a:spcBef>
+              <a:spcAft>
+                <a:spcPct val="0"/>
+              </a:spcAft>
+              <a:buClrTx/>
+              <a:buSzTx/>
+              <a:buFontTx/>
+              <a:buNone/>
+              <a:tabLst/>
+            </a:pPr>
+            <a:r>
+              <a:rPr kumimoji="0" lang="zh-CN" altLang="zh-CN" sz="1000" b="0" i="0" u="none" strike="noStrike" cap="none" normalizeH="0" baseline="0" dirty="0" smtClean="0">
+                <a:ln>
+                  <a:noFill/>
+                </a:ln>
+                <a:solidFill>
+                  <a:srgbClr val="444444"/>
+                </a:solidFill>
+                <a:effectLst/>
+                <a:latin typeface="Tahoma" panose="020B0604030504040204" pitchFamily="34" charset="0"/>
+                <a:cs typeface="Tahoma" panose="020B0604030504040204" pitchFamily="34" charset="0"/>
+              </a:rPr>
+              <a:t>　　Document是由Model创建的实体，它的操作也会影响数据库</a:t>
+            </a:r>
+            <a:endParaRPr kumimoji="0" lang="en-US" altLang="zh-CN" sz="1000" b="0" i="0" u="none" strike="noStrike" cap="none" normalizeH="0" baseline="0" dirty="0" smtClean="0">
+              <a:ln>
+                <a:noFill/>
+              </a:ln>
+              <a:solidFill>
+                <a:srgbClr val="444444"/>
+              </a:solidFill>
+              <a:effectLst/>
+              <a:latin typeface="Tahoma" panose="020B0604030504040204" pitchFamily="34" charset="0"/>
+              <a:cs typeface="Tahoma" panose="020B0604030504040204" pitchFamily="34" charset="0"/>
+            </a:endParaRPr>
+          </a:p>
+          <a:p>
+            <a:pPr marL="0" marR="0" lvl="0" indent="0" algn="l" defTabSz="914400" rtl="0" eaLnBrk="0" fontAlgn="base" latinLnBrk="0" hangingPunct="0">
+              <a:lnSpc>
+                <a:spcPct val="100000"/>
+              </a:lnSpc>
+              <a:spcBef>
+                <a:spcPct val="0"/>
+              </a:spcBef>
+              <a:spcAft>
+                <a:spcPct val="0"/>
+              </a:spcAft>
+              <a:buClrTx/>
+              <a:buSzTx/>
+              <a:buFontTx/>
+              <a:buNone/>
+              <a:tabLst/>
+            </a:pPr>
+            <a:endParaRPr kumimoji="0" lang="en-US" altLang="zh-CN" sz="1000" b="0" i="0" u="none" strike="noStrike" cap="none" normalizeH="0" baseline="0" dirty="0" smtClean="0">
+              <a:ln>
+                <a:noFill/>
+              </a:ln>
+              <a:solidFill>
+                <a:srgbClr val="444444"/>
+              </a:solidFill>
+              <a:effectLst/>
+              <a:latin typeface="Tahoma" panose="020B0604030504040204" pitchFamily="34" charset="0"/>
+              <a:cs typeface="Tahoma" panose="020B0604030504040204" pitchFamily="34" charset="0"/>
+            </a:endParaRPr>
+          </a:p>
+          <a:p>
+            <a:pPr marL="0" marR="0" lvl="0" indent="0" algn="l" defTabSz="914400" rtl="0" eaLnBrk="0" fontAlgn="base" latinLnBrk="0" hangingPunct="0">
+              <a:lnSpc>
+                <a:spcPct val="100000"/>
+              </a:lnSpc>
+              <a:spcBef>
+                <a:spcPct val="0"/>
+              </a:spcBef>
+              <a:spcAft>
+                <a:spcPct val="0"/>
+              </a:spcAft>
+              <a:buClrTx/>
+              <a:buSzTx/>
+              <a:buFontTx/>
+              <a:buNone/>
+              <a:tabLst/>
+            </a:pPr>
+            <a:r>
+              <a:rPr kumimoji="0" lang="zh-CN" altLang="en-US" sz="1000" b="0" i="0" u="none" strike="noStrike" cap="none" normalizeH="0" baseline="0" dirty="0" smtClean="0">
+                <a:ln>
+                  <a:noFill/>
+                </a:ln>
+                <a:solidFill>
+                  <a:srgbClr val="444444"/>
+                </a:solidFill>
+                <a:effectLst/>
+                <a:latin typeface="Tahoma" panose="020B0604030504040204" pitchFamily="34" charset="0"/>
+                <a:cs typeface="Tahoma" panose="020B0604030504040204" pitchFamily="34" charset="0"/>
+              </a:rPr>
+              <a:t>两方面来理解： 从数据库的角度理解，</a:t>
+            </a:r>
+            <a:r>
+              <a:rPr kumimoji="0" lang="en-US" altLang="zh-CN" sz="1000" b="0" i="0" u="none" strike="noStrike" cap="none" normalizeH="0" baseline="0" dirty="0" smtClean="0">
+                <a:ln>
+                  <a:noFill/>
+                </a:ln>
+                <a:solidFill>
+                  <a:srgbClr val="444444"/>
+                </a:solidFill>
+                <a:effectLst/>
+                <a:latin typeface="Tahoma" panose="020B0604030504040204" pitchFamily="34" charset="0"/>
+                <a:cs typeface="Tahoma" panose="020B0604030504040204" pitchFamily="34" charset="0"/>
+              </a:rPr>
+              <a:t>Schema</a:t>
+            </a:r>
+            <a:r>
+              <a:rPr kumimoji="0" lang="zh-CN" altLang="en-US" sz="1000" b="0" i="0" u="none" strike="noStrike" cap="none" normalizeH="0" baseline="0" dirty="0" smtClean="0">
+                <a:ln>
+                  <a:noFill/>
+                </a:ln>
+                <a:solidFill>
+                  <a:srgbClr val="444444"/>
+                </a:solidFill>
+                <a:effectLst/>
+                <a:latin typeface="Tahoma" panose="020B0604030504040204" pitchFamily="34" charset="0"/>
+                <a:cs typeface="Tahoma" panose="020B0604030504040204" pitchFamily="34" charset="0"/>
+              </a:rPr>
+              <a:t>就是定义表结构，从代码层面理解，</a:t>
+            </a:r>
+            <a:r>
+              <a:rPr kumimoji="0" lang="en-US" altLang="zh-CN" sz="1000" b="0" i="0" u="none" strike="noStrike" cap="none" normalizeH="0" baseline="0" dirty="0" smtClean="0">
+                <a:ln>
+                  <a:noFill/>
+                </a:ln>
+                <a:solidFill>
+                  <a:srgbClr val="444444"/>
+                </a:solidFill>
+                <a:effectLst/>
+                <a:latin typeface="Tahoma" panose="020B0604030504040204" pitchFamily="34" charset="0"/>
+                <a:cs typeface="Tahoma" panose="020B0604030504040204" pitchFamily="34" charset="0"/>
+              </a:rPr>
+              <a:t>Schema</a:t>
+            </a:r>
+            <a:r>
+              <a:rPr kumimoji="0" lang="zh-CN" altLang="en-US" sz="1000" b="0" i="0" u="none" strike="noStrike" cap="none" normalizeH="0" baseline="0" dirty="0" smtClean="0">
+                <a:ln>
+                  <a:noFill/>
+                </a:ln>
+                <a:solidFill>
+                  <a:srgbClr val="444444"/>
+                </a:solidFill>
+                <a:effectLst/>
+                <a:latin typeface="Tahoma" panose="020B0604030504040204" pitchFamily="34" charset="0"/>
+                <a:cs typeface="Tahoma" panose="020B0604030504040204" pitchFamily="34" charset="0"/>
+              </a:rPr>
+              <a:t>就是是个配置，配置</a:t>
+            </a:r>
+            <a:r>
+              <a:rPr kumimoji="0" lang="en-US" altLang="zh-CN" sz="1000" b="0" i="0" u="none" strike="noStrike" cap="none" normalizeH="0" baseline="0" dirty="0" smtClean="0">
+                <a:ln>
+                  <a:noFill/>
+                </a:ln>
+                <a:solidFill>
+                  <a:srgbClr val="444444"/>
+                </a:solidFill>
+                <a:effectLst/>
+                <a:latin typeface="Tahoma" panose="020B0604030504040204" pitchFamily="34" charset="0"/>
+                <a:cs typeface="Tahoma" panose="020B0604030504040204" pitchFamily="34" charset="0"/>
+              </a:rPr>
+              <a:t>Model</a:t>
+            </a:r>
+            <a:r>
+              <a:rPr kumimoji="0" lang="zh-CN" altLang="en-US" sz="1000" b="0" i="0" u="none" strike="noStrike" cap="none" normalizeH="0" baseline="0" dirty="0" smtClean="0">
+                <a:ln>
+                  <a:noFill/>
+                </a:ln>
+                <a:solidFill>
+                  <a:srgbClr val="444444"/>
+                </a:solidFill>
+                <a:effectLst/>
+                <a:latin typeface="Tahoma" panose="020B0604030504040204" pitchFamily="34" charset="0"/>
+                <a:cs typeface="Tahoma" panose="020B0604030504040204" pitchFamily="34" charset="0"/>
+              </a:rPr>
+              <a:t>的属性和方法。</a:t>
+            </a:r>
+            <a:endParaRPr kumimoji="0" lang="zh-CN" altLang="zh-CN" sz="1800" b="0" i="0" u="none" strike="noStrike" cap="none" normalizeH="0" baseline="0" dirty="0" smtClean="0">
+              <a:ln>
+                <a:noFill/>
+              </a:ln>
+              <a:solidFill>
+                <a:schemeClr val="tx1"/>
+              </a:solidFill>
+              <a:effectLst/>
+              <a:latin typeface="Arial" panose="020B0604020202020204" pitchFamily="34" charset="0"/>
+            </a:endParaRPr>
+          </a:p>
+          <a:p>
+            <a:endParaRPr lang="en-US" altLang="zh-CN" sz="1000" b="0" i="0" kern="1200" dirty="0" smtClean="0">
+              <a:solidFill>
+                <a:schemeClr val="tx1"/>
+              </a:solidFill>
+              <a:effectLst/>
+              <a:latin typeface="+mn-lt"/>
+              <a:ea typeface="+mn-ea"/>
+              <a:cs typeface="+mn-cs"/>
+            </a:endParaRPr>
+          </a:p>
+          <a:p>
             <a:endParaRPr lang="zh-CN" altLang="en-US" dirty="0"/>
           </a:p>
         </p:txBody>
@@ -1583,7 +2513,7 @@
     </p:spTree>
     <p:extLst>
       <p:ext uri="{BB962C8B-B14F-4D97-AF65-F5344CB8AC3E}">
-        <p14:creationId xmlns:p14="http://schemas.microsoft.com/office/powerpoint/2010/main" val="154530382"/>
+        <p14:creationId xmlns:p14="http://schemas.microsoft.com/office/powerpoint/2010/main" val="667355857"/>
       </p:ext>
     </p:extLst>
   </p:cSld>
@@ -1637,31 +2567,6 @@
           <a:bodyPr/>
           <a:lstStyle/>
           <a:p>
-            <a:r>
-              <a:rPr lang="en-US" altLang="zh-CN" dirty="0" smtClean="0"/>
-              <a:t>Schema</a:t>
-            </a:r>
-            <a:r>
-              <a:rPr lang="zh-CN" altLang="en-US" dirty="0" smtClean="0"/>
-              <a:t>可以从两个角度理解</a:t>
-            </a:r>
-            <a:endParaRPr lang="en-US" altLang="zh-CN" dirty="0" smtClean="0"/>
-          </a:p>
-          <a:p>
-            <a:r>
-              <a:rPr lang="zh-CN" altLang="en-US" dirty="0" smtClean="0"/>
-              <a:t>一个角度是数据库的角度，它是用来定义表结构；</a:t>
-            </a:r>
-            <a:endParaRPr lang="en-US" altLang="zh-CN" dirty="0" smtClean="0"/>
-          </a:p>
-          <a:p>
-            <a:r>
-              <a:rPr lang="zh-CN" altLang="en-US" dirty="0" smtClean="0"/>
-              <a:t>一个角度是代码的角度，它是一个类，这个类的对象</a:t>
-            </a:r>
-            <a:endParaRPr lang="en-US" altLang="zh-CN" dirty="0" smtClean="0"/>
-          </a:p>
-          <a:p>
             <a:endParaRPr lang="zh-CN" altLang="en-US" dirty="0"/>
           </a:p>
         </p:txBody>
@@ -1692,7 +2597,7 @@
     </p:spTree>
     <p:extLst>
       <p:ext uri="{BB962C8B-B14F-4D97-AF65-F5344CB8AC3E}">
-        <p14:creationId xmlns:p14="http://schemas.microsoft.com/office/powerpoint/2010/main" val="2297758822"/>
+        <p14:creationId xmlns:p14="http://schemas.microsoft.com/office/powerpoint/2010/main" val="154530382"/>
       </p:ext>
     </p:extLst>
   </p:cSld>
@@ -1793,6 +2698,115 @@
             <a:fld id="{50C396F7-F700-4236-B7AD-BC65ED1DADF0}" type="slidenum">
               <a:rPr lang="zh-CN" altLang="en-US" smtClean="0"/>
               <a:t>7</a:t>
+            </a:fld>
+            <a:endParaRPr lang="zh-CN" altLang="en-US"/>
+          </a:p>
+        </p:txBody>
+      </p:sp>
+    </p:spTree>
+    <p:extLst>
+      <p:ext uri="{BB962C8B-B14F-4D97-AF65-F5344CB8AC3E}">
+        <p14:creationId xmlns:p14="http://schemas.microsoft.com/office/powerpoint/2010/main" val="2297758822"/>
+      </p:ext>
+    </p:extLst>
+  </p:cSld>
+  <p:clrMapOvr>
+    <a:masterClrMapping/>
+  </p:clrMapOvr>
+</p:notes>
+</file>
+
+<file path=ppt/notesSlides/notesSlide5.xml><?xml version="1.0" encoding="utf-8"?>
+<p:notes xmlns:a="http://schemas.openxmlformats.org/drawingml/2006/main" xmlns:r="http://schemas.openxmlformats.org/officeDocument/2006/relationships" xmlns:p="http://schemas.openxmlformats.org/presentationml/2006/main">
+  <p:cSld>
+    <p:spTree>
+      <p:nvGrpSpPr>
+        <p:cNvPr id="1" name=""/>
+        <p:cNvGrpSpPr/>
+        <p:nvPr/>
+      </p:nvGrpSpPr>
+      <p:grpSpPr>
+        <a:xfrm>
+          <a:off x="0" y="0"/>
+          <a:ext cx="0" cy="0"/>
+          <a:chOff x="0" y="0"/>
+          <a:chExt cx="0" cy="0"/>
+        </a:xfrm>
+      </p:grpSpPr>
+      <p:sp>
+        <p:nvSpPr>
+          <p:cNvPr id="2" name="幻灯片图像占位符 1"/>
+          <p:cNvSpPr>
+            <a:spLocks noGrp="1" noRot="1" noChangeAspect="1"/>
+          </p:cNvSpPr>
+          <p:nvPr>
+            <p:ph type="sldImg"/>
+          </p:nvPr>
+        </p:nvSpPr>
+        <p:spPr/>
+      </p:sp>
+      <p:sp>
+        <p:nvSpPr>
+          <p:cNvPr id="3" name="备注占位符 2"/>
+          <p:cNvSpPr>
+            <a:spLocks noGrp="1"/>
+          </p:cNvSpPr>
+          <p:nvPr>
+            <p:ph type="body" idx="1"/>
+          </p:nvPr>
+        </p:nvSpPr>
+        <p:spPr/>
+        <p:txBody>
+          <a:bodyPr/>
+          <a:lstStyle/>
+          <a:p>
+            <a:r>
+              <a:rPr lang="en-US" altLang="zh-CN" dirty="0" smtClean="0"/>
+              <a:t>Schema</a:t>
+            </a:r>
+            <a:r>
+              <a:rPr lang="zh-CN" altLang="en-US" dirty="0" smtClean="0"/>
+              <a:t>可以从两个角度理解</a:t>
+            </a:r>
+            <a:endParaRPr lang="en-US" altLang="zh-CN" dirty="0" smtClean="0"/>
+          </a:p>
+          <a:p>
+            <a:r>
+              <a:rPr lang="zh-CN" altLang="en-US" dirty="0" smtClean="0"/>
+              <a:t>一个角度是数据库的角度，它是用来定义表结构；</a:t>
+            </a:r>
+            <a:endParaRPr lang="en-US" altLang="zh-CN" dirty="0" smtClean="0"/>
+          </a:p>
+          <a:p>
+            <a:r>
+              <a:rPr lang="zh-CN" altLang="en-US" dirty="0" smtClean="0"/>
+              <a:t>一个角度是代码的角度，它是一个类，这个类的对象</a:t>
+            </a:r>
+            <a:endParaRPr lang="en-US" altLang="zh-CN" dirty="0" smtClean="0"/>
+          </a:p>
+          <a:p>
+            <a:endParaRPr lang="zh-CN" altLang="en-US" dirty="0"/>
+          </a:p>
+        </p:txBody>
+      </p:sp>
+      <p:sp>
+        <p:nvSpPr>
+          <p:cNvPr id="4" name="灯片编号占位符 3"/>
+          <p:cNvSpPr>
+            <a:spLocks noGrp="1"/>
+          </p:cNvSpPr>
+          <p:nvPr>
+            <p:ph type="sldNum" sz="quarter" idx="10"/>
+          </p:nvPr>
+        </p:nvSpPr>
+        <p:spPr/>
+        <p:txBody>
+          <a:bodyPr/>
+          <a:lstStyle/>
+          <a:p>
+            <a:fld id="{50C396F7-F700-4236-B7AD-BC65ED1DADF0}" type="slidenum">
+              <a:rPr lang="zh-CN" altLang="en-US" smtClean="0"/>
+              <a:t>8</a:t>
             </a:fld>
             <a:endParaRPr lang="zh-CN" altLang="en-US"/>
           </a:p>
@@ -4270,1086 +5284,6 @@
       </p:grpSpPr>
       <p:sp>
         <p:nvSpPr>
-          <p:cNvPr id="9" name="圆角矩形 8"/>
-          <p:cNvSpPr/>
-          <p:nvPr/>
-        </p:nvSpPr>
-        <p:spPr bwMode="auto">
-          <a:xfrm rot="18784635">
-            <a:off x="1817615" y="1905815"/>
-            <a:ext cx="3095768" cy="3103526"/>
-          </a:xfrm>
-          <a:prstGeom prst="roundRect">
-            <a:avLst>
-              <a:gd name="adj" fmla="val 6182"/>
-            </a:avLst>
-          </a:prstGeom>
-          <a:solidFill>
-            <a:srgbClr val="37DFEA">
-              <a:alpha val="30000"/>
-            </a:srgbClr>
-          </a:solidFill>
-          <a:ln>
-            <a:noFill/>
-          </a:ln>
-        </p:spPr>
-        <p:style>
-          <a:lnRef idx="2">
-            <a:schemeClr val="accent1">
-              <a:shade val="50000"/>
-            </a:schemeClr>
-          </a:lnRef>
-          <a:fillRef idx="1">
-            <a:schemeClr val="accent1"/>
-          </a:fillRef>
-          <a:effectRef idx="0">
-            <a:schemeClr val="accent1"/>
-          </a:effectRef>
-          <a:fontRef idx="minor">
-            <a:schemeClr val="lt1"/>
-          </a:fontRef>
-        </p:style>
-        <p:txBody>
-          <a:bodyPr anchor="ctr"/>
-          <a:lstStyle/>
-          <a:p>
-            <a:pPr algn="ctr">
-              <a:defRPr/>
-            </a:pPr>
-            <a:endParaRPr lang="zh-CN" altLang="en-US" sz="2400">
-              <a:cs typeface="+mn-ea"/>
-              <a:sym typeface="+mn-lt"/>
-            </a:endParaRPr>
-          </a:p>
-        </p:txBody>
-      </p:sp>
-      <p:sp>
-        <p:nvSpPr>
-          <p:cNvPr id="3" name="圆角矩形 2"/>
-          <p:cNvSpPr/>
-          <p:nvPr/>
-        </p:nvSpPr>
-        <p:spPr bwMode="auto">
-          <a:xfrm rot="18784635">
-            <a:off x="4586818" y="2815167"/>
-            <a:ext cx="1136651" cy="1119715"/>
-          </a:xfrm>
-          <a:prstGeom prst="roundRect">
-            <a:avLst>
-              <a:gd name="adj" fmla="val 10833"/>
-            </a:avLst>
-          </a:prstGeom>
-          <a:solidFill>
-            <a:srgbClr val="1EF6DF">
-              <a:alpha val="50000"/>
-            </a:srgbClr>
-          </a:solidFill>
-          <a:ln>
-            <a:noFill/>
-          </a:ln>
-        </p:spPr>
-        <p:style>
-          <a:lnRef idx="2">
-            <a:schemeClr val="accent1">
-              <a:shade val="50000"/>
-            </a:schemeClr>
-          </a:lnRef>
-          <a:fillRef idx="1">
-            <a:schemeClr val="accent1"/>
-          </a:fillRef>
-          <a:effectRef idx="0">
-            <a:schemeClr val="accent1"/>
-          </a:effectRef>
-          <a:fontRef idx="minor">
-            <a:schemeClr val="lt1"/>
-          </a:fontRef>
-        </p:style>
-        <p:txBody>
-          <a:bodyPr anchor="ctr"/>
-          <a:lstStyle/>
-          <a:p>
-            <a:pPr algn="ctr">
-              <a:defRPr/>
-            </a:pPr>
-            <a:endParaRPr lang="zh-CN" altLang="en-US" sz="2400">
-              <a:cs typeface="+mn-ea"/>
-              <a:sym typeface="+mn-lt"/>
-            </a:endParaRPr>
-          </a:p>
-        </p:txBody>
-      </p:sp>
-      <p:sp>
-        <p:nvSpPr>
-          <p:cNvPr id="4" name="圆角矩形 3"/>
-          <p:cNvSpPr/>
-          <p:nvPr/>
-        </p:nvSpPr>
-        <p:spPr bwMode="auto">
-          <a:xfrm rot="18784635">
-            <a:off x="2098676" y="2187577"/>
-            <a:ext cx="2533649" cy="2540000"/>
-          </a:xfrm>
-          <a:prstGeom prst="roundRect">
-            <a:avLst>
-              <a:gd name="adj" fmla="val 6182"/>
-            </a:avLst>
-          </a:prstGeom>
-          <a:solidFill>
-            <a:srgbClr val="37DFEA">
-              <a:alpha val="80000"/>
-            </a:srgbClr>
-          </a:solidFill>
-          <a:ln>
-            <a:noFill/>
-          </a:ln>
-        </p:spPr>
-        <p:style>
-          <a:lnRef idx="2">
-            <a:schemeClr val="accent1">
-              <a:shade val="50000"/>
-            </a:schemeClr>
-          </a:lnRef>
-          <a:fillRef idx="1">
-            <a:schemeClr val="accent1"/>
-          </a:fillRef>
-          <a:effectRef idx="0">
-            <a:schemeClr val="accent1"/>
-          </a:effectRef>
-          <a:fontRef idx="minor">
-            <a:schemeClr val="lt1"/>
-          </a:fontRef>
-        </p:style>
-        <p:txBody>
-          <a:bodyPr anchor="ctr"/>
-          <a:lstStyle/>
-          <a:p>
-            <a:pPr algn="ctr">
-              <a:defRPr/>
-            </a:pPr>
-            <a:endParaRPr lang="zh-CN" altLang="en-US" sz="2400">
-              <a:cs typeface="+mn-ea"/>
-              <a:sym typeface="+mn-lt"/>
-            </a:endParaRPr>
-          </a:p>
-        </p:txBody>
-      </p:sp>
-      <p:sp>
-        <p:nvSpPr>
-          <p:cNvPr id="5" name="圆角矩形 4"/>
-          <p:cNvSpPr/>
-          <p:nvPr/>
-        </p:nvSpPr>
-        <p:spPr bwMode="auto">
-          <a:xfrm rot="18784635">
-            <a:off x="4548718" y="4123267"/>
-            <a:ext cx="510116" cy="531284"/>
-          </a:xfrm>
-          <a:prstGeom prst="roundRect">
-            <a:avLst/>
-          </a:prstGeom>
-          <a:solidFill>
-            <a:srgbClr val="32AAE6">
-              <a:alpha val="80000"/>
-            </a:srgbClr>
-          </a:solidFill>
-          <a:ln>
-            <a:noFill/>
-          </a:ln>
-        </p:spPr>
-        <p:style>
-          <a:lnRef idx="2">
-            <a:schemeClr val="accent1">
-              <a:shade val="50000"/>
-            </a:schemeClr>
-          </a:lnRef>
-          <a:fillRef idx="1">
-            <a:schemeClr val="accent1"/>
-          </a:fillRef>
-          <a:effectRef idx="0">
-            <a:schemeClr val="accent1"/>
-          </a:effectRef>
-          <a:fontRef idx="minor">
-            <a:schemeClr val="lt1"/>
-          </a:fontRef>
-        </p:style>
-        <p:txBody>
-          <a:bodyPr anchor="ctr"/>
-          <a:lstStyle/>
-          <a:p>
-            <a:pPr algn="ctr">
-              <a:defRPr/>
-            </a:pPr>
-            <a:endParaRPr lang="zh-CN" altLang="en-US" sz="2400">
-              <a:cs typeface="+mn-ea"/>
-              <a:sym typeface="+mn-lt"/>
-            </a:endParaRPr>
-          </a:p>
-        </p:txBody>
-      </p:sp>
-      <p:sp>
-        <p:nvSpPr>
-          <p:cNvPr id="6" name="TextBox 7"/>
-          <p:cNvSpPr txBox="1">
-            <a:spLocks noChangeArrowheads="1"/>
-          </p:cNvSpPr>
-          <p:nvPr/>
-        </p:nvSpPr>
-        <p:spPr bwMode="auto">
-          <a:xfrm>
-            <a:off x="2381251" y="2476500"/>
-            <a:ext cx="1701107" cy="1898212"/>
-          </a:xfrm>
-          <a:prstGeom prst="rect">
-            <a:avLst/>
-          </a:prstGeom>
-          <a:noFill/>
-          <a:ln>
-            <a:noFill/>
-          </a:ln>
-          <a:extLst>
-            <a:ext uri="{909E8E84-426E-40DD-AFC4-6F175D3DCCD1}">
-              <a14:hiddenFill xmlns:a14="http://schemas.microsoft.com/office/drawing/2010/main">
-                <a:solidFill>
-                  <a:srgbClr val="FFFFFF"/>
-                </a:solidFill>
-              </a14:hiddenFill>
-            </a:ext>
-            <a:ext uri="{91240B29-F687-4F45-9708-019B960494DF}">
-              <a14:hiddenLine xmlns:a14="http://schemas.microsoft.com/office/drawing/2010/main" w="9525">
-                <a:solidFill>
-                  <a:srgbClr val="000000"/>
-                </a:solidFill>
-                <a:miter lim="800000"/>
-                <a:headEnd/>
-                <a:tailEnd/>
-              </a14:hiddenLine>
-            </a:ext>
-          </a:extLst>
-        </p:spPr>
-        <p:txBody>
-          <a:bodyPr wrap="none">
-            <a:spAutoFit/>
-          </a:bodyPr>
-          <a:lstStyle>
-            <a:lvl1pPr>
-              <a:defRPr>
-                <a:solidFill>
-                  <a:schemeClr val="tx1"/>
-                </a:solidFill>
-                <a:latin typeface="Calibri" panose="020F0502020204030204" pitchFamily="34" charset="0"/>
-                <a:ea typeface="宋体" panose="02010600030101010101" pitchFamily="2" charset="-122"/>
-              </a:defRPr>
-            </a:lvl1pPr>
-            <a:lvl2pPr marL="742950" indent="-285750">
-              <a:defRPr>
-                <a:solidFill>
-                  <a:schemeClr val="tx1"/>
-                </a:solidFill>
-                <a:latin typeface="Calibri" panose="020F0502020204030204" pitchFamily="34" charset="0"/>
-                <a:ea typeface="宋体" panose="02010600030101010101" pitchFamily="2" charset="-122"/>
-              </a:defRPr>
-            </a:lvl2pPr>
-            <a:lvl3pPr marL="1143000" indent="-228600">
-              <a:defRPr>
-                <a:solidFill>
-                  <a:schemeClr val="tx1"/>
-                </a:solidFill>
-                <a:latin typeface="Calibri" panose="020F0502020204030204" pitchFamily="34" charset="0"/>
-                <a:ea typeface="宋体" panose="02010600030101010101" pitchFamily="2" charset="-122"/>
-              </a:defRPr>
-            </a:lvl3pPr>
-            <a:lvl4pPr marL="1600200" indent="-228600">
-              <a:defRPr>
-                <a:solidFill>
-                  <a:schemeClr val="tx1"/>
-                </a:solidFill>
-                <a:latin typeface="Calibri" panose="020F0502020204030204" pitchFamily="34" charset="0"/>
-                <a:ea typeface="宋体" panose="02010600030101010101" pitchFamily="2" charset="-122"/>
-              </a:defRPr>
-            </a:lvl4pPr>
-            <a:lvl5pPr marL="2057400" indent="-228600">
-              <a:defRPr>
-                <a:solidFill>
-                  <a:schemeClr val="tx1"/>
-                </a:solidFill>
-                <a:latin typeface="Calibri" panose="020F0502020204030204" pitchFamily="34" charset="0"/>
-                <a:ea typeface="宋体" panose="02010600030101010101" pitchFamily="2" charset="-122"/>
-              </a:defRPr>
-            </a:lvl5pPr>
-            <a:lvl6pPr marL="2514600" indent="-228600" fontAlgn="base">
-              <a:spcBef>
-                <a:spcPct val="0"/>
-              </a:spcBef>
-              <a:spcAft>
-                <a:spcPct val="0"/>
-              </a:spcAft>
-              <a:defRPr>
-                <a:solidFill>
-                  <a:schemeClr val="tx1"/>
-                </a:solidFill>
-                <a:latin typeface="Calibri" panose="020F0502020204030204" pitchFamily="34" charset="0"/>
-                <a:ea typeface="宋体" panose="02010600030101010101" pitchFamily="2" charset="-122"/>
-              </a:defRPr>
-            </a:lvl6pPr>
-            <a:lvl7pPr marL="2971800" indent="-228600" fontAlgn="base">
-              <a:spcBef>
-                <a:spcPct val="0"/>
-              </a:spcBef>
-              <a:spcAft>
-                <a:spcPct val="0"/>
-              </a:spcAft>
-              <a:defRPr>
-                <a:solidFill>
-                  <a:schemeClr val="tx1"/>
-                </a:solidFill>
-                <a:latin typeface="Calibri" panose="020F0502020204030204" pitchFamily="34" charset="0"/>
-                <a:ea typeface="宋体" panose="02010600030101010101" pitchFamily="2" charset="-122"/>
-              </a:defRPr>
-            </a:lvl7pPr>
-            <a:lvl8pPr marL="3429000" indent="-228600" fontAlgn="base">
-              <a:spcBef>
-                <a:spcPct val="0"/>
-              </a:spcBef>
-              <a:spcAft>
-                <a:spcPct val="0"/>
-              </a:spcAft>
-              <a:defRPr>
-                <a:solidFill>
-                  <a:schemeClr val="tx1"/>
-                </a:solidFill>
-                <a:latin typeface="Calibri" panose="020F0502020204030204" pitchFamily="34" charset="0"/>
-                <a:ea typeface="宋体" panose="02010600030101010101" pitchFamily="2" charset="-122"/>
-              </a:defRPr>
-            </a:lvl8pPr>
-            <a:lvl9pPr marL="3886200" indent="-228600" fontAlgn="base">
-              <a:spcBef>
-                <a:spcPct val="0"/>
-              </a:spcBef>
-              <a:spcAft>
-                <a:spcPct val="0"/>
-              </a:spcAft>
-              <a:defRPr>
-                <a:solidFill>
-                  <a:schemeClr val="tx1"/>
-                </a:solidFill>
-                <a:latin typeface="Calibri" panose="020F0502020204030204" pitchFamily="34" charset="0"/>
-                <a:ea typeface="宋体" panose="02010600030101010101" pitchFamily="2" charset="-122"/>
-              </a:defRPr>
-            </a:lvl9pPr>
-          </a:lstStyle>
-          <a:p>
-            <a:pPr eaLnBrk="1" hangingPunct="1"/>
-            <a:r>
-              <a:rPr lang="en-US" altLang="zh-CN" sz="11735" b="1" dirty="0" smtClean="0">
-                <a:solidFill>
-                  <a:schemeClr val="bg1"/>
-                </a:solidFill>
-                <a:latin typeface="+mn-lt"/>
-                <a:ea typeface="+mn-ea"/>
-                <a:cs typeface="+mn-ea"/>
-                <a:sym typeface="+mn-lt"/>
-              </a:rPr>
-              <a:t>03</a:t>
-            </a:r>
-            <a:endParaRPr lang="zh-CN" altLang="en-US" sz="11735" b="1" dirty="0">
-              <a:solidFill>
-                <a:schemeClr val="bg1"/>
-              </a:solidFill>
-              <a:latin typeface="+mn-lt"/>
-              <a:ea typeface="+mn-ea"/>
-              <a:cs typeface="+mn-ea"/>
-              <a:sym typeface="+mn-lt"/>
-            </a:endParaRPr>
-          </a:p>
-        </p:txBody>
-      </p:sp>
-      <p:grpSp>
-        <p:nvGrpSpPr>
-          <p:cNvPr id="8" name="组合 7"/>
-          <p:cNvGrpSpPr/>
-          <p:nvPr/>
-        </p:nvGrpSpPr>
-        <p:grpSpPr>
-          <a:xfrm>
-            <a:off x="6312024" y="2476500"/>
-            <a:ext cx="5879976" cy="1897892"/>
-            <a:chOff x="6312024" y="2476500"/>
-            <a:chExt cx="5879976" cy="1897892"/>
-          </a:xfrm>
-        </p:grpSpPr>
-        <p:sp>
-          <p:nvSpPr>
-            <p:cNvPr id="2" name="同侧圆角矩形 1"/>
-            <p:cNvSpPr/>
-            <p:nvPr/>
-          </p:nvSpPr>
-          <p:spPr>
-            <a:xfrm rot="16200000">
-              <a:off x="8303066" y="485458"/>
-              <a:ext cx="1897892" cy="5879976"/>
-            </a:xfrm>
-            <a:prstGeom prst="round2SameRect">
-              <a:avLst/>
-            </a:prstGeom>
-            <a:solidFill>
-              <a:srgbClr val="384656">
-                <a:alpha val="69804"/>
-              </a:srgbClr>
-            </a:solidFill>
-            <a:ln>
-              <a:noFill/>
-            </a:ln>
-          </p:spPr>
-          <p:style>
-            <a:lnRef idx="2">
-              <a:schemeClr val="accent1">
-                <a:shade val="50000"/>
-              </a:schemeClr>
-            </a:lnRef>
-            <a:fillRef idx="1">
-              <a:schemeClr val="accent1"/>
-            </a:fillRef>
-            <a:effectRef idx="0">
-              <a:schemeClr val="accent1"/>
-            </a:effectRef>
-            <a:fontRef idx="minor">
-              <a:schemeClr val="lt1"/>
-            </a:fontRef>
-          </p:style>
-          <p:txBody>
-            <a:bodyPr anchor="ctr"/>
-            <a:lstStyle/>
-            <a:p>
-              <a:pPr algn="ctr"/>
-              <a:endParaRPr lang="zh-CN" altLang="en-US" sz="2400">
-                <a:cs typeface="+mn-ea"/>
-              </a:endParaRPr>
-            </a:p>
-          </p:txBody>
-        </p:sp>
-        <p:sp>
-          <p:nvSpPr>
-            <p:cNvPr id="10" name="TextBox 20"/>
-            <p:cNvSpPr txBox="1"/>
-            <p:nvPr/>
-          </p:nvSpPr>
-          <p:spPr>
-            <a:xfrm>
-              <a:off x="6708125" y="2959525"/>
-              <a:ext cx="1415772" cy="830997"/>
-            </a:xfrm>
-            <a:prstGeom prst="rect">
-              <a:avLst/>
-            </a:prstGeom>
-            <a:noFill/>
-          </p:spPr>
-          <p:txBody>
-            <a:bodyPr wrap="none" rtlCol="0">
-              <a:spAutoFit/>
-            </a:bodyPr>
-            <a:lstStyle/>
-            <a:p>
-              <a:r>
-                <a:rPr lang="zh-CN" altLang="en-US" sz="4800" smtClean="0">
-                  <a:solidFill>
-                    <a:srgbClr val="1EF6DF"/>
-                  </a:solidFill>
-                  <a:latin typeface="+mj-ea"/>
-                  <a:ea typeface="+mj-ea"/>
-                </a:rPr>
-                <a:t>事务</a:t>
-              </a:r>
-              <a:endParaRPr lang="zh-CN" altLang="en-US" sz="4800" dirty="0">
-                <a:solidFill>
-                  <a:srgbClr val="1EF6DF"/>
-                </a:solidFill>
-                <a:latin typeface="+mj-ea"/>
-                <a:ea typeface="+mj-ea"/>
-              </a:endParaRPr>
-            </a:p>
-          </p:txBody>
-        </p:sp>
-      </p:grpSp>
-    </p:spTree>
-    <p:extLst>
-      <p:ext uri="{BB962C8B-B14F-4D97-AF65-F5344CB8AC3E}">
-        <p14:creationId xmlns:p14="http://schemas.microsoft.com/office/powerpoint/2010/main" val="2374413912"/>
-      </p:ext>
-    </p:extLst>
-  </p:cSld>
-  <p:clrMapOvr>
-    <a:masterClrMapping/>
-  </p:clrMapOvr>
-  <mc:AlternateContent xmlns:mc="http://schemas.openxmlformats.org/markup-compatibility/2006" xmlns:p14="http://schemas.microsoft.com/office/powerpoint/2010/main">
-    <mc:Choice Requires="p14">
-      <p:transition spd="slow" p14:dur="1200">
-        <p14:prism dir="d"/>
-      </p:transition>
-    </mc:Choice>
-    <mc:Fallback xmlns="">
-      <p:transition spd="slow">
-        <p:fade/>
-      </p:transition>
-    </mc:Fallback>
-  </mc:AlternateContent>
-  <p:timing>
-    <p:tnLst>
-      <p:par>
-        <p:cTn id="1" dur="indefinite" restart="never" nodeType="tmRoot">
-          <p:childTnLst>
-            <p:seq concurrent="1" nextAc="seek">
-              <p:cTn id="2" dur="indefinite" nodeType="mainSeq">
-                <p:childTnLst>
-                  <p:par>
-                    <p:cTn id="3" fill="hold">
-                      <p:stCondLst>
-                        <p:cond delay="indefinite"/>
-                        <p:cond evt="onBegin" delay="0">
-                          <p:tn val="2"/>
-                        </p:cond>
-                      </p:stCondLst>
-                      <p:childTnLst>
-                        <p:par>
-                          <p:cTn id="4" fill="hold">
-                            <p:stCondLst>
-                              <p:cond delay="0"/>
-                            </p:stCondLst>
-                            <p:childTnLst>
-                              <p:par>
-                                <p:cTn id="5" presetID="45" presetClass="entr" presetSubtype="0" fill="hold" grpId="0" nodeType="afterEffect">
-                                  <p:stCondLst>
-                                    <p:cond delay="0"/>
-                                  </p:stCondLst>
-                                  <p:childTnLst>
-                                    <p:set>
-                                      <p:cBhvr>
-                                        <p:cTn id="6" dur="1" fill="hold">
-                                          <p:stCondLst>
-                                            <p:cond delay="0"/>
-                                          </p:stCondLst>
-                                        </p:cTn>
-                                        <p:tgtEl>
-                                          <p:spTgt spid="9"/>
-                                        </p:tgtEl>
-                                        <p:attrNameLst>
-                                          <p:attrName>style.visibility</p:attrName>
-                                        </p:attrNameLst>
-                                      </p:cBhvr>
-                                      <p:to>
-                                        <p:strVal val="visible"/>
-                                      </p:to>
-                                    </p:set>
-                                    <p:animEffect transition="in" filter="fade">
-                                      <p:cBhvr>
-                                        <p:cTn id="7" dur="2000"/>
-                                        <p:tgtEl>
-                                          <p:spTgt spid="9"/>
-                                        </p:tgtEl>
-                                      </p:cBhvr>
-                                    </p:animEffect>
-                                    <p:anim calcmode="lin" valueType="num">
-                                      <p:cBhvr>
-                                        <p:cTn id="8" dur="2000" fill="hold"/>
-                                        <p:tgtEl>
-                                          <p:spTgt spid="9"/>
-                                        </p:tgtEl>
-                                        <p:attrNameLst>
-                                          <p:attrName>ppt_w</p:attrName>
-                                        </p:attrNameLst>
-                                      </p:cBhvr>
-                                      <p:tavLst>
-                                        <p:tav tm="0" fmla="#ppt_w*sin(2.5*pi*$)">
-                                          <p:val>
-                                            <p:fltVal val="0"/>
-                                          </p:val>
-                                        </p:tav>
-                                        <p:tav tm="100000">
-                                          <p:val>
-                                            <p:fltVal val="1"/>
-                                          </p:val>
-                                        </p:tav>
-                                      </p:tavLst>
-                                    </p:anim>
-                                    <p:anim calcmode="lin" valueType="num">
-                                      <p:cBhvr>
-                                        <p:cTn id="9" dur="2000" fill="hold"/>
-                                        <p:tgtEl>
-                                          <p:spTgt spid="9"/>
-                                        </p:tgtEl>
-                                        <p:attrNameLst>
-                                          <p:attrName>ppt_h</p:attrName>
-                                        </p:attrNameLst>
-                                      </p:cBhvr>
-                                      <p:tavLst>
-                                        <p:tav tm="0">
-                                          <p:val>
-                                            <p:strVal val="#ppt_h"/>
-                                          </p:val>
-                                        </p:tav>
-                                        <p:tav tm="100000">
-                                          <p:val>
-                                            <p:strVal val="#ppt_h"/>
-                                          </p:val>
-                                        </p:tav>
-                                      </p:tavLst>
-                                    </p:anim>
-                                  </p:childTnLst>
-                                </p:cTn>
-                              </p:par>
-                              <p:par>
-                                <p:cTn id="10" presetID="45" presetClass="entr" presetSubtype="0" fill="hold" grpId="0" nodeType="withEffect">
-                                  <p:stCondLst>
-                                    <p:cond delay="0"/>
-                                  </p:stCondLst>
-                                  <p:childTnLst>
-                                    <p:set>
-                                      <p:cBhvr>
-                                        <p:cTn id="11" dur="1" fill="hold">
-                                          <p:stCondLst>
-                                            <p:cond delay="0"/>
-                                          </p:stCondLst>
-                                        </p:cTn>
-                                        <p:tgtEl>
-                                          <p:spTgt spid="3"/>
-                                        </p:tgtEl>
-                                        <p:attrNameLst>
-                                          <p:attrName>style.visibility</p:attrName>
-                                        </p:attrNameLst>
-                                      </p:cBhvr>
-                                      <p:to>
-                                        <p:strVal val="visible"/>
-                                      </p:to>
-                                    </p:set>
-                                    <p:animEffect transition="in" filter="fade">
-                                      <p:cBhvr>
-                                        <p:cTn id="12" dur="2000"/>
-                                        <p:tgtEl>
-                                          <p:spTgt spid="3"/>
-                                        </p:tgtEl>
-                                      </p:cBhvr>
-                                    </p:animEffect>
-                                    <p:anim calcmode="lin" valueType="num">
-                                      <p:cBhvr>
-                                        <p:cTn id="13" dur="2000" fill="hold"/>
-                                        <p:tgtEl>
-                                          <p:spTgt spid="3"/>
-                                        </p:tgtEl>
-                                        <p:attrNameLst>
-                                          <p:attrName>ppt_w</p:attrName>
-                                        </p:attrNameLst>
-                                      </p:cBhvr>
-                                      <p:tavLst>
-                                        <p:tav tm="0" fmla="#ppt_w*sin(2.5*pi*$)">
-                                          <p:val>
-                                            <p:fltVal val="0"/>
-                                          </p:val>
-                                        </p:tav>
-                                        <p:tav tm="100000">
-                                          <p:val>
-                                            <p:fltVal val="1"/>
-                                          </p:val>
-                                        </p:tav>
-                                      </p:tavLst>
-                                    </p:anim>
-                                    <p:anim calcmode="lin" valueType="num">
-                                      <p:cBhvr>
-                                        <p:cTn id="14" dur="2000" fill="hold"/>
-                                        <p:tgtEl>
-                                          <p:spTgt spid="3"/>
-                                        </p:tgtEl>
-                                        <p:attrNameLst>
-                                          <p:attrName>ppt_h</p:attrName>
-                                        </p:attrNameLst>
-                                      </p:cBhvr>
-                                      <p:tavLst>
-                                        <p:tav tm="0">
-                                          <p:val>
-                                            <p:strVal val="#ppt_h"/>
-                                          </p:val>
-                                        </p:tav>
-                                        <p:tav tm="100000">
-                                          <p:val>
-                                            <p:strVal val="#ppt_h"/>
-                                          </p:val>
-                                        </p:tav>
-                                      </p:tavLst>
-                                    </p:anim>
-                                  </p:childTnLst>
-                                </p:cTn>
-                              </p:par>
-                              <p:par>
-                                <p:cTn id="15" presetID="45" presetClass="entr" presetSubtype="0" fill="hold" grpId="0" nodeType="withEffect">
-                                  <p:stCondLst>
-                                    <p:cond delay="0"/>
-                                  </p:stCondLst>
-                                  <p:childTnLst>
-                                    <p:set>
-                                      <p:cBhvr>
-                                        <p:cTn id="16" dur="1" fill="hold">
-                                          <p:stCondLst>
-                                            <p:cond delay="0"/>
-                                          </p:stCondLst>
-                                        </p:cTn>
-                                        <p:tgtEl>
-                                          <p:spTgt spid="4"/>
-                                        </p:tgtEl>
-                                        <p:attrNameLst>
-                                          <p:attrName>style.visibility</p:attrName>
-                                        </p:attrNameLst>
-                                      </p:cBhvr>
-                                      <p:to>
-                                        <p:strVal val="visible"/>
-                                      </p:to>
-                                    </p:set>
-                                    <p:animEffect transition="in" filter="fade">
-                                      <p:cBhvr>
-                                        <p:cTn id="17" dur="2000"/>
-                                        <p:tgtEl>
-                                          <p:spTgt spid="4"/>
-                                        </p:tgtEl>
-                                      </p:cBhvr>
-                                    </p:animEffect>
-                                    <p:anim calcmode="lin" valueType="num">
-                                      <p:cBhvr>
-                                        <p:cTn id="18" dur="2000" fill="hold"/>
-                                        <p:tgtEl>
-                                          <p:spTgt spid="4"/>
-                                        </p:tgtEl>
-                                        <p:attrNameLst>
-                                          <p:attrName>ppt_w</p:attrName>
-                                        </p:attrNameLst>
-                                      </p:cBhvr>
-                                      <p:tavLst>
-                                        <p:tav tm="0" fmla="#ppt_w*sin(2.5*pi*$)">
-                                          <p:val>
-                                            <p:fltVal val="0"/>
-                                          </p:val>
-                                        </p:tav>
-                                        <p:tav tm="100000">
-                                          <p:val>
-                                            <p:fltVal val="1"/>
-                                          </p:val>
-                                        </p:tav>
-                                      </p:tavLst>
-                                    </p:anim>
-                                    <p:anim calcmode="lin" valueType="num">
-                                      <p:cBhvr>
-                                        <p:cTn id="19" dur="2000" fill="hold"/>
-                                        <p:tgtEl>
-                                          <p:spTgt spid="4"/>
-                                        </p:tgtEl>
-                                        <p:attrNameLst>
-                                          <p:attrName>ppt_h</p:attrName>
-                                        </p:attrNameLst>
-                                      </p:cBhvr>
-                                      <p:tavLst>
-                                        <p:tav tm="0">
-                                          <p:val>
-                                            <p:strVal val="#ppt_h"/>
-                                          </p:val>
-                                        </p:tav>
-                                        <p:tav tm="100000">
-                                          <p:val>
-                                            <p:strVal val="#ppt_h"/>
-                                          </p:val>
-                                        </p:tav>
-                                      </p:tavLst>
-                                    </p:anim>
-                                  </p:childTnLst>
-                                </p:cTn>
-                              </p:par>
-                              <p:par>
-                                <p:cTn id="20" presetID="45" presetClass="entr" presetSubtype="0" fill="hold" grpId="0" nodeType="withEffect">
-                                  <p:stCondLst>
-                                    <p:cond delay="0"/>
-                                  </p:stCondLst>
-                                  <p:childTnLst>
-                                    <p:set>
-                                      <p:cBhvr>
-                                        <p:cTn id="21" dur="1" fill="hold">
-                                          <p:stCondLst>
-                                            <p:cond delay="0"/>
-                                          </p:stCondLst>
-                                        </p:cTn>
-                                        <p:tgtEl>
-                                          <p:spTgt spid="5"/>
-                                        </p:tgtEl>
-                                        <p:attrNameLst>
-                                          <p:attrName>style.visibility</p:attrName>
-                                        </p:attrNameLst>
-                                      </p:cBhvr>
-                                      <p:to>
-                                        <p:strVal val="visible"/>
-                                      </p:to>
-                                    </p:set>
-                                    <p:animEffect transition="in" filter="fade">
-                                      <p:cBhvr>
-                                        <p:cTn id="22" dur="2000"/>
-                                        <p:tgtEl>
-                                          <p:spTgt spid="5"/>
-                                        </p:tgtEl>
-                                      </p:cBhvr>
-                                    </p:animEffect>
-                                    <p:anim calcmode="lin" valueType="num">
-                                      <p:cBhvr>
-                                        <p:cTn id="23" dur="2000" fill="hold"/>
-                                        <p:tgtEl>
-                                          <p:spTgt spid="5"/>
-                                        </p:tgtEl>
-                                        <p:attrNameLst>
-                                          <p:attrName>ppt_w</p:attrName>
-                                        </p:attrNameLst>
-                                      </p:cBhvr>
-                                      <p:tavLst>
-                                        <p:tav tm="0" fmla="#ppt_w*sin(2.5*pi*$)">
-                                          <p:val>
-                                            <p:fltVal val="0"/>
-                                          </p:val>
-                                        </p:tav>
-                                        <p:tav tm="100000">
-                                          <p:val>
-                                            <p:fltVal val="1"/>
-                                          </p:val>
-                                        </p:tav>
-                                      </p:tavLst>
-                                    </p:anim>
-                                    <p:anim calcmode="lin" valueType="num">
-                                      <p:cBhvr>
-                                        <p:cTn id="24" dur="2000" fill="hold"/>
-                                        <p:tgtEl>
-                                          <p:spTgt spid="5"/>
-                                        </p:tgtEl>
-                                        <p:attrNameLst>
-                                          <p:attrName>ppt_h</p:attrName>
-                                        </p:attrNameLst>
-                                      </p:cBhvr>
-                                      <p:tavLst>
-                                        <p:tav tm="0">
-                                          <p:val>
-                                            <p:strVal val="#ppt_h"/>
-                                          </p:val>
-                                        </p:tav>
-                                        <p:tav tm="100000">
-                                          <p:val>
-                                            <p:strVal val="#ppt_h"/>
-                                          </p:val>
-                                        </p:tav>
-                                      </p:tavLst>
-                                    </p:anim>
-                                  </p:childTnLst>
-                                </p:cTn>
-                              </p:par>
-                              <p:par>
-                                <p:cTn id="25" presetID="45" presetClass="entr" presetSubtype="0" fill="hold" grpId="0" nodeType="withEffect">
-                                  <p:stCondLst>
-                                    <p:cond delay="0"/>
-                                  </p:stCondLst>
-                                  <p:childTnLst>
-                                    <p:set>
-                                      <p:cBhvr>
-                                        <p:cTn id="26" dur="1" fill="hold">
-                                          <p:stCondLst>
-                                            <p:cond delay="0"/>
-                                          </p:stCondLst>
-                                        </p:cTn>
-                                        <p:tgtEl>
-                                          <p:spTgt spid="6"/>
-                                        </p:tgtEl>
-                                        <p:attrNameLst>
-                                          <p:attrName>style.visibility</p:attrName>
-                                        </p:attrNameLst>
-                                      </p:cBhvr>
-                                      <p:to>
-                                        <p:strVal val="visible"/>
-                                      </p:to>
-                                    </p:set>
-                                    <p:animEffect transition="in" filter="fade">
-                                      <p:cBhvr>
-                                        <p:cTn id="27" dur="2000"/>
-                                        <p:tgtEl>
-                                          <p:spTgt spid="6"/>
-                                        </p:tgtEl>
-                                      </p:cBhvr>
-                                    </p:animEffect>
-                                    <p:anim calcmode="lin" valueType="num">
-                                      <p:cBhvr>
-                                        <p:cTn id="28" dur="2000" fill="hold"/>
-                                        <p:tgtEl>
-                                          <p:spTgt spid="6"/>
-                                        </p:tgtEl>
-                                        <p:attrNameLst>
-                                          <p:attrName>ppt_w</p:attrName>
-                                        </p:attrNameLst>
-                                      </p:cBhvr>
-                                      <p:tavLst>
-                                        <p:tav tm="0" fmla="#ppt_w*sin(2.5*pi*$)">
-                                          <p:val>
-                                            <p:fltVal val="0"/>
-                                          </p:val>
-                                        </p:tav>
-                                        <p:tav tm="100000">
-                                          <p:val>
-                                            <p:fltVal val="1"/>
-                                          </p:val>
-                                        </p:tav>
-                                      </p:tavLst>
-                                    </p:anim>
-                                    <p:anim calcmode="lin" valueType="num">
-                                      <p:cBhvr>
-                                        <p:cTn id="29" dur="2000" fill="hold"/>
-                                        <p:tgtEl>
-                                          <p:spTgt spid="6"/>
-                                        </p:tgtEl>
-                                        <p:attrNameLst>
-                                          <p:attrName>ppt_h</p:attrName>
-                                        </p:attrNameLst>
-                                      </p:cBhvr>
-                                      <p:tavLst>
-                                        <p:tav tm="0">
-                                          <p:val>
-                                            <p:strVal val="#ppt_h"/>
-                                          </p:val>
-                                        </p:tav>
-                                        <p:tav tm="100000">
-                                          <p:val>
-                                            <p:strVal val="#ppt_h"/>
-                                          </p:val>
-                                        </p:tav>
-                                      </p:tavLst>
-                                    </p:anim>
-                                  </p:childTnLst>
-                                </p:cTn>
-                              </p:par>
-                              <p:par>
-                                <p:cTn id="30" presetID="2" presetClass="entr" presetSubtype="2" accel="50000" decel="50000" fill="hold" nodeType="withEffect">
-                                  <p:stCondLst>
-                                    <p:cond delay="0"/>
-                                  </p:stCondLst>
-                                  <p:childTnLst>
-                                    <p:set>
-                                      <p:cBhvr>
-                                        <p:cTn id="31" dur="1" fill="hold">
-                                          <p:stCondLst>
-                                            <p:cond delay="0"/>
-                                          </p:stCondLst>
-                                        </p:cTn>
-                                        <p:tgtEl>
-                                          <p:spTgt spid="8"/>
-                                        </p:tgtEl>
-                                        <p:attrNameLst>
-                                          <p:attrName>style.visibility</p:attrName>
-                                        </p:attrNameLst>
-                                      </p:cBhvr>
-                                      <p:to>
-                                        <p:strVal val="visible"/>
-                                      </p:to>
-                                    </p:set>
-                                    <p:anim calcmode="lin" valueType="num">
-                                      <p:cBhvr additive="base">
-                                        <p:cTn id="32" dur="1500" fill="hold"/>
-                                        <p:tgtEl>
-                                          <p:spTgt spid="8"/>
-                                        </p:tgtEl>
-                                        <p:attrNameLst>
-                                          <p:attrName>ppt_x</p:attrName>
-                                        </p:attrNameLst>
-                                      </p:cBhvr>
-                                      <p:tavLst>
-                                        <p:tav tm="0">
-                                          <p:val>
-                                            <p:strVal val="1+#ppt_w/2"/>
-                                          </p:val>
-                                        </p:tav>
-                                        <p:tav tm="100000">
-                                          <p:val>
-                                            <p:strVal val="#ppt_x"/>
-                                          </p:val>
-                                        </p:tav>
-                                      </p:tavLst>
-                                    </p:anim>
-                                    <p:anim calcmode="lin" valueType="num">
-                                      <p:cBhvr additive="base">
-                                        <p:cTn id="33" dur="1500" fill="hold"/>
-                                        <p:tgtEl>
-                                          <p:spTgt spid="8"/>
-                                        </p:tgtEl>
-                                        <p:attrNameLst>
-                                          <p:attrName>ppt_y</p:attrName>
-                                        </p:attrNameLst>
-                                      </p:cBhvr>
-                                      <p:tavLst>
-                                        <p:tav tm="0">
-                                          <p:val>
-                                            <p:strVal val="#ppt_y"/>
-                                          </p:val>
-                                        </p:tav>
-                                        <p:tav tm="100000">
-                                          <p:val>
-                                            <p:strVal val="#ppt_y"/>
-                                          </p:val>
-                                        </p:tav>
-                                      </p:tavLst>
-                                    </p:anim>
-                                  </p:childTnLst>
-                                </p:cTn>
-                              </p:par>
-                            </p:childTnLst>
-                          </p:cTn>
-                        </p:par>
-                      </p:childTnLst>
-                    </p:cTn>
-                  </p:par>
-                </p:childTnLst>
-              </p:cTn>
-              <p:prevCondLst>
-                <p:cond evt="onPrev" delay="0">
-                  <p:tgtEl>
-                    <p:sldTgt/>
-                  </p:tgtEl>
-                </p:cond>
-              </p:prevCondLst>
-              <p:nextCondLst>
-                <p:cond evt="onNext" delay="0">
-                  <p:tgtEl>
-                    <p:sldTgt/>
-                  </p:tgtEl>
-                </p:cond>
-              </p:nextCondLst>
-            </p:seq>
-          </p:childTnLst>
-        </p:cTn>
-      </p:par>
-    </p:tnLst>
-    <p:bldLst>
-      <p:bldP spid="9" grpId="0" animBg="1"/>
-      <p:bldP spid="3" grpId="0" animBg="1"/>
-      <p:bldP spid="4" grpId="0" animBg="1"/>
-      <p:bldP spid="5" grpId="0" animBg="1"/>
-      <p:bldP spid="6" grpId="0"/>
-    </p:bldLst>
-  </p:timing>
-</p:sld>
-</file>
-
-<file path=ppt/slides/slide14.xml><?xml version="1.0" encoding="utf-8"?>
-<p:sld xmlns:a="http://schemas.openxmlformats.org/drawingml/2006/main" xmlns:r="http://schemas.openxmlformats.org/officeDocument/2006/relationships" xmlns:p="http://schemas.openxmlformats.org/presentationml/2006/main">
-  <p:cSld>
-    <p:spTree>
-      <p:nvGrpSpPr>
-        <p:cNvPr id="1" name=""/>
-        <p:cNvGrpSpPr/>
-        <p:nvPr/>
-      </p:nvGrpSpPr>
-      <p:grpSpPr>
-        <a:xfrm>
-          <a:off x="0" y="0"/>
-          <a:ext cx="0" cy="0"/>
-          <a:chOff x="0" y="0"/>
-          <a:chExt cx="0" cy="0"/>
-        </a:xfrm>
-      </p:grpSpPr>
-      <p:sp>
-        <p:nvSpPr>
           <p:cNvPr id="23" name="文本框 22"/>
           <p:cNvSpPr txBox="1"/>
           <p:nvPr/>
@@ -6071,7 +6005,7 @@
 </p:sld>
 </file>
 
-<file path=ppt/slides/slide15.xml><?xml version="1.0" encoding="utf-8"?>
+<file path=ppt/slides/slide14.xml><?xml version="1.0" encoding="utf-8"?>
 <p:sld xmlns:a="http://schemas.openxmlformats.org/drawingml/2006/main" xmlns:r="http://schemas.openxmlformats.org/officeDocument/2006/relationships" xmlns:p="http://schemas.openxmlformats.org/presentationml/2006/main">
   <p:cSld>
     <p:spTree>
@@ -6833,7 +6767,7 @@
 </p:sld>
 </file>
 
-<file path=ppt/slides/slide16.xml><?xml version="1.0" encoding="utf-8"?>
+<file path=ppt/slides/slide15.xml><?xml version="1.0" encoding="utf-8"?>
 <p:sld xmlns:a="http://schemas.openxmlformats.org/drawingml/2006/main" xmlns:r="http://schemas.openxmlformats.org/officeDocument/2006/relationships" xmlns:p="http://schemas.openxmlformats.org/presentationml/2006/main">
   <p:cSld>
     <p:spTree>
@@ -7334,7 +7268,7 @@
 </p:sld>
 </file>
 
-<file path=ppt/slides/slide17.xml><?xml version="1.0" encoding="utf-8"?>
+<file path=ppt/slides/slide16.xml><?xml version="1.0" encoding="utf-8"?>
 <p:sld xmlns:a="http://schemas.openxmlformats.org/drawingml/2006/main" xmlns:r="http://schemas.openxmlformats.org/officeDocument/2006/relationships" xmlns:p="http://schemas.openxmlformats.org/presentationml/2006/main">
   <p:cSld>
     <p:spTree>
@@ -7837,7 +7771,7 @@
 </p:sld>
 </file>
 
-<file path=ppt/slides/slide18.xml><?xml version="1.0" encoding="utf-8"?>
+<file path=ppt/slides/slide17.xml><?xml version="1.0" encoding="utf-8"?>
 <p:sld xmlns:a="http://schemas.openxmlformats.org/drawingml/2006/main" xmlns:r="http://schemas.openxmlformats.org/officeDocument/2006/relationships" xmlns:p="http://schemas.openxmlformats.org/presentationml/2006/main">
   <p:cSld>
     <p:spTree>
@@ -8917,7 +8851,7 @@
 </p:sld>
 </file>
 
-<file path=ppt/slides/slide19.xml><?xml version="1.0" encoding="utf-8"?>
+<file path=ppt/slides/slide18.xml><?xml version="1.0" encoding="utf-8"?>
 <p:sld xmlns:a="http://schemas.openxmlformats.org/drawingml/2006/main" xmlns:r="http://schemas.openxmlformats.org/officeDocument/2006/relationships" xmlns:p="http://schemas.openxmlformats.org/presentationml/2006/main">
   <p:cSld>
     <p:spTree>
@@ -10747,6 +10681,483 @@
 </file>
 
 <file path=ppt/slides/slide4.xml><?xml version="1.0" encoding="utf-8"?>
+<p:sld xmlns:a="http://schemas.openxmlformats.org/drawingml/2006/main" xmlns:r="http://schemas.openxmlformats.org/officeDocument/2006/relationships" xmlns:p="http://schemas.openxmlformats.org/presentationml/2006/main">
+  <p:cSld>
+    <p:spTree>
+      <p:nvGrpSpPr>
+        <p:cNvPr id="1" name=""/>
+        <p:cNvGrpSpPr/>
+        <p:nvPr/>
+      </p:nvGrpSpPr>
+      <p:grpSpPr>
+        <a:xfrm>
+          <a:off x="0" y="0"/>
+          <a:ext cx="0" cy="0"/>
+          <a:chOff x="0" y="0"/>
+          <a:chExt cx="0" cy="0"/>
+        </a:xfrm>
+      </p:grpSpPr>
+      <p:sp>
+        <p:nvSpPr>
+          <p:cNvPr id="23" name="文本框 22"/>
+          <p:cNvSpPr txBox="1"/>
+          <p:nvPr/>
+        </p:nvSpPr>
+        <p:spPr>
+          <a:xfrm>
+            <a:off x="5459449" y="273790"/>
+            <a:ext cx="1273105" cy="461665"/>
+          </a:xfrm>
+          <a:prstGeom prst="rect">
+            <a:avLst/>
+          </a:prstGeom>
+          <a:noFill/>
+        </p:spPr>
+        <p:txBody>
+          <a:bodyPr wrap="none" rtlCol="0" anchor="ctr">
+            <a:spAutoFit/>
+          </a:bodyPr>
+          <a:lstStyle/>
+          <a:p>
+            <a:pPr algn="ctr"/>
+            <a:r>
+              <a:rPr lang="en-US" altLang="zh-CN" sz="2400" b="1" dirty="0" smtClean="0">
+                <a:solidFill>
+                  <a:schemeClr val="bg1"/>
+                </a:solidFill>
+                <a:cs typeface="+mn-ea"/>
+              </a:rPr>
+              <a:t>MongoDB</a:t>
+            </a:r>
+            <a:endParaRPr lang="zh-CN" altLang="en-US" sz="2400" b="1" dirty="0">
+              <a:solidFill>
+                <a:schemeClr val="bg1"/>
+              </a:solidFill>
+              <a:cs typeface="+mn-ea"/>
+            </a:endParaRPr>
+          </a:p>
+        </p:txBody>
+      </p:sp>
+      <p:grpSp>
+        <p:nvGrpSpPr>
+          <p:cNvPr id="37" name="组合 36"/>
+          <p:cNvGrpSpPr/>
+          <p:nvPr/>
+        </p:nvGrpSpPr>
+        <p:grpSpPr>
+          <a:xfrm>
+            <a:off x="1811524" y="468618"/>
+            <a:ext cx="8568952" cy="80062"/>
+            <a:chOff x="1811524" y="468618"/>
+            <a:chExt cx="8568952" cy="80062"/>
+          </a:xfrm>
+        </p:grpSpPr>
+        <p:cxnSp>
+          <p:nvCxnSpPr>
+            <p:cNvPr id="25" name="直接连接符 24"/>
+            <p:cNvCxnSpPr/>
+            <p:nvPr/>
+          </p:nvCxnSpPr>
+          <p:spPr>
+            <a:xfrm flipH="1">
+              <a:off x="1811524" y="468618"/>
+              <a:ext cx="2664296" cy="0"/>
+            </a:xfrm>
+            <a:prstGeom prst="line">
+              <a:avLst/>
+            </a:prstGeom>
+            <a:ln>
+              <a:solidFill>
+                <a:srgbClr val="39BDED">
+                  <a:alpha val="50000"/>
+                </a:srgbClr>
+              </a:solidFill>
+            </a:ln>
+          </p:spPr>
+          <p:style>
+            <a:lnRef idx="1">
+              <a:schemeClr val="accent1"/>
+            </a:lnRef>
+            <a:fillRef idx="0">
+              <a:schemeClr val="accent1"/>
+            </a:fillRef>
+            <a:effectRef idx="0">
+              <a:schemeClr val="accent1"/>
+            </a:effectRef>
+            <a:fontRef idx="minor">
+              <a:schemeClr val="tx1"/>
+            </a:fontRef>
+          </p:style>
+        </p:cxnSp>
+        <p:cxnSp>
+          <p:nvCxnSpPr>
+            <p:cNvPr id="26" name="直接连接符 25"/>
+            <p:cNvCxnSpPr/>
+            <p:nvPr/>
+          </p:nvCxnSpPr>
+          <p:spPr>
+            <a:xfrm flipH="1">
+              <a:off x="1811524" y="548680"/>
+              <a:ext cx="2664296" cy="0"/>
+            </a:xfrm>
+            <a:prstGeom prst="line">
+              <a:avLst/>
+            </a:prstGeom>
+            <a:ln>
+              <a:solidFill>
+                <a:srgbClr val="39BDED">
+                  <a:alpha val="50000"/>
+                </a:srgbClr>
+              </a:solidFill>
+            </a:ln>
+          </p:spPr>
+          <p:style>
+            <a:lnRef idx="1">
+              <a:schemeClr val="accent1"/>
+            </a:lnRef>
+            <a:fillRef idx="0">
+              <a:schemeClr val="accent1"/>
+            </a:fillRef>
+            <a:effectRef idx="0">
+              <a:schemeClr val="accent1"/>
+            </a:effectRef>
+            <a:fontRef idx="minor">
+              <a:schemeClr val="tx1"/>
+            </a:fontRef>
+          </p:style>
+        </p:cxnSp>
+        <p:cxnSp>
+          <p:nvCxnSpPr>
+            <p:cNvPr id="33" name="直接连接符 32"/>
+            <p:cNvCxnSpPr/>
+            <p:nvPr/>
+          </p:nvCxnSpPr>
+          <p:spPr>
+            <a:xfrm flipH="1">
+              <a:off x="7716180" y="468618"/>
+              <a:ext cx="2664296" cy="0"/>
+            </a:xfrm>
+            <a:prstGeom prst="line">
+              <a:avLst/>
+            </a:prstGeom>
+            <a:ln>
+              <a:solidFill>
+                <a:srgbClr val="39BDED">
+                  <a:alpha val="50000"/>
+                </a:srgbClr>
+              </a:solidFill>
+            </a:ln>
+          </p:spPr>
+          <p:style>
+            <a:lnRef idx="1">
+              <a:schemeClr val="accent1"/>
+            </a:lnRef>
+            <a:fillRef idx="0">
+              <a:schemeClr val="accent1"/>
+            </a:fillRef>
+            <a:effectRef idx="0">
+              <a:schemeClr val="accent1"/>
+            </a:effectRef>
+            <a:fontRef idx="minor">
+              <a:schemeClr val="tx1"/>
+            </a:fontRef>
+          </p:style>
+        </p:cxnSp>
+        <p:cxnSp>
+          <p:nvCxnSpPr>
+            <p:cNvPr id="34" name="直接连接符 33"/>
+            <p:cNvCxnSpPr/>
+            <p:nvPr/>
+          </p:nvCxnSpPr>
+          <p:spPr>
+            <a:xfrm flipH="1">
+              <a:off x="7716180" y="548680"/>
+              <a:ext cx="2664296" cy="0"/>
+            </a:xfrm>
+            <a:prstGeom prst="line">
+              <a:avLst/>
+            </a:prstGeom>
+            <a:ln>
+              <a:solidFill>
+                <a:srgbClr val="39BDED">
+                  <a:alpha val="50000"/>
+                </a:srgbClr>
+              </a:solidFill>
+            </a:ln>
+          </p:spPr>
+          <p:style>
+            <a:lnRef idx="1">
+              <a:schemeClr val="accent1"/>
+            </a:lnRef>
+            <a:fillRef idx="0">
+              <a:schemeClr val="accent1"/>
+            </a:fillRef>
+            <a:effectRef idx="0">
+              <a:schemeClr val="accent1"/>
+            </a:effectRef>
+            <a:fontRef idx="minor">
+              <a:schemeClr val="tx1"/>
+            </a:fontRef>
+          </p:style>
+        </p:cxnSp>
+      </p:grpSp>
+      <p:pic>
+        <p:nvPicPr>
+          <p:cNvPr id="2" name="图片 1"/>
+          <p:cNvPicPr>
+            <a:picLocks noChangeAspect="1"/>
+          </p:cNvPicPr>
+          <p:nvPr/>
+        </p:nvPicPr>
+        <p:blipFill>
+          <a:blip r:embed="rId3"/>
+          <a:stretch>
+            <a:fillRect/>
+          </a:stretch>
+        </p:blipFill>
+        <p:spPr>
+          <a:xfrm>
+            <a:off x="1811524" y="1772816"/>
+            <a:ext cx="8551437" cy="3570511"/>
+          </a:xfrm>
+          <a:prstGeom prst="rect">
+            <a:avLst/>
+          </a:prstGeom>
+        </p:spPr>
+      </p:pic>
+    </p:spTree>
+    <p:extLst>
+      <p:ext uri="{BB962C8B-B14F-4D97-AF65-F5344CB8AC3E}">
+        <p14:creationId xmlns:p14="http://schemas.microsoft.com/office/powerpoint/2010/main" val="1361908082"/>
+      </p:ext>
+    </p:extLst>
+  </p:cSld>
+  <p:clrMapOvr>
+    <a:masterClrMapping/>
+  </p:clrMapOvr>
+  <p:transition spd="med">
+    <p:pull/>
+  </p:transition>
+  <p:timing>
+    <p:tnLst>
+      <p:par>
+        <p:cTn id="1" dur="indefinite" restart="never" nodeType="tmRoot">
+          <p:childTnLst>
+            <p:seq concurrent="1" nextAc="seek">
+              <p:cTn id="2" dur="indefinite" nodeType="mainSeq">
+                <p:childTnLst>
+                  <p:par>
+                    <p:cTn id="3" fill="hold">
+                      <p:stCondLst>
+                        <p:cond delay="indefinite"/>
+                        <p:cond evt="onBegin" delay="0">
+                          <p:tn val="2"/>
+                        </p:cond>
+                      </p:stCondLst>
+                      <p:childTnLst>
+                        <p:par>
+                          <p:cTn id="4" fill="hold">
+                            <p:stCondLst>
+                              <p:cond delay="0"/>
+                            </p:stCondLst>
+                            <p:childTnLst>
+                              <p:par>
+                                <p:cTn id="5" presetID="50" presetClass="entr" presetSubtype="0" decel="100000" fill="hold" grpId="0" nodeType="afterEffect">
+                                  <p:stCondLst>
+                                    <p:cond delay="0"/>
+                                  </p:stCondLst>
+                                  <p:childTnLst>
+                                    <p:set>
+                                      <p:cBhvr>
+                                        <p:cTn id="6" dur="1" fill="hold">
+                                          <p:stCondLst>
+                                            <p:cond delay="0"/>
+                                          </p:stCondLst>
+                                        </p:cTn>
+                                        <p:tgtEl>
+                                          <p:spTgt spid="23"/>
+                                        </p:tgtEl>
+                                        <p:attrNameLst>
+                                          <p:attrName>style.visibility</p:attrName>
+                                        </p:attrNameLst>
+                                      </p:cBhvr>
+                                      <p:to>
+                                        <p:strVal val="visible"/>
+                                      </p:to>
+                                    </p:set>
+                                    <p:anim calcmode="lin" valueType="num">
+                                      <p:cBhvr>
+                                        <p:cTn id="7" dur="1000" fill="hold"/>
+                                        <p:tgtEl>
+                                          <p:spTgt spid="23"/>
+                                        </p:tgtEl>
+                                        <p:attrNameLst>
+                                          <p:attrName>ppt_w</p:attrName>
+                                        </p:attrNameLst>
+                                      </p:cBhvr>
+                                      <p:tavLst>
+                                        <p:tav tm="0">
+                                          <p:val>
+                                            <p:strVal val="#ppt_w+.3"/>
+                                          </p:val>
+                                        </p:tav>
+                                        <p:tav tm="100000">
+                                          <p:val>
+                                            <p:strVal val="#ppt_w"/>
+                                          </p:val>
+                                        </p:tav>
+                                      </p:tavLst>
+                                    </p:anim>
+                                    <p:anim calcmode="lin" valueType="num">
+                                      <p:cBhvr>
+                                        <p:cTn id="8" dur="1000" fill="hold"/>
+                                        <p:tgtEl>
+                                          <p:spTgt spid="23"/>
+                                        </p:tgtEl>
+                                        <p:attrNameLst>
+                                          <p:attrName>ppt_h</p:attrName>
+                                        </p:attrNameLst>
+                                      </p:cBhvr>
+                                      <p:tavLst>
+                                        <p:tav tm="0">
+                                          <p:val>
+                                            <p:strVal val="#ppt_h"/>
+                                          </p:val>
+                                        </p:tav>
+                                        <p:tav tm="100000">
+                                          <p:val>
+                                            <p:strVal val="#ppt_h"/>
+                                          </p:val>
+                                        </p:tav>
+                                      </p:tavLst>
+                                    </p:anim>
+                                    <p:animEffect transition="in" filter="fade">
+                                      <p:cBhvr>
+                                        <p:cTn id="9" dur="1000"/>
+                                        <p:tgtEl>
+                                          <p:spTgt spid="23"/>
+                                        </p:tgtEl>
+                                      </p:cBhvr>
+                                    </p:animEffect>
+                                  </p:childTnLst>
+                                </p:cTn>
+                              </p:par>
+                              <p:par>
+                                <p:cTn id="10" presetID="50" presetClass="entr" presetSubtype="0" decel="100000" fill="hold" nodeType="withEffect">
+                                  <p:stCondLst>
+                                    <p:cond delay="0"/>
+                                  </p:stCondLst>
+                                  <p:childTnLst>
+                                    <p:set>
+                                      <p:cBhvr>
+                                        <p:cTn id="11" dur="1" fill="hold">
+                                          <p:stCondLst>
+                                            <p:cond delay="0"/>
+                                          </p:stCondLst>
+                                        </p:cTn>
+                                        <p:tgtEl>
+                                          <p:spTgt spid="37"/>
+                                        </p:tgtEl>
+                                        <p:attrNameLst>
+                                          <p:attrName>style.visibility</p:attrName>
+                                        </p:attrNameLst>
+                                      </p:cBhvr>
+                                      <p:to>
+                                        <p:strVal val="visible"/>
+                                      </p:to>
+                                    </p:set>
+                                    <p:anim calcmode="lin" valueType="num">
+                                      <p:cBhvr>
+                                        <p:cTn id="12" dur="1000" fill="hold"/>
+                                        <p:tgtEl>
+                                          <p:spTgt spid="37"/>
+                                        </p:tgtEl>
+                                        <p:attrNameLst>
+                                          <p:attrName>ppt_w</p:attrName>
+                                        </p:attrNameLst>
+                                      </p:cBhvr>
+                                      <p:tavLst>
+                                        <p:tav tm="0">
+                                          <p:val>
+                                            <p:strVal val="#ppt_w+.3"/>
+                                          </p:val>
+                                        </p:tav>
+                                        <p:tav tm="100000">
+                                          <p:val>
+                                            <p:strVal val="#ppt_w"/>
+                                          </p:val>
+                                        </p:tav>
+                                      </p:tavLst>
+                                    </p:anim>
+                                    <p:anim calcmode="lin" valueType="num">
+                                      <p:cBhvr>
+                                        <p:cTn id="13" dur="1000" fill="hold"/>
+                                        <p:tgtEl>
+                                          <p:spTgt spid="37"/>
+                                        </p:tgtEl>
+                                        <p:attrNameLst>
+                                          <p:attrName>ppt_h</p:attrName>
+                                        </p:attrNameLst>
+                                      </p:cBhvr>
+                                      <p:tavLst>
+                                        <p:tav tm="0">
+                                          <p:val>
+                                            <p:strVal val="#ppt_h"/>
+                                          </p:val>
+                                        </p:tav>
+                                        <p:tav tm="100000">
+                                          <p:val>
+                                            <p:strVal val="#ppt_h"/>
+                                          </p:val>
+                                        </p:tav>
+                                      </p:tavLst>
+                                    </p:anim>
+                                    <p:animEffect transition="in" filter="fade">
+                                      <p:cBhvr>
+                                        <p:cTn id="14" dur="1000"/>
+                                        <p:tgtEl>
+                                          <p:spTgt spid="37"/>
+                                        </p:tgtEl>
+                                      </p:cBhvr>
+                                    </p:animEffect>
+                                  </p:childTnLst>
+                                </p:cTn>
+                              </p:par>
+                            </p:childTnLst>
+                          </p:cTn>
+                        </p:par>
+                      </p:childTnLst>
+                    </p:cTn>
+                  </p:par>
+                </p:childTnLst>
+              </p:cTn>
+              <p:prevCondLst>
+                <p:cond evt="onPrev" delay="0">
+                  <p:tgtEl>
+                    <p:sldTgt/>
+                  </p:tgtEl>
+                </p:cond>
+              </p:prevCondLst>
+              <p:nextCondLst>
+                <p:cond evt="onNext" delay="0">
+                  <p:tgtEl>
+                    <p:sldTgt/>
+                  </p:tgtEl>
+                </p:cond>
+              </p:nextCondLst>
+            </p:seq>
+          </p:childTnLst>
+        </p:cTn>
+      </p:par>
+    </p:tnLst>
+    <p:bldLst>
+      <p:bldP spid="23" grpId="0"/>
+    </p:bldLst>
+  </p:timing>
+</p:sld>
+</file>
+
+<file path=ppt/slides/slide5.xml><?xml version="1.0" encoding="utf-8"?>
 <p:sld xmlns:a="http://schemas.openxmlformats.org/drawingml/2006/main" xmlns:r="http://schemas.openxmlformats.org/officeDocument/2006/relationships" xmlns:p="http://schemas.openxmlformats.org/presentationml/2006/main">
   <p:cSld>
     <p:spTree>
@@ -13401,7 +13812,7 @@
 </p:sld>
 </file>
 
-<file path=ppt/slides/slide5.xml><?xml version="1.0" encoding="utf-8"?>
+<file path=ppt/slides/slide6.xml><?xml version="1.0" encoding="utf-8"?>
 <p:sld xmlns:a="http://schemas.openxmlformats.org/drawingml/2006/main" xmlns:r="http://schemas.openxmlformats.org/officeDocument/2006/relationships" xmlns:p="http://schemas.openxmlformats.org/presentationml/2006/main">
   <p:cSld>
     <p:spTree>
@@ -16349,7 +16760,7 @@
 </p:sld>
 </file>
 
-<file path=ppt/slides/slide6.xml><?xml version="1.0" encoding="utf-8"?>
+<file path=ppt/slides/slide7.xml><?xml version="1.0" encoding="utf-8"?>
 <p:sld xmlns:a="http://schemas.openxmlformats.org/drawingml/2006/main" xmlns:r="http://schemas.openxmlformats.org/officeDocument/2006/relationships" xmlns:p="http://schemas.openxmlformats.org/presentationml/2006/main">
   <p:cSld>
     <p:spTree>
@@ -16889,7 +17300,23 @@
             </a:r>
             <a:r>
               <a:rPr lang="zh-CN" altLang="en-US" dirty="0" smtClean="0"/>
-              <a:t>级别可以定义索引，但不能定义符合索引</a:t>
+              <a:t>级别可以定义索引，但不能</a:t>
+            </a:r>
+            <a:r>
+              <a:rPr lang="zh-CN" altLang="en-US" dirty="0" smtClean="0"/>
+              <a:t>定义</a:t>
+            </a:r>
+            <a:r>
+              <a:rPr lang="zh-CN" altLang="en-US" dirty="0"/>
+              <a:t>复</a:t>
+            </a:r>
+            <a:r>
+              <a:rPr lang="zh-CN" altLang="en-US" dirty="0" smtClean="0"/>
+              <a:t>合</a:t>
+            </a:r>
+            <a:r>
+              <a:rPr lang="zh-CN" altLang="en-US" dirty="0" smtClean="0"/>
+              <a:t>索引</a:t>
             </a:r>
             <a:endParaRPr lang="en-US" altLang="zh-CN" dirty="0"/>
           </a:p>
@@ -17024,936 +17451,6 @@
     <p:extLst>
       <p:ext uri="{BB962C8B-B14F-4D97-AF65-F5344CB8AC3E}">
         <p14:creationId xmlns:p14="http://schemas.microsoft.com/office/powerpoint/2010/main" val="1066097378"/>
-      </p:ext>
-    </p:extLst>
-  </p:cSld>
-  <p:clrMapOvr>
-    <a:masterClrMapping/>
-  </p:clrMapOvr>
-  <p:transition spd="slow">
-    <p:push/>
-  </p:transition>
-  <p:timing>
-    <p:tnLst>
-      <p:par>
-        <p:cTn id="1" dur="indefinite" restart="never" nodeType="tmRoot">
-          <p:childTnLst>
-            <p:seq concurrent="1" nextAc="seek">
-              <p:cTn id="2" dur="indefinite" nodeType="mainSeq">
-                <p:childTnLst>
-                  <p:par>
-                    <p:cTn id="3" fill="hold">
-                      <p:stCondLst>
-                        <p:cond delay="indefinite"/>
-                        <p:cond evt="onBegin" delay="0">
-                          <p:tn val="2"/>
-                        </p:cond>
-                      </p:stCondLst>
-                      <p:childTnLst>
-                        <p:par>
-                          <p:cTn id="4" fill="hold">
-                            <p:stCondLst>
-                              <p:cond delay="0"/>
-                            </p:stCondLst>
-                            <p:childTnLst>
-                              <p:par>
-                                <p:cTn id="5" presetID="50" presetClass="entr" presetSubtype="0" decel="100000" fill="hold" grpId="0" nodeType="afterEffect">
-                                  <p:stCondLst>
-                                    <p:cond delay="0"/>
-                                  </p:stCondLst>
-                                  <p:childTnLst>
-                                    <p:set>
-                                      <p:cBhvr>
-                                        <p:cTn id="6" dur="1" fill="hold">
-                                          <p:stCondLst>
-                                            <p:cond delay="0"/>
-                                          </p:stCondLst>
-                                        </p:cTn>
-                                        <p:tgtEl>
-                                          <p:spTgt spid="23"/>
-                                        </p:tgtEl>
-                                        <p:attrNameLst>
-                                          <p:attrName>style.visibility</p:attrName>
-                                        </p:attrNameLst>
-                                      </p:cBhvr>
-                                      <p:to>
-                                        <p:strVal val="visible"/>
-                                      </p:to>
-                                    </p:set>
-                                    <p:anim calcmode="lin" valueType="num">
-                                      <p:cBhvr>
-                                        <p:cTn id="7" dur="1000" fill="hold"/>
-                                        <p:tgtEl>
-                                          <p:spTgt spid="23"/>
-                                        </p:tgtEl>
-                                        <p:attrNameLst>
-                                          <p:attrName>ppt_w</p:attrName>
-                                        </p:attrNameLst>
-                                      </p:cBhvr>
-                                      <p:tavLst>
-                                        <p:tav tm="0">
-                                          <p:val>
-                                            <p:strVal val="#ppt_w+.3"/>
-                                          </p:val>
-                                        </p:tav>
-                                        <p:tav tm="100000">
-                                          <p:val>
-                                            <p:strVal val="#ppt_w"/>
-                                          </p:val>
-                                        </p:tav>
-                                      </p:tavLst>
-                                    </p:anim>
-                                    <p:anim calcmode="lin" valueType="num">
-                                      <p:cBhvr>
-                                        <p:cTn id="8" dur="1000" fill="hold"/>
-                                        <p:tgtEl>
-                                          <p:spTgt spid="23"/>
-                                        </p:tgtEl>
-                                        <p:attrNameLst>
-                                          <p:attrName>ppt_h</p:attrName>
-                                        </p:attrNameLst>
-                                      </p:cBhvr>
-                                      <p:tavLst>
-                                        <p:tav tm="0">
-                                          <p:val>
-                                            <p:strVal val="#ppt_h"/>
-                                          </p:val>
-                                        </p:tav>
-                                        <p:tav tm="100000">
-                                          <p:val>
-                                            <p:strVal val="#ppt_h"/>
-                                          </p:val>
-                                        </p:tav>
-                                      </p:tavLst>
-                                    </p:anim>
-                                    <p:animEffect transition="in" filter="fade">
-                                      <p:cBhvr>
-                                        <p:cTn id="9" dur="1000"/>
-                                        <p:tgtEl>
-                                          <p:spTgt spid="23"/>
-                                        </p:tgtEl>
-                                      </p:cBhvr>
-                                    </p:animEffect>
-                                  </p:childTnLst>
-                                </p:cTn>
-                              </p:par>
-                              <p:par>
-                                <p:cTn id="10" presetID="50" presetClass="entr" presetSubtype="0" decel="100000" fill="hold" nodeType="withEffect">
-                                  <p:stCondLst>
-                                    <p:cond delay="0"/>
-                                  </p:stCondLst>
-                                  <p:childTnLst>
-                                    <p:set>
-                                      <p:cBhvr>
-                                        <p:cTn id="11" dur="1" fill="hold">
-                                          <p:stCondLst>
-                                            <p:cond delay="0"/>
-                                          </p:stCondLst>
-                                        </p:cTn>
-                                        <p:tgtEl>
-                                          <p:spTgt spid="37"/>
-                                        </p:tgtEl>
-                                        <p:attrNameLst>
-                                          <p:attrName>style.visibility</p:attrName>
-                                        </p:attrNameLst>
-                                      </p:cBhvr>
-                                      <p:to>
-                                        <p:strVal val="visible"/>
-                                      </p:to>
-                                    </p:set>
-                                    <p:anim calcmode="lin" valueType="num">
-                                      <p:cBhvr>
-                                        <p:cTn id="12" dur="1000" fill="hold"/>
-                                        <p:tgtEl>
-                                          <p:spTgt spid="37"/>
-                                        </p:tgtEl>
-                                        <p:attrNameLst>
-                                          <p:attrName>ppt_w</p:attrName>
-                                        </p:attrNameLst>
-                                      </p:cBhvr>
-                                      <p:tavLst>
-                                        <p:tav tm="0">
-                                          <p:val>
-                                            <p:strVal val="#ppt_w+.3"/>
-                                          </p:val>
-                                        </p:tav>
-                                        <p:tav tm="100000">
-                                          <p:val>
-                                            <p:strVal val="#ppt_w"/>
-                                          </p:val>
-                                        </p:tav>
-                                      </p:tavLst>
-                                    </p:anim>
-                                    <p:anim calcmode="lin" valueType="num">
-                                      <p:cBhvr>
-                                        <p:cTn id="13" dur="1000" fill="hold"/>
-                                        <p:tgtEl>
-                                          <p:spTgt spid="37"/>
-                                        </p:tgtEl>
-                                        <p:attrNameLst>
-                                          <p:attrName>ppt_h</p:attrName>
-                                        </p:attrNameLst>
-                                      </p:cBhvr>
-                                      <p:tavLst>
-                                        <p:tav tm="0">
-                                          <p:val>
-                                            <p:strVal val="#ppt_h"/>
-                                          </p:val>
-                                        </p:tav>
-                                        <p:tav tm="100000">
-                                          <p:val>
-                                            <p:strVal val="#ppt_h"/>
-                                          </p:val>
-                                        </p:tav>
-                                      </p:tavLst>
-                                    </p:anim>
-                                    <p:animEffect transition="in" filter="fade">
-                                      <p:cBhvr>
-                                        <p:cTn id="14" dur="1000"/>
-                                        <p:tgtEl>
-                                          <p:spTgt spid="37"/>
-                                        </p:tgtEl>
-                                      </p:cBhvr>
-                                    </p:animEffect>
-                                  </p:childTnLst>
-                                </p:cTn>
-                              </p:par>
-                            </p:childTnLst>
-                          </p:cTn>
-                        </p:par>
-                      </p:childTnLst>
-                    </p:cTn>
-                  </p:par>
-                </p:childTnLst>
-              </p:cTn>
-              <p:prevCondLst>
-                <p:cond evt="onPrev" delay="0">
-                  <p:tgtEl>
-                    <p:sldTgt/>
-                  </p:tgtEl>
-                </p:cond>
-              </p:prevCondLst>
-              <p:nextCondLst>
-                <p:cond evt="onNext" delay="0">
-                  <p:tgtEl>
-                    <p:sldTgt/>
-                  </p:tgtEl>
-                </p:cond>
-              </p:nextCondLst>
-            </p:seq>
-          </p:childTnLst>
-        </p:cTn>
-      </p:par>
-    </p:tnLst>
-    <p:bldLst>
-      <p:bldP spid="23" grpId="0"/>
-    </p:bldLst>
-  </p:timing>
-</p:sld>
-</file>
-
-<file path=ppt/slides/slide7.xml><?xml version="1.0" encoding="utf-8"?>
-<p:sld xmlns:a="http://schemas.openxmlformats.org/drawingml/2006/main" xmlns:r="http://schemas.openxmlformats.org/officeDocument/2006/relationships" xmlns:p="http://schemas.openxmlformats.org/presentationml/2006/main">
-  <p:cSld>
-    <p:spTree>
-      <p:nvGrpSpPr>
-        <p:cNvPr id="1" name=""/>
-        <p:cNvGrpSpPr/>
-        <p:nvPr/>
-      </p:nvGrpSpPr>
-      <p:grpSpPr>
-        <a:xfrm>
-          <a:off x="0" y="0"/>
-          <a:ext cx="0" cy="0"/>
-          <a:chOff x="0" y="0"/>
-          <a:chExt cx="0" cy="0"/>
-        </a:xfrm>
-      </p:grpSpPr>
-      <p:sp>
-        <p:nvSpPr>
-          <p:cNvPr id="23" name="文本框 22"/>
-          <p:cNvSpPr txBox="1"/>
-          <p:nvPr/>
-        </p:nvSpPr>
-        <p:spPr>
-          <a:xfrm>
-            <a:off x="5614938" y="273790"/>
-            <a:ext cx="962123" cy="461665"/>
-          </a:xfrm>
-          <a:prstGeom prst="rect">
-            <a:avLst/>
-          </a:prstGeom>
-          <a:noFill/>
-        </p:spPr>
-        <p:txBody>
-          <a:bodyPr wrap="none" rtlCol="0" anchor="ctr">
-            <a:spAutoFit/>
-          </a:bodyPr>
-          <a:lstStyle/>
-          <a:p>
-            <a:pPr algn="ctr"/>
-            <a:r>
-              <a:rPr lang="en-US" altLang="zh-CN" sz="2400" b="1" dirty="0" smtClean="0">
-                <a:solidFill>
-                  <a:schemeClr val="bg1"/>
-                </a:solidFill>
-                <a:cs typeface="+mn-ea"/>
-              </a:rPr>
-              <a:t>Model</a:t>
-            </a:r>
-            <a:endParaRPr lang="zh-CN" altLang="en-US" sz="2400" b="1" dirty="0">
-              <a:solidFill>
-                <a:schemeClr val="bg1"/>
-              </a:solidFill>
-              <a:cs typeface="+mn-ea"/>
-            </a:endParaRPr>
-          </a:p>
-        </p:txBody>
-      </p:sp>
-      <p:grpSp>
-        <p:nvGrpSpPr>
-          <p:cNvPr id="37" name="组合 36"/>
-          <p:cNvGrpSpPr/>
-          <p:nvPr/>
-        </p:nvGrpSpPr>
-        <p:grpSpPr>
-          <a:xfrm>
-            <a:off x="1811524" y="468618"/>
-            <a:ext cx="8568952" cy="80062"/>
-            <a:chOff x="1811524" y="468618"/>
-            <a:chExt cx="8568952" cy="80062"/>
-          </a:xfrm>
-        </p:grpSpPr>
-        <p:cxnSp>
-          <p:nvCxnSpPr>
-            <p:cNvPr id="25" name="直接连接符 24"/>
-            <p:cNvCxnSpPr/>
-            <p:nvPr/>
-          </p:nvCxnSpPr>
-          <p:spPr>
-            <a:xfrm flipH="1">
-              <a:off x="1811524" y="468618"/>
-              <a:ext cx="2664296" cy="0"/>
-            </a:xfrm>
-            <a:prstGeom prst="line">
-              <a:avLst/>
-            </a:prstGeom>
-            <a:ln>
-              <a:solidFill>
-                <a:srgbClr val="39BDED">
-                  <a:alpha val="50000"/>
-                </a:srgbClr>
-              </a:solidFill>
-            </a:ln>
-          </p:spPr>
-          <p:style>
-            <a:lnRef idx="1">
-              <a:schemeClr val="accent1"/>
-            </a:lnRef>
-            <a:fillRef idx="0">
-              <a:schemeClr val="accent1"/>
-            </a:fillRef>
-            <a:effectRef idx="0">
-              <a:schemeClr val="accent1"/>
-            </a:effectRef>
-            <a:fontRef idx="minor">
-              <a:schemeClr val="tx1"/>
-            </a:fontRef>
-          </p:style>
-        </p:cxnSp>
-        <p:cxnSp>
-          <p:nvCxnSpPr>
-            <p:cNvPr id="26" name="直接连接符 25"/>
-            <p:cNvCxnSpPr/>
-            <p:nvPr/>
-          </p:nvCxnSpPr>
-          <p:spPr>
-            <a:xfrm flipH="1">
-              <a:off x="1811524" y="548680"/>
-              <a:ext cx="2664296" cy="0"/>
-            </a:xfrm>
-            <a:prstGeom prst="line">
-              <a:avLst/>
-            </a:prstGeom>
-            <a:ln>
-              <a:solidFill>
-                <a:srgbClr val="39BDED">
-                  <a:alpha val="50000"/>
-                </a:srgbClr>
-              </a:solidFill>
-            </a:ln>
-          </p:spPr>
-          <p:style>
-            <a:lnRef idx="1">
-              <a:schemeClr val="accent1"/>
-            </a:lnRef>
-            <a:fillRef idx="0">
-              <a:schemeClr val="accent1"/>
-            </a:fillRef>
-            <a:effectRef idx="0">
-              <a:schemeClr val="accent1"/>
-            </a:effectRef>
-            <a:fontRef idx="minor">
-              <a:schemeClr val="tx1"/>
-            </a:fontRef>
-          </p:style>
-        </p:cxnSp>
-        <p:cxnSp>
-          <p:nvCxnSpPr>
-            <p:cNvPr id="33" name="直接连接符 32"/>
-            <p:cNvCxnSpPr/>
-            <p:nvPr/>
-          </p:nvCxnSpPr>
-          <p:spPr>
-            <a:xfrm flipH="1">
-              <a:off x="7716180" y="468618"/>
-              <a:ext cx="2664296" cy="0"/>
-            </a:xfrm>
-            <a:prstGeom prst="line">
-              <a:avLst/>
-            </a:prstGeom>
-            <a:ln>
-              <a:solidFill>
-                <a:srgbClr val="39BDED">
-                  <a:alpha val="50000"/>
-                </a:srgbClr>
-              </a:solidFill>
-            </a:ln>
-          </p:spPr>
-          <p:style>
-            <a:lnRef idx="1">
-              <a:schemeClr val="accent1"/>
-            </a:lnRef>
-            <a:fillRef idx="0">
-              <a:schemeClr val="accent1"/>
-            </a:fillRef>
-            <a:effectRef idx="0">
-              <a:schemeClr val="accent1"/>
-            </a:effectRef>
-            <a:fontRef idx="minor">
-              <a:schemeClr val="tx1"/>
-            </a:fontRef>
-          </p:style>
-        </p:cxnSp>
-        <p:cxnSp>
-          <p:nvCxnSpPr>
-            <p:cNvPr id="34" name="直接连接符 33"/>
-            <p:cNvCxnSpPr/>
-            <p:nvPr/>
-          </p:nvCxnSpPr>
-          <p:spPr>
-            <a:xfrm flipH="1">
-              <a:off x="7716180" y="548680"/>
-              <a:ext cx="2664296" cy="0"/>
-            </a:xfrm>
-            <a:prstGeom prst="line">
-              <a:avLst/>
-            </a:prstGeom>
-            <a:ln>
-              <a:solidFill>
-                <a:srgbClr val="39BDED">
-                  <a:alpha val="50000"/>
-                </a:srgbClr>
-              </a:solidFill>
-            </a:ln>
-          </p:spPr>
-          <p:style>
-            <a:lnRef idx="1">
-              <a:schemeClr val="accent1"/>
-            </a:lnRef>
-            <a:fillRef idx="0">
-              <a:schemeClr val="accent1"/>
-            </a:fillRef>
-            <a:effectRef idx="0">
-              <a:schemeClr val="accent1"/>
-            </a:effectRef>
-            <a:fontRef idx="minor">
-              <a:schemeClr val="tx1"/>
-            </a:fontRef>
-          </p:style>
-        </p:cxnSp>
-      </p:grpSp>
-      <p:sp>
-        <p:nvSpPr>
-          <p:cNvPr id="2" name="矩形 1"/>
-          <p:cNvSpPr/>
-          <p:nvPr/>
-        </p:nvSpPr>
-        <p:spPr>
-          <a:xfrm>
-            <a:off x="839416" y="1443841"/>
-            <a:ext cx="10225136" cy="923330"/>
-          </a:xfrm>
-          <a:prstGeom prst="rect">
-            <a:avLst/>
-          </a:prstGeom>
-        </p:spPr>
-        <p:txBody>
-          <a:bodyPr wrap="square">
-            <a:spAutoFit/>
-          </a:bodyPr>
-          <a:lstStyle/>
-          <a:p>
-            <a:endParaRPr lang="en-US" altLang="zh-CN" dirty="0"/>
-          </a:p>
-          <a:p>
-            <a:endParaRPr lang="en-US" altLang="zh-CN" dirty="0"/>
-          </a:p>
-          <a:p>
-            <a:endParaRPr lang="zh-CN" altLang="en-US" dirty="0"/>
-          </a:p>
-        </p:txBody>
-      </p:sp>
-      <p:sp>
-        <p:nvSpPr>
-          <p:cNvPr id="9" name="矩形 8"/>
-          <p:cNvSpPr/>
-          <p:nvPr/>
-        </p:nvSpPr>
-        <p:spPr>
-          <a:xfrm>
-            <a:off x="1127448" y="1735806"/>
-            <a:ext cx="10345643" cy="3693319"/>
-          </a:xfrm>
-          <a:prstGeom prst="rect">
-            <a:avLst/>
-          </a:prstGeom>
-        </p:spPr>
-        <p:txBody>
-          <a:bodyPr wrap="square">
-            <a:spAutoFit/>
-          </a:bodyPr>
-          <a:lstStyle/>
-          <a:p>
-            <a:r>
-              <a:rPr lang="en-US" altLang="zh-CN" dirty="0" smtClean="0"/>
-              <a:t>Model</a:t>
-            </a:r>
-            <a:r>
-              <a:rPr lang="zh-CN" altLang="en-US" dirty="0"/>
-              <a:t>构</a:t>
-            </a:r>
-            <a:r>
-              <a:rPr lang="zh-CN" altLang="en-US" dirty="0" smtClean="0"/>
-              <a:t>造函数通过</a:t>
-            </a:r>
-            <a:r>
-              <a:rPr lang="en-US" altLang="zh-CN" dirty="0" err="1" smtClean="0"/>
-              <a:t>mongoose.model</a:t>
-            </a:r>
-            <a:r>
-              <a:rPr lang="en-US" altLang="zh-CN" dirty="0" smtClean="0"/>
-              <a:t>()</a:t>
-            </a:r>
-            <a:r>
-              <a:rPr lang="zh-CN" altLang="en-US" dirty="0" smtClean="0"/>
-              <a:t>方法生成，</a:t>
-            </a:r>
-            <a:r>
-              <a:rPr lang="zh-CN" altLang="en-US" dirty="0"/>
-              <a:t>可以执行</a:t>
-            </a:r>
-            <a:r>
-              <a:rPr lang="en-US" altLang="zh-CN" dirty="0"/>
-              <a:t>CURD</a:t>
-            </a:r>
-            <a:r>
-              <a:rPr lang="zh-CN" altLang="en-US" dirty="0"/>
-              <a:t>操作</a:t>
-            </a:r>
-            <a:r>
-              <a:rPr lang="en-US" altLang="zh-CN" dirty="0"/>
-              <a:t>,model</a:t>
-            </a:r>
-            <a:r>
-              <a:rPr lang="zh-CN" altLang="en-US" dirty="0"/>
-              <a:t>的实例就是</a:t>
-            </a:r>
-            <a:r>
-              <a:rPr lang="en-US" altLang="zh-CN" dirty="0" smtClean="0"/>
-              <a:t>document</a:t>
-            </a:r>
-          </a:p>
-          <a:p>
-            <a:endParaRPr lang="zh-CN" altLang="en-US" dirty="0"/>
-          </a:p>
-          <a:p>
-            <a:r>
-              <a:rPr lang="zh-CN" altLang="en-US" dirty="0" smtClean="0"/>
-              <a:t>（</a:t>
-            </a:r>
-            <a:r>
-              <a:rPr lang="en-US" altLang="zh-CN" dirty="0"/>
-              <a:t>1</a:t>
-            </a:r>
-            <a:r>
-              <a:rPr lang="zh-CN" altLang="en-US" dirty="0" smtClean="0"/>
-              <a:t>）新增</a:t>
-            </a:r>
-            <a:endParaRPr lang="en-US" altLang="zh-CN" dirty="0" smtClean="0"/>
-          </a:p>
-          <a:p>
-            <a:r>
-              <a:rPr lang="en-US" altLang="zh-CN" dirty="0"/>
-              <a:t> </a:t>
-            </a:r>
-            <a:r>
-              <a:rPr lang="en-US" altLang="zh-CN" dirty="0" smtClean="0"/>
-              <a:t>    </a:t>
-            </a:r>
-            <a:r>
-              <a:rPr lang="zh-CN" altLang="en-US" dirty="0" smtClean="0"/>
-              <a:t>两类方法：</a:t>
-            </a:r>
-            <a:endParaRPr lang="en-US" altLang="zh-CN" dirty="0" smtClean="0"/>
-          </a:p>
-          <a:p>
-            <a:r>
-              <a:rPr lang="en-US" altLang="zh-CN" dirty="0"/>
-              <a:t> </a:t>
-            </a:r>
-            <a:r>
-              <a:rPr lang="en-US" altLang="zh-CN" dirty="0" smtClean="0"/>
-              <a:t>    a. </a:t>
-            </a:r>
-            <a:r>
-              <a:rPr lang="zh-CN" altLang="en-US" dirty="0" smtClean="0"/>
-              <a:t>直接调用</a:t>
-            </a:r>
-            <a:r>
-              <a:rPr lang="en-US" altLang="zh-CN" dirty="0" smtClean="0"/>
-              <a:t>Model</a:t>
-            </a:r>
-            <a:r>
-              <a:rPr lang="zh-CN" altLang="en-US" dirty="0" smtClean="0"/>
-              <a:t>静态方法，</a:t>
-            </a:r>
-            <a:r>
-              <a:rPr lang="en-US" altLang="zh-CN" dirty="0" err="1" smtClean="0"/>
-              <a:t>Model.create</a:t>
-            </a:r>
-            <a:r>
-              <a:rPr lang="en-US" altLang="zh-CN" dirty="0" smtClean="0"/>
-              <a:t>()</a:t>
-            </a:r>
-            <a:r>
-              <a:rPr lang="zh-CN" altLang="en-US" dirty="0" smtClean="0"/>
-              <a:t>或者</a:t>
-            </a:r>
-            <a:r>
-              <a:rPr lang="en-US" altLang="zh-CN" dirty="0" err="1" smtClean="0"/>
-              <a:t>Model.insertMany</a:t>
-            </a:r>
-            <a:r>
-              <a:rPr lang="en-US" altLang="zh-CN" dirty="0" smtClean="0"/>
-              <a:t>()</a:t>
-            </a:r>
-            <a:r>
-              <a:rPr lang="zh-CN" altLang="en-US" dirty="0" smtClean="0"/>
-              <a:t>方法</a:t>
-            </a:r>
-            <a:endParaRPr lang="en-US" altLang="zh-CN" dirty="0" smtClean="0"/>
-          </a:p>
-          <a:p>
-            <a:r>
-              <a:rPr lang="en-US" altLang="zh-CN" dirty="0"/>
-              <a:t> </a:t>
-            </a:r>
-            <a:r>
-              <a:rPr lang="en-US" altLang="zh-CN" dirty="0" smtClean="0"/>
-              <a:t>    b. </a:t>
-            </a:r>
-            <a:r>
-              <a:rPr lang="zh-CN" altLang="en-US" dirty="0"/>
-              <a:t>创建</a:t>
-            </a:r>
-            <a:r>
-              <a:rPr lang="en-US" altLang="zh-CN" dirty="0" smtClean="0"/>
-              <a:t>model</a:t>
-            </a:r>
-            <a:r>
-              <a:rPr lang="zh-CN" altLang="en-US" dirty="0" smtClean="0"/>
-              <a:t>实例，调用</a:t>
-            </a:r>
-            <a:r>
-              <a:rPr lang="en-US" altLang="zh-CN" dirty="0" smtClean="0"/>
-              <a:t>Model</a:t>
-            </a:r>
-            <a:r>
-              <a:rPr lang="zh-CN" altLang="en-US" dirty="0" smtClean="0"/>
-              <a:t>的实例方法</a:t>
-            </a:r>
-            <a:r>
-              <a:rPr lang="en-US" altLang="zh-CN" dirty="0" smtClean="0"/>
-              <a:t>save()</a:t>
-            </a:r>
-          </a:p>
-          <a:p>
-            <a:endParaRPr lang="zh-CN" altLang="en-US" dirty="0"/>
-          </a:p>
-          <a:p>
-            <a:r>
-              <a:rPr lang="zh-CN" altLang="en-US" dirty="0" smtClean="0"/>
-              <a:t>（</a:t>
-            </a:r>
-            <a:r>
-              <a:rPr lang="en-US" altLang="zh-CN" dirty="0"/>
-              <a:t>2</a:t>
-            </a:r>
-            <a:r>
-              <a:rPr lang="zh-CN" altLang="en-US" dirty="0"/>
-              <a:t>）删</a:t>
-            </a:r>
-            <a:r>
-              <a:rPr lang="zh-CN" altLang="en-US" dirty="0" smtClean="0"/>
-              <a:t>除</a:t>
-            </a:r>
-            <a:endParaRPr lang="en-US" altLang="zh-CN" dirty="0" smtClean="0"/>
-          </a:p>
-          <a:p>
-            <a:r>
-              <a:rPr lang="en-US" altLang="zh-CN" dirty="0"/>
-              <a:t> </a:t>
-            </a:r>
-            <a:r>
-              <a:rPr lang="en-US" altLang="zh-CN" dirty="0" smtClean="0"/>
-              <a:t>    </a:t>
-            </a:r>
-            <a:r>
-              <a:rPr lang="zh-CN" altLang="en-US" dirty="0" smtClean="0"/>
-              <a:t>直</a:t>
-            </a:r>
-            <a:r>
-              <a:rPr lang="zh-CN" altLang="en-US" dirty="0"/>
-              <a:t>接调用</a:t>
-            </a:r>
-            <a:r>
-              <a:rPr lang="en-US" altLang="zh-CN" dirty="0"/>
-              <a:t>Model</a:t>
-            </a:r>
-            <a:r>
-              <a:rPr lang="zh-CN" altLang="en-US" dirty="0"/>
-              <a:t>静态方</a:t>
-            </a:r>
-            <a:r>
-              <a:rPr lang="zh-CN" altLang="en-US" dirty="0" smtClean="0"/>
-              <a:t>法 </a:t>
-            </a:r>
-            <a:r>
-              <a:rPr lang="en-US" altLang="zh-CN" dirty="0" err="1" smtClean="0"/>
-              <a:t>Model.remove</a:t>
-            </a:r>
-            <a:r>
-              <a:rPr lang="en-US" altLang="zh-CN" dirty="0" smtClean="0"/>
-              <a:t>()</a:t>
-            </a:r>
-            <a:r>
-              <a:rPr lang="zh-CN" altLang="en-US" dirty="0" smtClean="0"/>
-              <a:t>、</a:t>
-            </a:r>
-            <a:r>
-              <a:rPr lang="en-US" altLang="zh-CN" dirty="0" err="1" smtClean="0"/>
-              <a:t>Model.deleteMany</a:t>
-            </a:r>
-            <a:r>
-              <a:rPr lang="en-US" altLang="zh-CN" dirty="0" smtClean="0"/>
-              <a:t>()</a:t>
-            </a:r>
-            <a:r>
-              <a:rPr lang="zh-CN" altLang="en-US" dirty="0" smtClean="0"/>
-              <a:t>、</a:t>
-            </a:r>
-            <a:r>
-              <a:rPr lang="en-US" altLang="zh-CN" dirty="0" err="1" smtClean="0"/>
-              <a:t>Model.deleteOne</a:t>
-            </a:r>
-            <a:r>
-              <a:rPr lang="en-US" altLang="zh-CN" dirty="0" smtClean="0"/>
-              <a:t>()</a:t>
-            </a:r>
-            <a:r>
-              <a:rPr lang="zh-CN" altLang="en-US" dirty="0" smtClean="0"/>
-              <a:t>方法</a:t>
-            </a:r>
-            <a:endParaRPr lang="en-US" altLang="zh-CN" dirty="0" smtClean="0"/>
-          </a:p>
-          <a:p>
-            <a:endParaRPr lang="zh-CN" altLang="en-US" dirty="0"/>
-          </a:p>
-          <a:p>
-            <a:r>
-              <a:rPr lang="zh-CN" altLang="en-US" dirty="0" smtClean="0"/>
-              <a:t>（</a:t>
-            </a:r>
-            <a:r>
-              <a:rPr lang="en-US" altLang="zh-CN" dirty="0"/>
-              <a:t>3</a:t>
-            </a:r>
-            <a:r>
-              <a:rPr lang="zh-CN" altLang="en-US" dirty="0"/>
-              <a:t>）更</a:t>
-            </a:r>
-            <a:r>
-              <a:rPr lang="zh-CN" altLang="en-US" dirty="0" smtClean="0"/>
-              <a:t>新</a:t>
-            </a:r>
-            <a:endParaRPr lang="en-US" altLang="zh-CN" dirty="0" smtClean="0"/>
-          </a:p>
-          <a:p>
-            <a:r>
-              <a:rPr lang="zh-CN" altLang="en-US" dirty="0" smtClean="0"/>
-              <a:t>     直</a:t>
-            </a:r>
-            <a:r>
-              <a:rPr lang="zh-CN" altLang="en-US" dirty="0"/>
-              <a:t>接调用</a:t>
-            </a:r>
-            <a:r>
-              <a:rPr lang="en-US" altLang="zh-CN" dirty="0"/>
-              <a:t>Model</a:t>
-            </a:r>
-            <a:r>
-              <a:rPr lang="zh-CN" altLang="en-US" dirty="0"/>
-              <a:t>静态</a:t>
-            </a:r>
-            <a:r>
-              <a:rPr lang="zh-CN" altLang="en-US" dirty="0" smtClean="0"/>
-              <a:t>方法 </a:t>
-            </a:r>
-            <a:r>
-              <a:rPr lang="en-US" altLang="zh-CN" dirty="0" err="1" smtClean="0"/>
-              <a:t>Model.update</a:t>
-            </a:r>
-            <a:r>
-              <a:rPr lang="en-US" altLang="zh-CN" dirty="0" smtClean="0"/>
-              <a:t>()</a:t>
-            </a:r>
-            <a:r>
-              <a:rPr lang="zh-CN" altLang="en-US" dirty="0"/>
-              <a:t>、</a:t>
-            </a:r>
-            <a:r>
-              <a:rPr lang="en-US" altLang="zh-CN" dirty="0" err="1" smtClean="0"/>
-              <a:t>Model.updateMany</a:t>
-            </a:r>
-            <a:r>
-              <a:rPr lang="en-US" altLang="zh-CN" dirty="0"/>
-              <a:t>()</a:t>
-            </a:r>
-            <a:r>
-              <a:rPr lang="zh-CN" altLang="en-US" dirty="0"/>
-              <a:t>、</a:t>
-            </a:r>
-            <a:r>
-              <a:rPr lang="en-US" altLang="zh-CN" dirty="0" err="1" smtClean="0"/>
-              <a:t>Model.updateOne</a:t>
-            </a:r>
-            <a:r>
-              <a:rPr lang="en-US" altLang="zh-CN" dirty="0"/>
-              <a:t>()</a:t>
-            </a:r>
-            <a:r>
-              <a:rPr lang="zh-CN" altLang="en-US" dirty="0"/>
-              <a:t>方</a:t>
-            </a:r>
-            <a:r>
-              <a:rPr lang="zh-CN" altLang="en-US" dirty="0" smtClean="0"/>
-              <a:t>法</a:t>
-            </a:r>
-            <a:endParaRPr lang="zh-CN" altLang="en-US" dirty="0"/>
-          </a:p>
-          <a:p>
-            <a:endParaRPr lang="en-US" altLang="zh-CN" dirty="0"/>
-          </a:p>
-        </p:txBody>
-      </p:sp>
-      <p:sp>
-        <p:nvSpPr>
-          <p:cNvPr id="4" name="Rectangle 2"/>
-          <p:cNvSpPr>
-            <a:spLocks noChangeArrowheads="1"/>
-          </p:cNvSpPr>
-          <p:nvPr/>
-        </p:nvSpPr>
-        <p:spPr bwMode="auto">
-          <a:xfrm>
-            <a:off x="481061" y="6490900"/>
-            <a:ext cx="65" cy="276999"/>
-          </a:xfrm>
-          <a:prstGeom prst="rect">
-            <a:avLst/>
-          </a:prstGeom>
-          <a:solidFill>
-            <a:srgbClr val="FFFFFF"/>
-          </a:solidFill>
-          <a:ln>
-            <a:noFill/>
-          </a:ln>
-          <a:effectLst/>
-          <a:extLst>
-            <a:ext uri="{91240B29-F687-4F45-9708-019B960494DF}">
-              <a14:hiddenLine xmlns:a14="http://schemas.microsoft.com/office/drawing/2010/main" w="9525">
-                <a:solidFill>
-                  <a:schemeClr val="tx1"/>
-                </a:solidFill>
-                <a:miter lim="800000"/>
-                <a:headEnd/>
-                <a:tailEnd/>
-              </a14:hiddenLine>
-            </a:ext>
-            <a:ext uri="{AF507438-7753-43E0-B8FC-AC1667EBCBE1}">
-              <a14:hiddenEffects xmlns:a14="http://schemas.microsoft.com/office/drawing/2010/main">
-                <a:effectLst>
-                  <a:outerShdw dist="35921" dir="2700000" algn="ctr" rotWithShape="0">
-                    <a:schemeClr val="bg2"/>
-                  </a:outerShdw>
-                </a:effectLst>
-              </a14:hiddenEffects>
-            </a:ext>
-          </a:extLst>
-        </p:spPr>
-        <p:txBody>
-          <a:bodyPr vert="horz" wrap="none" lIns="0" tIns="0" rIns="0" bIns="0" numCol="1" anchor="ctr" anchorCtr="0" compatLnSpc="1">
-            <a:prstTxWarp prst="textNoShape">
-              <a:avLst/>
-            </a:prstTxWarp>
-            <a:spAutoFit/>
-          </a:bodyPr>
-          <a:lstStyle/>
-          <a:p>
-            <a:pPr marL="0" marR="0" lvl="0" indent="0" algn="l" defTabSz="914400" rtl="0" eaLnBrk="0" fontAlgn="base" latinLnBrk="0" hangingPunct="0">
-              <a:lnSpc>
-                <a:spcPct val="100000"/>
-              </a:lnSpc>
-              <a:spcBef>
-                <a:spcPct val="0"/>
-              </a:spcBef>
-              <a:spcAft>
-                <a:spcPct val="0"/>
-              </a:spcAft>
-              <a:buClrTx/>
-              <a:buSzTx/>
-              <a:buFontTx/>
-              <a:buNone/>
-              <a:tabLst/>
-            </a:pPr>
-            <a:endParaRPr kumimoji="0" lang="zh-CN" altLang="zh-CN" sz="1800" b="0" i="0" u="none" strike="noStrike" cap="none" normalizeH="0" baseline="0" dirty="0" smtClean="0">
-              <a:ln>
-                <a:noFill/>
-              </a:ln>
-              <a:solidFill>
-                <a:schemeClr val="tx1"/>
-              </a:solidFill>
-              <a:effectLst/>
-              <a:latin typeface="Arial" panose="020B0604020202020204" pitchFamily="34" charset="0"/>
-            </a:endParaRPr>
-          </a:p>
-        </p:txBody>
-      </p:sp>
-    </p:spTree>
-    <p:extLst>
-      <p:ext uri="{BB962C8B-B14F-4D97-AF65-F5344CB8AC3E}">
-        <p14:creationId xmlns:p14="http://schemas.microsoft.com/office/powerpoint/2010/main" val="1788363753"/>
       </p:ext>
     </p:extLst>
   </p:cSld>
@@ -18201,14 +17698,218 @@
       </p:grpSpPr>
       <p:sp>
         <p:nvSpPr>
-          <p:cNvPr id="4" name="矩形 3"/>
+          <p:cNvPr id="23" name="文本框 22"/>
+          <p:cNvSpPr txBox="1"/>
+          <p:nvPr/>
+        </p:nvSpPr>
+        <p:spPr>
+          <a:xfrm>
+            <a:off x="5614938" y="273790"/>
+            <a:ext cx="962123" cy="461665"/>
+          </a:xfrm>
+          <a:prstGeom prst="rect">
+            <a:avLst/>
+          </a:prstGeom>
+          <a:noFill/>
+        </p:spPr>
+        <p:txBody>
+          <a:bodyPr wrap="none" rtlCol="0" anchor="ctr">
+            <a:spAutoFit/>
+          </a:bodyPr>
+          <a:lstStyle/>
+          <a:p>
+            <a:pPr algn="ctr"/>
+            <a:r>
+              <a:rPr lang="en-US" altLang="zh-CN" sz="2400" b="1" dirty="0" smtClean="0">
+                <a:solidFill>
+                  <a:schemeClr val="bg1"/>
+                </a:solidFill>
+                <a:cs typeface="+mn-ea"/>
+              </a:rPr>
+              <a:t>Model</a:t>
+            </a:r>
+            <a:endParaRPr lang="zh-CN" altLang="en-US" sz="2400" b="1" dirty="0">
+              <a:solidFill>
+                <a:schemeClr val="bg1"/>
+              </a:solidFill>
+              <a:cs typeface="+mn-ea"/>
+            </a:endParaRPr>
+          </a:p>
+        </p:txBody>
+      </p:sp>
+      <p:grpSp>
+        <p:nvGrpSpPr>
+          <p:cNvPr id="37" name="组合 36"/>
+          <p:cNvGrpSpPr/>
+          <p:nvPr/>
+        </p:nvGrpSpPr>
+        <p:grpSpPr>
+          <a:xfrm>
+            <a:off x="1811524" y="468618"/>
+            <a:ext cx="8568952" cy="80062"/>
+            <a:chOff x="1811524" y="468618"/>
+            <a:chExt cx="8568952" cy="80062"/>
+          </a:xfrm>
+        </p:grpSpPr>
+        <p:cxnSp>
+          <p:nvCxnSpPr>
+            <p:cNvPr id="25" name="直接连接符 24"/>
+            <p:cNvCxnSpPr/>
+            <p:nvPr/>
+          </p:nvCxnSpPr>
+          <p:spPr>
+            <a:xfrm flipH="1">
+              <a:off x="1811524" y="468618"/>
+              <a:ext cx="2664296" cy="0"/>
+            </a:xfrm>
+            <a:prstGeom prst="line">
+              <a:avLst/>
+            </a:prstGeom>
+            <a:ln>
+              <a:solidFill>
+                <a:srgbClr val="39BDED">
+                  <a:alpha val="50000"/>
+                </a:srgbClr>
+              </a:solidFill>
+            </a:ln>
+          </p:spPr>
+          <p:style>
+            <a:lnRef idx="1">
+              <a:schemeClr val="accent1"/>
+            </a:lnRef>
+            <a:fillRef idx="0">
+              <a:schemeClr val="accent1"/>
+            </a:fillRef>
+            <a:effectRef idx="0">
+              <a:schemeClr val="accent1"/>
+            </a:effectRef>
+            <a:fontRef idx="minor">
+              <a:schemeClr val="tx1"/>
+            </a:fontRef>
+          </p:style>
+        </p:cxnSp>
+        <p:cxnSp>
+          <p:nvCxnSpPr>
+            <p:cNvPr id="26" name="直接连接符 25"/>
+            <p:cNvCxnSpPr/>
+            <p:nvPr/>
+          </p:nvCxnSpPr>
+          <p:spPr>
+            <a:xfrm flipH="1">
+              <a:off x="1811524" y="548680"/>
+              <a:ext cx="2664296" cy="0"/>
+            </a:xfrm>
+            <a:prstGeom prst="line">
+              <a:avLst/>
+            </a:prstGeom>
+            <a:ln>
+              <a:solidFill>
+                <a:srgbClr val="39BDED">
+                  <a:alpha val="50000"/>
+                </a:srgbClr>
+              </a:solidFill>
+            </a:ln>
+          </p:spPr>
+          <p:style>
+            <a:lnRef idx="1">
+              <a:schemeClr val="accent1"/>
+            </a:lnRef>
+            <a:fillRef idx="0">
+              <a:schemeClr val="accent1"/>
+            </a:fillRef>
+            <a:effectRef idx="0">
+              <a:schemeClr val="accent1"/>
+            </a:effectRef>
+            <a:fontRef idx="minor">
+              <a:schemeClr val="tx1"/>
+            </a:fontRef>
+          </p:style>
+        </p:cxnSp>
+        <p:cxnSp>
+          <p:nvCxnSpPr>
+            <p:cNvPr id="33" name="直接连接符 32"/>
+            <p:cNvCxnSpPr/>
+            <p:nvPr/>
+          </p:nvCxnSpPr>
+          <p:spPr>
+            <a:xfrm flipH="1">
+              <a:off x="7716180" y="468618"/>
+              <a:ext cx="2664296" cy="0"/>
+            </a:xfrm>
+            <a:prstGeom prst="line">
+              <a:avLst/>
+            </a:prstGeom>
+            <a:ln>
+              <a:solidFill>
+                <a:srgbClr val="39BDED">
+                  <a:alpha val="50000"/>
+                </a:srgbClr>
+              </a:solidFill>
+            </a:ln>
+          </p:spPr>
+          <p:style>
+            <a:lnRef idx="1">
+              <a:schemeClr val="accent1"/>
+            </a:lnRef>
+            <a:fillRef idx="0">
+              <a:schemeClr val="accent1"/>
+            </a:fillRef>
+            <a:effectRef idx="0">
+              <a:schemeClr val="accent1"/>
+            </a:effectRef>
+            <a:fontRef idx="minor">
+              <a:schemeClr val="tx1"/>
+            </a:fontRef>
+          </p:style>
+        </p:cxnSp>
+        <p:cxnSp>
+          <p:nvCxnSpPr>
+            <p:cNvPr id="34" name="直接连接符 33"/>
+            <p:cNvCxnSpPr/>
+            <p:nvPr/>
+          </p:nvCxnSpPr>
+          <p:spPr>
+            <a:xfrm flipH="1">
+              <a:off x="7716180" y="548680"/>
+              <a:ext cx="2664296" cy="0"/>
+            </a:xfrm>
+            <a:prstGeom prst="line">
+              <a:avLst/>
+            </a:prstGeom>
+            <a:ln>
+              <a:solidFill>
+                <a:srgbClr val="39BDED">
+                  <a:alpha val="50000"/>
+                </a:srgbClr>
+              </a:solidFill>
+            </a:ln>
+          </p:spPr>
+          <p:style>
+            <a:lnRef idx="1">
+              <a:schemeClr val="accent1"/>
+            </a:lnRef>
+            <a:fillRef idx="0">
+              <a:schemeClr val="accent1"/>
+            </a:fillRef>
+            <a:effectRef idx="0">
+              <a:schemeClr val="accent1"/>
+            </a:effectRef>
+            <a:fontRef idx="minor">
+              <a:schemeClr val="tx1"/>
+            </a:fontRef>
+          </p:style>
+        </p:cxnSp>
+      </p:grpSp>
+      <p:sp>
+        <p:nvSpPr>
+          <p:cNvPr id="2" name="矩形 1"/>
           <p:cNvSpPr/>
           <p:nvPr/>
         </p:nvSpPr>
         <p:spPr>
           <a:xfrm>
-            <a:off x="0" y="980728"/>
-            <a:ext cx="12961440" cy="6401753"/>
+            <a:off x="839416" y="1443841"/>
+            <a:ext cx="10225136" cy="923330"/>
           </a:xfrm>
           <a:prstGeom prst="rect">
             <a:avLst/>
@@ -18220,870 +17921,382 @@
           </a:bodyPr>
           <a:lstStyle/>
           <a:p>
-            <a:r>
-              <a:rPr lang="zh-CN" altLang="en-US" dirty="0"/>
-              <a:t>（</a:t>
-            </a:r>
-            <a:r>
-              <a:rPr lang="en-US" altLang="zh-CN" dirty="0"/>
-              <a:t>4</a:t>
-            </a:r>
-            <a:r>
-              <a:rPr lang="zh-CN" altLang="en-US" dirty="0" smtClean="0"/>
-              <a:t>）基</a:t>
-            </a:r>
-            <a:r>
-              <a:rPr lang="zh-CN" altLang="en-US" dirty="0"/>
-              <a:t>本查询</a:t>
-            </a:r>
             <a:endParaRPr lang="en-US" altLang="zh-CN" dirty="0"/>
           </a:p>
           <a:p>
             <a:endParaRPr lang="en-US" altLang="zh-CN" dirty="0"/>
           </a:p>
           <a:p>
-            <a:r>
-              <a:rPr lang="en-US" altLang="zh-CN" dirty="0"/>
-              <a:t>     </a:t>
-            </a:r>
-            <a:r>
-              <a:rPr lang="zh-CN" altLang="en-US" dirty="0" smtClean="0"/>
-              <a:t>调</a:t>
-            </a:r>
-            <a:r>
-              <a:rPr lang="zh-CN" altLang="en-US" dirty="0"/>
-              <a:t>用</a:t>
-            </a:r>
-            <a:r>
-              <a:rPr lang="en-US" altLang="zh-CN" dirty="0"/>
-              <a:t>Model</a:t>
-            </a:r>
-            <a:r>
-              <a:rPr lang="zh-CN" altLang="en-US" dirty="0"/>
-              <a:t>静态方法</a:t>
-            </a:r>
-            <a:r>
-              <a:rPr lang="en-US" altLang="zh-CN" dirty="0" err="1"/>
-              <a:t>Model.find</a:t>
-            </a:r>
-            <a:r>
-              <a:rPr lang="en-US" altLang="zh-CN" dirty="0"/>
-              <a:t>(),</a:t>
-            </a:r>
-            <a:r>
-              <a:rPr lang="zh-CN" altLang="en-US" dirty="0"/>
-              <a:t>返回</a:t>
-            </a:r>
-            <a:r>
-              <a:rPr lang="en-US" altLang="zh-CN" dirty="0"/>
-              <a:t>Query</a:t>
-            </a:r>
-            <a:r>
-              <a:rPr lang="zh-CN" altLang="en-US" dirty="0"/>
-              <a:t>实例。</a:t>
-            </a:r>
-            <a:endParaRPr lang="en-US" altLang="zh-CN" dirty="0"/>
-          </a:p>
-          <a:p>
-            <a:r>
-              <a:rPr lang="zh-CN" altLang="en-US" dirty="0"/>
-              <a:t>     </a:t>
-            </a:r>
-            <a:r>
-              <a:rPr lang="en-US" altLang="zh-CN" dirty="0"/>
-              <a:t>find</a:t>
-            </a:r>
-            <a:r>
-              <a:rPr lang="zh-CN" altLang="en-US" dirty="0"/>
-              <a:t>方法涉及</a:t>
-            </a:r>
-            <a:r>
-              <a:rPr lang="en-US" altLang="zh-CN" dirty="0"/>
-              <a:t>4</a:t>
-            </a:r>
-            <a:r>
-              <a:rPr lang="zh-CN" altLang="en-US" dirty="0"/>
-              <a:t>个参数：</a:t>
-            </a:r>
-            <a:endParaRPr lang="en-US" altLang="zh-CN" dirty="0"/>
-          </a:p>
-          <a:p>
-            <a:r>
-              <a:rPr lang="en-US" altLang="zh-CN" dirty="0"/>
-              <a:t>       </a:t>
-            </a:r>
-            <a:r>
-              <a:rPr lang="en-US" altLang="zh-CN" dirty="0" err="1"/>
-              <a:t>a.conditions</a:t>
-            </a:r>
-            <a:r>
-              <a:rPr lang="en-US" altLang="zh-CN" dirty="0"/>
-              <a:t> </a:t>
-            </a:r>
-            <a:r>
-              <a:rPr lang="zh-CN" altLang="en-US" dirty="0"/>
-              <a:t>查询条件</a:t>
-            </a:r>
-            <a:r>
-              <a:rPr lang="en-US" altLang="zh-CN" dirty="0"/>
-              <a:t>,</a:t>
-            </a:r>
-            <a:r>
-              <a:rPr lang="zh-CN" altLang="en-US" dirty="0"/>
-              <a:t>这里可以使用一些查询操作符代替方法调用，例如</a:t>
-            </a:r>
-            <a:r>
-              <a:rPr lang="en-US" altLang="zh-CN" dirty="0"/>
-              <a:t>$</a:t>
-            </a:r>
-            <a:r>
-              <a:rPr lang="en-US" altLang="zh-CN" dirty="0" err="1"/>
-              <a:t>gte</a:t>
-            </a:r>
-            <a:r>
-              <a:rPr lang="en-US" altLang="zh-CN" dirty="0"/>
-              <a:t>,$</a:t>
-            </a:r>
-            <a:r>
-              <a:rPr lang="en-US" altLang="zh-CN" dirty="0" err="1"/>
-              <a:t>in,$</a:t>
-            </a:r>
-            <a:r>
-              <a:rPr lang="en-US" altLang="zh-CN" dirty="0" err="1" smtClean="0"/>
-              <a:t>ne,$or</a:t>
-            </a:r>
-            <a:r>
-              <a:rPr lang="zh-CN" altLang="en-US" dirty="0"/>
-              <a:t>等</a:t>
-            </a:r>
-            <a:endParaRPr lang="en-US" altLang="zh-CN" dirty="0"/>
-          </a:p>
-          <a:p>
-            <a:r>
-              <a:rPr lang="en-US" altLang="zh-CN" dirty="0"/>
-              <a:t>       b.[projection] </a:t>
-            </a:r>
-            <a:r>
-              <a:rPr lang="zh-CN" altLang="en-US" dirty="0"/>
-              <a:t>返回字段，可以是空格分隔的字符串，也可以是对象。例如‘</a:t>
-            </a:r>
-            <a:r>
-              <a:rPr lang="en-US" altLang="zh-CN" dirty="0"/>
-              <a:t>name -age</a:t>
-            </a:r>
-            <a:r>
-              <a:rPr lang="zh-CN" altLang="en-US" dirty="0"/>
-              <a:t>’</a:t>
-            </a:r>
-            <a:r>
-              <a:rPr lang="en-US" altLang="zh-CN" dirty="0"/>
-              <a:t>{name:1,age:0}</a:t>
-            </a:r>
-          </a:p>
-          <a:p>
-            <a:r>
-              <a:rPr lang="en-US" altLang="zh-CN" dirty="0"/>
-              <a:t>       c.[options]  </a:t>
-            </a:r>
-            <a:r>
-              <a:rPr lang="zh-CN" altLang="en-US" dirty="0"/>
-              <a:t>配置项 常用的有</a:t>
-            </a:r>
-            <a:r>
-              <a:rPr lang="en-US" altLang="zh-CN" dirty="0"/>
-              <a:t>sort</a:t>
-            </a:r>
-            <a:r>
-              <a:rPr lang="zh-CN" altLang="en-US" dirty="0"/>
-              <a:t>、</a:t>
-            </a:r>
-            <a:r>
-              <a:rPr lang="en-US" altLang="zh-CN" dirty="0"/>
-              <a:t>limit</a:t>
-            </a:r>
-            <a:r>
-              <a:rPr lang="zh-CN" altLang="en-US" dirty="0"/>
-              <a:t>、</a:t>
-            </a:r>
-            <a:r>
-              <a:rPr lang="en-US" altLang="zh-CN" dirty="0"/>
-              <a:t>skip</a:t>
-            </a:r>
-            <a:r>
-              <a:rPr lang="zh-CN" altLang="en-US" dirty="0"/>
-              <a:t>等</a:t>
-            </a:r>
-            <a:endParaRPr lang="en-US" altLang="zh-CN" dirty="0"/>
-          </a:p>
-          <a:p>
-            <a:r>
-              <a:rPr lang="en-US" altLang="zh-CN" dirty="0"/>
-              <a:t>       d.[callback] </a:t>
-            </a:r>
-            <a:r>
-              <a:rPr lang="zh-CN" altLang="en-US" dirty="0"/>
-              <a:t>回掉函数，第一个参数是</a:t>
-            </a:r>
-            <a:r>
-              <a:rPr lang="en-US" altLang="zh-CN" dirty="0"/>
-              <a:t>err</a:t>
-            </a:r>
-            <a:r>
-              <a:rPr lang="zh-CN" altLang="en-US" dirty="0"/>
-              <a:t>对象，第二个参数是返回的</a:t>
-            </a:r>
-            <a:r>
-              <a:rPr lang="en-US" altLang="zh-CN" dirty="0"/>
-              <a:t>document</a:t>
-            </a:r>
-          </a:p>
-          <a:p>
-            <a:r>
-              <a:rPr lang="en-US" altLang="zh-CN" dirty="0"/>
-              <a:t>     </a:t>
-            </a:r>
-            <a:r>
-              <a:rPr lang="zh-CN" altLang="en-US" dirty="0"/>
-              <a:t>注意</a:t>
-            </a:r>
-            <a:r>
-              <a:rPr lang="zh-CN" altLang="en-US" dirty="0" smtClean="0"/>
-              <a:t>：</a:t>
-            </a:r>
-            <a:endParaRPr lang="en-US" altLang="zh-CN" dirty="0" smtClean="0"/>
-          </a:p>
-          <a:p>
-            <a:r>
-              <a:rPr lang="en-US" altLang="zh-CN" dirty="0" smtClean="0"/>
-              <a:t>       </a:t>
-            </a:r>
-            <a:r>
-              <a:rPr lang="en-US" altLang="zh-CN" dirty="0" err="1"/>
-              <a:t>a.Query</a:t>
-            </a:r>
-            <a:r>
-              <a:rPr lang="zh-CN" altLang="en-US" dirty="0"/>
-              <a:t>实例支持链式调用，最后调用</a:t>
-            </a:r>
-            <a:r>
-              <a:rPr lang="en-US" altLang="zh-CN" dirty="0"/>
-              <a:t>exec()</a:t>
-            </a:r>
-            <a:r>
-              <a:rPr lang="zh-CN" altLang="en-US" dirty="0"/>
-              <a:t>方法执行，</a:t>
-            </a:r>
-            <a:r>
-              <a:rPr lang="en-US" altLang="zh-CN" dirty="0"/>
-              <a:t>exec()</a:t>
-            </a:r>
-            <a:r>
-              <a:rPr lang="zh-CN" altLang="en-US" dirty="0"/>
-              <a:t>返回</a:t>
-            </a:r>
-            <a:r>
-              <a:rPr lang="en-US" altLang="zh-CN" dirty="0"/>
-              <a:t>promise</a:t>
-            </a:r>
-            <a:r>
-              <a:rPr lang="zh-CN" altLang="en-US" dirty="0"/>
-              <a:t>对象</a:t>
-            </a:r>
-            <a:endParaRPr lang="en-US" altLang="zh-CN" dirty="0"/>
-          </a:p>
-          <a:p>
-            <a:r>
-              <a:rPr lang="en-US" altLang="zh-CN" dirty="0"/>
-              <a:t>       </a:t>
-            </a:r>
-            <a:r>
-              <a:rPr lang="en-US" altLang="zh-CN" dirty="0" err="1"/>
-              <a:t>b.conditions</a:t>
-            </a:r>
-            <a:r>
-              <a:rPr lang="zh-CN" altLang="en-US" dirty="0"/>
-              <a:t>中查询操作符都可以使用</a:t>
-            </a:r>
-            <a:r>
-              <a:rPr lang="en-US" altLang="zh-CN" dirty="0"/>
-              <a:t>Query</a:t>
-            </a:r>
-            <a:r>
-              <a:rPr lang="zh-CN" altLang="en-US" dirty="0"/>
-              <a:t>的实例方法代替，进行链式查询</a:t>
-            </a:r>
-            <a:endParaRPr lang="en-US" altLang="zh-CN" dirty="0"/>
-          </a:p>
-          <a:p>
-            <a:r>
-              <a:rPr lang="en-US" altLang="zh-CN" dirty="0"/>
-              <a:t>         </a:t>
-            </a:r>
-            <a:r>
-              <a:rPr lang="zh-CN" altLang="zh-CN" dirty="0">
-                <a:solidFill>
-                  <a:srgbClr val="FF0000"/>
-                </a:solidFill>
-              </a:rPr>
-              <a:t>User.find({age: {$gte: 21, $lte: 65}}, c</a:t>
-            </a:r>
-            <a:r>
-              <a:rPr lang="en-US" altLang="zh-CN" dirty="0">
-                <a:solidFill>
-                  <a:srgbClr val="FF0000"/>
-                </a:solidFill>
-              </a:rPr>
-              <a:t>b</a:t>
-            </a:r>
-            <a:r>
-              <a:rPr lang="zh-CN" altLang="zh-CN" dirty="0">
-                <a:solidFill>
-                  <a:srgbClr val="FF0000"/>
-                </a:solidFill>
-              </a:rPr>
-              <a:t>); </a:t>
-            </a:r>
-            <a:r>
-              <a:rPr lang="zh-CN" altLang="en-US" dirty="0">
-                <a:solidFill>
-                  <a:srgbClr val="FF0000"/>
-                </a:solidFill>
-              </a:rPr>
-              <a:t>等价于 </a:t>
-            </a:r>
-            <a:r>
-              <a:rPr lang="zh-CN" altLang="zh-CN" dirty="0">
-                <a:solidFill>
-                  <a:srgbClr val="FF0000"/>
-                </a:solidFill>
-              </a:rPr>
-              <a:t>User.where('age').gte(21).lte(65).exec(</a:t>
-            </a:r>
-            <a:r>
-              <a:rPr lang="en-US" altLang="zh-CN" dirty="0" err="1">
-                <a:solidFill>
-                  <a:srgbClr val="FF0000"/>
-                </a:solidFill>
-              </a:rPr>
-              <a:t>cb</a:t>
-            </a:r>
-            <a:r>
-              <a:rPr lang="zh-CN" altLang="zh-CN" dirty="0" smtClean="0">
-                <a:solidFill>
-                  <a:srgbClr val="FF0000"/>
-                </a:solidFill>
-              </a:rPr>
-              <a:t>);</a:t>
-            </a:r>
-            <a:endParaRPr lang="en-US" altLang="zh-CN" dirty="0" smtClean="0">
-              <a:solidFill>
-                <a:srgbClr val="FF0000"/>
-              </a:solidFill>
-            </a:endParaRPr>
-          </a:p>
-          <a:p>
-            <a:endParaRPr lang="en-US" altLang="zh-CN" dirty="0" smtClean="0"/>
-          </a:p>
-          <a:p>
-            <a:r>
-              <a:rPr lang="zh-CN" altLang="en-US" dirty="0" smtClean="0"/>
-              <a:t>（</a:t>
-            </a:r>
-            <a:r>
-              <a:rPr lang="en-US" altLang="zh-CN" dirty="0" smtClean="0"/>
-              <a:t>5</a:t>
-            </a:r>
-            <a:r>
-              <a:rPr lang="zh-CN" altLang="en-US" dirty="0" smtClean="0"/>
-              <a:t>）联表查询</a:t>
-            </a:r>
-            <a:r>
-              <a:rPr lang="en-US" altLang="zh-CN" dirty="0" smtClean="0"/>
-              <a:t>(</a:t>
-            </a:r>
-            <a:r>
-              <a:rPr lang="zh-CN" altLang="en-US" dirty="0" smtClean="0"/>
-              <a:t>涉及两个表的查询</a:t>
-            </a:r>
-            <a:r>
-              <a:rPr lang="en-US" altLang="zh-CN" dirty="0" smtClean="0"/>
-              <a:t>)</a:t>
-            </a:r>
-          </a:p>
-          <a:p>
-            <a:r>
-              <a:rPr lang="en-US" altLang="zh-CN" dirty="0"/>
-              <a:t> </a:t>
-            </a:r>
-            <a:r>
-              <a:rPr lang="en-US" altLang="zh-CN" dirty="0" smtClean="0"/>
-              <a:t>    </a:t>
-            </a:r>
-            <a:r>
-              <a:rPr lang="zh-CN" altLang="en-US" dirty="0"/>
-              <a:t>两</a:t>
-            </a:r>
-            <a:r>
-              <a:rPr lang="zh-CN" altLang="en-US" dirty="0" smtClean="0"/>
-              <a:t>种方法：</a:t>
-            </a:r>
-            <a:endParaRPr lang="en-US" altLang="zh-CN" dirty="0" smtClean="0"/>
-          </a:p>
-          <a:p>
-            <a:r>
-              <a:rPr lang="en-US" altLang="zh-CN" dirty="0" smtClean="0"/>
-              <a:t>     a.</a:t>
-            </a:r>
-            <a:r>
-              <a:rPr lang="zh-CN" altLang="en-US" dirty="0" smtClean="0"/>
-              <a:t>调用</a:t>
-            </a:r>
-            <a:r>
-              <a:rPr lang="en-US" altLang="zh-CN" dirty="0" smtClean="0"/>
-              <a:t>Query</a:t>
-            </a:r>
-            <a:r>
-              <a:rPr lang="zh-CN" altLang="en-US" dirty="0" smtClean="0"/>
-              <a:t>实例的</a:t>
-            </a:r>
-            <a:r>
-              <a:rPr lang="en-US" altLang="zh-CN" dirty="0" smtClean="0"/>
-              <a:t>populate()</a:t>
-            </a:r>
-            <a:r>
-              <a:rPr lang="zh-CN" altLang="en-US" dirty="0" smtClean="0"/>
-              <a:t>方法</a:t>
-            </a:r>
-            <a:r>
-              <a:rPr lang="en-US" altLang="zh-CN" dirty="0" smtClean="0"/>
-              <a:t>,</a:t>
-            </a:r>
-            <a:r>
-              <a:rPr lang="zh-CN" altLang="en-US" dirty="0" smtClean="0"/>
-              <a:t>返回</a:t>
-            </a:r>
-            <a:r>
-              <a:rPr lang="en-US" altLang="zh-CN" dirty="0" smtClean="0"/>
-              <a:t>this</a:t>
-            </a:r>
-            <a:r>
-              <a:rPr lang="zh-CN" altLang="en-US" dirty="0" smtClean="0"/>
-              <a:t>即</a:t>
-            </a:r>
-            <a:r>
-              <a:rPr lang="en-US" altLang="zh-CN" dirty="0" smtClean="0"/>
-              <a:t>query</a:t>
-            </a:r>
-            <a:r>
-              <a:rPr lang="zh-CN" altLang="en-US" dirty="0" smtClean="0"/>
-              <a:t>实例</a:t>
-            </a:r>
-            <a:endParaRPr lang="en-US" altLang="zh-CN" dirty="0" smtClean="0"/>
-          </a:p>
-          <a:p>
-            <a:r>
-              <a:rPr lang="en-US" altLang="zh-CN" dirty="0"/>
-              <a:t> </a:t>
-            </a:r>
-            <a:r>
-              <a:rPr lang="en-US" altLang="zh-CN" dirty="0" smtClean="0"/>
-              <a:t>      </a:t>
-            </a:r>
-            <a:r>
-              <a:rPr lang="en-US" altLang="zh-CN" dirty="0">
-                <a:solidFill>
-                  <a:srgbClr val="222222"/>
-                </a:solidFill>
-                <a:latin typeface="Arial" panose="020B0604020202020204" pitchFamily="34" charset="0"/>
-                <a:ea typeface="Menlo"/>
-                <a:cs typeface="Arial" panose="020B0604020202020204" pitchFamily="34" charset="0"/>
-              </a:rPr>
-              <a:t> </a:t>
-            </a:r>
-            <a:r>
-              <a:rPr lang="zh-CN" altLang="zh-CN" dirty="0">
-                <a:solidFill>
-                  <a:srgbClr val="222222"/>
-                </a:solidFill>
-                <a:latin typeface="Arial" panose="020B0604020202020204" pitchFamily="34" charset="0"/>
-                <a:ea typeface="Menlo"/>
-                <a:cs typeface="Arial" panose="020B0604020202020204" pitchFamily="34" charset="0"/>
-              </a:rPr>
-              <a:t>Kitten.find().populate({path: </a:t>
-            </a:r>
-            <a:r>
-              <a:rPr lang="zh-CN" altLang="zh-CN" dirty="0">
-                <a:solidFill>
-                  <a:srgbClr val="DD1144"/>
-                </a:solidFill>
-                <a:latin typeface="Arial" panose="020B0604020202020204" pitchFamily="34" charset="0"/>
-                <a:ea typeface="Menlo"/>
-                <a:cs typeface="Arial" panose="020B0604020202020204" pitchFamily="34" charset="0"/>
-              </a:rPr>
-              <a:t>'owner'</a:t>
-            </a:r>
-            <a:r>
-              <a:rPr lang="zh-CN" altLang="zh-CN" dirty="0">
-                <a:solidFill>
-                  <a:srgbClr val="222222"/>
-                </a:solidFill>
-                <a:latin typeface="Arial" panose="020B0604020202020204" pitchFamily="34" charset="0"/>
-                <a:ea typeface="Menlo"/>
-                <a:cs typeface="Arial" panose="020B0604020202020204" pitchFamily="34" charset="0"/>
-              </a:rPr>
-              <a:t> ,</a:t>
-            </a:r>
-            <a:r>
-              <a:rPr lang="en-US" altLang="zh-CN" dirty="0">
-                <a:solidFill>
-                  <a:srgbClr val="222222"/>
-                </a:solidFill>
-                <a:latin typeface="Arial" panose="020B0604020202020204" pitchFamily="34" charset="0"/>
-                <a:ea typeface="Menlo"/>
-                <a:cs typeface="Arial" panose="020B0604020202020204" pitchFamily="34" charset="0"/>
-              </a:rPr>
-              <a:t>  </a:t>
-            </a:r>
-            <a:r>
-              <a:rPr lang="zh-CN" altLang="zh-CN" dirty="0">
-                <a:solidFill>
-                  <a:srgbClr val="222222"/>
-                </a:solidFill>
-                <a:latin typeface="Arial" panose="020B0604020202020204" pitchFamily="34" charset="0"/>
-                <a:ea typeface="Menlo"/>
-                <a:cs typeface="Arial" panose="020B0604020202020204" pitchFamily="34" charset="0"/>
-              </a:rPr>
-              <a:t>select: </a:t>
-            </a:r>
-            <a:r>
-              <a:rPr lang="zh-CN" altLang="zh-CN" dirty="0">
-                <a:solidFill>
-                  <a:srgbClr val="DD1144"/>
-                </a:solidFill>
-                <a:latin typeface="Arial" panose="020B0604020202020204" pitchFamily="34" charset="0"/>
-                <a:ea typeface="Menlo"/>
-                <a:cs typeface="Arial" panose="020B0604020202020204" pitchFamily="34" charset="0"/>
-              </a:rPr>
-              <a:t>'name'</a:t>
-            </a:r>
-            <a:r>
-              <a:rPr lang="zh-CN" altLang="zh-CN" dirty="0">
-                <a:solidFill>
-                  <a:srgbClr val="222222"/>
-                </a:solidFill>
-                <a:latin typeface="Arial" panose="020B0604020202020204" pitchFamily="34" charset="0"/>
-                <a:ea typeface="Menlo"/>
-                <a:cs typeface="Arial" panose="020B0604020202020204" pitchFamily="34" charset="0"/>
-              </a:rPr>
-              <a:t> ,</a:t>
-            </a:r>
-            <a:r>
-              <a:rPr lang="en-US" altLang="zh-CN" dirty="0">
-                <a:solidFill>
-                  <a:srgbClr val="222222"/>
-                </a:solidFill>
-                <a:latin typeface="Arial" panose="020B0604020202020204" pitchFamily="34" charset="0"/>
-                <a:ea typeface="Menlo"/>
-                <a:cs typeface="Arial" panose="020B0604020202020204" pitchFamily="34" charset="0"/>
-              </a:rPr>
-              <a:t> </a:t>
-            </a:r>
-            <a:r>
-              <a:rPr lang="zh-CN" altLang="zh-CN" dirty="0">
-                <a:solidFill>
-                  <a:srgbClr val="222222"/>
-                </a:solidFill>
-                <a:latin typeface="Arial" panose="020B0604020202020204" pitchFamily="34" charset="0"/>
-                <a:ea typeface="Menlo"/>
-                <a:cs typeface="Arial" panose="020B0604020202020204" pitchFamily="34" charset="0"/>
-              </a:rPr>
-              <a:t>match: { color: </a:t>
-            </a:r>
-            <a:r>
-              <a:rPr lang="zh-CN" altLang="zh-CN" dirty="0">
-                <a:solidFill>
-                  <a:srgbClr val="DD1144"/>
-                </a:solidFill>
-                <a:latin typeface="Arial" panose="020B0604020202020204" pitchFamily="34" charset="0"/>
-                <a:ea typeface="Menlo"/>
-                <a:cs typeface="Arial" panose="020B0604020202020204" pitchFamily="34" charset="0"/>
-              </a:rPr>
-              <a:t>'black'</a:t>
-            </a:r>
-            <a:r>
-              <a:rPr lang="zh-CN" altLang="zh-CN" dirty="0">
-                <a:solidFill>
-                  <a:srgbClr val="222222"/>
-                </a:solidFill>
-                <a:latin typeface="Arial" panose="020B0604020202020204" pitchFamily="34" charset="0"/>
-                <a:ea typeface="Menlo"/>
-                <a:cs typeface="Arial" panose="020B0604020202020204" pitchFamily="34" charset="0"/>
-              </a:rPr>
-              <a:t> } ,</a:t>
-            </a:r>
-            <a:r>
-              <a:rPr lang="en-US" altLang="zh-CN" dirty="0">
-                <a:solidFill>
-                  <a:srgbClr val="222222"/>
-                </a:solidFill>
-                <a:latin typeface="Arial" panose="020B0604020202020204" pitchFamily="34" charset="0"/>
-                <a:ea typeface="Menlo"/>
-                <a:cs typeface="Arial" panose="020B0604020202020204" pitchFamily="34" charset="0"/>
-              </a:rPr>
-              <a:t> </a:t>
-            </a:r>
-            <a:r>
-              <a:rPr lang="zh-CN" altLang="zh-CN" dirty="0">
-                <a:solidFill>
-                  <a:srgbClr val="222222"/>
-                </a:solidFill>
-                <a:latin typeface="Arial" panose="020B0604020202020204" pitchFamily="34" charset="0"/>
-                <a:ea typeface="Menlo"/>
-                <a:cs typeface="Arial" panose="020B0604020202020204" pitchFamily="34" charset="0"/>
-              </a:rPr>
-              <a:t>options: { sort: { name: </a:t>
-            </a:r>
-            <a:r>
-              <a:rPr lang="zh-CN" altLang="zh-CN" dirty="0">
-                <a:solidFill>
-                  <a:srgbClr val="008080"/>
-                </a:solidFill>
-                <a:latin typeface="Arial" panose="020B0604020202020204" pitchFamily="34" charset="0"/>
-                <a:ea typeface="Menlo"/>
-                <a:cs typeface="Arial" panose="020B0604020202020204" pitchFamily="34" charset="0"/>
-              </a:rPr>
-              <a:t>-1</a:t>
-            </a:r>
-            <a:r>
-              <a:rPr lang="zh-CN" altLang="zh-CN" dirty="0">
-                <a:solidFill>
-                  <a:srgbClr val="222222"/>
-                </a:solidFill>
-                <a:latin typeface="Arial" panose="020B0604020202020204" pitchFamily="34" charset="0"/>
-                <a:ea typeface="Menlo"/>
-                <a:cs typeface="Arial" panose="020B0604020202020204" pitchFamily="34" charset="0"/>
-              </a:rPr>
-              <a:t> }</a:t>
-            </a:r>
-            <a:r>
-              <a:rPr lang="en-US" altLang="zh-CN" dirty="0">
-                <a:solidFill>
-                  <a:srgbClr val="222222"/>
-                </a:solidFill>
-                <a:latin typeface="Arial" panose="020B0604020202020204" pitchFamily="34" charset="0"/>
-                <a:ea typeface="Menlo"/>
-                <a:cs typeface="Arial" panose="020B0604020202020204" pitchFamily="34" charset="0"/>
-              </a:rPr>
-              <a:t>})</a:t>
-            </a:r>
-            <a:r>
-              <a:rPr lang="zh-CN" altLang="en-US" dirty="0" smtClean="0"/>
-              <a:t>          </a:t>
-            </a:r>
-            <a:endParaRPr lang="en-US" altLang="zh-CN" dirty="0" smtClean="0"/>
-          </a:p>
-          <a:p>
-            <a:r>
-              <a:rPr lang="en-US" altLang="zh-CN" dirty="0" smtClean="0"/>
-              <a:t>     b.</a:t>
-            </a:r>
-            <a:r>
-              <a:rPr lang="zh-CN" altLang="en-US" dirty="0"/>
-              <a:t>直</a:t>
-            </a:r>
-            <a:r>
-              <a:rPr lang="zh-CN" altLang="en-US" dirty="0" smtClean="0"/>
-              <a:t>接调用</a:t>
-            </a:r>
-            <a:r>
-              <a:rPr lang="en-US" altLang="zh-CN" dirty="0" err="1" smtClean="0"/>
-              <a:t>Model.populate</a:t>
-            </a:r>
-            <a:r>
-              <a:rPr lang="en-US" altLang="zh-CN" dirty="0" smtClean="0"/>
-              <a:t>()</a:t>
-            </a:r>
-            <a:r>
-              <a:rPr lang="zh-CN" altLang="en-US" dirty="0" smtClean="0"/>
-              <a:t>方法，返回</a:t>
-            </a:r>
-            <a:r>
-              <a:rPr lang="en-US" altLang="zh-CN" dirty="0" smtClean="0"/>
-              <a:t>promise</a:t>
-            </a:r>
-            <a:endParaRPr lang="en-US" altLang="zh-CN" dirty="0"/>
-          </a:p>
-          <a:p>
-            <a:pPr marL="0" lvl="1"/>
-            <a:r>
-              <a:rPr lang="en-US" altLang="zh-CN" sz="1400" dirty="0" smtClean="0">
-                <a:solidFill>
-                  <a:srgbClr val="222222"/>
-                </a:solidFill>
-                <a:latin typeface="Arial" panose="020B0604020202020204" pitchFamily="34" charset="0"/>
-                <a:ea typeface="Menlo"/>
-                <a:cs typeface="Arial" panose="020B0604020202020204" pitchFamily="34" charset="0"/>
-              </a:rPr>
-              <a:t>                 </a:t>
-            </a:r>
-            <a:r>
-              <a:rPr lang="en-US" altLang="zh-CN" dirty="0" err="1">
-                <a:solidFill>
-                  <a:srgbClr val="222222"/>
-                </a:solidFill>
-                <a:latin typeface="Arial" panose="020B0604020202020204" pitchFamily="34" charset="0"/>
-                <a:ea typeface="Menlo"/>
-                <a:cs typeface="Arial" panose="020B0604020202020204" pitchFamily="34" charset="0"/>
-              </a:rPr>
-              <a:t>Kitten.populate</a:t>
-            </a:r>
-            <a:r>
-              <a:rPr lang="en-US" altLang="zh-CN" dirty="0">
-                <a:solidFill>
-                  <a:srgbClr val="222222"/>
-                </a:solidFill>
-                <a:latin typeface="Arial" panose="020B0604020202020204" pitchFamily="34" charset="0"/>
-                <a:ea typeface="Menlo"/>
-                <a:cs typeface="Arial" panose="020B0604020202020204" pitchFamily="34" charset="0"/>
-              </a:rPr>
-              <a:t>(docs, </a:t>
-            </a:r>
-            <a:r>
-              <a:rPr lang="zh-CN" altLang="zh-CN" dirty="0">
-                <a:solidFill>
-                  <a:srgbClr val="222222"/>
-                </a:solidFill>
-                <a:latin typeface="Arial" panose="020B0604020202020204" pitchFamily="34" charset="0"/>
-                <a:ea typeface="Menlo"/>
-                <a:cs typeface="Arial" panose="020B0604020202020204" pitchFamily="34" charset="0"/>
-              </a:rPr>
-              <a:t>{path: 'owner' ,</a:t>
-            </a:r>
-            <a:r>
-              <a:rPr lang="en-US" altLang="zh-CN" dirty="0">
-                <a:solidFill>
-                  <a:srgbClr val="222222"/>
-                </a:solidFill>
-                <a:latin typeface="Arial" panose="020B0604020202020204" pitchFamily="34" charset="0"/>
-                <a:ea typeface="Menlo"/>
-                <a:cs typeface="Arial" panose="020B0604020202020204" pitchFamily="34" charset="0"/>
-              </a:rPr>
-              <a:t>  </a:t>
-            </a:r>
-            <a:r>
-              <a:rPr lang="zh-CN" altLang="zh-CN" dirty="0">
-                <a:solidFill>
-                  <a:srgbClr val="222222"/>
-                </a:solidFill>
-                <a:latin typeface="Arial" panose="020B0604020202020204" pitchFamily="34" charset="0"/>
-                <a:ea typeface="Menlo"/>
-                <a:cs typeface="Arial" panose="020B0604020202020204" pitchFamily="34" charset="0"/>
-              </a:rPr>
-              <a:t>select: 'name' ,</a:t>
-            </a:r>
-            <a:r>
-              <a:rPr lang="en-US" altLang="zh-CN" dirty="0">
-                <a:solidFill>
-                  <a:srgbClr val="222222"/>
-                </a:solidFill>
-                <a:latin typeface="Arial" panose="020B0604020202020204" pitchFamily="34" charset="0"/>
-                <a:ea typeface="Menlo"/>
-                <a:cs typeface="Arial" panose="020B0604020202020204" pitchFamily="34" charset="0"/>
-              </a:rPr>
-              <a:t> </a:t>
-            </a:r>
-            <a:r>
-              <a:rPr lang="zh-CN" altLang="zh-CN" dirty="0">
-                <a:solidFill>
-                  <a:srgbClr val="222222"/>
-                </a:solidFill>
-                <a:latin typeface="Arial" panose="020B0604020202020204" pitchFamily="34" charset="0"/>
-                <a:ea typeface="Menlo"/>
-                <a:cs typeface="Arial" panose="020B0604020202020204" pitchFamily="34" charset="0"/>
-              </a:rPr>
-              <a:t>match: { color: 'black' } ,</a:t>
-            </a:r>
-            <a:r>
-              <a:rPr lang="en-US" altLang="zh-CN" dirty="0">
-                <a:solidFill>
-                  <a:srgbClr val="222222"/>
-                </a:solidFill>
-                <a:latin typeface="Arial" panose="020B0604020202020204" pitchFamily="34" charset="0"/>
-                <a:ea typeface="Menlo"/>
-                <a:cs typeface="Arial" panose="020B0604020202020204" pitchFamily="34" charset="0"/>
-              </a:rPr>
-              <a:t> </a:t>
-            </a:r>
-            <a:r>
-              <a:rPr lang="zh-CN" altLang="zh-CN" dirty="0">
-                <a:solidFill>
-                  <a:srgbClr val="222222"/>
-                </a:solidFill>
-                <a:latin typeface="Arial" panose="020B0604020202020204" pitchFamily="34" charset="0"/>
-                <a:ea typeface="Menlo"/>
-                <a:cs typeface="Arial" panose="020B0604020202020204" pitchFamily="34" charset="0"/>
-              </a:rPr>
-              <a:t>options: { sort: { name: -1 }</a:t>
-            </a:r>
-            <a:r>
-              <a:rPr lang="en-US" altLang="zh-CN" dirty="0">
-                <a:solidFill>
-                  <a:srgbClr val="222222"/>
-                </a:solidFill>
-                <a:latin typeface="Arial" panose="020B0604020202020204" pitchFamily="34" charset="0"/>
-                <a:ea typeface="Menlo"/>
-                <a:cs typeface="Arial" panose="020B0604020202020204" pitchFamily="34" charset="0"/>
-              </a:rPr>
-              <a:t>})</a:t>
-            </a:r>
-          </a:p>
-          <a:p>
-            <a:pPr marL="0" lvl="1"/>
-            <a:r>
-              <a:rPr lang="zh-CN" altLang="zh-CN" dirty="0">
-                <a:solidFill>
-                  <a:srgbClr val="222222"/>
-                </a:solidFill>
-                <a:latin typeface="Arial" panose="020B0604020202020204" pitchFamily="34" charset="0"/>
-                <a:ea typeface="Menlo"/>
-                <a:cs typeface="Arial" panose="020B0604020202020204" pitchFamily="34" charset="0"/>
-              </a:rPr>
-              <a:t>.</a:t>
-            </a:r>
-            <a:endParaRPr lang="en-US" altLang="zh-CN" dirty="0">
-              <a:solidFill>
-                <a:srgbClr val="222222"/>
-              </a:solidFill>
-              <a:latin typeface="Arial" panose="020B0604020202020204" pitchFamily="34" charset="0"/>
-              <a:ea typeface="Menlo"/>
-              <a:cs typeface="Arial" panose="020B0604020202020204" pitchFamily="34" charset="0"/>
-            </a:endParaRPr>
-          </a:p>
-          <a:p>
-            <a:pPr lvl="1"/>
-            <a:endParaRPr lang="en-US" altLang="zh-CN" sz="1400" dirty="0">
-              <a:latin typeface="Arial" panose="020B0604020202020204" pitchFamily="34" charset="0"/>
-              <a:cs typeface="Arial" panose="020B0604020202020204" pitchFamily="34" charset="0"/>
-            </a:endParaRPr>
-          </a:p>
-          <a:p>
-            <a:endParaRPr lang="en-US" altLang="zh-CN" dirty="0" smtClean="0"/>
-          </a:p>
-          <a:p>
-            <a:r>
-              <a:rPr lang="en-US" altLang="zh-CN" dirty="0"/>
-              <a:t> </a:t>
-            </a:r>
-            <a:r>
-              <a:rPr lang="en-US" altLang="zh-CN" dirty="0" smtClean="0"/>
-              <a:t>      </a:t>
-            </a:r>
+            <a:endParaRPr lang="zh-CN" altLang="en-US" dirty="0"/>
           </a:p>
         </p:txBody>
       </p:sp>
       <p:sp>
         <p:nvSpPr>
-          <p:cNvPr id="8" name="Rectangle 4"/>
+          <p:cNvPr id="9" name="矩形 8"/>
+          <p:cNvSpPr/>
+          <p:nvPr/>
+        </p:nvSpPr>
+        <p:spPr>
+          <a:xfrm>
+            <a:off x="1127448" y="1735806"/>
+            <a:ext cx="10345643" cy="3693319"/>
+          </a:xfrm>
+          <a:prstGeom prst="rect">
+            <a:avLst/>
+          </a:prstGeom>
+        </p:spPr>
+        <p:txBody>
+          <a:bodyPr wrap="square">
+            <a:spAutoFit/>
+          </a:bodyPr>
+          <a:lstStyle/>
+          <a:p>
+            <a:r>
+              <a:rPr lang="en-US" altLang="zh-CN" dirty="0" smtClean="0"/>
+              <a:t>Model</a:t>
+            </a:r>
+            <a:r>
+              <a:rPr lang="zh-CN" altLang="en-US" dirty="0"/>
+              <a:t>构</a:t>
+            </a:r>
+            <a:r>
+              <a:rPr lang="zh-CN" altLang="en-US" dirty="0" smtClean="0"/>
+              <a:t>造函数通过</a:t>
+            </a:r>
+            <a:r>
+              <a:rPr lang="en-US" altLang="zh-CN" dirty="0" err="1" smtClean="0"/>
+              <a:t>mongoose.model</a:t>
+            </a:r>
+            <a:r>
+              <a:rPr lang="en-US" altLang="zh-CN" dirty="0" smtClean="0"/>
+              <a:t>()</a:t>
+            </a:r>
+            <a:r>
+              <a:rPr lang="zh-CN" altLang="en-US" dirty="0" smtClean="0"/>
+              <a:t>方法生成，</a:t>
+            </a:r>
+            <a:r>
+              <a:rPr lang="zh-CN" altLang="en-US" dirty="0"/>
+              <a:t>可以执行</a:t>
+            </a:r>
+            <a:r>
+              <a:rPr lang="en-US" altLang="zh-CN" dirty="0"/>
+              <a:t>CURD</a:t>
+            </a:r>
+            <a:r>
+              <a:rPr lang="zh-CN" altLang="en-US" dirty="0"/>
+              <a:t>操作</a:t>
+            </a:r>
+            <a:r>
+              <a:rPr lang="en-US" altLang="zh-CN" dirty="0"/>
+              <a:t>,model</a:t>
+            </a:r>
+            <a:r>
+              <a:rPr lang="zh-CN" altLang="en-US" dirty="0"/>
+              <a:t>的实例就是</a:t>
+            </a:r>
+            <a:r>
+              <a:rPr lang="en-US" altLang="zh-CN" dirty="0" smtClean="0"/>
+              <a:t>document</a:t>
+            </a:r>
+          </a:p>
+          <a:p>
+            <a:endParaRPr lang="zh-CN" altLang="en-US" dirty="0"/>
+          </a:p>
+          <a:p>
+            <a:r>
+              <a:rPr lang="zh-CN" altLang="en-US" dirty="0" smtClean="0"/>
+              <a:t>（</a:t>
+            </a:r>
+            <a:r>
+              <a:rPr lang="en-US" altLang="zh-CN" dirty="0"/>
+              <a:t>1</a:t>
+            </a:r>
+            <a:r>
+              <a:rPr lang="zh-CN" altLang="en-US" dirty="0" smtClean="0"/>
+              <a:t>）新增</a:t>
+            </a:r>
+            <a:endParaRPr lang="en-US" altLang="zh-CN" dirty="0" smtClean="0"/>
+          </a:p>
+          <a:p>
+            <a:r>
+              <a:rPr lang="en-US" altLang="zh-CN" dirty="0"/>
+              <a:t> </a:t>
+            </a:r>
+            <a:r>
+              <a:rPr lang="en-US" altLang="zh-CN" dirty="0" smtClean="0"/>
+              <a:t>    </a:t>
+            </a:r>
+            <a:r>
+              <a:rPr lang="zh-CN" altLang="en-US" dirty="0" smtClean="0"/>
+              <a:t>两类方法：</a:t>
+            </a:r>
+            <a:endParaRPr lang="en-US" altLang="zh-CN" dirty="0" smtClean="0"/>
+          </a:p>
+          <a:p>
+            <a:r>
+              <a:rPr lang="en-US" altLang="zh-CN" dirty="0"/>
+              <a:t> </a:t>
+            </a:r>
+            <a:r>
+              <a:rPr lang="en-US" altLang="zh-CN" dirty="0" smtClean="0"/>
+              <a:t>    a. </a:t>
+            </a:r>
+            <a:r>
+              <a:rPr lang="zh-CN" altLang="en-US" dirty="0" smtClean="0"/>
+              <a:t>直接调用</a:t>
+            </a:r>
+            <a:r>
+              <a:rPr lang="en-US" altLang="zh-CN" dirty="0" smtClean="0"/>
+              <a:t>Model</a:t>
+            </a:r>
+            <a:r>
+              <a:rPr lang="zh-CN" altLang="en-US" dirty="0" smtClean="0"/>
+              <a:t>静态方法，</a:t>
+            </a:r>
+            <a:r>
+              <a:rPr lang="en-US" altLang="zh-CN" dirty="0" err="1" smtClean="0"/>
+              <a:t>Model.create</a:t>
+            </a:r>
+            <a:r>
+              <a:rPr lang="en-US" altLang="zh-CN" dirty="0" smtClean="0"/>
+              <a:t>()</a:t>
+            </a:r>
+            <a:r>
+              <a:rPr lang="zh-CN" altLang="en-US" dirty="0" smtClean="0"/>
+              <a:t>或者</a:t>
+            </a:r>
+            <a:r>
+              <a:rPr lang="en-US" altLang="zh-CN" dirty="0" err="1" smtClean="0"/>
+              <a:t>Model.insertMany</a:t>
+            </a:r>
+            <a:r>
+              <a:rPr lang="en-US" altLang="zh-CN" dirty="0" smtClean="0"/>
+              <a:t>()</a:t>
+            </a:r>
+            <a:r>
+              <a:rPr lang="zh-CN" altLang="en-US" dirty="0" smtClean="0"/>
+              <a:t>方法</a:t>
+            </a:r>
+            <a:endParaRPr lang="en-US" altLang="zh-CN" dirty="0" smtClean="0"/>
+          </a:p>
+          <a:p>
+            <a:r>
+              <a:rPr lang="en-US" altLang="zh-CN" dirty="0"/>
+              <a:t> </a:t>
+            </a:r>
+            <a:r>
+              <a:rPr lang="en-US" altLang="zh-CN" dirty="0" smtClean="0"/>
+              <a:t>    b. </a:t>
+            </a:r>
+            <a:r>
+              <a:rPr lang="zh-CN" altLang="en-US" dirty="0"/>
+              <a:t>创建</a:t>
+            </a:r>
+            <a:r>
+              <a:rPr lang="en-US" altLang="zh-CN" dirty="0" smtClean="0"/>
+              <a:t>model</a:t>
+            </a:r>
+            <a:r>
+              <a:rPr lang="zh-CN" altLang="en-US" dirty="0" smtClean="0"/>
+              <a:t>实例，调用</a:t>
+            </a:r>
+            <a:r>
+              <a:rPr lang="en-US" altLang="zh-CN" dirty="0" smtClean="0"/>
+              <a:t>Model</a:t>
+            </a:r>
+            <a:r>
+              <a:rPr lang="zh-CN" altLang="en-US" dirty="0" smtClean="0"/>
+              <a:t>的实例方法</a:t>
+            </a:r>
+            <a:r>
+              <a:rPr lang="en-US" altLang="zh-CN" dirty="0" smtClean="0"/>
+              <a:t>save()</a:t>
+            </a:r>
+          </a:p>
+          <a:p>
+            <a:endParaRPr lang="zh-CN" altLang="en-US" dirty="0"/>
+          </a:p>
+          <a:p>
+            <a:r>
+              <a:rPr lang="zh-CN" altLang="en-US" dirty="0" smtClean="0"/>
+              <a:t>（</a:t>
+            </a:r>
+            <a:r>
+              <a:rPr lang="en-US" altLang="zh-CN" dirty="0"/>
+              <a:t>2</a:t>
+            </a:r>
+            <a:r>
+              <a:rPr lang="zh-CN" altLang="en-US" dirty="0"/>
+              <a:t>）删</a:t>
+            </a:r>
+            <a:r>
+              <a:rPr lang="zh-CN" altLang="en-US" dirty="0" smtClean="0"/>
+              <a:t>除</a:t>
+            </a:r>
+            <a:endParaRPr lang="en-US" altLang="zh-CN" dirty="0" smtClean="0"/>
+          </a:p>
+          <a:p>
+            <a:r>
+              <a:rPr lang="en-US" altLang="zh-CN" dirty="0"/>
+              <a:t> </a:t>
+            </a:r>
+            <a:r>
+              <a:rPr lang="en-US" altLang="zh-CN" dirty="0" smtClean="0"/>
+              <a:t>    </a:t>
+            </a:r>
+            <a:r>
+              <a:rPr lang="zh-CN" altLang="en-US" dirty="0" smtClean="0"/>
+              <a:t>直</a:t>
+            </a:r>
+            <a:r>
+              <a:rPr lang="zh-CN" altLang="en-US" dirty="0"/>
+              <a:t>接调用</a:t>
+            </a:r>
+            <a:r>
+              <a:rPr lang="en-US" altLang="zh-CN" dirty="0"/>
+              <a:t>Model</a:t>
+            </a:r>
+            <a:r>
+              <a:rPr lang="zh-CN" altLang="en-US" dirty="0"/>
+              <a:t>静态方</a:t>
+            </a:r>
+            <a:r>
+              <a:rPr lang="zh-CN" altLang="en-US" dirty="0" smtClean="0"/>
+              <a:t>法 </a:t>
+            </a:r>
+            <a:r>
+              <a:rPr lang="en-US" altLang="zh-CN" dirty="0" err="1" smtClean="0"/>
+              <a:t>Model.remove</a:t>
+            </a:r>
+            <a:r>
+              <a:rPr lang="en-US" altLang="zh-CN" dirty="0" smtClean="0"/>
+              <a:t>()</a:t>
+            </a:r>
+            <a:r>
+              <a:rPr lang="zh-CN" altLang="en-US" dirty="0" smtClean="0"/>
+              <a:t>、</a:t>
+            </a:r>
+            <a:r>
+              <a:rPr lang="en-US" altLang="zh-CN" dirty="0" err="1" smtClean="0"/>
+              <a:t>Model.deleteMany</a:t>
+            </a:r>
+            <a:r>
+              <a:rPr lang="en-US" altLang="zh-CN" dirty="0" smtClean="0"/>
+              <a:t>()</a:t>
+            </a:r>
+            <a:r>
+              <a:rPr lang="zh-CN" altLang="en-US" dirty="0" smtClean="0"/>
+              <a:t>、</a:t>
+            </a:r>
+            <a:r>
+              <a:rPr lang="en-US" altLang="zh-CN" dirty="0" err="1" smtClean="0"/>
+              <a:t>Model.deleteOne</a:t>
+            </a:r>
+            <a:r>
+              <a:rPr lang="en-US" altLang="zh-CN" dirty="0" smtClean="0"/>
+              <a:t>()</a:t>
+            </a:r>
+            <a:r>
+              <a:rPr lang="zh-CN" altLang="en-US" dirty="0" smtClean="0"/>
+              <a:t>方法</a:t>
+            </a:r>
+            <a:endParaRPr lang="en-US" altLang="zh-CN" dirty="0" smtClean="0"/>
+          </a:p>
+          <a:p>
+            <a:endParaRPr lang="zh-CN" altLang="en-US" dirty="0"/>
+          </a:p>
+          <a:p>
+            <a:r>
+              <a:rPr lang="zh-CN" altLang="en-US" dirty="0" smtClean="0"/>
+              <a:t>（</a:t>
+            </a:r>
+            <a:r>
+              <a:rPr lang="en-US" altLang="zh-CN" dirty="0"/>
+              <a:t>3</a:t>
+            </a:r>
+            <a:r>
+              <a:rPr lang="zh-CN" altLang="en-US" dirty="0"/>
+              <a:t>）更</a:t>
+            </a:r>
+            <a:r>
+              <a:rPr lang="zh-CN" altLang="en-US" dirty="0" smtClean="0"/>
+              <a:t>新</a:t>
+            </a:r>
+            <a:endParaRPr lang="en-US" altLang="zh-CN" dirty="0" smtClean="0"/>
+          </a:p>
+          <a:p>
+            <a:r>
+              <a:rPr lang="zh-CN" altLang="en-US" dirty="0" smtClean="0"/>
+              <a:t>     直</a:t>
+            </a:r>
+            <a:r>
+              <a:rPr lang="zh-CN" altLang="en-US" dirty="0"/>
+              <a:t>接调用</a:t>
+            </a:r>
+            <a:r>
+              <a:rPr lang="en-US" altLang="zh-CN" dirty="0"/>
+              <a:t>Model</a:t>
+            </a:r>
+            <a:r>
+              <a:rPr lang="zh-CN" altLang="en-US" dirty="0"/>
+              <a:t>静态</a:t>
+            </a:r>
+            <a:r>
+              <a:rPr lang="zh-CN" altLang="en-US" dirty="0" smtClean="0"/>
+              <a:t>方法 </a:t>
+            </a:r>
+            <a:r>
+              <a:rPr lang="en-US" altLang="zh-CN" dirty="0" err="1" smtClean="0"/>
+              <a:t>Model.update</a:t>
+            </a:r>
+            <a:r>
+              <a:rPr lang="en-US" altLang="zh-CN" dirty="0" smtClean="0"/>
+              <a:t>()</a:t>
+            </a:r>
+            <a:r>
+              <a:rPr lang="zh-CN" altLang="en-US" dirty="0"/>
+              <a:t>、</a:t>
+            </a:r>
+            <a:r>
+              <a:rPr lang="en-US" altLang="zh-CN" dirty="0" err="1" smtClean="0"/>
+              <a:t>Model.updateMany</a:t>
+            </a:r>
+            <a:r>
+              <a:rPr lang="en-US" altLang="zh-CN" dirty="0"/>
+              <a:t>()</a:t>
+            </a:r>
+            <a:r>
+              <a:rPr lang="zh-CN" altLang="en-US" dirty="0"/>
+              <a:t>、</a:t>
+            </a:r>
+            <a:r>
+              <a:rPr lang="en-US" altLang="zh-CN" dirty="0" err="1" smtClean="0"/>
+              <a:t>Model.updateOne</a:t>
+            </a:r>
+            <a:r>
+              <a:rPr lang="en-US" altLang="zh-CN" dirty="0"/>
+              <a:t>()</a:t>
+            </a:r>
+            <a:r>
+              <a:rPr lang="zh-CN" altLang="en-US" dirty="0"/>
+              <a:t>方</a:t>
+            </a:r>
+            <a:r>
+              <a:rPr lang="zh-CN" altLang="en-US" dirty="0" smtClean="0"/>
+              <a:t>法</a:t>
+            </a:r>
+            <a:endParaRPr lang="zh-CN" altLang="en-US" dirty="0"/>
+          </a:p>
+          <a:p>
+            <a:endParaRPr lang="en-US" altLang="zh-CN" dirty="0"/>
+          </a:p>
+        </p:txBody>
+      </p:sp>
+      <p:sp>
+        <p:nvSpPr>
+          <p:cNvPr id="4" name="Rectangle 2"/>
           <p:cNvSpPr>
             <a:spLocks noChangeArrowheads="1"/>
           </p:cNvSpPr>
@@ -19091,14 +18304,14 @@
         </p:nvSpPr>
         <p:spPr bwMode="auto">
           <a:xfrm>
-            <a:off x="0" y="26000"/>
-            <a:ext cx="65" cy="405199"/>
+            <a:off x="481061" y="6490900"/>
+            <a:ext cx="65" cy="276999"/>
           </a:xfrm>
           <a:prstGeom prst="rect">
             <a:avLst/>
           </a:prstGeom>
           <a:solidFill>
-            <a:srgbClr val="F5F5F5"/>
+            <a:srgbClr val="FFFFFF"/>
           </a:solidFill>
           <a:ln>
             <a:noFill/>
@@ -19127,7 +18340,7 @@
           </a:extLst>
         </p:spPr>
         <p:txBody>
-          <a:bodyPr vert="horz" wrap="none" lIns="0" tIns="63480" rIns="0" bIns="63480" numCol="1" anchor="ctr" anchorCtr="0" compatLnSpc="1">
+          <a:bodyPr vert="horz" wrap="none" lIns="0" tIns="0" rIns="0" bIns="0" numCol="1" anchor="ctr" anchorCtr="0" compatLnSpc="1">
             <a:prstTxWarp prst="textNoShape">
               <a:avLst/>
             </a:prstTxWarp>
@@ -19167,564 +18380,16 @@
     </p:spTree>
     <p:extLst>
       <p:ext uri="{BB962C8B-B14F-4D97-AF65-F5344CB8AC3E}">
-        <p14:creationId xmlns:p14="http://schemas.microsoft.com/office/powerpoint/2010/main" val="1738718764"/>
+        <p14:creationId xmlns:p14="http://schemas.microsoft.com/office/powerpoint/2010/main" val="1788363753"/>
       </p:ext>
     </p:extLst>
   </p:cSld>
   <p:clrMapOvr>
     <a:masterClrMapping/>
   </p:clrMapOvr>
-  <p:timing>
-    <p:tnLst>
-      <p:par>
-        <p:cTn id="1" dur="indefinite" restart="never" nodeType="tmRoot"/>
-      </p:par>
-    </p:tnLst>
-  </p:timing>
-</p:sld>
-</file>
-
-<file path=ppt/slides/slide9.xml><?xml version="1.0" encoding="utf-8"?>
-<p:sld xmlns:a="http://schemas.openxmlformats.org/drawingml/2006/main" xmlns:r="http://schemas.openxmlformats.org/officeDocument/2006/relationships" xmlns:p="http://schemas.openxmlformats.org/presentationml/2006/main">
-  <p:cSld>
-    <p:spTree>
-      <p:nvGrpSpPr>
-        <p:cNvPr id="1" name=""/>
-        <p:cNvGrpSpPr/>
-        <p:nvPr/>
-      </p:nvGrpSpPr>
-      <p:grpSpPr>
-        <a:xfrm>
-          <a:off x="0" y="0"/>
-          <a:ext cx="0" cy="0"/>
-          <a:chOff x="0" y="0"/>
-          <a:chExt cx="0" cy="0"/>
-        </a:xfrm>
-      </p:grpSpPr>
-      <p:sp>
-        <p:nvSpPr>
-          <p:cNvPr id="9" name="圆角矩形 8"/>
-          <p:cNvSpPr/>
-          <p:nvPr/>
-        </p:nvSpPr>
-        <p:spPr bwMode="auto">
-          <a:xfrm rot="18784635">
-            <a:off x="1817615" y="1905815"/>
-            <a:ext cx="3095768" cy="3103526"/>
-          </a:xfrm>
-          <a:prstGeom prst="roundRect">
-            <a:avLst>
-              <a:gd name="adj" fmla="val 6182"/>
-            </a:avLst>
-          </a:prstGeom>
-          <a:solidFill>
-            <a:srgbClr val="37DFEA">
-              <a:alpha val="30000"/>
-            </a:srgbClr>
-          </a:solidFill>
-          <a:ln>
-            <a:noFill/>
-          </a:ln>
-        </p:spPr>
-        <p:style>
-          <a:lnRef idx="2">
-            <a:schemeClr val="accent1">
-              <a:shade val="50000"/>
-            </a:schemeClr>
-          </a:lnRef>
-          <a:fillRef idx="1">
-            <a:schemeClr val="accent1"/>
-          </a:fillRef>
-          <a:effectRef idx="0">
-            <a:schemeClr val="accent1"/>
-          </a:effectRef>
-          <a:fontRef idx="minor">
-            <a:schemeClr val="lt1"/>
-          </a:fontRef>
-        </p:style>
-        <p:txBody>
-          <a:bodyPr anchor="ctr"/>
-          <a:lstStyle/>
-          <a:p>
-            <a:pPr algn="ctr">
-              <a:defRPr/>
-            </a:pPr>
-            <a:endParaRPr lang="zh-CN" altLang="en-US" sz="2400">
-              <a:cs typeface="+mn-ea"/>
-              <a:sym typeface="+mn-lt"/>
-            </a:endParaRPr>
-          </a:p>
-        </p:txBody>
-      </p:sp>
-      <p:sp>
-        <p:nvSpPr>
-          <p:cNvPr id="3" name="圆角矩形 2"/>
-          <p:cNvSpPr/>
-          <p:nvPr/>
-        </p:nvSpPr>
-        <p:spPr bwMode="auto">
-          <a:xfrm rot="18784635">
-            <a:off x="4586818" y="2815167"/>
-            <a:ext cx="1136651" cy="1119715"/>
-          </a:xfrm>
-          <a:prstGeom prst="roundRect">
-            <a:avLst>
-              <a:gd name="adj" fmla="val 10833"/>
-            </a:avLst>
-          </a:prstGeom>
-          <a:solidFill>
-            <a:srgbClr val="1EF6DF">
-              <a:alpha val="50000"/>
-            </a:srgbClr>
-          </a:solidFill>
-          <a:ln>
-            <a:noFill/>
-          </a:ln>
-        </p:spPr>
-        <p:style>
-          <a:lnRef idx="2">
-            <a:schemeClr val="accent1">
-              <a:shade val="50000"/>
-            </a:schemeClr>
-          </a:lnRef>
-          <a:fillRef idx="1">
-            <a:schemeClr val="accent1"/>
-          </a:fillRef>
-          <a:effectRef idx="0">
-            <a:schemeClr val="accent1"/>
-          </a:effectRef>
-          <a:fontRef idx="minor">
-            <a:schemeClr val="lt1"/>
-          </a:fontRef>
-        </p:style>
-        <p:txBody>
-          <a:bodyPr anchor="ctr"/>
-          <a:lstStyle/>
-          <a:p>
-            <a:pPr algn="ctr">
-              <a:defRPr/>
-            </a:pPr>
-            <a:endParaRPr lang="zh-CN" altLang="en-US" sz="2400">
-              <a:cs typeface="+mn-ea"/>
-              <a:sym typeface="+mn-lt"/>
-            </a:endParaRPr>
-          </a:p>
-        </p:txBody>
-      </p:sp>
-      <p:sp>
-        <p:nvSpPr>
-          <p:cNvPr id="4" name="圆角矩形 3"/>
-          <p:cNvSpPr/>
-          <p:nvPr/>
-        </p:nvSpPr>
-        <p:spPr bwMode="auto">
-          <a:xfrm rot="18784635">
-            <a:off x="2098676" y="2187577"/>
-            <a:ext cx="2533649" cy="2540000"/>
-          </a:xfrm>
-          <a:prstGeom prst="roundRect">
-            <a:avLst>
-              <a:gd name="adj" fmla="val 6182"/>
-            </a:avLst>
-          </a:prstGeom>
-          <a:solidFill>
-            <a:srgbClr val="37DFEA">
-              <a:alpha val="80000"/>
-            </a:srgbClr>
-          </a:solidFill>
-          <a:ln>
-            <a:noFill/>
-          </a:ln>
-        </p:spPr>
-        <p:style>
-          <a:lnRef idx="2">
-            <a:schemeClr val="accent1">
-              <a:shade val="50000"/>
-            </a:schemeClr>
-          </a:lnRef>
-          <a:fillRef idx="1">
-            <a:schemeClr val="accent1"/>
-          </a:fillRef>
-          <a:effectRef idx="0">
-            <a:schemeClr val="accent1"/>
-          </a:effectRef>
-          <a:fontRef idx="minor">
-            <a:schemeClr val="lt1"/>
-          </a:fontRef>
-        </p:style>
-        <p:txBody>
-          <a:bodyPr anchor="ctr"/>
-          <a:lstStyle/>
-          <a:p>
-            <a:pPr algn="ctr">
-              <a:defRPr/>
-            </a:pPr>
-            <a:endParaRPr lang="zh-CN" altLang="en-US" sz="2400">
-              <a:cs typeface="+mn-ea"/>
-              <a:sym typeface="+mn-lt"/>
-            </a:endParaRPr>
-          </a:p>
-        </p:txBody>
-      </p:sp>
-      <p:sp>
-        <p:nvSpPr>
-          <p:cNvPr id="5" name="圆角矩形 4"/>
-          <p:cNvSpPr/>
-          <p:nvPr/>
-        </p:nvSpPr>
-        <p:spPr bwMode="auto">
-          <a:xfrm rot="18784635">
-            <a:off x="4548718" y="4123267"/>
-            <a:ext cx="510116" cy="531284"/>
-          </a:xfrm>
-          <a:prstGeom prst="roundRect">
-            <a:avLst/>
-          </a:prstGeom>
-          <a:solidFill>
-            <a:srgbClr val="32AAE6">
-              <a:alpha val="80000"/>
-            </a:srgbClr>
-          </a:solidFill>
-          <a:ln>
-            <a:noFill/>
-          </a:ln>
-        </p:spPr>
-        <p:style>
-          <a:lnRef idx="2">
-            <a:schemeClr val="accent1">
-              <a:shade val="50000"/>
-            </a:schemeClr>
-          </a:lnRef>
-          <a:fillRef idx="1">
-            <a:schemeClr val="accent1"/>
-          </a:fillRef>
-          <a:effectRef idx="0">
-            <a:schemeClr val="accent1"/>
-          </a:effectRef>
-          <a:fontRef idx="minor">
-            <a:schemeClr val="lt1"/>
-          </a:fontRef>
-        </p:style>
-        <p:txBody>
-          <a:bodyPr anchor="ctr"/>
-          <a:lstStyle/>
-          <a:p>
-            <a:pPr algn="ctr">
-              <a:defRPr/>
-            </a:pPr>
-            <a:endParaRPr lang="zh-CN" altLang="en-US" sz="2400">
-              <a:cs typeface="+mn-ea"/>
-              <a:sym typeface="+mn-lt"/>
-            </a:endParaRPr>
-          </a:p>
-        </p:txBody>
-      </p:sp>
-      <p:sp>
-        <p:nvSpPr>
-          <p:cNvPr id="6" name="TextBox 7"/>
-          <p:cNvSpPr txBox="1">
-            <a:spLocks noChangeArrowheads="1"/>
-          </p:cNvSpPr>
-          <p:nvPr/>
-        </p:nvSpPr>
-        <p:spPr bwMode="auto">
-          <a:xfrm>
-            <a:off x="2381251" y="2476500"/>
-            <a:ext cx="1701107" cy="1898212"/>
-          </a:xfrm>
-          <a:prstGeom prst="rect">
-            <a:avLst/>
-          </a:prstGeom>
-          <a:noFill/>
-          <a:ln>
-            <a:noFill/>
-          </a:ln>
-          <a:extLst>
-            <a:ext uri="{909E8E84-426E-40DD-AFC4-6F175D3DCCD1}">
-              <a14:hiddenFill xmlns:a14="http://schemas.microsoft.com/office/drawing/2010/main">
-                <a:solidFill>
-                  <a:srgbClr val="FFFFFF"/>
-                </a:solidFill>
-              </a14:hiddenFill>
-            </a:ext>
-            <a:ext uri="{91240B29-F687-4F45-9708-019B960494DF}">
-              <a14:hiddenLine xmlns:a14="http://schemas.microsoft.com/office/drawing/2010/main" w="9525">
-                <a:solidFill>
-                  <a:srgbClr val="000000"/>
-                </a:solidFill>
-                <a:miter lim="800000"/>
-                <a:headEnd/>
-                <a:tailEnd/>
-              </a14:hiddenLine>
-            </a:ext>
-          </a:extLst>
-        </p:spPr>
-        <p:txBody>
-          <a:bodyPr wrap="none">
-            <a:spAutoFit/>
-          </a:bodyPr>
-          <a:lstStyle>
-            <a:lvl1pPr>
-              <a:defRPr>
-                <a:solidFill>
-                  <a:schemeClr val="tx1"/>
-                </a:solidFill>
-                <a:latin typeface="Calibri" panose="020F0502020204030204" pitchFamily="34" charset="0"/>
-                <a:ea typeface="宋体" panose="02010600030101010101" pitchFamily="2" charset="-122"/>
-              </a:defRPr>
-            </a:lvl1pPr>
-            <a:lvl2pPr marL="742950" indent="-285750">
-              <a:defRPr>
-                <a:solidFill>
-                  <a:schemeClr val="tx1"/>
-                </a:solidFill>
-                <a:latin typeface="Calibri" panose="020F0502020204030204" pitchFamily="34" charset="0"/>
-                <a:ea typeface="宋体" panose="02010600030101010101" pitchFamily="2" charset="-122"/>
-              </a:defRPr>
-            </a:lvl2pPr>
-            <a:lvl3pPr marL="1143000" indent="-228600">
-              <a:defRPr>
-                <a:solidFill>
-                  <a:schemeClr val="tx1"/>
-                </a:solidFill>
-                <a:latin typeface="Calibri" panose="020F0502020204030204" pitchFamily="34" charset="0"/>
-                <a:ea typeface="宋体" panose="02010600030101010101" pitchFamily="2" charset="-122"/>
-              </a:defRPr>
-            </a:lvl3pPr>
-            <a:lvl4pPr marL="1600200" indent="-228600">
-              <a:defRPr>
-                <a:solidFill>
-                  <a:schemeClr val="tx1"/>
-                </a:solidFill>
-                <a:latin typeface="Calibri" panose="020F0502020204030204" pitchFamily="34" charset="0"/>
-                <a:ea typeface="宋体" panose="02010600030101010101" pitchFamily="2" charset="-122"/>
-              </a:defRPr>
-            </a:lvl4pPr>
-            <a:lvl5pPr marL="2057400" indent="-228600">
-              <a:defRPr>
-                <a:solidFill>
-                  <a:schemeClr val="tx1"/>
-                </a:solidFill>
-                <a:latin typeface="Calibri" panose="020F0502020204030204" pitchFamily="34" charset="0"/>
-                <a:ea typeface="宋体" panose="02010600030101010101" pitchFamily="2" charset="-122"/>
-              </a:defRPr>
-            </a:lvl5pPr>
-            <a:lvl6pPr marL="2514600" indent="-228600" fontAlgn="base">
-              <a:spcBef>
-                <a:spcPct val="0"/>
-              </a:spcBef>
-              <a:spcAft>
-                <a:spcPct val="0"/>
-              </a:spcAft>
-              <a:defRPr>
-                <a:solidFill>
-                  <a:schemeClr val="tx1"/>
-                </a:solidFill>
-                <a:latin typeface="Calibri" panose="020F0502020204030204" pitchFamily="34" charset="0"/>
-                <a:ea typeface="宋体" panose="02010600030101010101" pitchFamily="2" charset="-122"/>
-              </a:defRPr>
-            </a:lvl6pPr>
-            <a:lvl7pPr marL="2971800" indent="-228600" fontAlgn="base">
-              <a:spcBef>
-                <a:spcPct val="0"/>
-              </a:spcBef>
-              <a:spcAft>
-                <a:spcPct val="0"/>
-              </a:spcAft>
-              <a:defRPr>
-                <a:solidFill>
-                  <a:schemeClr val="tx1"/>
-                </a:solidFill>
-                <a:latin typeface="Calibri" panose="020F0502020204030204" pitchFamily="34" charset="0"/>
-                <a:ea typeface="宋体" panose="02010600030101010101" pitchFamily="2" charset="-122"/>
-              </a:defRPr>
-            </a:lvl7pPr>
-            <a:lvl8pPr marL="3429000" indent="-228600" fontAlgn="base">
-              <a:spcBef>
-                <a:spcPct val="0"/>
-              </a:spcBef>
-              <a:spcAft>
-                <a:spcPct val="0"/>
-              </a:spcAft>
-              <a:defRPr>
-                <a:solidFill>
-                  <a:schemeClr val="tx1"/>
-                </a:solidFill>
-                <a:latin typeface="Calibri" panose="020F0502020204030204" pitchFamily="34" charset="0"/>
-                <a:ea typeface="宋体" panose="02010600030101010101" pitchFamily="2" charset="-122"/>
-              </a:defRPr>
-            </a:lvl8pPr>
-            <a:lvl9pPr marL="3886200" indent="-228600" fontAlgn="base">
-              <a:spcBef>
-                <a:spcPct val="0"/>
-              </a:spcBef>
-              <a:spcAft>
-                <a:spcPct val="0"/>
-              </a:spcAft>
-              <a:defRPr>
-                <a:solidFill>
-                  <a:schemeClr val="tx1"/>
-                </a:solidFill>
-                <a:latin typeface="Calibri" panose="020F0502020204030204" pitchFamily="34" charset="0"/>
-                <a:ea typeface="宋体" panose="02010600030101010101" pitchFamily="2" charset="-122"/>
-              </a:defRPr>
-            </a:lvl9pPr>
-          </a:lstStyle>
-          <a:p>
-            <a:pPr eaLnBrk="1" hangingPunct="1"/>
-            <a:r>
-              <a:rPr lang="en-US" altLang="zh-CN" sz="11735" b="1" dirty="0" smtClean="0">
-                <a:solidFill>
-                  <a:schemeClr val="bg1"/>
-                </a:solidFill>
-                <a:latin typeface="+mn-lt"/>
-                <a:ea typeface="+mn-ea"/>
-                <a:cs typeface="+mn-ea"/>
-                <a:sym typeface="+mn-lt"/>
-              </a:rPr>
-              <a:t>02</a:t>
-            </a:r>
-            <a:endParaRPr lang="zh-CN" altLang="en-US" sz="11735" b="1" dirty="0">
-              <a:solidFill>
-                <a:schemeClr val="bg1"/>
-              </a:solidFill>
-              <a:latin typeface="+mn-lt"/>
-              <a:ea typeface="+mn-ea"/>
-              <a:cs typeface="+mn-ea"/>
-              <a:sym typeface="+mn-lt"/>
-            </a:endParaRPr>
-          </a:p>
-        </p:txBody>
-      </p:sp>
-      <p:grpSp>
-        <p:nvGrpSpPr>
-          <p:cNvPr id="8" name="组合 7"/>
-          <p:cNvGrpSpPr/>
-          <p:nvPr/>
-        </p:nvGrpSpPr>
-        <p:grpSpPr>
-          <a:xfrm>
-            <a:off x="6312024" y="2476500"/>
-            <a:ext cx="5879976" cy="1897892"/>
-            <a:chOff x="6312024" y="2476500"/>
-            <a:chExt cx="5879976" cy="1897892"/>
-          </a:xfrm>
-        </p:grpSpPr>
-        <p:sp>
-          <p:nvSpPr>
-            <p:cNvPr id="2" name="同侧圆角矩形 1"/>
-            <p:cNvSpPr/>
-            <p:nvPr/>
-          </p:nvSpPr>
-          <p:spPr>
-            <a:xfrm rot="16200000">
-              <a:off x="8303066" y="485458"/>
-              <a:ext cx="1897892" cy="5879976"/>
-            </a:xfrm>
-            <a:prstGeom prst="round2SameRect">
-              <a:avLst/>
-            </a:prstGeom>
-            <a:solidFill>
-              <a:srgbClr val="384656">
-                <a:alpha val="69804"/>
-              </a:srgbClr>
-            </a:solidFill>
-            <a:ln>
-              <a:noFill/>
-            </a:ln>
-          </p:spPr>
-          <p:style>
-            <a:lnRef idx="2">
-              <a:schemeClr val="accent1">
-                <a:shade val="50000"/>
-              </a:schemeClr>
-            </a:lnRef>
-            <a:fillRef idx="1">
-              <a:schemeClr val="accent1"/>
-            </a:fillRef>
-            <a:effectRef idx="0">
-              <a:schemeClr val="accent1"/>
-            </a:effectRef>
-            <a:fontRef idx="minor">
-              <a:schemeClr val="lt1"/>
-            </a:fontRef>
-          </p:style>
-          <p:txBody>
-            <a:bodyPr anchor="ctr"/>
-            <a:lstStyle/>
-            <a:p>
-              <a:pPr algn="ctr"/>
-              <a:endParaRPr lang="zh-CN" altLang="en-US" sz="2400">
-                <a:cs typeface="+mn-ea"/>
-              </a:endParaRPr>
-            </a:p>
-          </p:txBody>
-        </p:sp>
-        <p:sp>
-          <p:nvSpPr>
-            <p:cNvPr id="10" name="TextBox 20"/>
-            <p:cNvSpPr txBox="1"/>
-            <p:nvPr/>
-          </p:nvSpPr>
-          <p:spPr>
-            <a:xfrm>
-              <a:off x="6708125" y="2959525"/>
-              <a:ext cx="1415772" cy="830997"/>
-            </a:xfrm>
-            <a:prstGeom prst="rect">
-              <a:avLst/>
-            </a:prstGeom>
-            <a:noFill/>
-          </p:spPr>
-          <p:txBody>
-            <a:bodyPr wrap="none" rtlCol="0">
-              <a:spAutoFit/>
-            </a:bodyPr>
-            <a:lstStyle/>
-            <a:p>
-              <a:r>
-                <a:rPr lang="zh-CN" altLang="en-US" sz="4800" dirty="0" smtClean="0">
-                  <a:solidFill>
-                    <a:srgbClr val="1EF6DF"/>
-                  </a:solidFill>
-                  <a:latin typeface="+mj-ea"/>
-                  <a:ea typeface="+mj-ea"/>
-                </a:rPr>
-                <a:t>索引</a:t>
-              </a:r>
-              <a:endParaRPr lang="zh-CN" altLang="en-US" sz="4800" dirty="0">
-                <a:solidFill>
-                  <a:srgbClr val="1EF6DF"/>
-                </a:solidFill>
-                <a:latin typeface="+mj-ea"/>
-                <a:ea typeface="+mj-ea"/>
-              </a:endParaRPr>
-            </a:p>
-          </p:txBody>
-        </p:sp>
-      </p:grpSp>
-    </p:spTree>
-    <p:extLst>
-      <p:ext uri="{BB962C8B-B14F-4D97-AF65-F5344CB8AC3E}">
-        <p14:creationId xmlns:p14="http://schemas.microsoft.com/office/powerpoint/2010/main" val="490465369"/>
-      </p:ext>
-    </p:extLst>
-  </p:cSld>
-  <p:clrMapOvr>
-    <a:masterClrMapping/>
-  </p:clrMapOvr>
-  <mc:AlternateContent xmlns:mc="http://schemas.openxmlformats.org/markup-compatibility/2006" xmlns:p14="http://schemas.microsoft.com/office/powerpoint/2010/main">
-    <mc:Choice Requires="p14">
-      <p:transition spd="slow" p14:dur="1200">
-        <p14:prism dir="d"/>
-      </p:transition>
-    </mc:Choice>
-    <mc:Fallback xmlns="">
-      <p:transition spd="slow">
-        <p:fade/>
-      </p:transition>
-    </mc:Fallback>
-  </mc:AlternateContent>
+  <p:transition spd="slow">
+    <p:push/>
+  </p:transition>
   <p:timing>
     <p:tnLst>
       <p:par>
@@ -19749,7 +18414,7 @@
                             </p:stCondLst>
                             <p:childTnLst>
                               <p:par>
-                                <p:cTn id="5" presetID="45" presetClass="entr" presetSubtype="0" fill="hold" grpId="0" nodeType="afterEffect">
+                                <p:cTn id="5" presetID="50" presetClass="entr" presetSubtype="0" decel="100000" fill="hold" grpId="0" nodeType="afterEffect">
                                   <p:stCondLst>
                                     <p:cond delay="0"/>
                                   </p:stCondLst>
@@ -19762,7 +18427,7 @@
                                           </p:stCondLst>
                                         </p:cTn>
                                         <p:tgtEl>
-                                          <p:spTgt spid="9"/>
+                                          <p:spTgt spid="23"/>
                                         </p:tgtEl>
                                         <p:attrNameLst>
                                           <p:attrName>style.visibility</p:attrName>
@@ -19772,42 +18437,34 @@
                                         <p:strVal val="visible"/>
                                       </p:to>
                                     </p:set>
-                                    <p:animEffect transition="in" filter="fade">
-                                      <p:cBhvr>
-                                        <p:cTn id="7" dur="2000"/>
-                                        <p:tgtEl>
-                                          <p:spTgt spid="9"/>
-                                        </p:tgtEl>
-                                      </p:cBhvr>
-                                    </p:animEffect>
                                     <p:anim calcmode="lin" valueType="num">
                                       <p:cBhvr>
-                                        <p:cTn id="8" dur="2000" fill="hold"/>
+                                        <p:cTn id="7" dur="1000" fill="hold"/>
                                         <p:tgtEl>
-                                          <p:spTgt spid="9"/>
+                                          <p:spTgt spid="23"/>
                                         </p:tgtEl>
                                         <p:attrNameLst>
                                           <p:attrName>ppt_w</p:attrName>
                                         </p:attrNameLst>
                                       </p:cBhvr>
                                       <p:tavLst>
-                                        <p:tav tm="0" fmla="#ppt_w*sin(2.5*pi*$)">
+                                        <p:tav tm="0">
                                           <p:val>
-                                            <p:fltVal val="0"/>
+                                            <p:strVal val="#ppt_w+.3"/>
                                           </p:val>
                                         </p:tav>
                                         <p:tav tm="100000">
                                           <p:val>
-                                            <p:fltVal val="1"/>
+                                            <p:strVal val="#ppt_w"/>
                                           </p:val>
                                         </p:tav>
                                       </p:tavLst>
                                     </p:anim>
                                     <p:anim calcmode="lin" valueType="num">
                                       <p:cBhvr>
-                                        <p:cTn id="9" dur="2000" fill="hold"/>
+                                        <p:cTn id="8" dur="1000" fill="hold"/>
                                         <p:tgtEl>
-                                          <p:spTgt spid="9"/>
+                                          <p:spTgt spid="23"/>
                                         </p:tgtEl>
                                         <p:attrNameLst>
                                           <p:attrName>ppt_h</p:attrName>
@@ -19826,11 +18483,19 @@
                                         </p:tav>
                                       </p:tavLst>
                                     </p:anim>
+                                    <p:animEffect transition="in" filter="fade">
+                                      <p:cBhvr>
+                                        <p:cTn id="9" dur="1000"/>
+                                        <p:tgtEl>
+                                          <p:spTgt spid="23"/>
+                                        </p:tgtEl>
+                                      </p:cBhvr>
+                                    </p:animEffect>
                                   </p:childTnLst>
                                 </p:cTn>
                               </p:par>
                               <p:par>
-                                <p:cTn id="10" presetID="45" presetClass="entr" presetSubtype="0" fill="hold" grpId="0" nodeType="withEffect">
+                                <p:cTn id="10" presetID="50" presetClass="entr" presetSubtype="0" decel="100000" fill="hold" nodeType="withEffect">
                                   <p:stCondLst>
                                     <p:cond delay="0"/>
                                   </p:stCondLst>
@@ -19843,7 +18508,7 @@
                                           </p:stCondLst>
                                         </p:cTn>
                                         <p:tgtEl>
-                                          <p:spTgt spid="3"/>
+                                          <p:spTgt spid="37"/>
                                         </p:tgtEl>
                                         <p:attrNameLst>
                                           <p:attrName>style.visibility</p:attrName>
@@ -19853,42 +18518,34 @@
                                         <p:strVal val="visible"/>
                                       </p:to>
                                     </p:set>
-                                    <p:animEffect transition="in" filter="fade">
-                                      <p:cBhvr>
-                                        <p:cTn id="12" dur="2000"/>
-                                        <p:tgtEl>
-                                          <p:spTgt spid="3"/>
-                                        </p:tgtEl>
-                                      </p:cBhvr>
-                                    </p:animEffect>
                                     <p:anim calcmode="lin" valueType="num">
                                       <p:cBhvr>
-                                        <p:cTn id="13" dur="2000" fill="hold"/>
+                                        <p:cTn id="12" dur="1000" fill="hold"/>
                                         <p:tgtEl>
-                                          <p:spTgt spid="3"/>
+                                          <p:spTgt spid="37"/>
                                         </p:tgtEl>
                                         <p:attrNameLst>
                                           <p:attrName>ppt_w</p:attrName>
                                         </p:attrNameLst>
                                       </p:cBhvr>
                                       <p:tavLst>
-                                        <p:tav tm="0" fmla="#ppt_w*sin(2.5*pi*$)">
+                                        <p:tav tm="0">
                                           <p:val>
-                                            <p:fltVal val="0"/>
+                                            <p:strVal val="#ppt_w+.3"/>
                                           </p:val>
                                         </p:tav>
                                         <p:tav tm="100000">
                                           <p:val>
-                                            <p:fltVal val="1"/>
+                                            <p:strVal val="#ppt_w"/>
                                           </p:val>
                                         </p:tav>
                                       </p:tavLst>
                                     </p:anim>
                                     <p:anim calcmode="lin" valueType="num">
                                       <p:cBhvr>
-                                        <p:cTn id="14" dur="2000" fill="hold"/>
+                                        <p:cTn id="13" dur="1000" fill="hold"/>
                                         <p:tgtEl>
-                                          <p:spTgt spid="3"/>
+                                          <p:spTgt spid="37"/>
                                         </p:tgtEl>
                                         <p:attrNameLst>
                                           <p:attrName>ppt_h</p:attrName>
@@ -19907,322 +18564,14 @@
                                         </p:tav>
                                       </p:tavLst>
                                     </p:anim>
-                                  </p:childTnLst>
-                                </p:cTn>
-                              </p:par>
-                              <p:par>
-                                <p:cTn id="15" presetID="45" presetClass="entr" presetSubtype="0" fill="hold" grpId="0" nodeType="withEffect">
-                                  <p:stCondLst>
-                                    <p:cond delay="0"/>
-                                  </p:stCondLst>
-                                  <p:childTnLst>
-                                    <p:set>
-                                      <p:cBhvr>
-                                        <p:cTn id="16" dur="1" fill="hold">
-                                          <p:stCondLst>
-                                            <p:cond delay="0"/>
-                                          </p:stCondLst>
-                                        </p:cTn>
-                                        <p:tgtEl>
-                                          <p:spTgt spid="4"/>
-                                        </p:tgtEl>
-                                        <p:attrNameLst>
-                                          <p:attrName>style.visibility</p:attrName>
-                                        </p:attrNameLst>
-                                      </p:cBhvr>
-                                      <p:to>
-                                        <p:strVal val="visible"/>
-                                      </p:to>
-                                    </p:set>
                                     <p:animEffect transition="in" filter="fade">
                                       <p:cBhvr>
-                                        <p:cTn id="17" dur="2000"/>
+                                        <p:cTn id="14" dur="1000"/>
                                         <p:tgtEl>
-                                          <p:spTgt spid="4"/>
+                                          <p:spTgt spid="37"/>
                                         </p:tgtEl>
                                       </p:cBhvr>
                                     </p:animEffect>
-                                    <p:anim calcmode="lin" valueType="num">
-                                      <p:cBhvr>
-                                        <p:cTn id="18" dur="2000" fill="hold"/>
-                                        <p:tgtEl>
-                                          <p:spTgt spid="4"/>
-                                        </p:tgtEl>
-                                        <p:attrNameLst>
-                                          <p:attrName>ppt_w</p:attrName>
-                                        </p:attrNameLst>
-                                      </p:cBhvr>
-                                      <p:tavLst>
-                                        <p:tav tm="0" fmla="#ppt_w*sin(2.5*pi*$)">
-                                          <p:val>
-                                            <p:fltVal val="0"/>
-                                          </p:val>
-                                        </p:tav>
-                                        <p:tav tm="100000">
-                                          <p:val>
-                                            <p:fltVal val="1"/>
-                                          </p:val>
-                                        </p:tav>
-                                      </p:tavLst>
-                                    </p:anim>
-                                    <p:anim calcmode="lin" valueType="num">
-                                      <p:cBhvr>
-                                        <p:cTn id="19" dur="2000" fill="hold"/>
-                                        <p:tgtEl>
-                                          <p:spTgt spid="4"/>
-                                        </p:tgtEl>
-                                        <p:attrNameLst>
-                                          <p:attrName>ppt_h</p:attrName>
-                                        </p:attrNameLst>
-                                      </p:cBhvr>
-                                      <p:tavLst>
-                                        <p:tav tm="0">
-                                          <p:val>
-                                            <p:strVal val="#ppt_h"/>
-                                          </p:val>
-                                        </p:tav>
-                                        <p:tav tm="100000">
-                                          <p:val>
-                                            <p:strVal val="#ppt_h"/>
-                                          </p:val>
-                                        </p:tav>
-                                      </p:tavLst>
-                                    </p:anim>
-                                  </p:childTnLst>
-                                </p:cTn>
-                              </p:par>
-                              <p:par>
-                                <p:cTn id="20" presetID="45" presetClass="entr" presetSubtype="0" fill="hold" grpId="0" nodeType="withEffect">
-                                  <p:stCondLst>
-                                    <p:cond delay="0"/>
-                                  </p:stCondLst>
-                                  <p:childTnLst>
-                                    <p:set>
-                                      <p:cBhvr>
-                                        <p:cTn id="21" dur="1" fill="hold">
-                                          <p:stCondLst>
-                                            <p:cond delay="0"/>
-                                          </p:stCondLst>
-                                        </p:cTn>
-                                        <p:tgtEl>
-                                          <p:spTgt spid="5"/>
-                                        </p:tgtEl>
-                                        <p:attrNameLst>
-                                          <p:attrName>style.visibility</p:attrName>
-                                        </p:attrNameLst>
-                                      </p:cBhvr>
-                                      <p:to>
-                                        <p:strVal val="visible"/>
-                                      </p:to>
-                                    </p:set>
-                                    <p:animEffect transition="in" filter="fade">
-                                      <p:cBhvr>
-                                        <p:cTn id="22" dur="2000"/>
-                                        <p:tgtEl>
-                                          <p:spTgt spid="5"/>
-                                        </p:tgtEl>
-                                      </p:cBhvr>
-                                    </p:animEffect>
-                                    <p:anim calcmode="lin" valueType="num">
-                                      <p:cBhvr>
-                                        <p:cTn id="23" dur="2000" fill="hold"/>
-                                        <p:tgtEl>
-                                          <p:spTgt spid="5"/>
-                                        </p:tgtEl>
-                                        <p:attrNameLst>
-                                          <p:attrName>ppt_w</p:attrName>
-                                        </p:attrNameLst>
-                                      </p:cBhvr>
-                                      <p:tavLst>
-                                        <p:tav tm="0" fmla="#ppt_w*sin(2.5*pi*$)">
-                                          <p:val>
-                                            <p:fltVal val="0"/>
-                                          </p:val>
-                                        </p:tav>
-                                        <p:tav tm="100000">
-                                          <p:val>
-                                            <p:fltVal val="1"/>
-                                          </p:val>
-                                        </p:tav>
-                                      </p:tavLst>
-                                    </p:anim>
-                                    <p:anim calcmode="lin" valueType="num">
-                                      <p:cBhvr>
-                                        <p:cTn id="24" dur="2000" fill="hold"/>
-                                        <p:tgtEl>
-                                          <p:spTgt spid="5"/>
-                                        </p:tgtEl>
-                                        <p:attrNameLst>
-                                          <p:attrName>ppt_h</p:attrName>
-                                        </p:attrNameLst>
-                                      </p:cBhvr>
-                                      <p:tavLst>
-                                        <p:tav tm="0">
-                                          <p:val>
-                                            <p:strVal val="#ppt_h"/>
-                                          </p:val>
-                                        </p:tav>
-                                        <p:tav tm="100000">
-                                          <p:val>
-                                            <p:strVal val="#ppt_h"/>
-                                          </p:val>
-                                        </p:tav>
-                                      </p:tavLst>
-                                    </p:anim>
-                                  </p:childTnLst>
-                                </p:cTn>
-                              </p:par>
-                              <p:par>
-                                <p:cTn id="25" presetID="45" presetClass="entr" presetSubtype="0" fill="hold" grpId="0" nodeType="withEffect">
-                                  <p:stCondLst>
-                                    <p:cond delay="0"/>
-                                  </p:stCondLst>
-                                  <p:childTnLst>
-                                    <p:set>
-                                      <p:cBhvr>
-                                        <p:cTn id="26" dur="1" fill="hold">
-                                          <p:stCondLst>
-                                            <p:cond delay="0"/>
-                                          </p:stCondLst>
-                                        </p:cTn>
-                                        <p:tgtEl>
-                                          <p:spTgt spid="6"/>
-                                        </p:tgtEl>
-                                        <p:attrNameLst>
-                                          <p:attrName>style.visibility</p:attrName>
-                                        </p:attrNameLst>
-                                      </p:cBhvr>
-                                      <p:to>
-                                        <p:strVal val="visible"/>
-                                      </p:to>
-                                    </p:set>
-                                    <p:animEffect transition="in" filter="fade">
-                                      <p:cBhvr>
-                                        <p:cTn id="27" dur="2000"/>
-                                        <p:tgtEl>
-                                          <p:spTgt spid="6"/>
-                                        </p:tgtEl>
-                                      </p:cBhvr>
-                                    </p:animEffect>
-                                    <p:anim calcmode="lin" valueType="num">
-                                      <p:cBhvr>
-                                        <p:cTn id="28" dur="2000" fill="hold"/>
-                                        <p:tgtEl>
-                                          <p:spTgt spid="6"/>
-                                        </p:tgtEl>
-                                        <p:attrNameLst>
-                                          <p:attrName>ppt_w</p:attrName>
-                                        </p:attrNameLst>
-                                      </p:cBhvr>
-                                      <p:tavLst>
-                                        <p:tav tm="0" fmla="#ppt_w*sin(2.5*pi*$)">
-                                          <p:val>
-                                            <p:fltVal val="0"/>
-                                          </p:val>
-                                        </p:tav>
-                                        <p:tav tm="100000">
-                                          <p:val>
-                                            <p:fltVal val="1"/>
-                                          </p:val>
-                                        </p:tav>
-                                      </p:tavLst>
-                                    </p:anim>
-                                    <p:anim calcmode="lin" valueType="num">
-                                      <p:cBhvr>
-                                        <p:cTn id="29" dur="2000" fill="hold"/>
-                                        <p:tgtEl>
-                                          <p:spTgt spid="6"/>
-                                        </p:tgtEl>
-                                        <p:attrNameLst>
-                                          <p:attrName>ppt_h</p:attrName>
-                                        </p:attrNameLst>
-                                      </p:cBhvr>
-                                      <p:tavLst>
-                                        <p:tav tm="0">
-                                          <p:val>
-                                            <p:strVal val="#ppt_h"/>
-                                          </p:val>
-                                        </p:tav>
-                                        <p:tav tm="100000">
-                                          <p:val>
-                                            <p:strVal val="#ppt_h"/>
-                                          </p:val>
-                                        </p:tav>
-                                      </p:tavLst>
-                                    </p:anim>
-                                  </p:childTnLst>
-                                </p:cTn>
-                              </p:par>
-                              <p:par>
-                                <p:cTn id="30" presetID="2" presetClass="entr" presetSubtype="2" accel="50000" decel="50000" fill="hold" nodeType="withEffect">
-                                  <p:stCondLst>
-                                    <p:cond delay="0"/>
-                                  </p:stCondLst>
-                                  <p:childTnLst>
-                                    <p:set>
-                                      <p:cBhvr>
-                                        <p:cTn id="31" dur="1" fill="hold">
-                                          <p:stCondLst>
-                                            <p:cond delay="0"/>
-                                          </p:stCondLst>
-                                        </p:cTn>
-                                        <p:tgtEl>
-                                          <p:spTgt spid="8"/>
-                                        </p:tgtEl>
-                                        <p:attrNameLst>
-                                          <p:attrName>style.visibility</p:attrName>
-                                        </p:attrNameLst>
-                                      </p:cBhvr>
-                                      <p:to>
-                                        <p:strVal val="visible"/>
-                                      </p:to>
-                                    </p:set>
-                                    <p:anim calcmode="lin" valueType="num">
-                                      <p:cBhvr additive="base">
-                                        <p:cTn id="32" dur="1500" fill="hold"/>
-                                        <p:tgtEl>
-                                          <p:spTgt spid="8"/>
-                                        </p:tgtEl>
-                                        <p:attrNameLst>
-                                          <p:attrName>ppt_x</p:attrName>
-                                        </p:attrNameLst>
-                                      </p:cBhvr>
-                                      <p:tavLst>
-                                        <p:tav tm="0">
-                                          <p:val>
-                                            <p:strVal val="1+#ppt_w/2"/>
-                                          </p:val>
-                                        </p:tav>
-                                        <p:tav tm="100000">
-                                          <p:val>
-                                            <p:strVal val="#ppt_x"/>
-                                          </p:val>
-                                        </p:tav>
-                                      </p:tavLst>
-                                    </p:anim>
-                                    <p:anim calcmode="lin" valueType="num">
-                                      <p:cBhvr additive="base">
-                                        <p:cTn id="33" dur="1500" fill="hold"/>
-                                        <p:tgtEl>
-                                          <p:spTgt spid="8"/>
-                                        </p:tgtEl>
-                                        <p:attrNameLst>
-                                          <p:attrName>ppt_y</p:attrName>
-                                        </p:attrNameLst>
-                                      </p:cBhvr>
-                                      <p:tavLst>
-                                        <p:tav tm="0">
-                                          <p:val>
-                                            <p:strVal val="#ppt_y"/>
-                                          </p:val>
-                                        </p:tav>
-                                        <p:tav tm="100000">
-                                          <p:val>
-                                            <p:strVal val="#ppt_y"/>
-                                          </p:val>
-                                        </p:tav>
-                                      </p:tavLst>
-                                    </p:anim>
                                   </p:childTnLst>
                                 </p:cTn>
                               </p:par>
@@ -20254,12 +18603,1010 @@
       </p:par>
     </p:tnLst>
     <p:bldLst>
-      <p:bldP spid="9" grpId="0" animBg="1"/>
-      <p:bldP spid="3" grpId="0" animBg="1"/>
-      <p:bldP spid="4" grpId="0" animBg="1"/>
-      <p:bldP spid="5" grpId="0" animBg="1"/>
-      <p:bldP spid="6" grpId="0"/>
+      <p:bldP spid="23" grpId="0"/>
     </p:bldLst>
+  </p:timing>
+</p:sld>
+</file>
+
+<file path=ppt/slides/slide9.xml><?xml version="1.0" encoding="utf-8"?>
+<p:sld xmlns:a="http://schemas.openxmlformats.org/drawingml/2006/main" xmlns:r="http://schemas.openxmlformats.org/officeDocument/2006/relationships" xmlns:p="http://schemas.openxmlformats.org/presentationml/2006/main">
+  <p:cSld>
+    <p:spTree>
+      <p:nvGrpSpPr>
+        <p:cNvPr id="1" name=""/>
+        <p:cNvGrpSpPr/>
+        <p:nvPr/>
+      </p:nvGrpSpPr>
+      <p:grpSpPr>
+        <a:xfrm>
+          <a:off x="0" y="0"/>
+          <a:ext cx="0" cy="0"/>
+          <a:chOff x="0" y="0"/>
+          <a:chExt cx="0" cy="0"/>
+        </a:xfrm>
+      </p:grpSpPr>
+      <p:sp>
+        <p:nvSpPr>
+          <p:cNvPr id="4" name="矩形 3"/>
+          <p:cNvSpPr/>
+          <p:nvPr/>
+        </p:nvSpPr>
+        <p:spPr>
+          <a:xfrm>
+            <a:off x="0" y="980728"/>
+            <a:ext cx="12961440" cy="6401753"/>
+          </a:xfrm>
+          <a:prstGeom prst="rect">
+            <a:avLst/>
+          </a:prstGeom>
+        </p:spPr>
+        <p:txBody>
+          <a:bodyPr wrap="square">
+            <a:spAutoFit/>
+          </a:bodyPr>
+          <a:lstStyle/>
+          <a:p>
+            <a:r>
+              <a:rPr lang="zh-CN" altLang="en-US" dirty="0"/>
+              <a:t>（</a:t>
+            </a:r>
+            <a:r>
+              <a:rPr lang="en-US" altLang="zh-CN" dirty="0"/>
+              <a:t>4</a:t>
+            </a:r>
+            <a:r>
+              <a:rPr lang="zh-CN" altLang="en-US" dirty="0" smtClean="0"/>
+              <a:t>）基</a:t>
+            </a:r>
+            <a:r>
+              <a:rPr lang="zh-CN" altLang="en-US" dirty="0"/>
+              <a:t>本查询</a:t>
+            </a:r>
+            <a:endParaRPr lang="en-US" altLang="zh-CN" dirty="0"/>
+          </a:p>
+          <a:p>
+            <a:endParaRPr lang="en-US" altLang="zh-CN" dirty="0"/>
+          </a:p>
+          <a:p>
+            <a:r>
+              <a:rPr lang="en-US" altLang="zh-CN" dirty="0"/>
+              <a:t>     </a:t>
+            </a:r>
+            <a:r>
+              <a:rPr lang="zh-CN" altLang="en-US" dirty="0" smtClean="0"/>
+              <a:t>调</a:t>
+            </a:r>
+            <a:r>
+              <a:rPr lang="zh-CN" altLang="en-US" dirty="0"/>
+              <a:t>用</a:t>
+            </a:r>
+            <a:r>
+              <a:rPr lang="en-US" altLang="zh-CN" dirty="0"/>
+              <a:t>Model</a:t>
+            </a:r>
+            <a:r>
+              <a:rPr lang="zh-CN" altLang="en-US" dirty="0"/>
+              <a:t>静态方法</a:t>
+            </a:r>
+            <a:r>
+              <a:rPr lang="en-US" altLang="zh-CN" dirty="0" err="1"/>
+              <a:t>Model.find</a:t>
+            </a:r>
+            <a:r>
+              <a:rPr lang="en-US" altLang="zh-CN" dirty="0"/>
+              <a:t>(),</a:t>
+            </a:r>
+            <a:r>
+              <a:rPr lang="zh-CN" altLang="en-US" dirty="0"/>
+              <a:t>返回</a:t>
+            </a:r>
+            <a:r>
+              <a:rPr lang="en-US" altLang="zh-CN" dirty="0"/>
+              <a:t>Query</a:t>
+            </a:r>
+            <a:r>
+              <a:rPr lang="zh-CN" altLang="en-US" dirty="0"/>
+              <a:t>实例。</a:t>
+            </a:r>
+            <a:endParaRPr lang="en-US" altLang="zh-CN" dirty="0"/>
+          </a:p>
+          <a:p>
+            <a:r>
+              <a:rPr lang="zh-CN" altLang="en-US" dirty="0"/>
+              <a:t>     </a:t>
+            </a:r>
+            <a:r>
+              <a:rPr lang="en-US" altLang="zh-CN" dirty="0"/>
+              <a:t>find</a:t>
+            </a:r>
+            <a:r>
+              <a:rPr lang="zh-CN" altLang="en-US" dirty="0"/>
+              <a:t>方法涉及</a:t>
+            </a:r>
+            <a:r>
+              <a:rPr lang="en-US" altLang="zh-CN" dirty="0"/>
+              <a:t>4</a:t>
+            </a:r>
+            <a:r>
+              <a:rPr lang="zh-CN" altLang="en-US" dirty="0"/>
+              <a:t>个参数：</a:t>
+            </a:r>
+            <a:endParaRPr lang="en-US" altLang="zh-CN" dirty="0"/>
+          </a:p>
+          <a:p>
+            <a:r>
+              <a:rPr lang="en-US" altLang="zh-CN" dirty="0"/>
+              <a:t>       </a:t>
+            </a:r>
+            <a:r>
+              <a:rPr lang="en-US" altLang="zh-CN" dirty="0" err="1"/>
+              <a:t>a.conditions</a:t>
+            </a:r>
+            <a:r>
+              <a:rPr lang="en-US" altLang="zh-CN" dirty="0"/>
+              <a:t> </a:t>
+            </a:r>
+            <a:r>
+              <a:rPr lang="zh-CN" altLang="en-US" dirty="0"/>
+              <a:t>查询条件</a:t>
+            </a:r>
+            <a:r>
+              <a:rPr lang="en-US" altLang="zh-CN" dirty="0"/>
+              <a:t>,</a:t>
+            </a:r>
+            <a:r>
+              <a:rPr lang="zh-CN" altLang="en-US" dirty="0"/>
+              <a:t>这里可以使用一些查询操作符代替方法调用，例如</a:t>
+            </a:r>
+            <a:r>
+              <a:rPr lang="en-US" altLang="zh-CN" dirty="0"/>
+              <a:t>$</a:t>
+            </a:r>
+            <a:r>
+              <a:rPr lang="en-US" altLang="zh-CN" dirty="0" err="1"/>
+              <a:t>gte</a:t>
+            </a:r>
+            <a:r>
+              <a:rPr lang="en-US" altLang="zh-CN" dirty="0"/>
+              <a:t>,$</a:t>
+            </a:r>
+            <a:r>
+              <a:rPr lang="en-US" altLang="zh-CN" dirty="0" err="1"/>
+              <a:t>in,$</a:t>
+            </a:r>
+            <a:r>
+              <a:rPr lang="en-US" altLang="zh-CN" dirty="0" err="1" smtClean="0"/>
+              <a:t>ne,$or</a:t>
+            </a:r>
+            <a:r>
+              <a:rPr lang="zh-CN" altLang="en-US" dirty="0"/>
+              <a:t>等</a:t>
+            </a:r>
+            <a:endParaRPr lang="en-US" altLang="zh-CN" dirty="0"/>
+          </a:p>
+          <a:p>
+            <a:r>
+              <a:rPr lang="en-US" altLang="zh-CN" dirty="0"/>
+              <a:t>       b.[projection] </a:t>
+            </a:r>
+            <a:r>
+              <a:rPr lang="zh-CN" altLang="en-US" dirty="0"/>
+              <a:t>返回字段，可以是空格分隔的字符串，也可以是对象。例如‘</a:t>
+            </a:r>
+            <a:r>
+              <a:rPr lang="en-US" altLang="zh-CN" dirty="0"/>
+              <a:t>name -age</a:t>
+            </a:r>
+            <a:r>
+              <a:rPr lang="zh-CN" altLang="en-US" dirty="0"/>
+              <a:t>’</a:t>
+            </a:r>
+            <a:r>
+              <a:rPr lang="en-US" altLang="zh-CN" dirty="0"/>
+              <a:t>{name:1,age:0}</a:t>
+            </a:r>
+          </a:p>
+          <a:p>
+            <a:r>
+              <a:rPr lang="en-US" altLang="zh-CN" dirty="0"/>
+              <a:t>       c.[options]  </a:t>
+            </a:r>
+            <a:r>
+              <a:rPr lang="zh-CN" altLang="en-US" dirty="0"/>
+              <a:t>配置项 常用的有</a:t>
+            </a:r>
+            <a:r>
+              <a:rPr lang="en-US" altLang="zh-CN" dirty="0"/>
+              <a:t>sort</a:t>
+            </a:r>
+            <a:r>
+              <a:rPr lang="zh-CN" altLang="en-US" dirty="0"/>
+              <a:t>、</a:t>
+            </a:r>
+            <a:r>
+              <a:rPr lang="en-US" altLang="zh-CN" dirty="0"/>
+              <a:t>limit</a:t>
+            </a:r>
+            <a:r>
+              <a:rPr lang="zh-CN" altLang="en-US" dirty="0"/>
+              <a:t>、</a:t>
+            </a:r>
+            <a:r>
+              <a:rPr lang="en-US" altLang="zh-CN" dirty="0"/>
+              <a:t>skip</a:t>
+            </a:r>
+            <a:r>
+              <a:rPr lang="zh-CN" altLang="en-US" dirty="0"/>
+              <a:t>等</a:t>
+            </a:r>
+            <a:endParaRPr lang="en-US" altLang="zh-CN" dirty="0"/>
+          </a:p>
+          <a:p>
+            <a:r>
+              <a:rPr lang="en-US" altLang="zh-CN" dirty="0"/>
+              <a:t>       d.[callback] </a:t>
+            </a:r>
+            <a:r>
+              <a:rPr lang="zh-CN" altLang="en-US" dirty="0"/>
+              <a:t>回掉函数，第一个参数是</a:t>
+            </a:r>
+            <a:r>
+              <a:rPr lang="en-US" altLang="zh-CN" dirty="0"/>
+              <a:t>err</a:t>
+            </a:r>
+            <a:r>
+              <a:rPr lang="zh-CN" altLang="en-US" dirty="0"/>
+              <a:t>对象，第二个参数是返回的</a:t>
+            </a:r>
+            <a:r>
+              <a:rPr lang="en-US" altLang="zh-CN" dirty="0"/>
+              <a:t>document</a:t>
+            </a:r>
+          </a:p>
+          <a:p>
+            <a:r>
+              <a:rPr lang="en-US" altLang="zh-CN" dirty="0"/>
+              <a:t>     </a:t>
+            </a:r>
+            <a:r>
+              <a:rPr lang="zh-CN" altLang="en-US" dirty="0"/>
+              <a:t>注意</a:t>
+            </a:r>
+            <a:r>
+              <a:rPr lang="zh-CN" altLang="en-US" dirty="0" smtClean="0"/>
+              <a:t>：</a:t>
+            </a:r>
+            <a:endParaRPr lang="en-US" altLang="zh-CN" dirty="0" smtClean="0"/>
+          </a:p>
+          <a:p>
+            <a:r>
+              <a:rPr lang="en-US" altLang="zh-CN" dirty="0" smtClean="0"/>
+              <a:t>       </a:t>
+            </a:r>
+            <a:r>
+              <a:rPr lang="en-US" altLang="zh-CN" dirty="0" err="1"/>
+              <a:t>a.Query</a:t>
+            </a:r>
+            <a:r>
+              <a:rPr lang="zh-CN" altLang="en-US" dirty="0"/>
+              <a:t>实例支持链式调用，最后调用</a:t>
+            </a:r>
+            <a:r>
+              <a:rPr lang="en-US" altLang="zh-CN" dirty="0"/>
+              <a:t>exec()</a:t>
+            </a:r>
+            <a:r>
+              <a:rPr lang="zh-CN" altLang="en-US" dirty="0"/>
+              <a:t>方法执行，</a:t>
+            </a:r>
+            <a:r>
+              <a:rPr lang="en-US" altLang="zh-CN" dirty="0"/>
+              <a:t>exec()</a:t>
+            </a:r>
+            <a:r>
+              <a:rPr lang="zh-CN" altLang="en-US" dirty="0"/>
+              <a:t>返回</a:t>
+            </a:r>
+            <a:r>
+              <a:rPr lang="en-US" altLang="zh-CN" dirty="0"/>
+              <a:t>promise</a:t>
+            </a:r>
+            <a:r>
+              <a:rPr lang="zh-CN" altLang="en-US" dirty="0"/>
+              <a:t>对象</a:t>
+            </a:r>
+            <a:endParaRPr lang="en-US" altLang="zh-CN" dirty="0"/>
+          </a:p>
+          <a:p>
+            <a:r>
+              <a:rPr lang="en-US" altLang="zh-CN" dirty="0"/>
+              <a:t>       </a:t>
+            </a:r>
+            <a:r>
+              <a:rPr lang="en-US" altLang="zh-CN" dirty="0" err="1"/>
+              <a:t>b.conditions</a:t>
+            </a:r>
+            <a:r>
+              <a:rPr lang="zh-CN" altLang="en-US" dirty="0"/>
+              <a:t>中查询操作符都可以使用</a:t>
+            </a:r>
+            <a:r>
+              <a:rPr lang="en-US" altLang="zh-CN" dirty="0"/>
+              <a:t>Query</a:t>
+            </a:r>
+            <a:r>
+              <a:rPr lang="zh-CN" altLang="en-US" dirty="0"/>
+              <a:t>的实例方法代替，进行链式查询</a:t>
+            </a:r>
+            <a:endParaRPr lang="en-US" altLang="zh-CN" dirty="0"/>
+          </a:p>
+          <a:p>
+            <a:r>
+              <a:rPr lang="en-US" altLang="zh-CN" dirty="0"/>
+              <a:t>         </a:t>
+            </a:r>
+            <a:r>
+              <a:rPr lang="zh-CN" altLang="zh-CN" dirty="0">
+                <a:solidFill>
+                  <a:srgbClr val="FF0000"/>
+                </a:solidFill>
+              </a:rPr>
+              <a:t>User.find({age: {$gte: 21, $lte: 65}}, c</a:t>
+            </a:r>
+            <a:r>
+              <a:rPr lang="en-US" altLang="zh-CN" dirty="0">
+                <a:solidFill>
+                  <a:srgbClr val="FF0000"/>
+                </a:solidFill>
+              </a:rPr>
+              <a:t>b</a:t>
+            </a:r>
+            <a:r>
+              <a:rPr lang="zh-CN" altLang="zh-CN" dirty="0">
+                <a:solidFill>
+                  <a:srgbClr val="FF0000"/>
+                </a:solidFill>
+              </a:rPr>
+              <a:t>); </a:t>
+            </a:r>
+            <a:r>
+              <a:rPr lang="zh-CN" altLang="en-US" dirty="0">
+                <a:solidFill>
+                  <a:srgbClr val="FF0000"/>
+                </a:solidFill>
+              </a:rPr>
+              <a:t>等价于 </a:t>
+            </a:r>
+            <a:r>
+              <a:rPr lang="zh-CN" altLang="zh-CN" dirty="0">
+                <a:solidFill>
+                  <a:srgbClr val="FF0000"/>
+                </a:solidFill>
+              </a:rPr>
+              <a:t>User.where('age').gte(21).lte(65).exec(</a:t>
+            </a:r>
+            <a:r>
+              <a:rPr lang="en-US" altLang="zh-CN" dirty="0" err="1">
+                <a:solidFill>
+                  <a:srgbClr val="FF0000"/>
+                </a:solidFill>
+              </a:rPr>
+              <a:t>cb</a:t>
+            </a:r>
+            <a:r>
+              <a:rPr lang="zh-CN" altLang="zh-CN" dirty="0" smtClean="0">
+                <a:solidFill>
+                  <a:srgbClr val="FF0000"/>
+                </a:solidFill>
+              </a:rPr>
+              <a:t>);</a:t>
+            </a:r>
+            <a:endParaRPr lang="en-US" altLang="zh-CN" dirty="0" smtClean="0">
+              <a:solidFill>
+                <a:srgbClr val="FF0000"/>
+              </a:solidFill>
+            </a:endParaRPr>
+          </a:p>
+          <a:p>
+            <a:endParaRPr lang="en-US" altLang="zh-CN" dirty="0" smtClean="0"/>
+          </a:p>
+          <a:p>
+            <a:r>
+              <a:rPr lang="zh-CN" altLang="en-US" dirty="0" smtClean="0"/>
+              <a:t>（</a:t>
+            </a:r>
+            <a:r>
+              <a:rPr lang="en-US" altLang="zh-CN" dirty="0" smtClean="0"/>
+              <a:t>5</a:t>
+            </a:r>
+            <a:r>
+              <a:rPr lang="zh-CN" altLang="en-US" dirty="0" smtClean="0"/>
+              <a:t>）联表查询</a:t>
+            </a:r>
+            <a:r>
+              <a:rPr lang="en-US" altLang="zh-CN" dirty="0" smtClean="0"/>
+              <a:t>(</a:t>
+            </a:r>
+            <a:r>
+              <a:rPr lang="zh-CN" altLang="en-US" dirty="0" smtClean="0"/>
+              <a:t>涉及两个表的查询</a:t>
+            </a:r>
+            <a:r>
+              <a:rPr lang="en-US" altLang="zh-CN" dirty="0" smtClean="0"/>
+              <a:t>)</a:t>
+            </a:r>
+          </a:p>
+          <a:p>
+            <a:r>
+              <a:rPr lang="en-US" altLang="zh-CN" dirty="0"/>
+              <a:t> </a:t>
+            </a:r>
+            <a:r>
+              <a:rPr lang="en-US" altLang="zh-CN" dirty="0" smtClean="0"/>
+              <a:t>    </a:t>
+            </a:r>
+            <a:r>
+              <a:rPr lang="zh-CN" altLang="en-US" dirty="0"/>
+              <a:t>两</a:t>
+            </a:r>
+            <a:r>
+              <a:rPr lang="zh-CN" altLang="en-US" dirty="0" smtClean="0"/>
+              <a:t>种方法：</a:t>
+            </a:r>
+            <a:endParaRPr lang="en-US" altLang="zh-CN" dirty="0" smtClean="0"/>
+          </a:p>
+          <a:p>
+            <a:r>
+              <a:rPr lang="en-US" altLang="zh-CN" dirty="0" smtClean="0"/>
+              <a:t>     a.</a:t>
+            </a:r>
+            <a:r>
+              <a:rPr lang="zh-CN" altLang="en-US" dirty="0" smtClean="0"/>
+              <a:t>调用</a:t>
+            </a:r>
+            <a:r>
+              <a:rPr lang="en-US" altLang="zh-CN" dirty="0" smtClean="0"/>
+              <a:t>Query</a:t>
+            </a:r>
+            <a:r>
+              <a:rPr lang="zh-CN" altLang="en-US" dirty="0" smtClean="0"/>
+              <a:t>实例的</a:t>
+            </a:r>
+            <a:r>
+              <a:rPr lang="en-US" altLang="zh-CN" dirty="0" smtClean="0"/>
+              <a:t>populate()</a:t>
+            </a:r>
+            <a:r>
+              <a:rPr lang="zh-CN" altLang="en-US" dirty="0" smtClean="0"/>
+              <a:t>方法</a:t>
+            </a:r>
+            <a:r>
+              <a:rPr lang="en-US" altLang="zh-CN" dirty="0" smtClean="0"/>
+              <a:t>,</a:t>
+            </a:r>
+            <a:r>
+              <a:rPr lang="zh-CN" altLang="en-US" dirty="0" smtClean="0"/>
+              <a:t>返回</a:t>
+            </a:r>
+            <a:r>
+              <a:rPr lang="en-US" altLang="zh-CN" dirty="0" smtClean="0"/>
+              <a:t>this</a:t>
+            </a:r>
+            <a:r>
+              <a:rPr lang="zh-CN" altLang="en-US" dirty="0" smtClean="0"/>
+              <a:t>即</a:t>
+            </a:r>
+            <a:r>
+              <a:rPr lang="en-US" altLang="zh-CN" dirty="0" smtClean="0"/>
+              <a:t>query</a:t>
+            </a:r>
+            <a:r>
+              <a:rPr lang="zh-CN" altLang="en-US" dirty="0" smtClean="0"/>
+              <a:t>实例</a:t>
+            </a:r>
+            <a:endParaRPr lang="en-US" altLang="zh-CN" dirty="0" smtClean="0"/>
+          </a:p>
+          <a:p>
+            <a:r>
+              <a:rPr lang="en-US" altLang="zh-CN" dirty="0"/>
+              <a:t> </a:t>
+            </a:r>
+            <a:r>
+              <a:rPr lang="en-US" altLang="zh-CN" dirty="0" smtClean="0"/>
+              <a:t>      </a:t>
+            </a:r>
+            <a:r>
+              <a:rPr lang="en-US" altLang="zh-CN" dirty="0">
+                <a:solidFill>
+                  <a:srgbClr val="222222"/>
+                </a:solidFill>
+                <a:latin typeface="Arial" panose="020B0604020202020204" pitchFamily="34" charset="0"/>
+                <a:ea typeface="Menlo"/>
+                <a:cs typeface="Arial" panose="020B0604020202020204" pitchFamily="34" charset="0"/>
+              </a:rPr>
+              <a:t> </a:t>
+            </a:r>
+            <a:r>
+              <a:rPr lang="zh-CN" altLang="zh-CN" dirty="0">
+                <a:solidFill>
+                  <a:srgbClr val="222222"/>
+                </a:solidFill>
+                <a:latin typeface="Arial" panose="020B0604020202020204" pitchFamily="34" charset="0"/>
+                <a:ea typeface="Menlo"/>
+                <a:cs typeface="Arial" panose="020B0604020202020204" pitchFamily="34" charset="0"/>
+              </a:rPr>
+              <a:t>Kitten.find().populate({path: </a:t>
+            </a:r>
+            <a:r>
+              <a:rPr lang="zh-CN" altLang="zh-CN" dirty="0">
+                <a:solidFill>
+                  <a:srgbClr val="DD1144"/>
+                </a:solidFill>
+                <a:latin typeface="Arial" panose="020B0604020202020204" pitchFamily="34" charset="0"/>
+                <a:ea typeface="Menlo"/>
+                <a:cs typeface="Arial" panose="020B0604020202020204" pitchFamily="34" charset="0"/>
+              </a:rPr>
+              <a:t>'owner'</a:t>
+            </a:r>
+            <a:r>
+              <a:rPr lang="zh-CN" altLang="zh-CN" dirty="0">
+                <a:solidFill>
+                  <a:srgbClr val="222222"/>
+                </a:solidFill>
+                <a:latin typeface="Arial" panose="020B0604020202020204" pitchFamily="34" charset="0"/>
+                <a:ea typeface="Menlo"/>
+                <a:cs typeface="Arial" panose="020B0604020202020204" pitchFamily="34" charset="0"/>
+              </a:rPr>
+              <a:t> ,</a:t>
+            </a:r>
+            <a:r>
+              <a:rPr lang="en-US" altLang="zh-CN" dirty="0">
+                <a:solidFill>
+                  <a:srgbClr val="222222"/>
+                </a:solidFill>
+                <a:latin typeface="Arial" panose="020B0604020202020204" pitchFamily="34" charset="0"/>
+                <a:ea typeface="Menlo"/>
+                <a:cs typeface="Arial" panose="020B0604020202020204" pitchFamily="34" charset="0"/>
+              </a:rPr>
+              <a:t>  </a:t>
+            </a:r>
+            <a:r>
+              <a:rPr lang="zh-CN" altLang="zh-CN" dirty="0">
+                <a:solidFill>
+                  <a:srgbClr val="222222"/>
+                </a:solidFill>
+                <a:latin typeface="Arial" panose="020B0604020202020204" pitchFamily="34" charset="0"/>
+                <a:ea typeface="Menlo"/>
+                <a:cs typeface="Arial" panose="020B0604020202020204" pitchFamily="34" charset="0"/>
+              </a:rPr>
+              <a:t>select: </a:t>
+            </a:r>
+            <a:r>
+              <a:rPr lang="zh-CN" altLang="zh-CN" dirty="0">
+                <a:solidFill>
+                  <a:srgbClr val="DD1144"/>
+                </a:solidFill>
+                <a:latin typeface="Arial" panose="020B0604020202020204" pitchFamily="34" charset="0"/>
+                <a:ea typeface="Menlo"/>
+                <a:cs typeface="Arial" panose="020B0604020202020204" pitchFamily="34" charset="0"/>
+              </a:rPr>
+              <a:t>'name'</a:t>
+            </a:r>
+            <a:r>
+              <a:rPr lang="zh-CN" altLang="zh-CN" dirty="0">
+                <a:solidFill>
+                  <a:srgbClr val="222222"/>
+                </a:solidFill>
+                <a:latin typeface="Arial" panose="020B0604020202020204" pitchFamily="34" charset="0"/>
+                <a:ea typeface="Menlo"/>
+                <a:cs typeface="Arial" panose="020B0604020202020204" pitchFamily="34" charset="0"/>
+              </a:rPr>
+              <a:t> ,</a:t>
+            </a:r>
+            <a:r>
+              <a:rPr lang="en-US" altLang="zh-CN" dirty="0">
+                <a:solidFill>
+                  <a:srgbClr val="222222"/>
+                </a:solidFill>
+                <a:latin typeface="Arial" panose="020B0604020202020204" pitchFamily="34" charset="0"/>
+                <a:ea typeface="Menlo"/>
+                <a:cs typeface="Arial" panose="020B0604020202020204" pitchFamily="34" charset="0"/>
+              </a:rPr>
+              <a:t> </a:t>
+            </a:r>
+            <a:r>
+              <a:rPr lang="zh-CN" altLang="zh-CN" dirty="0">
+                <a:solidFill>
+                  <a:srgbClr val="222222"/>
+                </a:solidFill>
+                <a:latin typeface="Arial" panose="020B0604020202020204" pitchFamily="34" charset="0"/>
+                <a:ea typeface="Menlo"/>
+                <a:cs typeface="Arial" panose="020B0604020202020204" pitchFamily="34" charset="0"/>
+              </a:rPr>
+              <a:t>match: { color: </a:t>
+            </a:r>
+            <a:r>
+              <a:rPr lang="zh-CN" altLang="zh-CN" dirty="0">
+                <a:solidFill>
+                  <a:srgbClr val="DD1144"/>
+                </a:solidFill>
+                <a:latin typeface="Arial" panose="020B0604020202020204" pitchFamily="34" charset="0"/>
+                <a:ea typeface="Menlo"/>
+                <a:cs typeface="Arial" panose="020B0604020202020204" pitchFamily="34" charset="0"/>
+              </a:rPr>
+              <a:t>'black'</a:t>
+            </a:r>
+            <a:r>
+              <a:rPr lang="zh-CN" altLang="zh-CN" dirty="0">
+                <a:solidFill>
+                  <a:srgbClr val="222222"/>
+                </a:solidFill>
+                <a:latin typeface="Arial" panose="020B0604020202020204" pitchFamily="34" charset="0"/>
+                <a:ea typeface="Menlo"/>
+                <a:cs typeface="Arial" panose="020B0604020202020204" pitchFamily="34" charset="0"/>
+              </a:rPr>
+              <a:t> } ,</a:t>
+            </a:r>
+            <a:r>
+              <a:rPr lang="en-US" altLang="zh-CN" dirty="0">
+                <a:solidFill>
+                  <a:srgbClr val="222222"/>
+                </a:solidFill>
+                <a:latin typeface="Arial" panose="020B0604020202020204" pitchFamily="34" charset="0"/>
+                <a:ea typeface="Menlo"/>
+                <a:cs typeface="Arial" panose="020B0604020202020204" pitchFamily="34" charset="0"/>
+              </a:rPr>
+              <a:t> </a:t>
+            </a:r>
+            <a:r>
+              <a:rPr lang="zh-CN" altLang="zh-CN" dirty="0">
+                <a:solidFill>
+                  <a:srgbClr val="222222"/>
+                </a:solidFill>
+                <a:latin typeface="Arial" panose="020B0604020202020204" pitchFamily="34" charset="0"/>
+                <a:ea typeface="Menlo"/>
+                <a:cs typeface="Arial" panose="020B0604020202020204" pitchFamily="34" charset="0"/>
+              </a:rPr>
+              <a:t>options: { sort: { name: </a:t>
+            </a:r>
+            <a:r>
+              <a:rPr lang="zh-CN" altLang="zh-CN" dirty="0">
+                <a:solidFill>
+                  <a:srgbClr val="008080"/>
+                </a:solidFill>
+                <a:latin typeface="Arial" panose="020B0604020202020204" pitchFamily="34" charset="0"/>
+                <a:ea typeface="Menlo"/>
+                <a:cs typeface="Arial" panose="020B0604020202020204" pitchFamily="34" charset="0"/>
+              </a:rPr>
+              <a:t>-1</a:t>
+            </a:r>
+            <a:r>
+              <a:rPr lang="zh-CN" altLang="zh-CN" dirty="0">
+                <a:solidFill>
+                  <a:srgbClr val="222222"/>
+                </a:solidFill>
+                <a:latin typeface="Arial" panose="020B0604020202020204" pitchFamily="34" charset="0"/>
+                <a:ea typeface="Menlo"/>
+                <a:cs typeface="Arial" panose="020B0604020202020204" pitchFamily="34" charset="0"/>
+              </a:rPr>
+              <a:t> }</a:t>
+            </a:r>
+            <a:r>
+              <a:rPr lang="en-US" altLang="zh-CN" dirty="0">
+                <a:solidFill>
+                  <a:srgbClr val="222222"/>
+                </a:solidFill>
+                <a:latin typeface="Arial" panose="020B0604020202020204" pitchFamily="34" charset="0"/>
+                <a:ea typeface="Menlo"/>
+                <a:cs typeface="Arial" panose="020B0604020202020204" pitchFamily="34" charset="0"/>
+              </a:rPr>
+              <a:t>})</a:t>
+            </a:r>
+            <a:r>
+              <a:rPr lang="zh-CN" altLang="en-US" dirty="0" smtClean="0"/>
+              <a:t>          </a:t>
+            </a:r>
+            <a:endParaRPr lang="en-US" altLang="zh-CN" dirty="0" smtClean="0"/>
+          </a:p>
+          <a:p>
+            <a:r>
+              <a:rPr lang="en-US" altLang="zh-CN" dirty="0" smtClean="0"/>
+              <a:t>     b.</a:t>
+            </a:r>
+            <a:r>
+              <a:rPr lang="zh-CN" altLang="en-US" dirty="0"/>
+              <a:t>直</a:t>
+            </a:r>
+            <a:r>
+              <a:rPr lang="zh-CN" altLang="en-US" dirty="0" smtClean="0"/>
+              <a:t>接调用</a:t>
+            </a:r>
+            <a:r>
+              <a:rPr lang="en-US" altLang="zh-CN" dirty="0" err="1" smtClean="0"/>
+              <a:t>Model.populate</a:t>
+            </a:r>
+            <a:r>
+              <a:rPr lang="en-US" altLang="zh-CN" dirty="0" smtClean="0"/>
+              <a:t>()</a:t>
+            </a:r>
+            <a:r>
+              <a:rPr lang="zh-CN" altLang="en-US" dirty="0" smtClean="0"/>
+              <a:t>方法，返回</a:t>
+            </a:r>
+            <a:r>
+              <a:rPr lang="en-US" altLang="zh-CN" dirty="0" smtClean="0"/>
+              <a:t>promise</a:t>
+            </a:r>
+            <a:endParaRPr lang="en-US" altLang="zh-CN" dirty="0"/>
+          </a:p>
+          <a:p>
+            <a:pPr marL="0" lvl="1"/>
+            <a:r>
+              <a:rPr lang="en-US" altLang="zh-CN" sz="1400" dirty="0" smtClean="0">
+                <a:solidFill>
+                  <a:srgbClr val="222222"/>
+                </a:solidFill>
+                <a:latin typeface="Arial" panose="020B0604020202020204" pitchFamily="34" charset="0"/>
+                <a:ea typeface="Menlo"/>
+                <a:cs typeface="Arial" panose="020B0604020202020204" pitchFamily="34" charset="0"/>
+              </a:rPr>
+              <a:t>                 </a:t>
+            </a:r>
+            <a:r>
+              <a:rPr lang="en-US" altLang="zh-CN" dirty="0" err="1">
+                <a:solidFill>
+                  <a:srgbClr val="222222"/>
+                </a:solidFill>
+                <a:latin typeface="Arial" panose="020B0604020202020204" pitchFamily="34" charset="0"/>
+                <a:ea typeface="Menlo"/>
+                <a:cs typeface="Arial" panose="020B0604020202020204" pitchFamily="34" charset="0"/>
+              </a:rPr>
+              <a:t>Kitten.populate</a:t>
+            </a:r>
+            <a:r>
+              <a:rPr lang="en-US" altLang="zh-CN" dirty="0">
+                <a:solidFill>
+                  <a:srgbClr val="222222"/>
+                </a:solidFill>
+                <a:latin typeface="Arial" panose="020B0604020202020204" pitchFamily="34" charset="0"/>
+                <a:ea typeface="Menlo"/>
+                <a:cs typeface="Arial" panose="020B0604020202020204" pitchFamily="34" charset="0"/>
+              </a:rPr>
+              <a:t>(docs, </a:t>
+            </a:r>
+            <a:r>
+              <a:rPr lang="zh-CN" altLang="zh-CN" dirty="0">
+                <a:solidFill>
+                  <a:srgbClr val="222222"/>
+                </a:solidFill>
+                <a:latin typeface="Arial" panose="020B0604020202020204" pitchFamily="34" charset="0"/>
+                <a:ea typeface="Menlo"/>
+                <a:cs typeface="Arial" panose="020B0604020202020204" pitchFamily="34" charset="0"/>
+              </a:rPr>
+              <a:t>{path: 'owner' ,</a:t>
+            </a:r>
+            <a:r>
+              <a:rPr lang="en-US" altLang="zh-CN" dirty="0">
+                <a:solidFill>
+                  <a:srgbClr val="222222"/>
+                </a:solidFill>
+                <a:latin typeface="Arial" panose="020B0604020202020204" pitchFamily="34" charset="0"/>
+                <a:ea typeface="Menlo"/>
+                <a:cs typeface="Arial" panose="020B0604020202020204" pitchFamily="34" charset="0"/>
+              </a:rPr>
+              <a:t>  </a:t>
+            </a:r>
+            <a:r>
+              <a:rPr lang="zh-CN" altLang="zh-CN" dirty="0">
+                <a:solidFill>
+                  <a:srgbClr val="222222"/>
+                </a:solidFill>
+                <a:latin typeface="Arial" panose="020B0604020202020204" pitchFamily="34" charset="0"/>
+                <a:ea typeface="Menlo"/>
+                <a:cs typeface="Arial" panose="020B0604020202020204" pitchFamily="34" charset="0"/>
+              </a:rPr>
+              <a:t>select: 'name' ,</a:t>
+            </a:r>
+            <a:r>
+              <a:rPr lang="en-US" altLang="zh-CN" dirty="0">
+                <a:solidFill>
+                  <a:srgbClr val="222222"/>
+                </a:solidFill>
+                <a:latin typeface="Arial" panose="020B0604020202020204" pitchFamily="34" charset="0"/>
+                <a:ea typeface="Menlo"/>
+                <a:cs typeface="Arial" panose="020B0604020202020204" pitchFamily="34" charset="0"/>
+              </a:rPr>
+              <a:t> </a:t>
+            </a:r>
+            <a:r>
+              <a:rPr lang="zh-CN" altLang="zh-CN" dirty="0">
+                <a:solidFill>
+                  <a:srgbClr val="222222"/>
+                </a:solidFill>
+                <a:latin typeface="Arial" panose="020B0604020202020204" pitchFamily="34" charset="0"/>
+                <a:ea typeface="Menlo"/>
+                <a:cs typeface="Arial" panose="020B0604020202020204" pitchFamily="34" charset="0"/>
+              </a:rPr>
+              <a:t>match: { color: 'black' } ,</a:t>
+            </a:r>
+            <a:r>
+              <a:rPr lang="en-US" altLang="zh-CN" dirty="0">
+                <a:solidFill>
+                  <a:srgbClr val="222222"/>
+                </a:solidFill>
+                <a:latin typeface="Arial" panose="020B0604020202020204" pitchFamily="34" charset="0"/>
+                <a:ea typeface="Menlo"/>
+                <a:cs typeface="Arial" panose="020B0604020202020204" pitchFamily="34" charset="0"/>
+              </a:rPr>
+              <a:t> </a:t>
+            </a:r>
+            <a:r>
+              <a:rPr lang="zh-CN" altLang="zh-CN" dirty="0">
+                <a:solidFill>
+                  <a:srgbClr val="222222"/>
+                </a:solidFill>
+                <a:latin typeface="Arial" panose="020B0604020202020204" pitchFamily="34" charset="0"/>
+                <a:ea typeface="Menlo"/>
+                <a:cs typeface="Arial" panose="020B0604020202020204" pitchFamily="34" charset="0"/>
+              </a:rPr>
+              <a:t>options: { sort: { name: -1 }</a:t>
+            </a:r>
+            <a:r>
+              <a:rPr lang="en-US" altLang="zh-CN" dirty="0">
+                <a:solidFill>
+                  <a:srgbClr val="222222"/>
+                </a:solidFill>
+                <a:latin typeface="Arial" panose="020B0604020202020204" pitchFamily="34" charset="0"/>
+                <a:ea typeface="Menlo"/>
+                <a:cs typeface="Arial" panose="020B0604020202020204" pitchFamily="34" charset="0"/>
+              </a:rPr>
+              <a:t>})</a:t>
+            </a:r>
+          </a:p>
+          <a:p>
+            <a:pPr marL="0" lvl="1"/>
+            <a:r>
+              <a:rPr lang="zh-CN" altLang="zh-CN" dirty="0">
+                <a:solidFill>
+                  <a:srgbClr val="222222"/>
+                </a:solidFill>
+                <a:latin typeface="Arial" panose="020B0604020202020204" pitchFamily="34" charset="0"/>
+                <a:ea typeface="Menlo"/>
+                <a:cs typeface="Arial" panose="020B0604020202020204" pitchFamily="34" charset="0"/>
+              </a:rPr>
+              <a:t>.</a:t>
+            </a:r>
+            <a:endParaRPr lang="en-US" altLang="zh-CN" dirty="0">
+              <a:solidFill>
+                <a:srgbClr val="222222"/>
+              </a:solidFill>
+              <a:latin typeface="Arial" panose="020B0604020202020204" pitchFamily="34" charset="0"/>
+              <a:ea typeface="Menlo"/>
+              <a:cs typeface="Arial" panose="020B0604020202020204" pitchFamily="34" charset="0"/>
+            </a:endParaRPr>
+          </a:p>
+          <a:p>
+            <a:pPr lvl="1"/>
+            <a:endParaRPr lang="en-US" altLang="zh-CN" sz="1400" dirty="0">
+              <a:latin typeface="Arial" panose="020B0604020202020204" pitchFamily="34" charset="0"/>
+              <a:cs typeface="Arial" panose="020B0604020202020204" pitchFamily="34" charset="0"/>
+            </a:endParaRPr>
+          </a:p>
+          <a:p>
+            <a:endParaRPr lang="en-US" altLang="zh-CN" dirty="0" smtClean="0"/>
+          </a:p>
+          <a:p>
+            <a:r>
+              <a:rPr lang="en-US" altLang="zh-CN" dirty="0"/>
+              <a:t> </a:t>
+            </a:r>
+            <a:r>
+              <a:rPr lang="en-US" altLang="zh-CN" dirty="0" smtClean="0"/>
+              <a:t>      </a:t>
+            </a:r>
+          </a:p>
+        </p:txBody>
+      </p:sp>
+      <p:sp>
+        <p:nvSpPr>
+          <p:cNvPr id="8" name="Rectangle 4"/>
+          <p:cNvSpPr>
+            <a:spLocks noChangeArrowheads="1"/>
+          </p:cNvSpPr>
+          <p:nvPr/>
+        </p:nvSpPr>
+        <p:spPr bwMode="auto">
+          <a:xfrm>
+            <a:off x="0" y="26000"/>
+            <a:ext cx="65" cy="405199"/>
+          </a:xfrm>
+          <a:prstGeom prst="rect">
+            <a:avLst/>
+          </a:prstGeom>
+          <a:solidFill>
+            <a:srgbClr val="F5F5F5"/>
+          </a:solidFill>
+          <a:ln>
+            <a:noFill/>
+          </a:ln>
+          <a:effectLst/>
+          <a:extLst>
+            <a:ext uri="{91240B29-F687-4F45-9708-019B960494DF}">
+              <a14:hiddenLine xmlns:a14="http://schemas.microsoft.com/office/drawing/2010/main" w="9525">
+                <a:solidFill>
+                  <a:schemeClr val="tx1"/>
+                </a:solidFill>
+                <a:miter lim="800000"/>
+                <a:headEnd/>
+                <a:tailEnd/>
+              </a14:hiddenLine>
+            </a:ext>
+            <a:ext uri="{AF507438-7753-43E0-B8FC-AC1667EBCBE1}">
+              <a14:hiddenEffects xmlns:a14="http://schemas.microsoft.com/office/drawing/2010/main">
+                <a:effectLst>
+                  <a:outerShdw dist="35921" dir="2700000" algn="ctr" rotWithShape="0">
+                    <a:schemeClr val="bg2"/>
+                  </a:outerShdw>
+                </a:effectLst>
+              </a14:hiddenEffects>
+            </a:ext>
+          </a:extLst>
+        </p:spPr>
+        <p:txBody>
+          <a:bodyPr vert="horz" wrap="none" lIns="0" tIns="63480" rIns="0" bIns="63480" numCol="1" anchor="ctr" anchorCtr="0" compatLnSpc="1">
+            <a:prstTxWarp prst="textNoShape">
+              <a:avLst/>
+            </a:prstTxWarp>
+            <a:spAutoFit/>
+          </a:bodyPr>
+          <a:lstStyle/>
+          <a:p>
+            <a:pPr marL="0" marR="0" lvl="0" indent="0" algn="l" defTabSz="914400" rtl="0" eaLnBrk="0" fontAlgn="base" latinLnBrk="0" hangingPunct="0">
+              <a:lnSpc>
+                <a:spcPct val="100000"/>
+              </a:lnSpc>
+              <a:spcBef>
+                <a:spcPct val="0"/>
+              </a:spcBef>
+              <a:spcAft>
+                <a:spcPct val="0"/>
+              </a:spcAft>
+              <a:buClrTx/>
+              <a:buSzTx/>
+              <a:buFontTx/>
+              <a:buNone/>
+              <a:tabLst/>
+            </a:pPr>
+            <a:endParaRPr kumimoji="0" lang="zh-CN" altLang="zh-CN" sz="1800" b="0" i="0" u="none" strike="noStrike" cap="none" normalizeH="0" baseline="0" dirty="0" smtClean="0">
+              <a:ln>
+                <a:noFill/>
+              </a:ln>
+              <a:solidFill>
+                <a:schemeClr val="tx1"/>
+              </a:solidFill>
+              <a:effectLst/>
+              <a:latin typeface="Arial" panose="020B0604020202020204" pitchFamily="34" charset="0"/>
+            </a:endParaRPr>
+          </a:p>
+        </p:txBody>
+      </p:sp>
+    </p:spTree>
+    <p:extLst>
+      <p:ext uri="{BB962C8B-B14F-4D97-AF65-F5344CB8AC3E}">
+        <p14:creationId xmlns:p14="http://schemas.microsoft.com/office/powerpoint/2010/main" val="1738718764"/>
+      </p:ext>
+    </p:extLst>
+  </p:cSld>
+  <p:clrMapOvr>
+    <a:masterClrMapping/>
+  </p:clrMapOvr>
+  <p:timing>
+    <p:tnLst>
+      <p:par>
+        <p:cTn id="1" dur="indefinite" restart="never" nodeType="tmRoot"/>
+      </p:par>
+    </p:tnLst>
   </p:timing>
 </p:sld>
 </file>
